--- a/Outputs/Figure 1 Predictions.pptx
+++ b/Outputs/Figure 1 Predictions.pptx
@@ -304,7 +304,7 @@
           <a:p>
             <a:fld id="{EA292604-F11B-4C4D-9FD7-9191CB216B3A}" type="datetimeFigureOut">
               <a:rPr lang="nl-NL" smtClean="0"/>
-              <a:t>15-7-2021</a:t>
+              <a:t>6-9-2021</a:t>
             </a:fld>
             <a:endParaRPr lang="nl-NL"/>
           </a:p>
@@ -474,7 +474,7 @@
           <a:p>
             <a:fld id="{EA292604-F11B-4C4D-9FD7-9191CB216B3A}" type="datetimeFigureOut">
               <a:rPr lang="nl-NL" smtClean="0"/>
-              <a:t>15-7-2021</a:t>
+              <a:t>6-9-2021</a:t>
             </a:fld>
             <a:endParaRPr lang="nl-NL"/>
           </a:p>
@@ -654,7 +654,7 @@
           <a:p>
             <a:fld id="{EA292604-F11B-4C4D-9FD7-9191CB216B3A}" type="datetimeFigureOut">
               <a:rPr lang="nl-NL" smtClean="0"/>
-              <a:t>15-7-2021</a:t>
+              <a:t>6-9-2021</a:t>
             </a:fld>
             <a:endParaRPr lang="nl-NL"/>
           </a:p>
@@ -824,7 +824,7 @@
           <a:p>
             <a:fld id="{EA292604-F11B-4C4D-9FD7-9191CB216B3A}" type="datetimeFigureOut">
               <a:rPr lang="nl-NL" smtClean="0"/>
-              <a:t>15-7-2021</a:t>
+              <a:t>6-9-2021</a:t>
             </a:fld>
             <a:endParaRPr lang="nl-NL"/>
           </a:p>
@@ -1070,7 +1070,7 @@
           <a:p>
             <a:fld id="{EA292604-F11B-4C4D-9FD7-9191CB216B3A}" type="datetimeFigureOut">
               <a:rPr lang="nl-NL" smtClean="0"/>
-              <a:t>15-7-2021</a:t>
+              <a:t>6-9-2021</a:t>
             </a:fld>
             <a:endParaRPr lang="nl-NL"/>
           </a:p>
@@ -1358,7 +1358,7 @@
           <a:p>
             <a:fld id="{EA292604-F11B-4C4D-9FD7-9191CB216B3A}" type="datetimeFigureOut">
               <a:rPr lang="nl-NL" smtClean="0"/>
-              <a:t>15-7-2021</a:t>
+              <a:t>6-9-2021</a:t>
             </a:fld>
             <a:endParaRPr lang="nl-NL"/>
           </a:p>
@@ -1780,7 +1780,7 @@
           <a:p>
             <a:fld id="{EA292604-F11B-4C4D-9FD7-9191CB216B3A}" type="datetimeFigureOut">
               <a:rPr lang="nl-NL" smtClean="0"/>
-              <a:t>15-7-2021</a:t>
+              <a:t>6-9-2021</a:t>
             </a:fld>
             <a:endParaRPr lang="nl-NL"/>
           </a:p>
@@ -1898,7 +1898,7 @@
           <a:p>
             <a:fld id="{EA292604-F11B-4C4D-9FD7-9191CB216B3A}" type="datetimeFigureOut">
               <a:rPr lang="nl-NL" smtClean="0"/>
-              <a:t>15-7-2021</a:t>
+              <a:t>6-9-2021</a:t>
             </a:fld>
             <a:endParaRPr lang="nl-NL"/>
           </a:p>
@@ -1993,7 +1993,7 @@
           <a:p>
             <a:fld id="{EA292604-F11B-4C4D-9FD7-9191CB216B3A}" type="datetimeFigureOut">
               <a:rPr lang="nl-NL" smtClean="0"/>
-              <a:t>15-7-2021</a:t>
+              <a:t>6-9-2021</a:t>
             </a:fld>
             <a:endParaRPr lang="nl-NL"/>
           </a:p>
@@ -2270,7 +2270,7 @@
           <a:p>
             <a:fld id="{EA292604-F11B-4C4D-9FD7-9191CB216B3A}" type="datetimeFigureOut">
               <a:rPr lang="nl-NL" smtClean="0"/>
-              <a:t>15-7-2021</a:t>
+              <a:t>6-9-2021</a:t>
             </a:fld>
             <a:endParaRPr lang="nl-NL"/>
           </a:p>
@@ -2523,7 +2523,7 @@
           <a:p>
             <a:fld id="{EA292604-F11B-4C4D-9FD7-9191CB216B3A}" type="datetimeFigureOut">
               <a:rPr lang="nl-NL" smtClean="0"/>
-              <a:t>15-7-2021</a:t>
+              <a:t>6-9-2021</a:t>
             </a:fld>
             <a:endParaRPr lang="nl-NL"/>
           </a:p>
@@ -2736,7 +2736,7 @@
           <a:p>
             <a:fld id="{EA292604-F11B-4C4D-9FD7-9191CB216B3A}" type="datetimeFigureOut">
               <a:rPr lang="nl-NL" smtClean="0"/>
-              <a:t>15-7-2021</a:t>
+              <a:t>6-9-2021</a:t>
             </a:fld>
             <a:endParaRPr lang="nl-NL"/>
           </a:p>
@@ -3113,7 +3113,7 @@
       </p:grpSpPr>
       <p:grpSp>
         <p:nvGrpSpPr>
-          <p:cNvPr id="19" name="Group 18"/>
+          <p:cNvPr id="22" name="Group 21"/>
           <p:cNvGrpSpPr/>
           <p:nvPr/>
         </p:nvGrpSpPr>
@@ -3127,7 +3127,7 @@
         </p:grpSpPr>
         <p:grpSp>
           <p:nvGrpSpPr>
-            <p:cNvPr id="17" name="Group 16"/>
+            <p:cNvPr id="19" name="Group 18"/>
             <p:cNvGrpSpPr/>
             <p:nvPr/>
           </p:nvGrpSpPr>
@@ -3139,271 +3139,836 @@
               <a:chExt cx="7109370" cy="6117273"/>
             </a:xfrm>
           </p:grpSpPr>
-          <p:sp>
-            <p:nvSpPr>
-              <p:cNvPr id="49" name="TextBox 48"/>
-              <p:cNvSpPr txBox="1"/>
-              <p:nvPr/>
-            </p:nvSpPr>
-            <p:spPr>
-              <a:xfrm>
-                <a:off x="1266947" y="5135635"/>
-                <a:ext cx="4324106" cy="430887"/>
-              </a:xfrm>
-              <a:prstGeom prst="rect">
-                <a:avLst/>
-              </a:prstGeom>
-              <a:noFill/>
-            </p:spPr>
-            <p:txBody>
-              <a:bodyPr wrap="square" rtlCol="0">
-                <a:spAutoFit/>
-              </a:bodyPr>
-              <a:lstStyle/>
-              <a:p>
-                <a:pPr algn="ctr"/>
-                <a:r>
-                  <a:rPr lang="en-US" sz="1050" b="1" dirty="0" smtClean="0">
-                    <a:latin typeface="Arial" panose="020B0604020202020204" pitchFamily="34" charset="0"/>
-                    <a:cs typeface="Arial" panose="020B0604020202020204" pitchFamily="34" charset="0"/>
-                  </a:rPr>
-                  <a:t>Q4</a:t>
-                </a:r>
-                <a:r>
-                  <a:rPr lang="en-US" sz="1050" dirty="0" smtClean="0">
-                    <a:latin typeface="Arial" panose="020B0604020202020204" pitchFamily="34" charset="0"/>
-                    <a:cs typeface="Arial" panose="020B0604020202020204" pitchFamily="34" charset="0"/>
-                  </a:rPr>
-                  <a:t>: </a:t>
-                </a:r>
-                <a:r>
-                  <a:rPr lang="en-US" sz="1050" dirty="0">
-                    <a:latin typeface="Arial" panose="020B0604020202020204" pitchFamily="34" charset="0"/>
-                    <a:cs typeface="Arial" panose="020B0604020202020204" pitchFamily="34" charset="0"/>
-                  </a:rPr>
-                  <a:t>Does cell size affect temperature-and-oxygen </a:t>
-                </a:r>
-                <a:r>
-                  <a:rPr lang="en-US" sz="1050" dirty="0" smtClean="0">
-                    <a:latin typeface="Arial" panose="020B0604020202020204" pitchFamily="34" charset="0"/>
-                    <a:cs typeface="Arial" panose="020B0604020202020204" pitchFamily="34" charset="0"/>
-                  </a:rPr>
-                  <a:t>dependence </a:t>
-                </a:r>
-                <a:r>
-                  <a:rPr lang="en-US" sz="1050" dirty="0">
-                    <a:latin typeface="Arial" panose="020B0604020202020204" pitchFamily="34" charset="0"/>
-                    <a:cs typeface="Arial" panose="020B0604020202020204" pitchFamily="34" charset="0"/>
-                  </a:rPr>
-                  <a:t>of body </a:t>
-                </a:r>
-                <a:r>
-                  <a:rPr lang="en-US" sz="1050" dirty="0" smtClean="0">
-                    <a:latin typeface="Arial" panose="020B0604020202020204" pitchFamily="34" charset="0"/>
-                    <a:cs typeface="Arial" panose="020B0604020202020204" pitchFamily="34" charset="0"/>
-                  </a:rPr>
-                  <a:t>size changes?</a:t>
-                </a:r>
-                <a:endParaRPr lang="en-US" sz="1050" dirty="0">
-                  <a:latin typeface="Arial" panose="020B0604020202020204" pitchFamily="34" charset="0"/>
-                  <a:cs typeface="Arial" panose="020B0604020202020204" pitchFamily="34" charset="0"/>
-                </a:endParaRPr>
-              </a:p>
-            </p:txBody>
-          </p:sp>
-          <p:sp>
-            <p:nvSpPr>
-              <p:cNvPr id="40" name="TextBox 39"/>
-              <p:cNvSpPr txBox="1"/>
-              <p:nvPr/>
-            </p:nvSpPr>
-            <p:spPr>
-              <a:xfrm>
-                <a:off x="2133600" y="1729393"/>
-                <a:ext cx="2590800" cy="430887"/>
-              </a:xfrm>
-              <a:prstGeom prst="rect">
-                <a:avLst/>
-              </a:prstGeom>
-              <a:noFill/>
-            </p:spPr>
-            <p:txBody>
-              <a:bodyPr wrap="square" rtlCol="0">
-                <a:spAutoFit/>
-              </a:bodyPr>
-              <a:lstStyle/>
-              <a:p>
-                <a:pPr algn="ctr"/>
-                <a:r>
-                  <a:rPr lang="en-US" sz="1050" b="1" dirty="0">
-                    <a:latin typeface="Arial" panose="020B0604020202020204" pitchFamily="34" charset="0"/>
-                    <a:cs typeface="Arial" panose="020B0604020202020204" pitchFamily="34" charset="0"/>
-                  </a:rPr>
-                  <a:t>Q2</a:t>
-                </a:r>
-                <a:r>
-                  <a:rPr lang="en-US" sz="1050" dirty="0">
-                    <a:latin typeface="Arial" panose="020B0604020202020204" pitchFamily="34" charset="0"/>
-                    <a:cs typeface="Arial" panose="020B0604020202020204" pitchFamily="34" charset="0"/>
-                  </a:rPr>
-                  <a:t>: Does </a:t>
-                </a:r>
-                <a:r>
-                  <a:rPr lang="en-US" sz="1050" dirty="0" smtClean="0">
-                    <a:latin typeface="Arial" panose="020B0604020202020204" pitchFamily="34" charset="0"/>
-                    <a:cs typeface="Arial" panose="020B0604020202020204" pitchFamily="34" charset="0"/>
-                  </a:rPr>
-                  <a:t>developing </a:t>
-                </a:r>
-                <a:r>
-                  <a:rPr lang="en-US" sz="1050" dirty="0">
-                    <a:latin typeface="Arial" panose="020B0604020202020204" pitchFamily="34" charset="0"/>
-                    <a:cs typeface="Arial" panose="020B0604020202020204" pitchFamily="34" charset="0"/>
-                  </a:rPr>
-                  <a:t>oxygen affect body size-related traits?</a:t>
-                </a:r>
-              </a:p>
-            </p:txBody>
-          </p:sp>
           <p:grpSp>
             <p:nvGrpSpPr>
-              <p:cNvPr id="4" name="Group 3"/>
+              <p:cNvPr id="17" name="Group 16"/>
               <p:cNvGrpSpPr/>
               <p:nvPr/>
             </p:nvGrpSpPr>
             <p:grpSpPr>
               <a:xfrm>
-                <a:off x="2244004" y="2329971"/>
-                <a:ext cx="2213899" cy="2269876"/>
-                <a:chOff x="3688822" y="2360066"/>
-                <a:chExt cx="2213899" cy="2269876"/>
+                <a:off x="-98970" y="1721840"/>
+                <a:ext cx="7109370" cy="6117273"/>
+                <a:chOff x="-98970" y="1721840"/>
+                <a:chExt cx="7109370" cy="6117273"/>
               </a:xfrm>
             </p:grpSpPr>
             <p:sp>
               <p:nvSpPr>
-                <p:cNvPr id="84" name="Rectangle 83"/>
-                <p:cNvSpPr/>
+                <p:cNvPr id="49" name="TextBox 48"/>
+                <p:cNvSpPr txBox="1"/>
                 <p:nvPr/>
               </p:nvSpPr>
               <p:spPr>
                 <a:xfrm>
-                  <a:off x="4029441" y="4090189"/>
-                  <a:ext cx="1868243" cy="281305"/>
+                  <a:off x="1266947" y="5135635"/>
+                  <a:ext cx="4324106" cy="430887"/>
                 </a:xfrm>
                 <a:prstGeom prst="rect">
                   <a:avLst/>
                 </a:prstGeom>
-                <a:gradFill flip="none" rotWithShape="1">
-                  <a:gsLst>
-                    <a:gs pos="69000">
-                      <a:srgbClr val="00B050"/>
-                    </a:gs>
-                    <a:gs pos="15000">
-                      <a:srgbClr val="FFC000"/>
-                    </a:gs>
-                  </a:gsLst>
-                  <a:lin ang="0" scaled="1"/>
-                  <a:tileRect/>
-                </a:gradFill>
-                <a:ln>
-                  <a:noFill/>
-                </a:ln>
+                <a:noFill/>
               </p:spPr>
-              <p:style>
-                <a:lnRef idx="2">
-                  <a:schemeClr val="accent1">
-                    <a:shade val="50000"/>
-                  </a:schemeClr>
-                </a:lnRef>
-                <a:fillRef idx="1">
-                  <a:schemeClr val="accent1"/>
-                </a:fillRef>
-                <a:effectRef idx="0">
-                  <a:schemeClr val="accent1"/>
-                </a:effectRef>
-                <a:fontRef idx="minor">
-                  <a:schemeClr val="lt1"/>
-                </a:fontRef>
-              </p:style>
               <p:txBody>
-                <a:bodyPr rtlCol="0" anchor="ctr"/>
+                <a:bodyPr wrap="square" rtlCol="0">
+                  <a:spAutoFit/>
+                </a:bodyPr>
                 <a:lstStyle/>
                 <a:p>
                   <a:pPr algn="ctr"/>
-                  <a:endParaRPr lang="en-US" sz="2400"/>
+                  <a:r>
+                    <a:rPr lang="en-US" sz="1050" b="1" dirty="0" smtClean="0">
+                      <a:latin typeface="Arial" panose="020B0604020202020204" pitchFamily="34" charset="0"/>
+                      <a:cs typeface="Arial" panose="020B0604020202020204" pitchFamily="34" charset="0"/>
+                    </a:rPr>
+                    <a:t>Q4</a:t>
+                  </a:r>
+                  <a:r>
+                    <a:rPr lang="en-US" sz="1050" dirty="0" smtClean="0">
+                      <a:latin typeface="Arial" panose="020B0604020202020204" pitchFamily="34" charset="0"/>
+                      <a:cs typeface="Arial" panose="020B0604020202020204" pitchFamily="34" charset="0"/>
+                    </a:rPr>
+                    <a:t>: </a:t>
+                  </a:r>
+                  <a:r>
+                    <a:rPr lang="en-US" sz="1050" dirty="0">
+                      <a:latin typeface="Arial" panose="020B0604020202020204" pitchFamily="34" charset="0"/>
+                      <a:cs typeface="Arial" panose="020B0604020202020204" pitchFamily="34" charset="0"/>
+                    </a:rPr>
+                    <a:t>Does cell size affect temperature-and-oxygen </a:t>
+                  </a:r>
+                  <a:r>
+                    <a:rPr lang="en-US" sz="1050" dirty="0" smtClean="0">
+                      <a:latin typeface="Arial" panose="020B0604020202020204" pitchFamily="34" charset="0"/>
+                      <a:cs typeface="Arial" panose="020B0604020202020204" pitchFamily="34" charset="0"/>
+                    </a:rPr>
+                    <a:t>dependence </a:t>
+                  </a:r>
+                  <a:r>
+                    <a:rPr lang="en-US" sz="1050" dirty="0">
+                      <a:latin typeface="Arial" panose="020B0604020202020204" pitchFamily="34" charset="0"/>
+                      <a:cs typeface="Arial" panose="020B0604020202020204" pitchFamily="34" charset="0"/>
+                    </a:rPr>
+                    <a:t>of body </a:t>
+                  </a:r>
+                  <a:r>
+                    <a:rPr lang="en-US" sz="1050" dirty="0" smtClean="0">
+                      <a:latin typeface="Arial" panose="020B0604020202020204" pitchFamily="34" charset="0"/>
+                      <a:cs typeface="Arial" panose="020B0604020202020204" pitchFamily="34" charset="0"/>
+                    </a:rPr>
+                    <a:t>size changes?</a:t>
+                  </a:r>
+                  <a:endParaRPr lang="en-US" sz="1050" dirty="0">
+                    <a:latin typeface="Arial" panose="020B0604020202020204" pitchFamily="34" charset="0"/>
+                    <a:cs typeface="Arial" panose="020B0604020202020204" pitchFamily="34" charset="0"/>
+                  </a:endParaRPr>
+                </a:p>
+              </p:txBody>
+            </p:sp>
+            <p:sp>
+              <p:nvSpPr>
+                <p:cNvPr id="40" name="TextBox 39"/>
+                <p:cNvSpPr txBox="1"/>
+                <p:nvPr/>
+              </p:nvSpPr>
+              <p:spPr>
+                <a:xfrm>
+                  <a:off x="2133600" y="1729393"/>
+                  <a:ext cx="2590800" cy="430887"/>
+                </a:xfrm>
+                <a:prstGeom prst="rect">
+                  <a:avLst/>
+                </a:prstGeom>
+                <a:noFill/>
+              </p:spPr>
+              <p:txBody>
+                <a:bodyPr wrap="square" rtlCol="0">
+                  <a:spAutoFit/>
+                </a:bodyPr>
+                <a:lstStyle/>
+                <a:p>
+                  <a:pPr algn="ctr"/>
+                  <a:r>
+                    <a:rPr lang="en-US" sz="1050" b="1" dirty="0">
+                      <a:latin typeface="Arial" panose="020B0604020202020204" pitchFamily="34" charset="0"/>
+                      <a:cs typeface="Arial" panose="020B0604020202020204" pitchFamily="34" charset="0"/>
+                    </a:rPr>
+                    <a:t>Q2</a:t>
+                  </a:r>
+                  <a:r>
+                    <a:rPr lang="en-US" sz="1050" dirty="0">
+                      <a:latin typeface="Arial" panose="020B0604020202020204" pitchFamily="34" charset="0"/>
+                      <a:cs typeface="Arial" panose="020B0604020202020204" pitchFamily="34" charset="0"/>
+                    </a:rPr>
+                    <a:t>: Does </a:t>
+                  </a:r>
+                  <a:r>
+                    <a:rPr lang="en-US" sz="1050" dirty="0" smtClean="0">
+                      <a:latin typeface="Arial" panose="020B0604020202020204" pitchFamily="34" charset="0"/>
+                      <a:cs typeface="Arial" panose="020B0604020202020204" pitchFamily="34" charset="0"/>
+                    </a:rPr>
+                    <a:t>developing </a:t>
+                  </a:r>
+                  <a:r>
+                    <a:rPr lang="en-US" sz="1050" dirty="0">
+                      <a:latin typeface="Arial" panose="020B0604020202020204" pitchFamily="34" charset="0"/>
+                      <a:cs typeface="Arial" panose="020B0604020202020204" pitchFamily="34" charset="0"/>
+                    </a:rPr>
+                    <a:t>oxygen affect body size-related traits?</a:t>
+                  </a:r>
                 </a:p>
               </p:txBody>
             </p:sp>
             <p:grpSp>
               <p:nvGrpSpPr>
-                <p:cNvPr id="54" name="Group 53"/>
+                <p:cNvPr id="4" name="Group 3"/>
                 <p:cNvGrpSpPr/>
                 <p:nvPr/>
               </p:nvGrpSpPr>
               <p:grpSpPr>
                 <a:xfrm>
-                  <a:off x="3688822" y="2360066"/>
+                  <a:off x="2244004" y="2329971"/>
                   <a:ext cx="2213899" cy="2269876"/>
-                  <a:chOff x="6134626" y="3055250"/>
-                  <a:chExt cx="1660424" cy="1702407"/>
+                  <a:chOff x="3688822" y="2360066"/>
+                  <a:chExt cx="2213899" cy="2269876"/>
                 </a:xfrm>
               </p:grpSpPr>
               <p:sp>
                 <p:nvSpPr>
-                  <p:cNvPr id="55" name="TextBox 54"/>
-                  <p:cNvSpPr txBox="1"/>
+                  <p:cNvPr id="84" name="Rectangle 83"/>
+                  <p:cNvSpPr/>
                   <p:nvPr/>
                 </p:nvSpPr>
                 <p:spPr>
                   <a:xfrm>
-                    <a:off x="6802165" y="4549908"/>
-                    <a:ext cx="611030" cy="207749"/>
+                    <a:off x="4029441" y="4090189"/>
+                    <a:ext cx="1868243" cy="281305"/>
                   </a:xfrm>
                   <a:prstGeom prst="rect">
                     <a:avLst/>
                   </a:prstGeom>
-                  <a:noFill/>
+                  <a:gradFill flip="none" rotWithShape="1">
+                    <a:gsLst>
+                      <a:gs pos="69000">
+                        <a:srgbClr val="00B050"/>
+                      </a:gs>
+                      <a:gs pos="15000">
+                        <a:srgbClr val="FFC000"/>
+                      </a:gs>
+                    </a:gsLst>
+                    <a:lin ang="0" scaled="1"/>
+                    <a:tileRect/>
+                  </a:gradFill>
+                  <a:ln>
+                    <a:noFill/>
+                  </a:ln>
                 </p:spPr>
+                <p:style>
+                  <a:lnRef idx="2">
+                    <a:schemeClr val="accent1">
+                      <a:shade val="50000"/>
+                    </a:schemeClr>
+                  </a:lnRef>
+                  <a:fillRef idx="1">
+                    <a:schemeClr val="accent1"/>
+                  </a:fillRef>
+                  <a:effectRef idx="0">
+                    <a:schemeClr val="accent1"/>
+                  </a:effectRef>
+                  <a:fontRef idx="minor">
+                    <a:schemeClr val="lt1"/>
+                  </a:fontRef>
+                </p:style>
                 <p:txBody>
-                  <a:bodyPr wrap="square" rtlCol="0">
-                    <a:spAutoFit/>
-                  </a:bodyPr>
+                  <a:bodyPr rtlCol="0" anchor="ctr"/>
                   <a:lstStyle/>
                   <a:p>
-                    <a:r>
-                      <a:rPr lang="en-US" sz="1200" b="1" dirty="0">
-                        <a:latin typeface="Arial" panose="020B0604020202020204" pitchFamily="34" charset="0"/>
-                        <a:cs typeface="Arial" panose="020B0604020202020204" pitchFamily="34" charset="0"/>
-                      </a:rPr>
-                      <a:t>Oxygen</a:t>
-                    </a:r>
+                    <a:pPr algn="ctr"/>
+                    <a:endParaRPr lang="en-US" sz="2400"/>
                   </a:p>
                 </p:txBody>
               </p:sp>
               <p:grpSp>
                 <p:nvGrpSpPr>
-                  <p:cNvPr id="57" name="Group 56"/>
+                  <p:cNvPr id="54" name="Group 53"/>
                   <p:cNvGrpSpPr/>
                   <p:nvPr/>
                 </p:nvGrpSpPr>
                 <p:grpSpPr>
                   <a:xfrm>
-                    <a:off x="6396961" y="3055250"/>
-                    <a:ext cx="1398089" cy="1316051"/>
-                    <a:chOff x="678001" y="1687400"/>
-                    <a:chExt cx="2653537" cy="2220706"/>
+                    <a:off x="3688822" y="2360066"/>
+                    <a:ext cx="2213899" cy="2269876"/>
+                    <a:chOff x="6134626" y="3055250"/>
+                    <a:chExt cx="1660424" cy="1702407"/>
                   </a:xfrm>
                 </p:grpSpPr>
+                <p:sp>
+                  <p:nvSpPr>
+                    <p:cNvPr id="55" name="TextBox 54"/>
+                    <p:cNvSpPr txBox="1"/>
+                    <p:nvPr/>
+                  </p:nvSpPr>
+                  <p:spPr>
+                    <a:xfrm>
+                      <a:off x="6802165" y="4549908"/>
+                      <a:ext cx="611030" cy="207749"/>
+                    </a:xfrm>
+                    <a:prstGeom prst="rect">
+                      <a:avLst/>
+                    </a:prstGeom>
+                    <a:noFill/>
+                  </p:spPr>
+                  <p:txBody>
+                    <a:bodyPr wrap="square" rtlCol="0">
+                      <a:spAutoFit/>
+                    </a:bodyPr>
+                    <a:lstStyle/>
+                    <a:p>
+                      <a:r>
+                        <a:rPr lang="en-US" sz="1200" b="1" dirty="0">
+                          <a:latin typeface="Arial" panose="020B0604020202020204" pitchFamily="34" charset="0"/>
+                          <a:cs typeface="Arial" panose="020B0604020202020204" pitchFamily="34" charset="0"/>
+                        </a:rPr>
+                        <a:t>Oxygen</a:t>
+                      </a:r>
+                    </a:p>
+                  </p:txBody>
+                </p:sp>
+                <p:grpSp>
+                  <p:nvGrpSpPr>
+                    <p:cNvPr id="57" name="Group 56"/>
+                    <p:cNvGrpSpPr/>
+                    <p:nvPr/>
+                  </p:nvGrpSpPr>
+                  <p:grpSpPr>
+                    <a:xfrm>
+                      <a:off x="6396961" y="3055250"/>
+                      <a:ext cx="1398089" cy="1316051"/>
+                      <a:chOff x="678001" y="1687400"/>
+                      <a:chExt cx="2653537" cy="2220706"/>
+                    </a:xfrm>
+                  </p:grpSpPr>
+                  <p:cxnSp>
+                    <p:nvCxnSpPr>
+                      <p:cNvPr id="59" name="Straight Connector 58"/>
+                      <p:cNvCxnSpPr/>
+                      <p:nvPr/>
+                    </p:nvCxnSpPr>
+                    <p:spPr>
+                      <a:xfrm>
+                        <a:off x="678001" y="1687400"/>
+                        <a:ext cx="11295" cy="2220706"/>
+                      </a:xfrm>
+                      <a:prstGeom prst="line">
+                        <a:avLst/>
+                      </a:prstGeom>
+                      <a:ln w="38100">
+                        <a:headEnd type="arrow" w="med" len="med"/>
+                        <a:tailEnd type="none" w="med" len="med"/>
+                      </a:ln>
+                    </p:spPr>
+                    <p:style>
+                      <a:lnRef idx="1">
+                        <a:schemeClr val="dk1"/>
+                      </a:lnRef>
+                      <a:fillRef idx="0">
+                        <a:schemeClr val="dk1"/>
+                      </a:fillRef>
+                      <a:effectRef idx="0">
+                        <a:schemeClr val="dk1"/>
+                      </a:effectRef>
+                      <a:fontRef idx="minor">
+                        <a:schemeClr val="tx1"/>
+                      </a:fontRef>
+                    </p:style>
+                  </p:cxnSp>
+                  <p:cxnSp>
+                    <p:nvCxnSpPr>
+                      <p:cNvPr id="60" name="Straight Connector 59"/>
+                      <p:cNvCxnSpPr/>
+                      <p:nvPr/>
+                    </p:nvCxnSpPr>
+                    <p:spPr>
+                      <a:xfrm flipH="1">
+                        <a:off x="682300" y="3884312"/>
+                        <a:ext cx="2649238" cy="227"/>
+                      </a:xfrm>
+                      <a:prstGeom prst="line">
+                        <a:avLst/>
+                      </a:prstGeom>
+                      <a:ln w="38100">
+                        <a:headEnd type="arrow" w="med" len="med"/>
+                        <a:tailEnd type="none" w="med" len="med"/>
+                      </a:ln>
+                    </p:spPr>
+                    <p:style>
+                      <a:lnRef idx="1">
+                        <a:schemeClr val="dk1"/>
+                      </a:lnRef>
+                      <a:fillRef idx="0">
+                        <a:schemeClr val="dk1"/>
+                      </a:fillRef>
+                      <a:effectRef idx="0">
+                        <a:schemeClr val="dk1"/>
+                      </a:effectRef>
+                      <a:fontRef idx="minor">
+                        <a:schemeClr val="tx1"/>
+                      </a:fontRef>
+                    </p:style>
+                  </p:cxnSp>
+                  <p:cxnSp>
+                    <p:nvCxnSpPr>
+                      <p:cNvPr id="63" name="Straight Connector 62">
+                        <a:extLst>
+                          <a:ext uri="{FF2B5EF4-FFF2-40B4-BE49-F238E27FC236}">
+                            <a16:creationId xmlns:a16="http://schemas.microsoft.com/office/drawing/2014/main" id="{AE0E5F09-77E1-4805-B59F-673C9B61E487}"/>
+                          </a:ext>
+                        </a:extLst>
+                      </p:cNvPr>
+                      <p:cNvCxnSpPr>
+                        <a:cxnSpLocks/>
+                      </p:cNvCxnSpPr>
+                      <p:nvPr/>
+                    </p:nvCxnSpPr>
+                    <p:spPr>
+                      <a:xfrm flipV="1">
+                        <a:off x="1022326" y="2589000"/>
+                        <a:ext cx="1944682" cy="607348"/>
+                      </a:xfrm>
+                      <a:prstGeom prst="line">
+                        <a:avLst/>
+                      </a:prstGeom>
+                      <a:ln w="38100" cap="rnd"/>
+                    </p:spPr>
+                    <p:style>
+                      <a:lnRef idx="1">
+                        <a:schemeClr val="dk1"/>
+                      </a:lnRef>
+                      <a:fillRef idx="0">
+                        <a:schemeClr val="dk1"/>
+                      </a:fillRef>
+                      <a:effectRef idx="0">
+                        <a:schemeClr val="dk1"/>
+                      </a:effectRef>
+                      <a:fontRef idx="minor">
+                        <a:schemeClr val="tx1"/>
+                      </a:fontRef>
+                    </p:style>
+                  </p:cxnSp>
+                </p:grpSp>
+                <p:sp>
+                  <p:nvSpPr>
+                    <p:cNvPr id="58" name="TextBox 57"/>
+                    <p:cNvSpPr txBox="1"/>
+                    <p:nvPr/>
+                  </p:nvSpPr>
+                  <p:spPr>
+                    <a:xfrm rot="16200000">
+                      <a:off x="5743052" y="3615514"/>
+                      <a:ext cx="990897" cy="207749"/>
+                    </a:xfrm>
+                    <a:prstGeom prst="rect">
+                      <a:avLst/>
+                    </a:prstGeom>
+                    <a:noFill/>
+                  </p:spPr>
+                  <p:txBody>
+                    <a:bodyPr wrap="none" rtlCol="0">
+                      <a:spAutoFit/>
+                    </a:bodyPr>
+                    <a:lstStyle/>
+                    <a:p>
+                      <a:r>
+                        <a:rPr lang="en-US" sz="1200" b="1" dirty="0">
+                          <a:latin typeface="Arial" panose="020B0604020202020204" pitchFamily="34" charset="0"/>
+                          <a:cs typeface="Arial" panose="020B0604020202020204" pitchFamily="34" charset="0"/>
+                        </a:rPr>
+                        <a:t>Body </a:t>
+                      </a:r>
+                      <a:r>
+                        <a:rPr lang="en-US" sz="1200" b="1" dirty="0" smtClean="0">
+                          <a:latin typeface="Arial" panose="020B0604020202020204" pitchFamily="34" charset="0"/>
+                          <a:cs typeface="Arial" panose="020B0604020202020204" pitchFamily="34" charset="0"/>
+                        </a:rPr>
+                        <a:t>size traits</a:t>
+                      </a:r>
+                      <a:endParaRPr lang="en-US" sz="1200" b="1" dirty="0">
+                        <a:latin typeface="Arial" panose="020B0604020202020204" pitchFamily="34" charset="0"/>
+                        <a:cs typeface="Arial" panose="020B0604020202020204" pitchFamily="34" charset="0"/>
+                      </a:endParaRPr>
+                    </a:p>
+                  </p:txBody>
+                </p:sp>
+              </p:grpSp>
+            </p:grpSp>
+            <p:sp>
+              <p:nvSpPr>
+                <p:cNvPr id="9" name="TextBox 8"/>
+                <p:cNvSpPr txBox="1"/>
+                <p:nvPr/>
+              </p:nvSpPr>
+              <p:spPr>
+                <a:xfrm>
+                  <a:off x="-98970" y="1729393"/>
+                  <a:ext cx="2537370" cy="430887"/>
+                </a:xfrm>
+                <a:prstGeom prst="rect">
+                  <a:avLst/>
+                </a:prstGeom>
+                <a:noFill/>
+              </p:spPr>
+              <p:txBody>
+                <a:bodyPr wrap="square" rtlCol="0">
+                  <a:spAutoFit/>
+                </a:bodyPr>
+                <a:lstStyle/>
+                <a:p>
+                  <a:pPr algn="ctr"/>
+                  <a:r>
+                    <a:rPr lang="en-US" sz="1050" b="1" dirty="0">
+                      <a:latin typeface="Arial" panose="020B0604020202020204" pitchFamily="34" charset="0"/>
+                      <a:cs typeface="Arial" panose="020B0604020202020204" pitchFamily="34" charset="0"/>
+                    </a:rPr>
+                    <a:t>Q1</a:t>
+                  </a:r>
+                  <a:r>
+                    <a:rPr lang="en-US" sz="1050" dirty="0">
+                      <a:latin typeface="Arial" panose="020B0604020202020204" pitchFamily="34" charset="0"/>
+                      <a:cs typeface="Arial" panose="020B0604020202020204" pitchFamily="34" charset="0"/>
+                    </a:rPr>
+                    <a:t>: Does </a:t>
+                  </a:r>
+                  <a:r>
+                    <a:rPr lang="en-US" sz="1050" dirty="0" smtClean="0">
+                      <a:latin typeface="Arial" panose="020B0604020202020204" pitchFamily="34" charset="0"/>
+                      <a:cs typeface="Arial" panose="020B0604020202020204" pitchFamily="34" charset="0"/>
+                    </a:rPr>
+                    <a:t>developing </a:t>
+                  </a:r>
+                  <a:r>
+                    <a:rPr lang="en-US" sz="1050" dirty="0">
+                      <a:latin typeface="Arial" panose="020B0604020202020204" pitchFamily="34" charset="0"/>
+                      <a:cs typeface="Arial" panose="020B0604020202020204" pitchFamily="34" charset="0"/>
+                    </a:rPr>
+                    <a:t>temperature affect body size-related traits?</a:t>
+                  </a:r>
+                </a:p>
+              </p:txBody>
+            </p:sp>
+            <p:grpSp>
+              <p:nvGrpSpPr>
+                <p:cNvPr id="3" name="Group 2"/>
+                <p:cNvGrpSpPr/>
+                <p:nvPr/>
+              </p:nvGrpSpPr>
+              <p:grpSpPr>
+                <a:xfrm>
+                  <a:off x="3351" y="2322418"/>
+                  <a:ext cx="2202756" cy="2277429"/>
+                  <a:chOff x="615492" y="2341266"/>
+                  <a:chExt cx="2202756" cy="2277429"/>
+                </a:xfrm>
+              </p:grpSpPr>
+              <p:sp>
+                <p:nvSpPr>
+                  <p:cNvPr id="78" name="Rectangle 77"/>
+                  <p:cNvSpPr/>
+                  <p:nvPr/>
+                </p:nvSpPr>
+                <p:spPr>
+                  <a:xfrm>
+                    <a:off x="950005" y="4076471"/>
+                    <a:ext cx="1868243" cy="281305"/>
+                  </a:xfrm>
+                  <a:prstGeom prst="rect">
+                    <a:avLst/>
+                  </a:prstGeom>
+                  <a:gradFill flip="none" rotWithShape="1">
+                    <a:gsLst>
+                      <a:gs pos="85000">
+                        <a:srgbClr val="FF0000"/>
+                      </a:gs>
+                      <a:gs pos="28000">
+                        <a:srgbClr val="0000FF"/>
+                      </a:gs>
+                    </a:gsLst>
+                    <a:lin ang="0" scaled="1"/>
+                    <a:tileRect/>
+                  </a:gradFill>
+                  <a:ln>
+                    <a:noFill/>
+                  </a:ln>
+                </p:spPr>
+                <p:style>
+                  <a:lnRef idx="2">
+                    <a:schemeClr val="accent1">
+                      <a:shade val="50000"/>
+                    </a:schemeClr>
+                  </a:lnRef>
+                  <a:fillRef idx="1">
+                    <a:schemeClr val="accent1"/>
+                  </a:fillRef>
+                  <a:effectRef idx="0">
+                    <a:schemeClr val="accent1"/>
+                  </a:effectRef>
+                  <a:fontRef idx="minor">
+                    <a:schemeClr val="lt1"/>
+                  </a:fontRef>
+                </p:style>
+                <p:txBody>
+                  <a:bodyPr rtlCol="0" anchor="ctr"/>
+                  <a:lstStyle/>
+                  <a:p>
+                    <a:pPr algn="ctr"/>
+                    <a:endParaRPr lang="en-US" sz="2400"/>
+                  </a:p>
+                </p:txBody>
+              </p:sp>
+              <p:grpSp>
+                <p:nvGrpSpPr>
+                  <p:cNvPr id="64" name="Group 63"/>
+                  <p:cNvGrpSpPr/>
+                  <p:nvPr/>
+                </p:nvGrpSpPr>
+                <p:grpSpPr>
+                  <a:xfrm>
+                    <a:off x="615492" y="2341266"/>
+                    <a:ext cx="2202753" cy="2277429"/>
+                    <a:chOff x="6134623" y="3050421"/>
+                    <a:chExt cx="1652065" cy="1708072"/>
+                  </a:xfrm>
+                </p:grpSpPr>
+                <p:sp>
+                  <p:nvSpPr>
+                    <p:cNvPr id="65" name="TextBox 64"/>
+                    <p:cNvSpPr txBox="1"/>
+                    <p:nvPr/>
+                  </p:nvSpPr>
+                  <p:spPr>
+                    <a:xfrm>
+                      <a:off x="6571265" y="4550744"/>
+                      <a:ext cx="827245" cy="207749"/>
+                    </a:xfrm>
+                    <a:prstGeom prst="rect">
+                      <a:avLst/>
+                    </a:prstGeom>
+                    <a:noFill/>
+                  </p:spPr>
+                  <p:txBody>
+                    <a:bodyPr wrap="none" rtlCol="0">
+                      <a:spAutoFit/>
+                    </a:bodyPr>
+                    <a:lstStyle/>
+                    <a:p>
+                      <a:pPr algn="ctr"/>
+                      <a:r>
+                        <a:rPr lang="en-US" sz="1200" b="1" dirty="0">
+                          <a:latin typeface="Arial" panose="020B0604020202020204" pitchFamily="34" charset="0"/>
+                          <a:cs typeface="Arial" panose="020B0604020202020204" pitchFamily="34" charset="0"/>
+                        </a:rPr>
+                        <a:t>Temperature</a:t>
+                      </a:r>
+                    </a:p>
+                  </p:txBody>
+                </p:sp>
+                <p:grpSp>
+                  <p:nvGrpSpPr>
+                    <p:cNvPr id="66" name="Group 65"/>
+                    <p:cNvGrpSpPr/>
+                    <p:nvPr/>
+                  </p:nvGrpSpPr>
+                  <p:grpSpPr>
+                    <a:xfrm>
+                      <a:off x="6393361" y="3050421"/>
+                      <a:ext cx="1393327" cy="1316051"/>
+                      <a:chOff x="671170" y="1679251"/>
+                      <a:chExt cx="2644499" cy="2220706"/>
+                    </a:xfrm>
+                  </p:grpSpPr>
+                  <p:cxnSp>
+                    <p:nvCxnSpPr>
+                      <p:cNvPr id="69" name="Straight Connector 68"/>
+                      <p:cNvCxnSpPr/>
+                      <p:nvPr/>
+                    </p:nvCxnSpPr>
+                    <p:spPr>
+                      <a:xfrm>
+                        <a:off x="671170" y="1679251"/>
+                        <a:ext cx="11295" cy="2220706"/>
+                      </a:xfrm>
+                      <a:prstGeom prst="line">
+                        <a:avLst/>
+                      </a:prstGeom>
+                      <a:ln w="38100">
+                        <a:headEnd type="arrow" w="med" len="med"/>
+                        <a:tailEnd type="none" w="med" len="med"/>
+                      </a:ln>
+                    </p:spPr>
+                    <p:style>
+                      <a:lnRef idx="1">
+                        <a:schemeClr val="dk1"/>
+                      </a:lnRef>
+                      <a:fillRef idx="0">
+                        <a:schemeClr val="dk1"/>
+                      </a:fillRef>
+                      <a:effectRef idx="0">
+                        <a:schemeClr val="dk1"/>
+                      </a:effectRef>
+                      <a:fontRef idx="minor">
+                        <a:schemeClr val="tx1"/>
+                      </a:fontRef>
+                    </p:style>
+                  </p:cxnSp>
+                  <p:cxnSp>
+                    <p:nvCxnSpPr>
+                      <p:cNvPr id="70" name="Straight Connector 69"/>
+                      <p:cNvCxnSpPr/>
+                      <p:nvPr/>
+                    </p:nvCxnSpPr>
+                    <p:spPr>
+                      <a:xfrm flipH="1">
+                        <a:off x="690939" y="3875242"/>
+                        <a:ext cx="2624730" cy="0"/>
+                      </a:xfrm>
+                      <a:prstGeom prst="line">
+                        <a:avLst/>
+                      </a:prstGeom>
+                      <a:ln w="38100">
+                        <a:headEnd type="arrow" w="med" len="med"/>
+                        <a:tailEnd type="none" w="med" len="med"/>
+                      </a:ln>
+                    </p:spPr>
+                    <p:style>
+                      <a:lnRef idx="1">
+                        <a:schemeClr val="dk1"/>
+                      </a:lnRef>
+                      <a:fillRef idx="0">
+                        <a:schemeClr val="dk1"/>
+                      </a:fillRef>
+                      <a:effectRef idx="0">
+                        <a:schemeClr val="dk1"/>
+                      </a:effectRef>
+                      <a:fontRef idx="minor">
+                        <a:schemeClr val="tx1"/>
+                      </a:fontRef>
+                    </p:style>
+                  </p:cxnSp>
+                  <p:cxnSp>
+                    <p:nvCxnSpPr>
+                      <p:cNvPr id="72" name="Straight Connector 71">
+                        <a:extLst>
+                          <a:ext uri="{FF2B5EF4-FFF2-40B4-BE49-F238E27FC236}">
+                            <a16:creationId xmlns:a16="http://schemas.microsoft.com/office/drawing/2014/main" id="{AE0E5F09-77E1-4805-B59F-673C9B61E487}"/>
+                          </a:ext>
+                        </a:extLst>
+                      </p:cNvPr>
+                      <p:cNvCxnSpPr>
+                        <a:cxnSpLocks/>
+                      </p:cNvCxnSpPr>
+                      <p:nvPr/>
+                    </p:nvCxnSpPr>
+                    <p:spPr>
+                      <a:xfrm>
+                        <a:off x="1112522" y="2260340"/>
+                        <a:ext cx="1812782" cy="1076992"/>
+                      </a:xfrm>
+                      <a:prstGeom prst="line">
+                        <a:avLst/>
+                      </a:prstGeom>
+                      <a:ln w="38100" cap="rnd"/>
+                    </p:spPr>
+                    <p:style>
+                      <a:lnRef idx="1">
+                        <a:schemeClr val="dk1"/>
+                      </a:lnRef>
+                      <a:fillRef idx="0">
+                        <a:schemeClr val="dk1"/>
+                      </a:fillRef>
+                      <a:effectRef idx="0">
+                        <a:schemeClr val="dk1"/>
+                      </a:effectRef>
+                      <a:fontRef idx="minor">
+                        <a:schemeClr val="tx1"/>
+                      </a:fontRef>
+                    </p:style>
+                  </p:cxnSp>
+                </p:grpSp>
+                <p:sp>
+                  <p:nvSpPr>
+                    <p:cNvPr id="68" name="TextBox 67"/>
+                    <p:cNvSpPr txBox="1"/>
+                    <p:nvPr/>
+                  </p:nvSpPr>
+                  <p:spPr>
+                    <a:xfrm rot="16200000">
+                      <a:off x="5743049" y="3615515"/>
+                      <a:ext cx="990897" cy="207749"/>
+                    </a:xfrm>
+                    <a:prstGeom prst="rect">
+                      <a:avLst/>
+                    </a:prstGeom>
+                    <a:noFill/>
+                  </p:spPr>
+                  <p:txBody>
+                    <a:bodyPr wrap="none" rtlCol="0">
+                      <a:spAutoFit/>
+                    </a:bodyPr>
+                    <a:lstStyle/>
+                    <a:p>
+                      <a:pPr algn="ctr"/>
+                      <a:r>
+                        <a:rPr lang="en-US" sz="1200" b="1" dirty="0">
+                          <a:latin typeface="Arial" panose="020B0604020202020204" pitchFamily="34" charset="0"/>
+                          <a:cs typeface="Arial" panose="020B0604020202020204" pitchFamily="34" charset="0"/>
+                        </a:rPr>
+                        <a:t>Body </a:t>
+                      </a:r>
+                      <a:r>
+                        <a:rPr lang="en-US" sz="1200" b="1" dirty="0" smtClean="0">
+                          <a:latin typeface="Arial" panose="020B0604020202020204" pitchFamily="34" charset="0"/>
+                          <a:cs typeface="Arial" panose="020B0604020202020204" pitchFamily="34" charset="0"/>
+                        </a:rPr>
+                        <a:t>size traits</a:t>
+                      </a:r>
+                      <a:endParaRPr lang="en-US" sz="1200" b="1" dirty="0">
+                        <a:latin typeface="Arial" panose="020B0604020202020204" pitchFamily="34" charset="0"/>
+                        <a:cs typeface="Arial" panose="020B0604020202020204" pitchFamily="34" charset="0"/>
+                      </a:endParaRPr>
+                    </a:p>
+                  </p:txBody>
+                </p:sp>
+              </p:grpSp>
+            </p:grpSp>
+            <p:grpSp>
+              <p:nvGrpSpPr>
+                <p:cNvPr id="2" name="Group 1"/>
+                <p:cNvGrpSpPr/>
+                <p:nvPr/>
+              </p:nvGrpSpPr>
+              <p:grpSpPr>
+                <a:xfrm>
+                  <a:off x="1040380" y="5638800"/>
+                  <a:ext cx="4813985" cy="2200313"/>
+                  <a:chOff x="1040380" y="5638800"/>
+                  <a:chExt cx="4813985" cy="2200313"/>
+                </a:xfrm>
+              </p:grpSpPr>
+              <p:grpSp>
+                <p:nvGrpSpPr>
+                  <p:cNvPr id="35" name="Group 34"/>
+                  <p:cNvGrpSpPr/>
+                  <p:nvPr/>
+                </p:nvGrpSpPr>
+                <p:grpSpPr>
+                  <a:xfrm>
+                    <a:off x="4010484" y="5781713"/>
+                    <a:ext cx="1843881" cy="2057400"/>
+                    <a:chOff x="6376837" y="2156981"/>
+                    <a:chExt cx="1382911" cy="1543050"/>
+                  </a:xfrm>
+                </p:grpSpPr>
+                <p:sp>
+                  <p:nvSpPr>
+                    <p:cNvPr id="36" name="TextBox 35"/>
+                    <p:cNvSpPr txBox="1"/>
+                    <p:nvPr/>
+                  </p:nvSpPr>
+                  <p:spPr>
+                    <a:xfrm>
+                      <a:off x="6765159" y="3492282"/>
+                      <a:ext cx="600164" cy="207749"/>
+                    </a:xfrm>
+                    <a:prstGeom prst="rect">
+                      <a:avLst/>
+                    </a:prstGeom>
+                    <a:noFill/>
+                  </p:spPr>
+                  <p:txBody>
+                    <a:bodyPr wrap="none" rtlCol="0">
+                      <a:spAutoFit/>
+                    </a:bodyPr>
+                    <a:lstStyle/>
+                    <a:p>
+                      <a:r>
+                        <a:rPr lang="en-US" sz="1200" b="1" dirty="0">
+                          <a:latin typeface="Arial" panose="020B0604020202020204" pitchFamily="34" charset="0"/>
+                          <a:cs typeface="Arial" panose="020B0604020202020204" pitchFamily="34" charset="0"/>
+                        </a:rPr>
+                        <a:t>Cell size</a:t>
+                      </a:r>
+                    </a:p>
+                  </p:txBody>
+                </p:sp>
                 <p:cxnSp>
                   <p:nvCxnSpPr>
-                    <p:cNvPr id="59" name="Straight Connector 58"/>
+                    <p:cNvPr id="37" name="Straight Connector 36"/>
                     <p:cNvCxnSpPr/>
                     <p:nvPr/>
                   </p:nvCxnSpPr>
                   <p:spPr>
                     <a:xfrm>
-                      <a:off x="678001" y="1687400"/>
-                      <a:ext cx="11295" cy="2220706"/>
+                      <a:off x="6385263" y="2156981"/>
+                      <a:ext cx="5951" cy="1316051"/>
                     </a:xfrm>
                     <a:prstGeom prst="line">
                       <a:avLst/>
@@ -3430,14 +3995,95 @@
                 </p:cxnSp>
                 <p:cxnSp>
                   <p:nvCxnSpPr>
-                    <p:cNvPr id="60" name="Straight Connector 59"/>
+                    <p:cNvPr id="38" name="Straight Connector 37"/>
                     <p:cNvCxnSpPr/>
                     <p:nvPr/>
                   </p:nvCxnSpPr>
                   <p:spPr>
                     <a:xfrm flipH="1">
-                      <a:off x="682300" y="3884312"/>
-                      <a:ext cx="2649238" cy="227"/>
+                      <a:off x="6376837" y="3468523"/>
+                      <a:ext cx="1382911" cy="0"/>
+                    </a:xfrm>
+                    <a:prstGeom prst="line">
+                      <a:avLst/>
+                    </a:prstGeom>
+                    <a:ln w="38100">
+                      <a:headEnd type="arrow" w="med" len="med"/>
+                      <a:tailEnd type="none" w="med" len="med"/>
+                    </a:ln>
+                  </p:spPr>
+                  <p:style>
+                    <a:lnRef idx="1">
+                      <a:schemeClr val="dk1"/>
+                    </a:lnRef>
+                    <a:fillRef idx="0">
+                      <a:schemeClr val="dk1"/>
+                    </a:fillRef>
+                    <a:effectRef idx="0">
+                      <a:schemeClr val="dk1"/>
+                    </a:effectRef>
+                    <a:fontRef idx="minor">
+                      <a:schemeClr val="tx1"/>
+                    </a:fontRef>
+                  </p:style>
+                </p:cxnSp>
+              </p:grpSp>
+              <p:grpSp>
+                <p:nvGrpSpPr>
+                  <p:cNvPr id="45" name="Group 44"/>
+                  <p:cNvGrpSpPr/>
+                  <p:nvPr/>
+                </p:nvGrpSpPr>
+                <p:grpSpPr>
+                  <a:xfrm>
+                    <a:off x="1040380" y="5781713"/>
+                    <a:ext cx="2163130" cy="2057400"/>
+                    <a:chOff x="6137401" y="2156981"/>
+                    <a:chExt cx="1622347" cy="1543050"/>
+                  </a:xfrm>
+                </p:grpSpPr>
+                <p:sp>
+                  <p:nvSpPr>
+                    <p:cNvPr id="48" name="TextBox 47"/>
+                    <p:cNvSpPr txBox="1"/>
+                    <p:nvPr/>
+                  </p:nvSpPr>
+                  <p:spPr>
+                    <a:xfrm>
+                      <a:off x="6673898" y="3492282"/>
+                      <a:ext cx="600164" cy="207749"/>
+                    </a:xfrm>
+                    <a:prstGeom prst="rect">
+                      <a:avLst/>
+                    </a:prstGeom>
+                    <a:noFill/>
+                  </p:spPr>
+                  <p:txBody>
+                    <a:bodyPr wrap="none" rtlCol="0">
+                      <a:spAutoFit/>
+                    </a:bodyPr>
+                    <a:lstStyle/>
+                    <a:p>
+                      <a:r>
+                        <a:rPr lang="en-US" sz="1200" b="1" dirty="0">
+                          <a:latin typeface="Arial" panose="020B0604020202020204" pitchFamily="34" charset="0"/>
+                          <a:cs typeface="Arial" panose="020B0604020202020204" pitchFamily="34" charset="0"/>
+                        </a:rPr>
+                        <a:t>Cell size</a:t>
+                      </a:r>
+                    </a:p>
+                  </p:txBody>
+                </p:sp>
+                <p:cxnSp>
+                  <p:nvCxnSpPr>
+                    <p:cNvPr id="50" name="Straight Connector 49"/>
+                    <p:cNvCxnSpPr/>
+                    <p:nvPr/>
+                  </p:nvCxnSpPr>
+                  <p:spPr>
+                    <a:xfrm>
+                      <a:off x="6385263" y="2156981"/>
+                      <a:ext cx="5951" cy="1316051"/>
                     </a:xfrm>
                     <a:prstGeom prst="line">
                       <a:avLst/>
@@ -3464,283 +4110,14 @@
                 </p:cxnSp>
                 <p:cxnSp>
                   <p:nvCxnSpPr>
-                    <p:cNvPr id="63" name="Straight Connector 62">
-                      <a:extLst>
-                        <a:ext uri="{FF2B5EF4-FFF2-40B4-BE49-F238E27FC236}">
-                          <a16:creationId xmlns:a16="http://schemas.microsoft.com/office/drawing/2014/main" id="{AE0E5F09-77E1-4805-B59F-673C9B61E487}"/>
-                        </a:ext>
-                      </a:extLst>
-                    </p:cNvPr>
-                    <p:cNvCxnSpPr>
-                      <a:cxnSpLocks/>
-                    </p:cNvCxnSpPr>
-                    <p:nvPr/>
-                  </p:nvCxnSpPr>
-                  <p:spPr>
-                    <a:xfrm flipV="1">
-                      <a:off x="1022326" y="2589000"/>
-                      <a:ext cx="1944682" cy="607348"/>
-                    </a:xfrm>
-                    <a:prstGeom prst="line">
-                      <a:avLst/>
-                    </a:prstGeom>
-                    <a:ln w="38100" cap="rnd"/>
-                  </p:spPr>
-                  <p:style>
-                    <a:lnRef idx="1">
-                      <a:schemeClr val="dk1"/>
-                    </a:lnRef>
-                    <a:fillRef idx="0">
-                      <a:schemeClr val="dk1"/>
-                    </a:fillRef>
-                    <a:effectRef idx="0">
-                      <a:schemeClr val="dk1"/>
-                    </a:effectRef>
-                    <a:fontRef idx="minor">
-                      <a:schemeClr val="tx1"/>
-                    </a:fontRef>
-                  </p:style>
-                </p:cxnSp>
-              </p:grpSp>
-              <p:sp>
-                <p:nvSpPr>
-                  <p:cNvPr id="58" name="TextBox 57"/>
-                  <p:cNvSpPr txBox="1"/>
-                  <p:nvPr/>
-                </p:nvSpPr>
-                <p:spPr>
-                  <a:xfrm rot="16200000">
-                    <a:off x="5743052" y="3615514"/>
-                    <a:ext cx="990897" cy="207749"/>
-                  </a:xfrm>
-                  <a:prstGeom prst="rect">
-                    <a:avLst/>
-                  </a:prstGeom>
-                  <a:noFill/>
-                </p:spPr>
-                <p:txBody>
-                  <a:bodyPr wrap="none" rtlCol="0">
-                    <a:spAutoFit/>
-                  </a:bodyPr>
-                  <a:lstStyle/>
-                  <a:p>
-                    <a:r>
-                      <a:rPr lang="en-US" sz="1200" b="1" dirty="0">
-                        <a:latin typeface="Arial" panose="020B0604020202020204" pitchFamily="34" charset="0"/>
-                        <a:cs typeface="Arial" panose="020B0604020202020204" pitchFamily="34" charset="0"/>
-                      </a:rPr>
-                      <a:t>Body </a:t>
-                    </a:r>
-                    <a:r>
-                      <a:rPr lang="en-US" sz="1200" b="1" dirty="0" smtClean="0">
-                        <a:latin typeface="Arial" panose="020B0604020202020204" pitchFamily="34" charset="0"/>
-                        <a:cs typeface="Arial" panose="020B0604020202020204" pitchFamily="34" charset="0"/>
-                      </a:rPr>
-                      <a:t>size traits</a:t>
-                    </a:r>
-                    <a:endParaRPr lang="en-US" sz="1200" b="1" dirty="0">
-                      <a:latin typeface="Arial" panose="020B0604020202020204" pitchFamily="34" charset="0"/>
-                      <a:cs typeface="Arial" panose="020B0604020202020204" pitchFamily="34" charset="0"/>
-                    </a:endParaRPr>
-                  </a:p>
-                </p:txBody>
-              </p:sp>
-            </p:grpSp>
-          </p:grpSp>
-          <p:sp>
-            <p:nvSpPr>
-              <p:cNvPr id="9" name="TextBox 8"/>
-              <p:cNvSpPr txBox="1"/>
-              <p:nvPr/>
-            </p:nvSpPr>
-            <p:spPr>
-              <a:xfrm>
-                <a:off x="-98970" y="1729393"/>
-                <a:ext cx="2537370" cy="430887"/>
-              </a:xfrm>
-              <a:prstGeom prst="rect">
-                <a:avLst/>
-              </a:prstGeom>
-              <a:noFill/>
-            </p:spPr>
-            <p:txBody>
-              <a:bodyPr wrap="square" rtlCol="0">
-                <a:spAutoFit/>
-              </a:bodyPr>
-              <a:lstStyle/>
-              <a:p>
-                <a:pPr algn="ctr"/>
-                <a:r>
-                  <a:rPr lang="en-US" sz="1050" b="1" dirty="0">
-                    <a:latin typeface="Arial" panose="020B0604020202020204" pitchFamily="34" charset="0"/>
-                    <a:cs typeface="Arial" panose="020B0604020202020204" pitchFamily="34" charset="0"/>
-                  </a:rPr>
-                  <a:t>Q1</a:t>
-                </a:r>
-                <a:r>
-                  <a:rPr lang="en-US" sz="1050" dirty="0">
-                    <a:latin typeface="Arial" panose="020B0604020202020204" pitchFamily="34" charset="0"/>
-                    <a:cs typeface="Arial" panose="020B0604020202020204" pitchFamily="34" charset="0"/>
-                  </a:rPr>
-                  <a:t>: Does </a:t>
-                </a:r>
-                <a:r>
-                  <a:rPr lang="en-US" sz="1050" dirty="0" smtClean="0">
-                    <a:latin typeface="Arial" panose="020B0604020202020204" pitchFamily="34" charset="0"/>
-                    <a:cs typeface="Arial" panose="020B0604020202020204" pitchFamily="34" charset="0"/>
-                  </a:rPr>
-                  <a:t>developing </a:t>
-                </a:r>
-                <a:r>
-                  <a:rPr lang="en-US" sz="1050" dirty="0">
-                    <a:latin typeface="Arial" panose="020B0604020202020204" pitchFamily="34" charset="0"/>
-                    <a:cs typeface="Arial" panose="020B0604020202020204" pitchFamily="34" charset="0"/>
-                  </a:rPr>
-                  <a:t>temperature affect body size-related traits?</a:t>
-                </a:r>
-              </a:p>
-            </p:txBody>
-          </p:sp>
-          <p:grpSp>
-            <p:nvGrpSpPr>
-              <p:cNvPr id="3" name="Group 2"/>
-              <p:cNvGrpSpPr/>
-              <p:nvPr/>
-            </p:nvGrpSpPr>
-            <p:grpSpPr>
-              <a:xfrm>
-                <a:off x="3351" y="2322418"/>
-                <a:ext cx="2202756" cy="2277429"/>
-                <a:chOff x="615492" y="2341266"/>
-                <a:chExt cx="2202756" cy="2277429"/>
-              </a:xfrm>
-            </p:grpSpPr>
-            <p:sp>
-              <p:nvSpPr>
-                <p:cNvPr id="78" name="Rectangle 77"/>
-                <p:cNvSpPr/>
-                <p:nvPr/>
-              </p:nvSpPr>
-              <p:spPr>
-                <a:xfrm>
-                  <a:off x="950005" y="4076471"/>
-                  <a:ext cx="1868243" cy="281305"/>
-                </a:xfrm>
-                <a:prstGeom prst="rect">
-                  <a:avLst/>
-                </a:prstGeom>
-                <a:gradFill flip="none" rotWithShape="1">
-                  <a:gsLst>
-                    <a:gs pos="85000">
-                      <a:srgbClr val="FF0000"/>
-                    </a:gs>
-                    <a:gs pos="28000">
-                      <a:srgbClr val="0000FF"/>
-                    </a:gs>
-                  </a:gsLst>
-                  <a:lin ang="0" scaled="1"/>
-                  <a:tileRect/>
-                </a:gradFill>
-                <a:ln>
-                  <a:noFill/>
-                </a:ln>
-              </p:spPr>
-              <p:style>
-                <a:lnRef idx="2">
-                  <a:schemeClr val="accent1">
-                    <a:shade val="50000"/>
-                  </a:schemeClr>
-                </a:lnRef>
-                <a:fillRef idx="1">
-                  <a:schemeClr val="accent1"/>
-                </a:fillRef>
-                <a:effectRef idx="0">
-                  <a:schemeClr val="accent1"/>
-                </a:effectRef>
-                <a:fontRef idx="minor">
-                  <a:schemeClr val="lt1"/>
-                </a:fontRef>
-              </p:style>
-              <p:txBody>
-                <a:bodyPr rtlCol="0" anchor="ctr"/>
-                <a:lstStyle/>
-                <a:p>
-                  <a:pPr algn="ctr"/>
-                  <a:endParaRPr lang="en-US" sz="2400"/>
-                </a:p>
-              </p:txBody>
-            </p:sp>
-            <p:grpSp>
-              <p:nvGrpSpPr>
-                <p:cNvPr id="64" name="Group 63"/>
-                <p:cNvGrpSpPr/>
-                <p:nvPr/>
-              </p:nvGrpSpPr>
-              <p:grpSpPr>
-                <a:xfrm>
-                  <a:off x="615492" y="2341266"/>
-                  <a:ext cx="2202753" cy="2277429"/>
-                  <a:chOff x="6134623" y="3050421"/>
-                  <a:chExt cx="1652065" cy="1708072"/>
-                </a:xfrm>
-              </p:grpSpPr>
-              <p:sp>
-                <p:nvSpPr>
-                  <p:cNvPr id="65" name="TextBox 64"/>
-                  <p:cNvSpPr txBox="1"/>
-                  <p:nvPr/>
-                </p:nvSpPr>
-                <p:spPr>
-                  <a:xfrm>
-                    <a:off x="6571265" y="4550744"/>
-                    <a:ext cx="827245" cy="207749"/>
-                  </a:xfrm>
-                  <a:prstGeom prst="rect">
-                    <a:avLst/>
-                  </a:prstGeom>
-                  <a:noFill/>
-                </p:spPr>
-                <p:txBody>
-                  <a:bodyPr wrap="none" rtlCol="0">
-                    <a:spAutoFit/>
-                  </a:bodyPr>
-                  <a:lstStyle/>
-                  <a:p>
-                    <a:pPr algn="ctr"/>
-                    <a:r>
-                      <a:rPr lang="en-US" sz="1200" b="1" dirty="0">
-                        <a:latin typeface="Arial" panose="020B0604020202020204" pitchFamily="34" charset="0"/>
-                        <a:cs typeface="Arial" panose="020B0604020202020204" pitchFamily="34" charset="0"/>
-                      </a:rPr>
-                      <a:t>Temperature</a:t>
-                    </a:r>
-                  </a:p>
-                </p:txBody>
-              </p:sp>
-              <p:grpSp>
-                <p:nvGrpSpPr>
-                  <p:cNvPr id="66" name="Group 65"/>
-                  <p:cNvGrpSpPr/>
-                  <p:nvPr/>
-                </p:nvGrpSpPr>
-                <p:grpSpPr>
-                  <a:xfrm>
-                    <a:off x="6393361" y="3050421"/>
-                    <a:ext cx="1393327" cy="1316051"/>
-                    <a:chOff x="671170" y="1679251"/>
-                    <a:chExt cx="2644499" cy="2220706"/>
-                  </a:xfrm>
-                </p:grpSpPr>
-                <p:cxnSp>
-                  <p:nvCxnSpPr>
-                    <p:cNvPr id="69" name="Straight Connector 68"/>
+                    <p:cNvPr id="51" name="Straight Connector 50"/>
                     <p:cNvCxnSpPr/>
                     <p:nvPr/>
                   </p:nvCxnSpPr>
                   <p:spPr>
-                    <a:xfrm>
-                      <a:off x="671170" y="1679251"/>
-                      <a:ext cx="11295" cy="2220706"/>
+                    <a:xfrm flipH="1">
+                      <a:off x="6376837" y="3468523"/>
+                      <a:ext cx="1382911" cy="0"/>
                     </a:xfrm>
                     <a:prstGeom prst="line">
                       <a:avLst/>
@@ -3765,528 +4142,50 @@
                     </a:fontRef>
                   </p:style>
                 </p:cxnSp>
-                <p:cxnSp>
-                  <p:nvCxnSpPr>
-                    <p:cNvPr id="70" name="Straight Connector 69"/>
-                    <p:cNvCxnSpPr/>
+                <p:sp>
+                  <p:nvSpPr>
+                    <p:cNvPr id="52" name="TextBox 51"/>
+                    <p:cNvSpPr txBox="1"/>
                     <p:nvPr/>
-                  </p:nvCxnSpPr>
+                  </p:nvSpPr>
                   <p:spPr>
-                    <a:xfrm flipH="1">
-                      <a:off x="690939" y="3875242"/>
-                      <a:ext cx="2624730" cy="0"/>
+                    <a:xfrm rot="16200000">
+                      <a:off x="5684512" y="2775160"/>
+                      <a:ext cx="1113527" cy="207749"/>
                     </a:xfrm>
-                    <a:prstGeom prst="line">
+                    <a:prstGeom prst="rect">
                       <a:avLst/>
                     </a:prstGeom>
-                    <a:ln w="38100">
-                      <a:headEnd type="arrow" w="med" len="med"/>
-                      <a:tailEnd type="none" w="med" len="med"/>
-                    </a:ln>
+                    <a:noFill/>
                   </p:spPr>
-                  <p:style>
-                    <a:lnRef idx="1">
-                      <a:schemeClr val="dk1"/>
-                    </a:lnRef>
-                    <a:fillRef idx="0">
-                      <a:schemeClr val="dk1"/>
-                    </a:fillRef>
-                    <a:effectRef idx="0">
-                      <a:schemeClr val="dk1"/>
-                    </a:effectRef>
-                    <a:fontRef idx="minor">
-                      <a:schemeClr val="tx1"/>
-                    </a:fontRef>
-                  </p:style>
-                </p:cxnSp>
-                <p:cxnSp>
-                  <p:nvCxnSpPr>
-                    <p:cNvPr id="72" name="Straight Connector 71">
-                      <a:extLst>
-                        <a:ext uri="{FF2B5EF4-FFF2-40B4-BE49-F238E27FC236}">
-                          <a16:creationId xmlns:a16="http://schemas.microsoft.com/office/drawing/2014/main" id="{AE0E5F09-77E1-4805-B59F-673C9B61E487}"/>
-                        </a:ext>
-                      </a:extLst>
-                    </p:cNvPr>
-                    <p:cNvCxnSpPr>
-                      <a:cxnSpLocks/>
-                    </p:cNvCxnSpPr>
-                    <p:nvPr/>
-                  </p:nvCxnSpPr>
-                  <p:spPr>
-                    <a:xfrm>
-                      <a:off x="1112522" y="2260340"/>
-                      <a:ext cx="1812782" cy="1076992"/>
-                    </a:xfrm>
-                    <a:prstGeom prst="line">
-                      <a:avLst/>
-                    </a:prstGeom>
-                    <a:ln w="38100" cap="rnd"/>
-                  </p:spPr>
-                  <p:style>
-                    <a:lnRef idx="1">
-                      <a:schemeClr val="dk1"/>
-                    </a:lnRef>
-                    <a:fillRef idx="0">
-                      <a:schemeClr val="dk1"/>
-                    </a:fillRef>
-                    <a:effectRef idx="0">
-                      <a:schemeClr val="dk1"/>
-                    </a:effectRef>
-                    <a:fontRef idx="minor">
-                      <a:schemeClr val="tx1"/>
-                    </a:fontRef>
-                  </p:style>
-                </p:cxnSp>
-              </p:grpSp>
-              <p:sp>
-                <p:nvSpPr>
-                  <p:cNvPr id="68" name="TextBox 67"/>
-                  <p:cNvSpPr txBox="1"/>
-                  <p:nvPr/>
-                </p:nvSpPr>
-                <p:spPr>
-                  <a:xfrm rot="16200000">
-                    <a:off x="5743049" y="3615515"/>
-                    <a:ext cx="990897" cy="207749"/>
-                  </a:xfrm>
-                  <a:prstGeom prst="rect">
-                    <a:avLst/>
-                  </a:prstGeom>
-                  <a:noFill/>
-                </p:spPr>
-                <p:txBody>
-                  <a:bodyPr wrap="none" rtlCol="0">
-                    <a:spAutoFit/>
-                  </a:bodyPr>
-                  <a:lstStyle/>
-                  <a:p>
-                    <a:pPr algn="ctr"/>
-                    <a:r>
-                      <a:rPr lang="en-US" sz="1200" b="1" dirty="0">
+                  <p:txBody>
+                    <a:bodyPr wrap="none" rtlCol="0">
+                      <a:spAutoFit/>
+                    </a:bodyPr>
+                    <a:lstStyle/>
+                    <a:p>
+                      <a:pPr algn="ctr"/>
+                      <a:r>
+                        <a:rPr lang="en-US" sz="1200" b="1" dirty="0">
+                          <a:latin typeface="Arial" panose="020B0604020202020204" pitchFamily="34" charset="0"/>
+                          <a:cs typeface="Arial" panose="020B0604020202020204" pitchFamily="34" charset="0"/>
+                        </a:rPr>
+                        <a:t>Body </a:t>
+                      </a:r>
+                      <a:r>
+                        <a:rPr lang="en-US" sz="1200" b="1" dirty="0" smtClean="0">
+                          <a:latin typeface="Arial" panose="020B0604020202020204" pitchFamily="34" charset="0"/>
+                          <a:cs typeface="Arial" panose="020B0604020202020204" pitchFamily="34" charset="0"/>
+                        </a:rPr>
+                        <a:t>size change</a:t>
+                      </a:r>
+                      <a:endParaRPr lang="en-US" sz="1200" b="1" dirty="0">
                         <a:latin typeface="Arial" panose="020B0604020202020204" pitchFamily="34" charset="0"/>
                         <a:cs typeface="Arial" panose="020B0604020202020204" pitchFamily="34" charset="0"/>
-                      </a:rPr>
-                      <a:t>Body </a:t>
-                    </a:r>
-                    <a:r>
-                      <a:rPr lang="en-US" sz="1200" b="1" dirty="0" smtClean="0">
-                        <a:latin typeface="Arial" panose="020B0604020202020204" pitchFamily="34" charset="0"/>
-                        <a:cs typeface="Arial" panose="020B0604020202020204" pitchFamily="34" charset="0"/>
-                      </a:rPr>
-                      <a:t>size traits</a:t>
-                    </a:r>
-                    <a:endParaRPr lang="en-US" sz="1200" b="1" dirty="0">
-                      <a:latin typeface="Arial" panose="020B0604020202020204" pitchFamily="34" charset="0"/>
-                      <a:cs typeface="Arial" panose="020B0604020202020204" pitchFamily="34" charset="0"/>
-                    </a:endParaRPr>
-                  </a:p>
-                </p:txBody>
-              </p:sp>
-            </p:grpSp>
-          </p:grpSp>
-          <p:grpSp>
-            <p:nvGrpSpPr>
-              <p:cNvPr id="2" name="Group 1"/>
-              <p:cNvGrpSpPr/>
-              <p:nvPr/>
-            </p:nvGrpSpPr>
-            <p:grpSpPr>
-              <a:xfrm>
-                <a:off x="1040380" y="5781713"/>
-                <a:ext cx="4813985" cy="2057400"/>
-                <a:chOff x="1040380" y="5781713"/>
-                <a:chExt cx="4813985" cy="2057400"/>
-              </a:xfrm>
-            </p:grpSpPr>
-            <p:grpSp>
-              <p:nvGrpSpPr>
-                <p:cNvPr id="35" name="Group 34"/>
-                <p:cNvGrpSpPr/>
-                <p:nvPr/>
-              </p:nvGrpSpPr>
-              <p:grpSpPr>
-                <a:xfrm>
-                  <a:off x="4010484" y="5781713"/>
-                  <a:ext cx="1843881" cy="2057400"/>
-                  <a:chOff x="6376837" y="2156981"/>
-                  <a:chExt cx="1382911" cy="1543050"/>
-                </a:xfrm>
-              </p:grpSpPr>
-              <p:sp>
-                <p:nvSpPr>
-                  <p:cNvPr id="36" name="TextBox 35"/>
-                  <p:cNvSpPr txBox="1"/>
-                  <p:nvPr/>
-                </p:nvSpPr>
-                <p:spPr>
-                  <a:xfrm>
-                    <a:off x="6765159" y="3492282"/>
-                    <a:ext cx="600164" cy="207749"/>
-                  </a:xfrm>
-                  <a:prstGeom prst="rect">
-                    <a:avLst/>
-                  </a:prstGeom>
-                  <a:noFill/>
-                </p:spPr>
-                <p:txBody>
-                  <a:bodyPr wrap="none" rtlCol="0">
-                    <a:spAutoFit/>
-                  </a:bodyPr>
-                  <a:lstStyle/>
-                  <a:p>
-                    <a:r>
-                      <a:rPr lang="en-US" sz="1200" b="1" dirty="0">
-                        <a:latin typeface="Arial" panose="020B0604020202020204" pitchFamily="34" charset="0"/>
-                        <a:cs typeface="Arial" panose="020B0604020202020204" pitchFamily="34" charset="0"/>
-                      </a:rPr>
-                      <a:t>Cell size</a:t>
-                    </a:r>
-                  </a:p>
-                </p:txBody>
-              </p:sp>
-              <p:cxnSp>
-                <p:nvCxnSpPr>
-                  <p:cNvPr id="37" name="Straight Connector 36"/>
-                  <p:cNvCxnSpPr/>
-                  <p:nvPr/>
-                </p:nvCxnSpPr>
-                <p:spPr>
-                  <a:xfrm>
-                    <a:off x="6385263" y="2156981"/>
-                    <a:ext cx="5951" cy="1316051"/>
-                  </a:xfrm>
-                  <a:prstGeom prst="line">
-                    <a:avLst/>
-                  </a:prstGeom>
-                  <a:ln w="38100">
-                    <a:headEnd type="arrow" w="med" len="med"/>
-                    <a:tailEnd type="none" w="med" len="med"/>
-                  </a:ln>
-                </p:spPr>
-                <p:style>
-                  <a:lnRef idx="1">
-                    <a:schemeClr val="dk1"/>
-                  </a:lnRef>
-                  <a:fillRef idx="0">
-                    <a:schemeClr val="dk1"/>
-                  </a:fillRef>
-                  <a:effectRef idx="0">
-                    <a:schemeClr val="dk1"/>
-                  </a:effectRef>
-                  <a:fontRef idx="minor">
-                    <a:schemeClr val="tx1"/>
-                  </a:fontRef>
-                </p:style>
-              </p:cxnSp>
-              <p:cxnSp>
-                <p:nvCxnSpPr>
-                  <p:cNvPr id="38" name="Straight Connector 37"/>
-                  <p:cNvCxnSpPr/>
-                  <p:nvPr/>
-                </p:nvCxnSpPr>
-                <p:spPr>
-                  <a:xfrm flipH="1">
-                    <a:off x="6376837" y="3468523"/>
-                    <a:ext cx="1382911" cy="0"/>
-                  </a:xfrm>
-                  <a:prstGeom prst="line">
-                    <a:avLst/>
-                  </a:prstGeom>
-                  <a:ln w="38100">
-                    <a:headEnd type="arrow" w="med" len="med"/>
-                    <a:tailEnd type="none" w="med" len="med"/>
-                  </a:ln>
-                </p:spPr>
-                <p:style>
-                  <a:lnRef idx="1">
-                    <a:schemeClr val="dk1"/>
-                  </a:lnRef>
-                  <a:fillRef idx="0">
-                    <a:schemeClr val="dk1"/>
-                  </a:fillRef>
-                  <a:effectRef idx="0">
-                    <a:schemeClr val="dk1"/>
-                  </a:effectRef>
-                  <a:fontRef idx="minor">
-                    <a:schemeClr val="tx1"/>
-                  </a:fontRef>
-                </p:style>
-              </p:cxnSp>
-              <p:grpSp>
-                <p:nvGrpSpPr>
-                  <p:cNvPr id="41" name="Group 40"/>
-                  <p:cNvGrpSpPr/>
-                  <p:nvPr/>
-                </p:nvGrpSpPr>
-                <p:grpSpPr>
-                  <a:xfrm>
-                    <a:off x="6570222" y="2423219"/>
-                    <a:ext cx="914689" cy="695364"/>
-                    <a:chOff x="6570222" y="2423219"/>
-                    <a:chExt cx="914689" cy="695364"/>
-                  </a:xfrm>
-                </p:grpSpPr>
-                <p:cxnSp>
-                  <p:nvCxnSpPr>
-                    <p:cNvPr id="42" name="Straight Connector 41">
-                      <a:extLst>
-                        <a:ext uri="{FF2B5EF4-FFF2-40B4-BE49-F238E27FC236}">
-                          <a16:creationId xmlns:a16="http://schemas.microsoft.com/office/drawing/2014/main" id="{AE0E5F09-77E1-4805-B59F-673C9B61E487}"/>
-                        </a:ext>
-                      </a:extLst>
-                    </p:cNvPr>
-                    <p:cNvCxnSpPr>
-                      <a:cxnSpLocks/>
-                    </p:cNvCxnSpPr>
-                    <p:nvPr/>
-                  </p:nvCxnSpPr>
-                  <p:spPr>
-                    <a:xfrm flipV="1">
-                      <a:off x="6570222" y="2423219"/>
-                      <a:ext cx="914689" cy="508131"/>
-                    </a:xfrm>
-                    <a:prstGeom prst="line">
-                      <a:avLst/>
-                    </a:prstGeom>
-                    <a:ln w="38100" cap="rnd">
-                      <a:solidFill>
-                        <a:srgbClr val="00B050"/>
-                      </a:solidFill>
-                    </a:ln>
-                  </p:spPr>
-                  <p:style>
-                    <a:lnRef idx="1">
-                      <a:schemeClr val="dk1"/>
-                    </a:lnRef>
-                    <a:fillRef idx="0">
-                      <a:schemeClr val="dk1"/>
-                    </a:fillRef>
-                    <a:effectRef idx="0">
-                      <a:schemeClr val="dk1"/>
-                    </a:effectRef>
-                    <a:fontRef idx="minor">
-                      <a:schemeClr val="tx1"/>
-                    </a:fontRef>
-                  </p:style>
-                </p:cxnSp>
-                <p:cxnSp>
-                  <p:nvCxnSpPr>
-                    <p:cNvPr id="43" name="Straight Connector 42">
-                      <a:extLst>
-                        <a:ext uri="{FF2B5EF4-FFF2-40B4-BE49-F238E27FC236}">
-                          <a16:creationId xmlns:a16="http://schemas.microsoft.com/office/drawing/2014/main" id="{AE0E5F09-77E1-4805-B59F-673C9B61E487}"/>
-                        </a:ext>
-                      </a:extLst>
-                    </p:cNvPr>
-                    <p:cNvCxnSpPr>
-                      <a:cxnSpLocks/>
-                    </p:cNvCxnSpPr>
-                    <p:nvPr/>
-                  </p:nvCxnSpPr>
-                  <p:spPr>
-                    <a:xfrm flipV="1">
-                      <a:off x="6570222" y="2460382"/>
-                      <a:ext cx="914688" cy="658201"/>
-                    </a:xfrm>
-                    <a:prstGeom prst="line">
-                      <a:avLst/>
-                    </a:prstGeom>
-                    <a:ln w="38100" cap="rnd">
-                      <a:solidFill>
-                        <a:srgbClr val="FFC000"/>
-                      </a:solidFill>
-                    </a:ln>
-                  </p:spPr>
-                  <p:style>
-                    <a:lnRef idx="1">
-                      <a:schemeClr val="dk1"/>
-                    </a:lnRef>
-                    <a:fillRef idx="0">
-                      <a:schemeClr val="dk1"/>
-                    </a:fillRef>
-                    <a:effectRef idx="0">
-                      <a:schemeClr val="dk1"/>
-                    </a:effectRef>
-                    <a:fontRef idx="minor">
-                      <a:schemeClr val="tx1"/>
-                    </a:fontRef>
-                  </p:style>
-                </p:cxnSp>
-              </p:grpSp>
-            </p:grpSp>
-            <p:grpSp>
-              <p:nvGrpSpPr>
-                <p:cNvPr id="45" name="Group 44"/>
-                <p:cNvGrpSpPr/>
-                <p:nvPr/>
-              </p:nvGrpSpPr>
-              <p:grpSpPr>
-                <a:xfrm>
-                  <a:off x="1040380" y="5781713"/>
-                  <a:ext cx="2163130" cy="2057400"/>
-                  <a:chOff x="6137401" y="2156981"/>
-                  <a:chExt cx="1622347" cy="1543050"/>
-                </a:xfrm>
-              </p:grpSpPr>
-              <p:sp>
-                <p:nvSpPr>
-                  <p:cNvPr id="48" name="TextBox 47"/>
-                  <p:cNvSpPr txBox="1"/>
-                  <p:nvPr/>
-                </p:nvSpPr>
-                <p:spPr>
-                  <a:xfrm>
-                    <a:off x="6673898" y="3492282"/>
-                    <a:ext cx="600164" cy="207749"/>
-                  </a:xfrm>
-                  <a:prstGeom prst="rect">
-                    <a:avLst/>
-                  </a:prstGeom>
-                  <a:noFill/>
-                </p:spPr>
-                <p:txBody>
-                  <a:bodyPr wrap="none" rtlCol="0">
-                    <a:spAutoFit/>
-                  </a:bodyPr>
-                  <a:lstStyle/>
-                  <a:p>
-                    <a:r>
-                      <a:rPr lang="en-US" sz="1200" b="1" dirty="0">
-                        <a:latin typeface="Arial" panose="020B0604020202020204" pitchFamily="34" charset="0"/>
-                        <a:cs typeface="Arial" panose="020B0604020202020204" pitchFamily="34" charset="0"/>
-                      </a:rPr>
-                      <a:t>Cell size</a:t>
-                    </a:r>
-                  </a:p>
-                </p:txBody>
-              </p:sp>
-              <p:cxnSp>
-                <p:nvCxnSpPr>
-                  <p:cNvPr id="50" name="Straight Connector 49"/>
-                  <p:cNvCxnSpPr/>
-                  <p:nvPr/>
-                </p:nvCxnSpPr>
-                <p:spPr>
-                  <a:xfrm>
-                    <a:off x="6385263" y="2156981"/>
-                    <a:ext cx="5951" cy="1316051"/>
-                  </a:xfrm>
-                  <a:prstGeom prst="line">
-                    <a:avLst/>
-                  </a:prstGeom>
-                  <a:ln w="38100">
-                    <a:headEnd type="arrow" w="med" len="med"/>
-                    <a:tailEnd type="none" w="med" len="med"/>
-                  </a:ln>
-                </p:spPr>
-                <p:style>
-                  <a:lnRef idx="1">
-                    <a:schemeClr val="dk1"/>
-                  </a:lnRef>
-                  <a:fillRef idx="0">
-                    <a:schemeClr val="dk1"/>
-                  </a:fillRef>
-                  <a:effectRef idx="0">
-                    <a:schemeClr val="dk1"/>
-                  </a:effectRef>
-                  <a:fontRef idx="minor">
-                    <a:schemeClr val="tx1"/>
-                  </a:fontRef>
-                </p:style>
-              </p:cxnSp>
-              <p:cxnSp>
-                <p:nvCxnSpPr>
-                  <p:cNvPr id="51" name="Straight Connector 50"/>
-                  <p:cNvCxnSpPr/>
-                  <p:nvPr/>
-                </p:nvCxnSpPr>
-                <p:spPr>
-                  <a:xfrm flipH="1">
-                    <a:off x="6376837" y="3468523"/>
-                    <a:ext cx="1382911" cy="0"/>
-                  </a:xfrm>
-                  <a:prstGeom prst="line">
-                    <a:avLst/>
-                  </a:prstGeom>
-                  <a:ln w="38100">
-                    <a:headEnd type="arrow" w="med" len="med"/>
-                    <a:tailEnd type="none" w="med" len="med"/>
-                  </a:ln>
-                </p:spPr>
-                <p:style>
-                  <a:lnRef idx="1">
-                    <a:schemeClr val="dk1"/>
-                  </a:lnRef>
-                  <a:fillRef idx="0">
-                    <a:schemeClr val="dk1"/>
-                  </a:fillRef>
-                  <a:effectRef idx="0">
-                    <a:schemeClr val="dk1"/>
-                  </a:effectRef>
-                  <a:fontRef idx="minor">
-                    <a:schemeClr val="tx1"/>
-                  </a:fontRef>
-                </p:style>
-              </p:cxnSp>
-              <p:sp>
-                <p:nvSpPr>
-                  <p:cNvPr id="52" name="TextBox 51"/>
-                  <p:cNvSpPr txBox="1"/>
-                  <p:nvPr/>
-                </p:nvSpPr>
-                <p:spPr>
-                  <a:xfrm rot="16200000">
-                    <a:off x="5684512" y="2775160"/>
-                    <a:ext cx="1113527" cy="207749"/>
-                  </a:xfrm>
-                  <a:prstGeom prst="rect">
-                    <a:avLst/>
-                  </a:prstGeom>
-                  <a:noFill/>
-                </p:spPr>
-                <p:txBody>
-                  <a:bodyPr wrap="none" rtlCol="0">
-                    <a:spAutoFit/>
-                  </a:bodyPr>
-                  <a:lstStyle/>
-                  <a:p>
-                    <a:pPr algn="ctr"/>
-                    <a:r>
-                      <a:rPr lang="en-US" sz="1200" b="1" dirty="0">
-                        <a:latin typeface="Arial" panose="020B0604020202020204" pitchFamily="34" charset="0"/>
-                        <a:cs typeface="Arial" panose="020B0604020202020204" pitchFamily="34" charset="0"/>
-                      </a:rPr>
-                      <a:t>Body </a:t>
-                    </a:r>
-                    <a:r>
-                      <a:rPr lang="en-US" sz="1200" b="1" dirty="0" smtClean="0">
-                        <a:latin typeface="Arial" panose="020B0604020202020204" pitchFamily="34" charset="0"/>
-                        <a:cs typeface="Arial" panose="020B0604020202020204" pitchFamily="34" charset="0"/>
-                      </a:rPr>
-                      <a:t>size change</a:t>
-                    </a:r>
-                    <a:endParaRPr lang="en-US" sz="1200" b="1" dirty="0">
-                      <a:latin typeface="Arial" panose="020B0604020202020204" pitchFamily="34" charset="0"/>
-                      <a:cs typeface="Arial" panose="020B0604020202020204" pitchFamily="34" charset="0"/>
-                    </a:endParaRPr>
-                  </a:p>
-                </p:txBody>
-              </p:sp>
-              <p:grpSp>
-                <p:nvGrpSpPr>
-                  <p:cNvPr id="56" name="Group 55"/>
-                  <p:cNvGrpSpPr/>
-                  <p:nvPr/>
-                </p:nvGrpSpPr>
-                <p:grpSpPr>
-                  <a:xfrm>
-                    <a:off x="6569656" y="2370222"/>
-                    <a:ext cx="903010" cy="644009"/>
-                    <a:chOff x="6569656" y="2370222"/>
-                    <a:chExt cx="903010" cy="644009"/>
-                  </a:xfrm>
-                </p:grpSpPr>
+                      </a:endParaRPr>
+                    </a:p>
+                  </p:txBody>
+                </p:sp>
                 <p:cxnSp>
                   <p:nvCxnSpPr>
                     <p:cNvPr id="61" name="Straight Connector 60">
@@ -4303,7 +4202,7 @@
                   </p:nvCxnSpPr>
                   <p:spPr>
                     <a:xfrm flipV="1">
-                      <a:off x="6586374" y="2370222"/>
+                      <a:off x="6590324" y="2292667"/>
                       <a:ext cx="873161" cy="644009"/>
                     </a:xfrm>
                     <a:prstGeom prst="line">
@@ -4330,276 +4229,17 @@
                     </a:fontRef>
                   </p:style>
                 </p:cxnSp>
-                <p:cxnSp>
-                  <p:nvCxnSpPr>
-                    <p:cNvPr id="62" name="Straight Connector 61">
-                      <a:extLst>
-                        <a:ext uri="{FF2B5EF4-FFF2-40B4-BE49-F238E27FC236}">
-                          <a16:creationId xmlns:a16="http://schemas.microsoft.com/office/drawing/2014/main" id="{AE0E5F09-77E1-4805-B59F-673C9B61E487}"/>
-                        </a:ext>
-                      </a:extLst>
-                    </p:cNvPr>
-                    <p:cNvCxnSpPr>
-                      <a:cxnSpLocks/>
-                    </p:cNvCxnSpPr>
-                    <p:nvPr/>
-                  </p:nvCxnSpPr>
-                  <p:spPr>
-                    <a:xfrm flipV="1">
-                      <a:off x="6569656" y="2393980"/>
-                      <a:ext cx="903010" cy="488964"/>
-                    </a:xfrm>
-                    <a:prstGeom prst="line">
-                      <a:avLst/>
-                    </a:prstGeom>
-                    <a:ln w="38100" cap="rnd">
-                      <a:solidFill>
-                        <a:srgbClr val="FFC000"/>
-                      </a:solidFill>
-                    </a:ln>
-                  </p:spPr>
-                  <p:style>
-                    <a:lnRef idx="1">
-                      <a:schemeClr val="dk1"/>
-                    </a:lnRef>
-                    <a:fillRef idx="0">
-                      <a:schemeClr val="dk1"/>
-                    </a:fillRef>
-                    <a:effectRef idx="0">
-                      <a:schemeClr val="dk1"/>
-                    </a:effectRef>
-                    <a:fontRef idx="minor">
-                      <a:schemeClr val="tx1"/>
-                    </a:fontRef>
-                  </p:style>
-                </p:cxnSp>
               </p:grpSp>
-            </p:grpSp>
-            <p:sp>
-              <p:nvSpPr>
-                <p:cNvPr id="5" name="TextBox 4"/>
-                <p:cNvSpPr txBox="1"/>
-                <p:nvPr/>
-              </p:nvSpPr>
-              <p:spPr>
-                <a:xfrm>
-                  <a:off x="4185971" y="5799577"/>
-                  <a:ext cx="1389233" cy="276999"/>
-                </a:xfrm>
-                <a:prstGeom prst="rect">
-                  <a:avLst/>
-                </a:prstGeom>
-                <a:noFill/>
-              </p:spPr>
-              <p:txBody>
-                <a:bodyPr wrap="square" rtlCol="0">
-                  <a:spAutoFit/>
-                </a:bodyPr>
-                <a:lstStyle/>
-                <a:p>
-                  <a:r>
-                    <a:rPr lang="en-US" sz="1200" b="1" dirty="0">
-                      <a:solidFill>
-                        <a:srgbClr val="FF0000"/>
-                      </a:solidFill>
-                      <a:latin typeface="Arial" panose="020B0604020202020204" pitchFamily="34" charset="0"/>
-                      <a:cs typeface="Arial" panose="020B0604020202020204" pitchFamily="34" charset="0"/>
-                    </a:rPr>
-                    <a:t>warm-developed</a:t>
-                  </a:r>
-                </a:p>
-              </p:txBody>
-            </p:sp>
-            <p:sp>
-              <p:nvSpPr>
-                <p:cNvPr id="67" name="TextBox 66"/>
-                <p:cNvSpPr txBox="1"/>
-                <p:nvPr/>
-              </p:nvSpPr>
-              <p:spPr>
-                <a:xfrm>
-                  <a:off x="1599320" y="5799577"/>
-                  <a:ext cx="1362171" cy="276999"/>
-                </a:xfrm>
-                <a:prstGeom prst="rect">
-                  <a:avLst/>
-                </a:prstGeom>
-                <a:noFill/>
-              </p:spPr>
-              <p:txBody>
-                <a:bodyPr wrap="square" rtlCol="0">
-                  <a:spAutoFit/>
-                </a:bodyPr>
-                <a:lstStyle/>
-                <a:p>
-                  <a:r>
-                    <a:rPr lang="en-US" sz="1200" b="1" dirty="0">
-                      <a:solidFill>
-                        <a:srgbClr val="0000FF"/>
-                      </a:solidFill>
-                      <a:latin typeface="Arial" panose="020B0604020202020204" pitchFamily="34" charset="0"/>
-                      <a:cs typeface="Arial" panose="020B0604020202020204" pitchFamily="34" charset="0"/>
-                    </a:rPr>
-                    <a:t>cold-developed</a:t>
-                  </a:r>
-                </a:p>
-              </p:txBody>
-            </p:sp>
-          </p:grpSp>
-          <p:sp>
-            <p:nvSpPr>
-              <p:cNvPr id="90" name="TextBox 89"/>
-              <p:cNvSpPr txBox="1"/>
-              <p:nvPr/>
-            </p:nvSpPr>
-            <p:spPr>
-              <a:xfrm>
-                <a:off x="4419600" y="1721840"/>
-                <a:ext cx="2590800" cy="577081"/>
-              </a:xfrm>
-              <a:prstGeom prst="rect">
-                <a:avLst/>
-              </a:prstGeom>
-              <a:noFill/>
-            </p:spPr>
-            <p:txBody>
-              <a:bodyPr wrap="square" rtlCol="0">
-                <a:spAutoFit/>
-              </a:bodyPr>
-              <a:lstStyle/>
-              <a:p>
-                <a:pPr algn="ctr"/>
-                <a:r>
-                  <a:rPr lang="en-US" sz="1050" b="1" dirty="0" smtClean="0">
-                    <a:latin typeface="Arial" panose="020B0604020202020204" pitchFamily="34" charset="0"/>
-                    <a:cs typeface="Arial" panose="020B0604020202020204" pitchFamily="34" charset="0"/>
-                  </a:rPr>
-                  <a:t>Q3</a:t>
-                </a:r>
-                <a:r>
-                  <a:rPr lang="en-US" sz="1050" dirty="0" smtClean="0">
-                    <a:latin typeface="Arial" panose="020B0604020202020204" pitchFamily="34" charset="0"/>
-                    <a:cs typeface="Arial" panose="020B0604020202020204" pitchFamily="34" charset="0"/>
-                  </a:rPr>
-                  <a:t>: </a:t>
-                </a:r>
-                <a:r>
-                  <a:rPr lang="en-US" sz="1050" dirty="0">
-                    <a:latin typeface="Arial" panose="020B0604020202020204" pitchFamily="34" charset="0"/>
-                    <a:cs typeface="Arial" panose="020B0604020202020204" pitchFamily="34" charset="0"/>
-                  </a:rPr>
-                  <a:t>Does </a:t>
-                </a:r>
-                <a:r>
-                  <a:rPr lang="en-US" sz="1050" dirty="0" smtClean="0">
-                    <a:latin typeface="Arial" panose="020B0604020202020204" pitchFamily="34" charset="0"/>
-                    <a:cs typeface="Arial" panose="020B0604020202020204" pitchFamily="34" charset="0"/>
-                  </a:rPr>
-                  <a:t>developing oxygen and temperature affect </a:t>
-                </a:r>
-                <a:r>
-                  <a:rPr lang="en-US" sz="1050" dirty="0">
-                    <a:latin typeface="Arial" panose="020B0604020202020204" pitchFamily="34" charset="0"/>
-                    <a:cs typeface="Arial" panose="020B0604020202020204" pitchFamily="34" charset="0"/>
-                  </a:rPr>
-                  <a:t>body size-related traits?</a:t>
-                </a:r>
-              </a:p>
-            </p:txBody>
-          </p:sp>
-          <p:grpSp>
-            <p:nvGrpSpPr>
-              <p:cNvPr id="91" name="Group 90"/>
-              <p:cNvGrpSpPr/>
-              <p:nvPr/>
-            </p:nvGrpSpPr>
-            <p:grpSpPr>
-              <a:xfrm>
-                <a:off x="4495801" y="2322418"/>
-                <a:ext cx="2213899" cy="2269876"/>
-                <a:chOff x="3688823" y="2360066"/>
-                <a:chExt cx="2213899" cy="2269876"/>
-              </a:xfrm>
-            </p:grpSpPr>
-            <p:sp>
-              <p:nvSpPr>
-                <p:cNvPr id="92" name="Rectangle 91"/>
-                <p:cNvSpPr/>
-                <p:nvPr/>
-              </p:nvSpPr>
-              <p:spPr>
-                <a:xfrm>
-                  <a:off x="4029441" y="4090189"/>
-                  <a:ext cx="1868243" cy="281305"/>
-                </a:xfrm>
-                <a:prstGeom prst="rect">
-                  <a:avLst/>
-                </a:prstGeom>
-                <a:gradFill flip="none" rotWithShape="1">
-                  <a:gsLst>
-                    <a:gs pos="69000">
-                      <a:srgbClr val="00B050"/>
-                    </a:gs>
-                    <a:gs pos="15000">
-                      <a:srgbClr val="FFC000"/>
-                    </a:gs>
-                  </a:gsLst>
-                  <a:lin ang="0" scaled="1"/>
-                  <a:tileRect/>
-                </a:gradFill>
-                <a:ln>
-                  <a:noFill/>
-                </a:ln>
-              </p:spPr>
-              <p:style>
-                <a:lnRef idx="2">
-                  <a:schemeClr val="accent1">
-                    <a:shade val="50000"/>
-                  </a:schemeClr>
-                </a:lnRef>
-                <a:fillRef idx="1">
-                  <a:schemeClr val="accent1"/>
-                </a:fillRef>
-                <a:effectRef idx="0">
-                  <a:schemeClr val="accent1"/>
-                </a:effectRef>
-                <a:fontRef idx="minor">
-                  <a:schemeClr val="lt1"/>
-                </a:fontRef>
-              </p:style>
-              <p:txBody>
-                <a:bodyPr rtlCol="0" anchor="ctr"/>
-                <a:lstStyle/>
-                <a:p>
-                  <a:pPr algn="ctr"/>
-                  <a:endParaRPr lang="en-US" sz="2400"/>
-                </a:p>
-              </p:txBody>
-            </p:sp>
-            <p:grpSp>
-              <p:nvGrpSpPr>
-                <p:cNvPr id="93" name="Group 92"/>
-                <p:cNvGrpSpPr/>
-                <p:nvPr/>
-              </p:nvGrpSpPr>
-              <p:grpSpPr>
-                <a:xfrm>
-                  <a:off x="3688823" y="2360066"/>
-                  <a:ext cx="2213899" cy="2269876"/>
-                  <a:chOff x="6134626" y="3055250"/>
-                  <a:chExt cx="1660424" cy="1702407"/>
-                </a:xfrm>
-              </p:grpSpPr>
               <p:sp>
                 <p:nvSpPr>
-                  <p:cNvPr id="94" name="TextBox 93"/>
+                  <p:cNvPr id="5" name="TextBox 4"/>
                   <p:cNvSpPr txBox="1"/>
                   <p:nvPr/>
                 </p:nvSpPr>
                 <p:spPr>
                   <a:xfrm>
-                    <a:off x="6802165" y="4549908"/>
-                    <a:ext cx="611030" cy="207749"/>
+                    <a:off x="4185971" y="5638800"/>
+                    <a:ext cx="1389233" cy="276999"/>
                   </a:xfrm>
                   <a:prstGeom prst="rect">
                     <a:avLst/>
@@ -4614,150 +4254,27 @@
                   <a:p>
                     <a:r>
                       <a:rPr lang="en-US" sz="1200" b="1" dirty="0">
+                        <a:solidFill>
+                          <a:srgbClr val="FF0000"/>
+                        </a:solidFill>
                         <a:latin typeface="Arial" panose="020B0604020202020204" pitchFamily="34" charset="0"/>
                         <a:cs typeface="Arial" panose="020B0604020202020204" pitchFamily="34" charset="0"/>
                       </a:rPr>
-                      <a:t>Oxygen</a:t>
+                      <a:t>warm-developed</a:t>
                     </a:r>
                   </a:p>
                 </p:txBody>
               </p:sp>
-              <p:grpSp>
-                <p:nvGrpSpPr>
-                  <p:cNvPr id="95" name="Group 94"/>
-                  <p:cNvGrpSpPr/>
-                  <p:nvPr/>
-                </p:nvGrpSpPr>
-                <p:grpSpPr>
-                  <a:xfrm>
-                    <a:off x="6396960" y="3055250"/>
-                    <a:ext cx="1398090" cy="1316051"/>
-                    <a:chOff x="678001" y="1687400"/>
-                    <a:chExt cx="2653537" cy="2220706"/>
-                  </a:xfrm>
-                </p:grpSpPr>
-                <p:cxnSp>
-                  <p:nvCxnSpPr>
-                    <p:cNvPr id="98" name="Straight Connector 97"/>
-                    <p:cNvCxnSpPr/>
-                    <p:nvPr/>
-                  </p:nvCxnSpPr>
-                  <p:spPr>
-                    <a:xfrm>
-                      <a:off x="678001" y="1687400"/>
-                      <a:ext cx="11295" cy="2220706"/>
-                    </a:xfrm>
-                    <a:prstGeom prst="line">
-                      <a:avLst/>
-                    </a:prstGeom>
-                    <a:ln w="38100">
-                      <a:headEnd type="arrow" w="med" len="med"/>
-                      <a:tailEnd type="none" w="med" len="med"/>
-                    </a:ln>
-                  </p:spPr>
-                  <p:style>
-                    <a:lnRef idx="1">
-                      <a:schemeClr val="dk1"/>
-                    </a:lnRef>
-                    <a:fillRef idx="0">
-                      <a:schemeClr val="dk1"/>
-                    </a:fillRef>
-                    <a:effectRef idx="0">
-                      <a:schemeClr val="dk1"/>
-                    </a:effectRef>
-                    <a:fontRef idx="minor">
-                      <a:schemeClr val="tx1"/>
-                    </a:fontRef>
-                  </p:style>
-                </p:cxnSp>
-                <p:cxnSp>
-                  <p:nvCxnSpPr>
-                    <p:cNvPr id="99" name="Straight Connector 98"/>
-                    <p:cNvCxnSpPr/>
-                    <p:nvPr/>
-                  </p:nvCxnSpPr>
-                  <p:spPr>
-                    <a:xfrm flipH="1">
-                      <a:off x="682300" y="3884312"/>
-                      <a:ext cx="2649238" cy="227"/>
-                    </a:xfrm>
-                    <a:prstGeom prst="line">
-                      <a:avLst/>
-                    </a:prstGeom>
-                    <a:ln w="38100">
-                      <a:headEnd type="arrow" w="med" len="med"/>
-                      <a:tailEnd type="none" w="med" len="med"/>
-                    </a:ln>
-                  </p:spPr>
-                  <p:style>
-                    <a:lnRef idx="1">
-                      <a:schemeClr val="dk1"/>
-                    </a:lnRef>
-                    <a:fillRef idx="0">
-                      <a:schemeClr val="dk1"/>
-                    </a:fillRef>
-                    <a:effectRef idx="0">
-                      <a:schemeClr val="dk1"/>
-                    </a:effectRef>
-                    <a:fontRef idx="minor">
-                      <a:schemeClr val="tx1"/>
-                    </a:fontRef>
-                  </p:style>
-                </p:cxnSp>
-                <p:cxnSp>
-                  <p:nvCxnSpPr>
-                    <p:cNvPr id="100" name="Straight Connector 99">
-                      <a:extLst>
-                        <a:ext uri="{FF2B5EF4-FFF2-40B4-BE49-F238E27FC236}">
-                          <a16:creationId xmlns:a16="http://schemas.microsoft.com/office/drawing/2014/main" id="{AE0E5F09-77E1-4805-B59F-673C9B61E487}"/>
-                        </a:ext>
-                      </a:extLst>
-                    </p:cNvPr>
-                    <p:cNvCxnSpPr>
-                      <a:cxnSpLocks/>
-                    </p:cNvCxnSpPr>
-                    <p:nvPr/>
-                  </p:nvCxnSpPr>
-                  <p:spPr>
-                    <a:xfrm flipV="1">
-                      <a:off x="1050147" y="2292769"/>
-                      <a:ext cx="1950147" cy="698632"/>
-                    </a:xfrm>
-                    <a:prstGeom prst="line">
-                      <a:avLst/>
-                    </a:prstGeom>
-                    <a:ln w="38100" cap="rnd">
-                      <a:solidFill>
-                        <a:srgbClr val="FF0000"/>
-                      </a:solidFill>
-                    </a:ln>
-                  </p:spPr>
-                  <p:style>
-                    <a:lnRef idx="1">
-                      <a:schemeClr val="dk1"/>
-                    </a:lnRef>
-                    <a:fillRef idx="0">
-                      <a:schemeClr val="dk1"/>
-                    </a:fillRef>
-                    <a:effectRef idx="0">
-                      <a:schemeClr val="dk1"/>
-                    </a:effectRef>
-                    <a:fontRef idx="minor">
-                      <a:schemeClr val="tx1"/>
-                    </a:fontRef>
-                  </p:style>
-                </p:cxnSp>
-              </p:grpSp>
               <p:sp>
                 <p:nvSpPr>
-                  <p:cNvPr id="96" name="TextBox 95"/>
+                  <p:cNvPr id="67" name="TextBox 66"/>
                   <p:cNvSpPr txBox="1"/>
                   <p:nvPr/>
                 </p:nvSpPr>
                 <p:spPr>
-                  <a:xfrm rot="16200000">
-                    <a:off x="5743052" y="3615514"/>
-                    <a:ext cx="990897" cy="207749"/>
+                  <a:xfrm>
+                    <a:off x="1599320" y="5638800"/>
+                    <a:ext cx="1362171" cy="276999"/>
                   </a:xfrm>
                   <a:prstGeom prst="rect">
                     <a:avLst/>
@@ -4765,122 +4282,590 @@
                   <a:noFill/>
                 </p:spPr>
                 <p:txBody>
-                  <a:bodyPr wrap="none" rtlCol="0">
+                  <a:bodyPr wrap="square" rtlCol="0">
                     <a:spAutoFit/>
                   </a:bodyPr>
                   <a:lstStyle/>
                   <a:p>
                     <a:r>
                       <a:rPr lang="en-US" sz="1200" b="1" dirty="0">
+                        <a:solidFill>
+                          <a:srgbClr val="0000FF"/>
+                        </a:solidFill>
                         <a:latin typeface="Arial" panose="020B0604020202020204" pitchFamily="34" charset="0"/>
                         <a:cs typeface="Arial" panose="020B0604020202020204" pitchFamily="34" charset="0"/>
                       </a:rPr>
-                      <a:t>Body </a:t>
+                      <a:t>cold-developed</a:t>
                     </a:r>
-                    <a:r>
-                      <a:rPr lang="en-US" sz="1200" b="1" dirty="0" smtClean="0">
-                        <a:latin typeface="Arial" panose="020B0604020202020204" pitchFamily="34" charset="0"/>
-                        <a:cs typeface="Arial" panose="020B0604020202020204" pitchFamily="34" charset="0"/>
-                      </a:rPr>
-                      <a:t>size traits</a:t>
-                    </a:r>
-                    <a:endParaRPr lang="en-US" sz="1200" b="1" dirty="0">
-                      <a:latin typeface="Arial" panose="020B0604020202020204" pitchFamily="34" charset="0"/>
-                      <a:cs typeface="Arial" panose="020B0604020202020204" pitchFamily="34" charset="0"/>
-                    </a:endParaRPr>
                   </a:p>
                 </p:txBody>
               </p:sp>
             </p:grpSp>
+            <p:sp>
+              <p:nvSpPr>
+                <p:cNvPr id="90" name="TextBox 89"/>
+                <p:cNvSpPr txBox="1"/>
+                <p:nvPr/>
+              </p:nvSpPr>
+              <p:spPr>
+                <a:xfrm>
+                  <a:off x="4419600" y="1721840"/>
+                  <a:ext cx="2590800" cy="577081"/>
+                </a:xfrm>
+                <a:prstGeom prst="rect">
+                  <a:avLst/>
+                </a:prstGeom>
+                <a:noFill/>
+              </p:spPr>
+              <p:txBody>
+                <a:bodyPr wrap="square" rtlCol="0">
+                  <a:spAutoFit/>
+                </a:bodyPr>
+                <a:lstStyle/>
+                <a:p>
+                  <a:pPr algn="ctr"/>
+                  <a:r>
+                    <a:rPr lang="en-US" sz="1050" b="1" dirty="0" smtClean="0">
+                      <a:latin typeface="Arial" panose="020B0604020202020204" pitchFamily="34" charset="0"/>
+                      <a:cs typeface="Arial" panose="020B0604020202020204" pitchFamily="34" charset="0"/>
+                    </a:rPr>
+                    <a:t>Q3</a:t>
+                  </a:r>
+                  <a:r>
+                    <a:rPr lang="en-US" sz="1050" dirty="0" smtClean="0">
+                      <a:latin typeface="Arial" panose="020B0604020202020204" pitchFamily="34" charset="0"/>
+                      <a:cs typeface="Arial" panose="020B0604020202020204" pitchFamily="34" charset="0"/>
+                    </a:rPr>
+                    <a:t>: </a:t>
+                  </a:r>
+                  <a:r>
+                    <a:rPr lang="en-US" sz="1050" dirty="0">
+                      <a:latin typeface="Arial" panose="020B0604020202020204" pitchFamily="34" charset="0"/>
+                      <a:cs typeface="Arial" panose="020B0604020202020204" pitchFamily="34" charset="0"/>
+                    </a:rPr>
+                    <a:t>Does </a:t>
+                  </a:r>
+                  <a:r>
+                    <a:rPr lang="en-US" sz="1050" dirty="0" smtClean="0">
+                      <a:latin typeface="Arial" panose="020B0604020202020204" pitchFamily="34" charset="0"/>
+                      <a:cs typeface="Arial" panose="020B0604020202020204" pitchFamily="34" charset="0"/>
+                    </a:rPr>
+                    <a:t>developing oxygen and temperature affect </a:t>
+                  </a:r>
+                  <a:r>
+                    <a:rPr lang="en-US" sz="1050" dirty="0">
+                      <a:latin typeface="Arial" panose="020B0604020202020204" pitchFamily="34" charset="0"/>
+                      <a:cs typeface="Arial" panose="020B0604020202020204" pitchFamily="34" charset="0"/>
+                    </a:rPr>
+                    <a:t>body size-related traits?</a:t>
+                  </a:r>
+                </a:p>
+              </p:txBody>
+            </p:sp>
+            <p:grpSp>
+              <p:nvGrpSpPr>
+                <p:cNvPr id="91" name="Group 90"/>
+                <p:cNvGrpSpPr/>
+                <p:nvPr/>
+              </p:nvGrpSpPr>
+              <p:grpSpPr>
+                <a:xfrm>
+                  <a:off x="4495801" y="2322418"/>
+                  <a:ext cx="2213899" cy="2269876"/>
+                  <a:chOff x="3688823" y="2360066"/>
+                  <a:chExt cx="2213899" cy="2269876"/>
+                </a:xfrm>
+              </p:grpSpPr>
+              <p:sp>
+                <p:nvSpPr>
+                  <p:cNvPr id="92" name="Rectangle 91"/>
+                  <p:cNvSpPr/>
+                  <p:nvPr/>
+                </p:nvSpPr>
+                <p:spPr>
+                  <a:xfrm>
+                    <a:off x="4029441" y="4090189"/>
+                    <a:ext cx="1868243" cy="281305"/>
+                  </a:xfrm>
+                  <a:prstGeom prst="rect">
+                    <a:avLst/>
+                  </a:prstGeom>
+                  <a:gradFill flip="none" rotWithShape="1">
+                    <a:gsLst>
+                      <a:gs pos="69000">
+                        <a:srgbClr val="00B050"/>
+                      </a:gs>
+                      <a:gs pos="15000">
+                        <a:srgbClr val="FFC000"/>
+                      </a:gs>
+                    </a:gsLst>
+                    <a:lin ang="0" scaled="1"/>
+                    <a:tileRect/>
+                  </a:gradFill>
+                  <a:ln>
+                    <a:noFill/>
+                  </a:ln>
+                </p:spPr>
+                <p:style>
+                  <a:lnRef idx="2">
+                    <a:schemeClr val="accent1">
+                      <a:shade val="50000"/>
+                    </a:schemeClr>
+                  </a:lnRef>
+                  <a:fillRef idx="1">
+                    <a:schemeClr val="accent1"/>
+                  </a:fillRef>
+                  <a:effectRef idx="0">
+                    <a:schemeClr val="accent1"/>
+                  </a:effectRef>
+                  <a:fontRef idx="minor">
+                    <a:schemeClr val="lt1"/>
+                  </a:fontRef>
+                </p:style>
+                <p:txBody>
+                  <a:bodyPr rtlCol="0" anchor="ctr"/>
+                  <a:lstStyle/>
+                  <a:p>
+                    <a:pPr algn="ctr"/>
+                    <a:endParaRPr lang="en-US" sz="2400"/>
+                  </a:p>
+                </p:txBody>
+              </p:sp>
+              <p:grpSp>
+                <p:nvGrpSpPr>
+                  <p:cNvPr id="93" name="Group 92"/>
+                  <p:cNvGrpSpPr/>
+                  <p:nvPr/>
+                </p:nvGrpSpPr>
+                <p:grpSpPr>
+                  <a:xfrm>
+                    <a:off x="3688823" y="2360066"/>
+                    <a:ext cx="2213899" cy="2269876"/>
+                    <a:chOff x="6134626" y="3055250"/>
+                    <a:chExt cx="1660424" cy="1702407"/>
+                  </a:xfrm>
+                </p:grpSpPr>
+                <p:sp>
+                  <p:nvSpPr>
+                    <p:cNvPr id="94" name="TextBox 93"/>
+                    <p:cNvSpPr txBox="1"/>
+                    <p:nvPr/>
+                  </p:nvSpPr>
+                  <p:spPr>
+                    <a:xfrm>
+                      <a:off x="6802165" y="4549908"/>
+                      <a:ext cx="611030" cy="207749"/>
+                    </a:xfrm>
+                    <a:prstGeom prst="rect">
+                      <a:avLst/>
+                    </a:prstGeom>
+                    <a:noFill/>
+                  </p:spPr>
+                  <p:txBody>
+                    <a:bodyPr wrap="square" rtlCol="0">
+                      <a:spAutoFit/>
+                    </a:bodyPr>
+                    <a:lstStyle/>
+                    <a:p>
+                      <a:r>
+                        <a:rPr lang="en-US" sz="1200" b="1" dirty="0">
+                          <a:latin typeface="Arial" panose="020B0604020202020204" pitchFamily="34" charset="0"/>
+                          <a:cs typeface="Arial" panose="020B0604020202020204" pitchFamily="34" charset="0"/>
+                        </a:rPr>
+                        <a:t>Oxygen</a:t>
+                      </a:r>
+                    </a:p>
+                  </p:txBody>
+                </p:sp>
+                <p:grpSp>
+                  <p:nvGrpSpPr>
+                    <p:cNvPr id="95" name="Group 94"/>
+                    <p:cNvGrpSpPr/>
+                    <p:nvPr/>
+                  </p:nvGrpSpPr>
+                  <p:grpSpPr>
+                    <a:xfrm>
+                      <a:off x="6396960" y="3055250"/>
+                      <a:ext cx="1398090" cy="1316051"/>
+                      <a:chOff x="678001" y="1687400"/>
+                      <a:chExt cx="2653537" cy="2220706"/>
+                    </a:xfrm>
+                  </p:grpSpPr>
+                  <p:cxnSp>
+                    <p:nvCxnSpPr>
+                      <p:cNvPr id="98" name="Straight Connector 97"/>
+                      <p:cNvCxnSpPr/>
+                      <p:nvPr/>
+                    </p:nvCxnSpPr>
+                    <p:spPr>
+                      <a:xfrm>
+                        <a:off x="678001" y="1687400"/>
+                        <a:ext cx="11295" cy="2220706"/>
+                      </a:xfrm>
+                      <a:prstGeom prst="line">
+                        <a:avLst/>
+                      </a:prstGeom>
+                      <a:ln w="38100">
+                        <a:headEnd type="arrow" w="med" len="med"/>
+                        <a:tailEnd type="none" w="med" len="med"/>
+                      </a:ln>
+                    </p:spPr>
+                    <p:style>
+                      <a:lnRef idx="1">
+                        <a:schemeClr val="dk1"/>
+                      </a:lnRef>
+                      <a:fillRef idx="0">
+                        <a:schemeClr val="dk1"/>
+                      </a:fillRef>
+                      <a:effectRef idx="0">
+                        <a:schemeClr val="dk1"/>
+                      </a:effectRef>
+                      <a:fontRef idx="minor">
+                        <a:schemeClr val="tx1"/>
+                      </a:fontRef>
+                    </p:style>
+                  </p:cxnSp>
+                  <p:cxnSp>
+                    <p:nvCxnSpPr>
+                      <p:cNvPr id="99" name="Straight Connector 98"/>
+                      <p:cNvCxnSpPr/>
+                      <p:nvPr/>
+                    </p:nvCxnSpPr>
+                    <p:spPr>
+                      <a:xfrm flipH="1">
+                        <a:off x="682300" y="3884312"/>
+                        <a:ext cx="2649238" cy="227"/>
+                      </a:xfrm>
+                      <a:prstGeom prst="line">
+                        <a:avLst/>
+                      </a:prstGeom>
+                      <a:ln w="38100">
+                        <a:headEnd type="arrow" w="med" len="med"/>
+                        <a:tailEnd type="none" w="med" len="med"/>
+                      </a:ln>
+                    </p:spPr>
+                    <p:style>
+                      <a:lnRef idx="1">
+                        <a:schemeClr val="dk1"/>
+                      </a:lnRef>
+                      <a:fillRef idx="0">
+                        <a:schemeClr val="dk1"/>
+                      </a:fillRef>
+                      <a:effectRef idx="0">
+                        <a:schemeClr val="dk1"/>
+                      </a:effectRef>
+                      <a:fontRef idx="minor">
+                        <a:schemeClr val="tx1"/>
+                      </a:fontRef>
+                    </p:style>
+                  </p:cxnSp>
+                  <p:cxnSp>
+                    <p:nvCxnSpPr>
+                      <p:cNvPr id="100" name="Straight Connector 99">
+                        <a:extLst>
+                          <a:ext uri="{FF2B5EF4-FFF2-40B4-BE49-F238E27FC236}">
+                            <a16:creationId xmlns:a16="http://schemas.microsoft.com/office/drawing/2014/main" id="{AE0E5F09-77E1-4805-B59F-673C9B61E487}"/>
+                          </a:ext>
+                        </a:extLst>
+                      </p:cNvPr>
+                      <p:cNvCxnSpPr>
+                        <a:cxnSpLocks/>
+                      </p:cNvCxnSpPr>
+                      <p:nvPr/>
+                    </p:nvCxnSpPr>
+                    <p:spPr>
+                      <a:xfrm flipV="1">
+                        <a:off x="1050147" y="2292769"/>
+                        <a:ext cx="1950147" cy="698632"/>
+                      </a:xfrm>
+                      <a:prstGeom prst="line">
+                        <a:avLst/>
+                      </a:prstGeom>
+                      <a:ln w="38100" cap="rnd">
+                        <a:solidFill>
+                          <a:srgbClr val="FF0000"/>
+                        </a:solidFill>
+                      </a:ln>
+                    </p:spPr>
+                    <p:style>
+                      <a:lnRef idx="1">
+                        <a:schemeClr val="dk1"/>
+                      </a:lnRef>
+                      <a:fillRef idx="0">
+                        <a:schemeClr val="dk1"/>
+                      </a:fillRef>
+                      <a:effectRef idx="0">
+                        <a:schemeClr val="dk1"/>
+                      </a:effectRef>
+                      <a:fontRef idx="minor">
+                        <a:schemeClr val="tx1"/>
+                      </a:fontRef>
+                    </p:style>
+                  </p:cxnSp>
+                </p:grpSp>
+                <p:sp>
+                  <p:nvSpPr>
+                    <p:cNvPr id="96" name="TextBox 95"/>
+                    <p:cNvSpPr txBox="1"/>
+                    <p:nvPr/>
+                  </p:nvSpPr>
+                  <p:spPr>
+                    <a:xfrm rot="16200000">
+                      <a:off x="5743052" y="3615514"/>
+                      <a:ext cx="990897" cy="207749"/>
+                    </a:xfrm>
+                    <a:prstGeom prst="rect">
+                      <a:avLst/>
+                    </a:prstGeom>
+                    <a:noFill/>
+                  </p:spPr>
+                  <p:txBody>
+                    <a:bodyPr wrap="none" rtlCol="0">
+                      <a:spAutoFit/>
+                    </a:bodyPr>
+                    <a:lstStyle/>
+                    <a:p>
+                      <a:r>
+                        <a:rPr lang="en-US" sz="1200" b="1" dirty="0">
+                          <a:latin typeface="Arial" panose="020B0604020202020204" pitchFamily="34" charset="0"/>
+                          <a:cs typeface="Arial" panose="020B0604020202020204" pitchFamily="34" charset="0"/>
+                        </a:rPr>
+                        <a:t>Body </a:t>
+                      </a:r>
+                      <a:r>
+                        <a:rPr lang="en-US" sz="1200" b="1" dirty="0" smtClean="0">
+                          <a:latin typeface="Arial" panose="020B0604020202020204" pitchFamily="34" charset="0"/>
+                          <a:cs typeface="Arial" panose="020B0604020202020204" pitchFamily="34" charset="0"/>
+                        </a:rPr>
+                        <a:t>size traits</a:t>
+                      </a:r>
+                      <a:endParaRPr lang="en-US" sz="1200" b="1" dirty="0">
+                        <a:latin typeface="Arial" panose="020B0604020202020204" pitchFamily="34" charset="0"/>
+                        <a:cs typeface="Arial" panose="020B0604020202020204" pitchFamily="34" charset="0"/>
+                      </a:endParaRPr>
+                    </a:p>
+                  </p:txBody>
+                </p:sp>
+              </p:grpSp>
+            </p:grpSp>
+            <p:cxnSp>
+              <p:nvCxnSpPr>
+                <p:cNvPr id="101" name="Straight Connector 100">
+                  <a:extLst>
+                    <a:ext uri="{FF2B5EF4-FFF2-40B4-BE49-F238E27FC236}">
+                      <a16:creationId xmlns:a16="http://schemas.microsoft.com/office/drawing/2014/main" id="{AE0E5F09-77E1-4805-B59F-673C9B61E487}"/>
+                    </a:ext>
+                  </a:extLst>
+                </p:cNvPr>
+                <p:cNvCxnSpPr>
+                  <a:cxnSpLocks/>
+                </p:cNvCxnSpPr>
+                <p:nvPr/>
+              </p:nvCxnSpPr>
+              <p:spPr>
+                <a:xfrm flipV="1">
+                  <a:off x="5107014" y="2691092"/>
+                  <a:ext cx="1369986" cy="204508"/>
+                </a:xfrm>
+                <a:prstGeom prst="line">
+                  <a:avLst/>
+                </a:prstGeom>
+                <a:ln w="38100" cap="rnd">
+                  <a:solidFill>
+                    <a:srgbClr val="0000FF"/>
+                  </a:solidFill>
+                </a:ln>
+              </p:spPr>
+              <p:style>
+                <a:lnRef idx="1">
+                  <a:schemeClr val="dk1"/>
+                </a:lnRef>
+                <a:fillRef idx="0">
+                  <a:schemeClr val="dk1"/>
+                </a:fillRef>
+                <a:effectRef idx="0">
+                  <a:schemeClr val="dk1"/>
+                </a:effectRef>
+                <a:fontRef idx="minor">
+                  <a:schemeClr val="tx1"/>
+                </a:fontRef>
+              </p:style>
+            </p:cxnSp>
           </p:grpSp>
-          <p:cxnSp>
-            <p:nvCxnSpPr>
-              <p:cNvPr id="101" name="Straight Connector 100">
-                <a:extLst>
-                  <a:ext uri="{FF2B5EF4-FFF2-40B4-BE49-F238E27FC236}">
-                    <a16:creationId xmlns:a16="http://schemas.microsoft.com/office/drawing/2014/main" id="{AE0E5F09-77E1-4805-B59F-673C9B61E487}"/>
-                  </a:ext>
-                </a:extLst>
-              </p:cNvPr>
-              <p:cNvCxnSpPr>
-                <a:cxnSpLocks/>
-              </p:cNvCxnSpPr>
+          <p:sp>
+            <p:nvSpPr>
+              <p:cNvPr id="102" name="TextBox 101"/>
+              <p:cNvSpPr txBox="1"/>
               <p:nvPr/>
-            </p:nvCxnSpPr>
+            </p:nvSpPr>
             <p:spPr>
-              <a:xfrm flipV="1">
-                <a:off x="5107014" y="2691092"/>
-                <a:ext cx="1369986" cy="204508"/>
+              <a:xfrm rot="16200000">
+                <a:off x="3081549" y="6605952"/>
+                <a:ext cx="1484703" cy="276999"/>
               </a:xfrm>
-              <a:prstGeom prst="line">
+              <a:prstGeom prst="rect">
                 <a:avLst/>
               </a:prstGeom>
-              <a:ln w="38100" cap="rnd">
-                <a:solidFill>
-                  <a:srgbClr val="0000FF"/>
-                </a:solidFill>
-              </a:ln>
+              <a:noFill/>
             </p:spPr>
-            <p:style>
-              <a:lnRef idx="1">
-                <a:schemeClr val="dk1"/>
-              </a:lnRef>
-              <a:fillRef idx="0">
-                <a:schemeClr val="dk1"/>
-              </a:fillRef>
-              <a:effectRef idx="0">
-                <a:schemeClr val="dk1"/>
-              </a:effectRef>
-              <a:fontRef idx="minor">
-                <a:schemeClr val="tx1"/>
-              </a:fontRef>
-            </p:style>
-          </p:cxnSp>
+            <p:txBody>
+              <a:bodyPr wrap="none" rtlCol="0">
+                <a:spAutoFit/>
+              </a:bodyPr>
+              <a:lstStyle/>
+              <a:p>
+                <a:pPr algn="ctr"/>
+                <a:r>
+                  <a:rPr lang="en-US" sz="1200" b="1" dirty="0">
+                    <a:latin typeface="Arial" panose="020B0604020202020204" pitchFamily="34" charset="0"/>
+                    <a:cs typeface="Arial" panose="020B0604020202020204" pitchFamily="34" charset="0"/>
+                  </a:rPr>
+                  <a:t>Body </a:t>
+                </a:r>
+                <a:r>
+                  <a:rPr lang="en-US" sz="1200" b="1" dirty="0" smtClean="0">
+                    <a:latin typeface="Arial" panose="020B0604020202020204" pitchFamily="34" charset="0"/>
+                    <a:cs typeface="Arial" panose="020B0604020202020204" pitchFamily="34" charset="0"/>
+                  </a:rPr>
+                  <a:t>size change</a:t>
+                </a:r>
+                <a:endParaRPr lang="en-US" sz="1200" b="1" dirty="0">
+                  <a:latin typeface="Arial" panose="020B0604020202020204" pitchFamily="34" charset="0"/>
+                  <a:cs typeface="Arial" panose="020B0604020202020204" pitchFamily="34" charset="0"/>
+                </a:endParaRPr>
+              </a:p>
+            </p:txBody>
+          </p:sp>
         </p:grpSp>
-        <p:sp>
-          <p:nvSpPr>
-            <p:cNvPr id="102" name="TextBox 101"/>
-            <p:cNvSpPr txBox="1"/>
+        <p:cxnSp>
+          <p:nvCxnSpPr>
+            <p:cNvPr id="71" name="Straight Connector 70">
+              <a:extLst>
+                <a:ext uri="{FF2B5EF4-FFF2-40B4-BE49-F238E27FC236}">
+                  <a16:creationId xmlns:a16="http://schemas.microsoft.com/office/drawing/2014/main" id="{AE0E5F09-77E1-4805-B59F-673C9B61E487}"/>
+                </a:ext>
+              </a:extLst>
+            </p:cNvPr>
+            <p:cNvCxnSpPr>
+              <a:cxnSpLocks/>
+            </p:cNvCxnSpPr>
             <p:nvPr/>
-          </p:nvSpPr>
+          </p:nvCxnSpPr>
           <p:spPr>
-            <a:xfrm rot="16200000">
-              <a:off x="3081549" y="6605952"/>
-              <a:ext cx="1484703" cy="276999"/>
+            <a:xfrm flipV="1">
+              <a:off x="1668783" y="6038827"/>
+              <a:ext cx="1164215" cy="858679"/>
             </a:xfrm>
-            <a:prstGeom prst="rect">
+            <a:prstGeom prst="line">
               <a:avLst/>
             </a:prstGeom>
-            <a:noFill/>
+            <a:ln w="38100" cap="rnd">
+              <a:solidFill>
+                <a:srgbClr val="FFC000"/>
+              </a:solidFill>
+            </a:ln>
           </p:spPr>
-          <p:txBody>
-            <a:bodyPr wrap="none" rtlCol="0">
-              <a:spAutoFit/>
-            </a:bodyPr>
-            <a:lstStyle/>
-            <a:p>
-              <a:pPr algn="ctr"/>
-              <a:r>
-                <a:rPr lang="en-US" sz="1200" b="1" dirty="0">
-                  <a:latin typeface="Arial" panose="020B0604020202020204" pitchFamily="34" charset="0"/>
-                  <a:cs typeface="Arial" panose="020B0604020202020204" pitchFamily="34" charset="0"/>
-                </a:rPr>
-                <a:t>Body </a:t>
-              </a:r>
-              <a:r>
-                <a:rPr lang="en-US" sz="1200" b="1" dirty="0" smtClean="0">
-                  <a:latin typeface="Arial" panose="020B0604020202020204" pitchFamily="34" charset="0"/>
-                  <a:cs typeface="Arial" panose="020B0604020202020204" pitchFamily="34" charset="0"/>
-                </a:rPr>
-                <a:t>size change</a:t>
-              </a:r>
-              <a:endParaRPr lang="en-US" sz="1200" b="1" dirty="0">
-                <a:latin typeface="Arial" panose="020B0604020202020204" pitchFamily="34" charset="0"/>
-                <a:cs typeface="Arial" panose="020B0604020202020204" pitchFamily="34" charset="0"/>
-              </a:endParaRPr>
-            </a:p>
-          </p:txBody>
-        </p:sp>
+          <p:style>
+            <a:lnRef idx="1">
+              <a:schemeClr val="dk1"/>
+            </a:lnRef>
+            <a:fillRef idx="0">
+              <a:schemeClr val="dk1"/>
+            </a:fillRef>
+            <a:effectRef idx="0">
+              <a:schemeClr val="dk1"/>
+            </a:effectRef>
+            <a:fontRef idx="minor">
+              <a:schemeClr val="tx1"/>
+            </a:fontRef>
+          </p:style>
+        </p:cxnSp>
+        <p:cxnSp>
+          <p:nvCxnSpPr>
+            <p:cNvPr id="73" name="Straight Connector 72">
+              <a:extLst>
+                <a:ext uri="{FF2B5EF4-FFF2-40B4-BE49-F238E27FC236}">
+                  <a16:creationId xmlns:a16="http://schemas.microsoft.com/office/drawing/2014/main" id="{AE0E5F09-77E1-4805-B59F-673C9B61E487}"/>
+                </a:ext>
+              </a:extLst>
+            </p:cNvPr>
+            <p:cNvCxnSpPr>
+              <a:cxnSpLocks/>
+            </p:cNvCxnSpPr>
+            <p:nvPr/>
+          </p:nvCxnSpPr>
+          <p:spPr>
+            <a:xfrm flipV="1">
+              <a:off x="4267200" y="6304121"/>
+              <a:ext cx="1164215" cy="858679"/>
+            </a:xfrm>
+            <a:prstGeom prst="line">
+              <a:avLst/>
+            </a:prstGeom>
+            <a:ln w="38100" cap="rnd">
+              <a:solidFill>
+                <a:srgbClr val="00B050"/>
+              </a:solidFill>
+            </a:ln>
+          </p:spPr>
+          <p:style>
+            <a:lnRef idx="1">
+              <a:schemeClr val="dk1"/>
+            </a:lnRef>
+            <a:fillRef idx="0">
+              <a:schemeClr val="dk1"/>
+            </a:fillRef>
+            <a:effectRef idx="0">
+              <a:schemeClr val="dk1"/>
+            </a:effectRef>
+            <a:fontRef idx="minor">
+              <a:schemeClr val="tx1"/>
+            </a:fontRef>
+          </p:style>
+        </p:cxnSp>
+        <p:cxnSp>
+          <p:nvCxnSpPr>
+            <p:cNvPr id="74" name="Straight Connector 73">
+              <a:extLst>
+                <a:ext uri="{FF2B5EF4-FFF2-40B4-BE49-F238E27FC236}">
+                  <a16:creationId xmlns:a16="http://schemas.microsoft.com/office/drawing/2014/main" id="{AE0E5F09-77E1-4805-B59F-673C9B61E487}"/>
+                </a:ext>
+              </a:extLst>
+            </p:cNvPr>
+            <p:cNvCxnSpPr>
+              <a:cxnSpLocks/>
+            </p:cNvCxnSpPr>
+            <p:nvPr/>
+          </p:nvCxnSpPr>
+          <p:spPr>
+            <a:xfrm flipV="1">
+              <a:off x="4267200" y="6502295"/>
+              <a:ext cx="1163932" cy="431905"/>
+            </a:xfrm>
+            <a:prstGeom prst="line">
+              <a:avLst/>
+            </a:prstGeom>
+            <a:ln w="38100" cap="rnd">
+              <a:solidFill>
+                <a:srgbClr val="FFC000"/>
+              </a:solidFill>
+            </a:ln>
+          </p:spPr>
+          <p:style>
+            <a:lnRef idx="1">
+              <a:schemeClr val="dk1"/>
+            </a:lnRef>
+            <a:fillRef idx="0">
+              <a:schemeClr val="dk1"/>
+            </a:fillRef>
+            <a:effectRef idx="0">
+              <a:schemeClr val="dk1"/>
+            </a:effectRef>
+            <a:fontRef idx="minor">
+              <a:schemeClr val="tx1"/>
+            </a:fontRef>
+          </p:style>
+        </p:cxnSp>
       </p:grpSp>
     </p:spTree>
     <p:extLst>
@@ -4892,6 +4877,13 @@
   <p:clrMapOvr>
     <a:masterClrMapping/>
   </p:clrMapOvr>
+  <p:timing>
+    <p:tnLst>
+      <p:par>
+        <p:cTn id="1" dur="indefinite" restart="never" nodeType="tmRoot"/>
+      </p:par>
+    </p:tnLst>
+  </p:timing>
 </p:sld>
 </file>
 

--- a/Outputs/Figure 1 Predictions.pptx
+++ b/Outputs/Figure 1 Predictions.pptx
@@ -7,14 +7,14 @@
   <p:sldIdLst>
     <p:sldId id="256" r:id="rId2"/>
   </p:sldIdLst>
-  <p:sldSz cx="6858000" cy="9144000" type="letter"/>
+  <p:sldSz cx="8640763" cy="8640763"/>
   <p:notesSz cx="6858000" cy="9144000"/>
   <p:defaultTextStyle>
     <a:defPPr>
       <a:defRPr lang="nl-NL"/>
     </a:defPPr>
-    <a:lvl1pPr marL="0" algn="l" defTabSz="914400" rtl="0" eaLnBrk="1" latinLnBrk="0" hangingPunct="1">
-      <a:defRPr sz="1800" kern="1200">
+    <a:lvl1pPr marL="0" algn="l" defTabSz="987432" rtl="0" eaLnBrk="1" latinLnBrk="0" hangingPunct="1">
+      <a:defRPr sz="1944" kern="1200">
         <a:solidFill>
           <a:schemeClr val="tx1"/>
         </a:solidFill>
@@ -23,8 +23,8 @@
         <a:cs typeface="+mn-cs"/>
       </a:defRPr>
     </a:lvl1pPr>
-    <a:lvl2pPr marL="457200" algn="l" defTabSz="914400" rtl="0" eaLnBrk="1" latinLnBrk="0" hangingPunct="1">
-      <a:defRPr sz="1800" kern="1200">
+    <a:lvl2pPr marL="493713" algn="l" defTabSz="987432" rtl="0" eaLnBrk="1" latinLnBrk="0" hangingPunct="1">
+      <a:defRPr sz="1944" kern="1200">
         <a:solidFill>
           <a:schemeClr val="tx1"/>
         </a:solidFill>
@@ -33,8 +33,8 @@
         <a:cs typeface="+mn-cs"/>
       </a:defRPr>
     </a:lvl2pPr>
-    <a:lvl3pPr marL="914400" algn="l" defTabSz="914400" rtl="0" eaLnBrk="1" latinLnBrk="0" hangingPunct="1">
-      <a:defRPr sz="1800" kern="1200">
+    <a:lvl3pPr marL="987432" algn="l" defTabSz="987432" rtl="0" eaLnBrk="1" latinLnBrk="0" hangingPunct="1">
+      <a:defRPr sz="1944" kern="1200">
         <a:solidFill>
           <a:schemeClr val="tx1"/>
         </a:solidFill>
@@ -43,8 +43,8 @@
         <a:cs typeface="+mn-cs"/>
       </a:defRPr>
     </a:lvl3pPr>
-    <a:lvl4pPr marL="1371600" algn="l" defTabSz="914400" rtl="0" eaLnBrk="1" latinLnBrk="0" hangingPunct="1">
-      <a:defRPr sz="1800" kern="1200">
+    <a:lvl4pPr marL="1481145" algn="l" defTabSz="987432" rtl="0" eaLnBrk="1" latinLnBrk="0" hangingPunct="1">
+      <a:defRPr sz="1944" kern="1200">
         <a:solidFill>
           <a:schemeClr val="tx1"/>
         </a:solidFill>
@@ -53,8 +53,8 @@
         <a:cs typeface="+mn-cs"/>
       </a:defRPr>
     </a:lvl4pPr>
-    <a:lvl5pPr marL="1828800" algn="l" defTabSz="914400" rtl="0" eaLnBrk="1" latinLnBrk="0" hangingPunct="1">
-      <a:defRPr sz="1800" kern="1200">
+    <a:lvl5pPr marL="1974861" algn="l" defTabSz="987432" rtl="0" eaLnBrk="1" latinLnBrk="0" hangingPunct="1">
+      <a:defRPr sz="1944" kern="1200">
         <a:solidFill>
           <a:schemeClr val="tx1"/>
         </a:solidFill>
@@ -63,8 +63,8 @@
         <a:cs typeface="+mn-cs"/>
       </a:defRPr>
     </a:lvl5pPr>
-    <a:lvl6pPr marL="2286000" algn="l" defTabSz="914400" rtl="0" eaLnBrk="1" latinLnBrk="0" hangingPunct="1">
-      <a:defRPr sz="1800" kern="1200">
+    <a:lvl6pPr marL="2468575" algn="l" defTabSz="987432" rtl="0" eaLnBrk="1" latinLnBrk="0" hangingPunct="1">
+      <a:defRPr sz="1944" kern="1200">
         <a:solidFill>
           <a:schemeClr val="tx1"/>
         </a:solidFill>
@@ -73,8 +73,8 @@
         <a:cs typeface="+mn-cs"/>
       </a:defRPr>
     </a:lvl6pPr>
-    <a:lvl7pPr marL="2743200" algn="l" defTabSz="914400" rtl="0" eaLnBrk="1" latinLnBrk="0" hangingPunct="1">
-      <a:defRPr sz="1800" kern="1200">
+    <a:lvl7pPr marL="2962293" algn="l" defTabSz="987432" rtl="0" eaLnBrk="1" latinLnBrk="0" hangingPunct="1">
+      <a:defRPr sz="1944" kern="1200">
         <a:solidFill>
           <a:schemeClr val="tx1"/>
         </a:solidFill>
@@ -83,8 +83,8 @@
         <a:cs typeface="+mn-cs"/>
       </a:defRPr>
     </a:lvl7pPr>
-    <a:lvl8pPr marL="3200400" algn="l" defTabSz="914400" rtl="0" eaLnBrk="1" latinLnBrk="0" hangingPunct="1">
-      <a:defRPr sz="1800" kern="1200">
+    <a:lvl8pPr marL="3456009" algn="l" defTabSz="987432" rtl="0" eaLnBrk="1" latinLnBrk="0" hangingPunct="1">
+      <a:defRPr sz="1944" kern="1200">
         <a:solidFill>
           <a:schemeClr val="tx1"/>
         </a:solidFill>
@@ -93,8 +93,8 @@
         <a:cs typeface="+mn-cs"/>
       </a:defRPr>
     </a:lvl8pPr>
-    <a:lvl9pPr marL="3657600" algn="l" defTabSz="914400" rtl="0" eaLnBrk="1" latinLnBrk="0" hangingPunct="1">
-      <a:defRPr sz="1800" kern="1200">
+    <a:lvl9pPr marL="3949722" algn="l" defTabSz="987432" rtl="0" eaLnBrk="1" latinLnBrk="0" hangingPunct="1">
+      <a:defRPr sz="1944" kern="1200">
         <a:solidFill>
           <a:schemeClr val="tx1"/>
         </a:solidFill>
@@ -107,12 +107,12 @@
   <p:extLst>
     <p:ext uri="{EFAFB233-063F-42B5-8137-9DF3F51BA10A}">
       <p15:sldGuideLst xmlns:p15="http://schemas.microsoft.com/office/powerpoint/2012/main">
-        <p15:guide id="1" orient="horz" pos="2880" userDrawn="1">
+        <p15:guide id="1" orient="horz" pos="2722" userDrawn="1">
           <p15:clr>
             <a:srgbClr val="A4A3A4"/>
           </p15:clr>
         </p15:guide>
-        <p15:guide id="2" pos="2160" userDrawn="1">
+        <p15:guide id="2" pos="2722" userDrawn="1">
           <p15:clr>
             <a:srgbClr val="A4A3A4"/>
           </p15:clr>
@@ -152,8 +152,8 @@
         </p:nvSpPr>
         <p:spPr>
           <a:xfrm>
-            <a:off x="514350" y="2840568"/>
-            <a:ext cx="5829300" cy="1960033"/>
+            <a:off x="648057" y="2684240"/>
+            <a:ext cx="7344649" cy="1852162"/>
           </a:xfrm>
         </p:spPr>
         <p:txBody>
@@ -180,8 +180,8 @@
         </p:nvSpPr>
         <p:spPr>
           <a:xfrm>
-            <a:off x="1028700" y="5181600"/>
-            <a:ext cx="4800600" cy="2336800"/>
+            <a:off x="1296117" y="4896432"/>
+            <a:ext cx="6048535" cy="2208196"/>
           </a:xfrm>
         </p:spPr>
         <p:txBody>
@@ -197,7 +197,7 @@
                 </a:solidFill>
               </a:defRPr>
             </a:lvl1pPr>
-            <a:lvl2pPr marL="609585" indent="0" algn="ctr">
+            <a:lvl2pPr marL="965242" indent="0" algn="ctr">
               <a:buNone/>
               <a:defRPr>
                 <a:solidFill>
@@ -207,7 +207,7 @@
                 </a:solidFill>
               </a:defRPr>
             </a:lvl2pPr>
-            <a:lvl3pPr marL="1219170" indent="0" algn="ctr">
+            <a:lvl3pPr marL="1930491" indent="0" algn="ctr">
               <a:buNone/>
               <a:defRPr>
                 <a:solidFill>
@@ -217,7 +217,7 @@
                 </a:solidFill>
               </a:defRPr>
             </a:lvl3pPr>
-            <a:lvl4pPr marL="1828754" indent="0" algn="ctr">
+            <a:lvl4pPr marL="2895733" indent="0" algn="ctr">
               <a:buNone/>
               <a:defRPr>
                 <a:solidFill>
@@ -227,7 +227,7 @@
                 </a:solidFill>
               </a:defRPr>
             </a:lvl4pPr>
-            <a:lvl5pPr marL="2438339" indent="0" algn="ctr">
+            <a:lvl5pPr marL="3860975" indent="0" algn="ctr">
               <a:buNone/>
               <a:defRPr>
                 <a:solidFill>
@@ -237,7 +237,7 @@
                 </a:solidFill>
               </a:defRPr>
             </a:lvl5pPr>
-            <a:lvl6pPr marL="3047924" indent="0" algn="ctr">
+            <a:lvl6pPr marL="4826217" indent="0" algn="ctr">
               <a:buNone/>
               <a:defRPr>
                 <a:solidFill>
@@ -247,7 +247,7 @@
                 </a:solidFill>
               </a:defRPr>
             </a:lvl6pPr>
-            <a:lvl7pPr marL="3657509" indent="0" algn="ctr">
+            <a:lvl7pPr marL="5791466" indent="0" algn="ctr">
               <a:buNone/>
               <a:defRPr>
                 <a:solidFill>
@@ -257,7 +257,7 @@
                 </a:solidFill>
               </a:defRPr>
             </a:lvl7pPr>
-            <a:lvl8pPr marL="4267093" indent="0" algn="ctr">
+            <a:lvl8pPr marL="6756708" indent="0" algn="ctr">
               <a:buNone/>
               <a:defRPr>
                 <a:solidFill>
@@ -267,7 +267,7 @@
                 </a:solidFill>
               </a:defRPr>
             </a:lvl8pPr>
-            <a:lvl9pPr marL="4876678" indent="0" algn="ctr">
+            <a:lvl9pPr marL="7721950" indent="0" algn="ctr">
               <a:buNone/>
               <a:defRPr>
                 <a:solidFill>
@@ -304,7 +304,7 @@
           <a:p>
             <a:fld id="{EA292604-F11B-4C4D-9FD7-9191CB216B3A}" type="datetimeFigureOut">
               <a:rPr lang="nl-NL" smtClean="0"/>
-              <a:t>6-9-2021</a:t>
+              <a:t>14-9-2021</a:t>
             </a:fld>
             <a:endParaRPr lang="nl-NL"/>
           </a:p>
@@ -474,7 +474,7 @@
           <a:p>
             <a:fld id="{EA292604-F11B-4C4D-9FD7-9191CB216B3A}" type="datetimeFigureOut">
               <a:rPr lang="nl-NL" smtClean="0"/>
-              <a:t>6-9-2021</a:t>
+              <a:t>14-9-2021</a:t>
             </a:fld>
             <a:endParaRPr lang="nl-NL"/>
           </a:p>
@@ -564,8 +564,8 @@
         </p:nvSpPr>
         <p:spPr>
           <a:xfrm>
-            <a:off x="4972050" y="366185"/>
-            <a:ext cx="1543050" cy="7802033"/>
+            <a:off x="6264554" y="346034"/>
+            <a:ext cx="1944172" cy="7372652"/>
           </a:xfrm>
         </p:spPr>
         <p:txBody>
@@ -592,8 +592,8 @@
         </p:nvSpPr>
         <p:spPr>
           <a:xfrm>
-            <a:off x="342900" y="366185"/>
-            <a:ext cx="4514850" cy="7802033"/>
+            <a:off x="432039" y="346034"/>
+            <a:ext cx="5688503" cy="7372652"/>
           </a:xfrm>
         </p:spPr>
         <p:txBody>
@@ -654,7 +654,7 @@
           <a:p>
             <a:fld id="{EA292604-F11B-4C4D-9FD7-9191CB216B3A}" type="datetimeFigureOut">
               <a:rPr lang="nl-NL" smtClean="0"/>
-              <a:t>6-9-2021</a:t>
+              <a:t>14-9-2021</a:t>
             </a:fld>
             <a:endParaRPr lang="nl-NL"/>
           </a:p>
@@ -824,7 +824,7 @@
           <a:p>
             <a:fld id="{EA292604-F11B-4C4D-9FD7-9191CB216B3A}" type="datetimeFigureOut">
               <a:rPr lang="nl-NL" smtClean="0"/>
-              <a:t>6-9-2021</a:t>
+              <a:t>14-9-2021</a:t>
             </a:fld>
             <a:endParaRPr lang="nl-NL"/>
           </a:p>
@@ -914,15 +914,15 @@
         </p:nvSpPr>
         <p:spPr>
           <a:xfrm>
-            <a:off x="541735" y="5875867"/>
-            <a:ext cx="5829300" cy="1816100"/>
+            <a:off x="682562" y="5552495"/>
+            <a:ext cx="7344649" cy="1716150"/>
           </a:xfrm>
         </p:spPr>
         <p:txBody>
           <a:bodyPr anchor="t"/>
           <a:lstStyle>
             <a:lvl1pPr algn="l">
-              <a:defRPr sz="5333" b="1" cap="all"/>
+              <a:defRPr sz="8442" b="1" cap="all"/>
             </a:lvl1pPr>
           </a:lstStyle>
           <a:p>
@@ -946,8 +946,8 @@
         </p:nvSpPr>
         <p:spPr>
           <a:xfrm>
-            <a:off x="541735" y="3875618"/>
-            <a:ext cx="5829300" cy="2000249"/>
+            <a:off x="682562" y="3662323"/>
+            <a:ext cx="7344649" cy="1890168"/>
           </a:xfrm>
         </p:spPr>
         <p:txBody>
@@ -955,7 +955,7 @@
           <a:lstStyle>
             <a:lvl1pPr marL="0" indent="0">
               <a:buNone/>
-              <a:defRPr sz="2667">
+              <a:defRPr sz="4223">
                 <a:solidFill>
                   <a:schemeClr val="tx1">
                     <a:tint val="75000"/>
@@ -963,9 +963,9 @@
                 </a:solidFill>
               </a:defRPr>
             </a:lvl1pPr>
-            <a:lvl2pPr marL="609585" indent="0">
-              <a:buNone/>
-              <a:defRPr sz="2400">
+            <a:lvl2pPr marL="965242" indent="0">
+              <a:buNone/>
+              <a:defRPr sz="3802">
                 <a:solidFill>
                   <a:schemeClr val="tx1">
                     <a:tint val="75000"/>
@@ -973,9 +973,9 @@
                 </a:solidFill>
               </a:defRPr>
             </a:lvl2pPr>
-            <a:lvl3pPr marL="1219170" indent="0">
-              <a:buNone/>
-              <a:defRPr sz="2133">
+            <a:lvl3pPr marL="1930491" indent="0">
+              <a:buNone/>
+              <a:defRPr sz="3379">
                 <a:solidFill>
                   <a:schemeClr val="tx1">
                     <a:tint val="75000"/>
@@ -983,9 +983,9 @@
                 </a:solidFill>
               </a:defRPr>
             </a:lvl3pPr>
-            <a:lvl4pPr marL="1828754" indent="0">
-              <a:buNone/>
-              <a:defRPr sz="1867">
+            <a:lvl4pPr marL="2895733" indent="0">
+              <a:buNone/>
+              <a:defRPr sz="2957">
                 <a:solidFill>
                   <a:schemeClr val="tx1">
                     <a:tint val="75000"/>
@@ -993,9 +993,9 @@
                 </a:solidFill>
               </a:defRPr>
             </a:lvl4pPr>
-            <a:lvl5pPr marL="2438339" indent="0">
-              <a:buNone/>
-              <a:defRPr sz="1867">
+            <a:lvl5pPr marL="3860975" indent="0">
+              <a:buNone/>
+              <a:defRPr sz="2957">
                 <a:solidFill>
                   <a:schemeClr val="tx1">
                     <a:tint val="75000"/>
@@ -1003,9 +1003,9 @@
                 </a:solidFill>
               </a:defRPr>
             </a:lvl5pPr>
-            <a:lvl6pPr marL="3047924" indent="0">
-              <a:buNone/>
-              <a:defRPr sz="1867">
+            <a:lvl6pPr marL="4826217" indent="0">
+              <a:buNone/>
+              <a:defRPr sz="2957">
                 <a:solidFill>
                   <a:schemeClr val="tx1">
                     <a:tint val="75000"/>
@@ -1013,9 +1013,9 @@
                 </a:solidFill>
               </a:defRPr>
             </a:lvl6pPr>
-            <a:lvl7pPr marL="3657509" indent="0">
-              <a:buNone/>
-              <a:defRPr sz="1867">
+            <a:lvl7pPr marL="5791466" indent="0">
+              <a:buNone/>
+              <a:defRPr sz="2957">
                 <a:solidFill>
                   <a:schemeClr val="tx1">
                     <a:tint val="75000"/>
@@ -1023,9 +1023,9 @@
                 </a:solidFill>
               </a:defRPr>
             </a:lvl7pPr>
-            <a:lvl8pPr marL="4267093" indent="0">
-              <a:buNone/>
-              <a:defRPr sz="1867">
+            <a:lvl8pPr marL="6756708" indent="0">
+              <a:buNone/>
+              <a:defRPr sz="2957">
                 <a:solidFill>
                   <a:schemeClr val="tx1">
                     <a:tint val="75000"/>
@@ -1033,9 +1033,9 @@
                 </a:solidFill>
               </a:defRPr>
             </a:lvl8pPr>
-            <a:lvl9pPr marL="4876678" indent="0">
-              <a:buNone/>
-              <a:defRPr sz="1867">
+            <a:lvl9pPr marL="7721950" indent="0">
+              <a:buNone/>
+              <a:defRPr sz="2957">
                 <a:solidFill>
                   <a:schemeClr val="tx1">
                     <a:tint val="75000"/>
@@ -1070,7 +1070,7 @@
           <a:p>
             <a:fld id="{EA292604-F11B-4C4D-9FD7-9191CB216B3A}" type="datetimeFigureOut">
               <a:rPr lang="nl-NL" smtClean="0"/>
-              <a:t>6-9-2021</a:t>
+              <a:t>14-9-2021</a:t>
             </a:fld>
             <a:endParaRPr lang="nl-NL"/>
           </a:p>
@@ -1183,39 +1183,39 @@
         </p:nvSpPr>
         <p:spPr>
           <a:xfrm>
-            <a:off x="342900" y="2133601"/>
-            <a:ext cx="3028950" cy="6034617"/>
+            <a:off x="432037" y="2016181"/>
+            <a:ext cx="3816337" cy="5702503"/>
           </a:xfrm>
         </p:spPr>
         <p:txBody>
           <a:bodyPr/>
           <a:lstStyle>
             <a:lvl1pPr>
-              <a:defRPr sz="3733"/>
+              <a:defRPr sz="5913"/>
             </a:lvl1pPr>
             <a:lvl2pPr>
-              <a:defRPr sz="3200"/>
+              <a:defRPr sz="5069"/>
             </a:lvl2pPr>
             <a:lvl3pPr>
-              <a:defRPr sz="2667"/>
+              <a:defRPr sz="4223"/>
             </a:lvl3pPr>
             <a:lvl4pPr>
-              <a:defRPr sz="2400"/>
+              <a:defRPr sz="3802"/>
             </a:lvl4pPr>
             <a:lvl5pPr>
-              <a:defRPr sz="2400"/>
+              <a:defRPr sz="3802"/>
             </a:lvl5pPr>
             <a:lvl6pPr>
-              <a:defRPr sz="2400"/>
+              <a:defRPr sz="3802"/>
             </a:lvl6pPr>
             <a:lvl7pPr>
-              <a:defRPr sz="2400"/>
+              <a:defRPr sz="3802"/>
             </a:lvl7pPr>
             <a:lvl8pPr>
-              <a:defRPr sz="2400"/>
+              <a:defRPr sz="3802"/>
             </a:lvl8pPr>
             <a:lvl9pPr>
-              <a:defRPr sz="2400"/>
+              <a:defRPr sz="3802"/>
             </a:lvl9pPr>
           </a:lstStyle>
           <a:p>
@@ -1268,39 +1268,39 @@
         </p:nvSpPr>
         <p:spPr>
           <a:xfrm>
-            <a:off x="3486150" y="2133601"/>
-            <a:ext cx="3028950" cy="6034617"/>
+            <a:off x="4392389" y="2016181"/>
+            <a:ext cx="3816337" cy="5702503"/>
           </a:xfrm>
         </p:spPr>
         <p:txBody>
           <a:bodyPr/>
           <a:lstStyle>
             <a:lvl1pPr>
-              <a:defRPr sz="3733"/>
+              <a:defRPr sz="5913"/>
             </a:lvl1pPr>
             <a:lvl2pPr>
-              <a:defRPr sz="3200"/>
+              <a:defRPr sz="5069"/>
             </a:lvl2pPr>
             <a:lvl3pPr>
-              <a:defRPr sz="2667"/>
+              <a:defRPr sz="4223"/>
             </a:lvl3pPr>
             <a:lvl4pPr>
-              <a:defRPr sz="2400"/>
+              <a:defRPr sz="3802"/>
             </a:lvl4pPr>
             <a:lvl5pPr>
-              <a:defRPr sz="2400"/>
+              <a:defRPr sz="3802"/>
             </a:lvl5pPr>
             <a:lvl6pPr>
-              <a:defRPr sz="2400"/>
+              <a:defRPr sz="3802"/>
             </a:lvl6pPr>
             <a:lvl7pPr>
-              <a:defRPr sz="2400"/>
+              <a:defRPr sz="3802"/>
             </a:lvl7pPr>
             <a:lvl8pPr>
-              <a:defRPr sz="2400"/>
+              <a:defRPr sz="3802"/>
             </a:lvl8pPr>
             <a:lvl9pPr>
-              <a:defRPr sz="2400"/>
+              <a:defRPr sz="3802"/>
             </a:lvl9pPr>
           </a:lstStyle>
           <a:p>
@@ -1358,7 +1358,7 @@
           <a:p>
             <a:fld id="{EA292604-F11B-4C4D-9FD7-9191CB216B3A}" type="datetimeFigureOut">
               <a:rPr lang="nl-NL" smtClean="0"/>
-              <a:t>6-9-2021</a:t>
+              <a:t>14-9-2021</a:t>
             </a:fld>
             <a:endParaRPr lang="nl-NL"/>
           </a:p>
@@ -1475,8 +1475,8 @@
         </p:nvSpPr>
         <p:spPr>
           <a:xfrm>
-            <a:off x="342900" y="2046817"/>
-            <a:ext cx="3030141" cy="853016"/>
+            <a:off x="432040" y="1934175"/>
+            <a:ext cx="3817837" cy="806071"/>
           </a:xfrm>
         </p:spPr>
         <p:txBody>
@@ -1484,39 +1484,39 @@
           <a:lstStyle>
             <a:lvl1pPr marL="0" indent="0">
               <a:buNone/>
-              <a:defRPr sz="3200" b="1"/>
+              <a:defRPr sz="5069" b="1"/>
             </a:lvl1pPr>
-            <a:lvl2pPr marL="609585" indent="0">
-              <a:buNone/>
-              <a:defRPr sz="2667" b="1"/>
+            <a:lvl2pPr marL="965242" indent="0">
+              <a:buNone/>
+              <a:defRPr sz="4223" b="1"/>
             </a:lvl2pPr>
-            <a:lvl3pPr marL="1219170" indent="0">
-              <a:buNone/>
-              <a:defRPr sz="2400" b="1"/>
+            <a:lvl3pPr marL="1930491" indent="0">
+              <a:buNone/>
+              <a:defRPr sz="3802" b="1"/>
             </a:lvl3pPr>
-            <a:lvl4pPr marL="1828754" indent="0">
-              <a:buNone/>
-              <a:defRPr sz="2133" b="1"/>
+            <a:lvl4pPr marL="2895733" indent="0">
+              <a:buNone/>
+              <a:defRPr sz="3379" b="1"/>
             </a:lvl4pPr>
-            <a:lvl5pPr marL="2438339" indent="0">
-              <a:buNone/>
-              <a:defRPr sz="2133" b="1"/>
+            <a:lvl5pPr marL="3860975" indent="0">
+              <a:buNone/>
+              <a:defRPr sz="3379" b="1"/>
             </a:lvl5pPr>
-            <a:lvl6pPr marL="3047924" indent="0">
-              <a:buNone/>
-              <a:defRPr sz="2133" b="1"/>
+            <a:lvl6pPr marL="4826217" indent="0">
+              <a:buNone/>
+              <a:defRPr sz="3379" b="1"/>
             </a:lvl6pPr>
-            <a:lvl7pPr marL="3657509" indent="0">
-              <a:buNone/>
-              <a:defRPr sz="2133" b="1"/>
+            <a:lvl7pPr marL="5791466" indent="0">
+              <a:buNone/>
+              <a:defRPr sz="3379" b="1"/>
             </a:lvl7pPr>
-            <a:lvl8pPr marL="4267093" indent="0">
-              <a:buNone/>
-              <a:defRPr sz="2133" b="1"/>
+            <a:lvl8pPr marL="6756708" indent="0">
+              <a:buNone/>
+              <a:defRPr sz="3379" b="1"/>
             </a:lvl8pPr>
-            <a:lvl9pPr marL="4876678" indent="0">
-              <a:buNone/>
-              <a:defRPr sz="2133" b="1"/>
+            <a:lvl9pPr marL="7721950" indent="0">
+              <a:buNone/>
+              <a:defRPr sz="3379" b="1"/>
             </a:lvl9pPr>
           </a:lstStyle>
           <a:p>
@@ -1540,39 +1540,39 @@
         </p:nvSpPr>
         <p:spPr>
           <a:xfrm>
-            <a:off x="342900" y="2899833"/>
-            <a:ext cx="3030141" cy="5268384"/>
+            <a:off x="432040" y="2740243"/>
+            <a:ext cx="3817837" cy="4978440"/>
           </a:xfrm>
         </p:spPr>
         <p:txBody>
           <a:bodyPr/>
           <a:lstStyle>
             <a:lvl1pPr>
-              <a:defRPr sz="3200"/>
+              <a:defRPr sz="5069"/>
             </a:lvl1pPr>
             <a:lvl2pPr>
-              <a:defRPr sz="2667"/>
+              <a:defRPr sz="4223"/>
             </a:lvl2pPr>
             <a:lvl3pPr>
-              <a:defRPr sz="2400"/>
+              <a:defRPr sz="3802"/>
             </a:lvl3pPr>
             <a:lvl4pPr>
-              <a:defRPr sz="2133"/>
+              <a:defRPr sz="3379"/>
             </a:lvl4pPr>
             <a:lvl5pPr>
-              <a:defRPr sz="2133"/>
+              <a:defRPr sz="3379"/>
             </a:lvl5pPr>
             <a:lvl6pPr>
-              <a:defRPr sz="2133"/>
+              <a:defRPr sz="3379"/>
             </a:lvl6pPr>
             <a:lvl7pPr>
-              <a:defRPr sz="2133"/>
+              <a:defRPr sz="3379"/>
             </a:lvl7pPr>
             <a:lvl8pPr>
-              <a:defRPr sz="2133"/>
+              <a:defRPr sz="3379"/>
             </a:lvl8pPr>
             <a:lvl9pPr>
-              <a:defRPr sz="2133"/>
+              <a:defRPr sz="3379"/>
             </a:lvl9pPr>
           </a:lstStyle>
           <a:p>
@@ -1625,8 +1625,8 @@
         </p:nvSpPr>
         <p:spPr>
           <a:xfrm>
-            <a:off x="3483769" y="2046817"/>
-            <a:ext cx="3031331" cy="853016"/>
+            <a:off x="4389389" y="1934175"/>
+            <a:ext cx="3819338" cy="806071"/>
           </a:xfrm>
         </p:spPr>
         <p:txBody>
@@ -1634,39 +1634,39 @@
           <a:lstStyle>
             <a:lvl1pPr marL="0" indent="0">
               <a:buNone/>
-              <a:defRPr sz="3200" b="1"/>
+              <a:defRPr sz="5069" b="1"/>
             </a:lvl1pPr>
-            <a:lvl2pPr marL="609585" indent="0">
-              <a:buNone/>
-              <a:defRPr sz="2667" b="1"/>
+            <a:lvl2pPr marL="965242" indent="0">
+              <a:buNone/>
+              <a:defRPr sz="4223" b="1"/>
             </a:lvl2pPr>
-            <a:lvl3pPr marL="1219170" indent="0">
-              <a:buNone/>
-              <a:defRPr sz="2400" b="1"/>
+            <a:lvl3pPr marL="1930491" indent="0">
+              <a:buNone/>
+              <a:defRPr sz="3802" b="1"/>
             </a:lvl3pPr>
-            <a:lvl4pPr marL="1828754" indent="0">
-              <a:buNone/>
-              <a:defRPr sz="2133" b="1"/>
+            <a:lvl4pPr marL="2895733" indent="0">
+              <a:buNone/>
+              <a:defRPr sz="3379" b="1"/>
             </a:lvl4pPr>
-            <a:lvl5pPr marL="2438339" indent="0">
-              <a:buNone/>
-              <a:defRPr sz="2133" b="1"/>
+            <a:lvl5pPr marL="3860975" indent="0">
+              <a:buNone/>
+              <a:defRPr sz="3379" b="1"/>
             </a:lvl5pPr>
-            <a:lvl6pPr marL="3047924" indent="0">
-              <a:buNone/>
-              <a:defRPr sz="2133" b="1"/>
+            <a:lvl6pPr marL="4826217" indent="0">
+              <a:buNone/>
+              <a:defRPr sz="3379" b="1"/>
             </a:lvl6pPr>
-            <a:lvl7pPr marL="3657509" indent="0">
-              <a:buNone/>
-              <a:defRPr sz="2133" b="1"/>
+            <a:lvl7pPr marL="5791466" indent="0">
+              <a:buNone/>
+              <a:defRPr sz="3379" b="1"/>
             </a:lvl7pPr>
-            <a:lvl8pPr marL="4267093" indent="0">
-              <a:buNone/>
-              <a:defRPr sz="2133" b="1"/>
+            <a:lvl8pPr marL="6756708" indent="0">
+              <a:buNone/>
+              <a:defRPr sz="3379" b="1"/>
             </a:lvl8pPr>
-            <a:lvl9pPr marL="4876678" indent="0">
-              <a:buNone/>
-              <a:defRPr sz="2133" b="1"/>
+            <a:lvl9pPr marL="7721950" indent="0">
+              <a:buNone/>
+              <a:defRPr sz="3379" b="1"/>
             </a:lvl9pPr>
           </a:lstStyle>
           <a:p>
@@ -1690,39 +1690,39 @@
         </p:nvSpPr>
         <p:spPr>
           <a:xfrm>
-            <a:off x="3483769" y="2899833"/>
-            <a:ext cx="3031331" cy="5268384"/>
+            <a:off x="4389389" y="2740243"/>
+            <a:ext cx="3819338" cy="4978440"/>
           </a:xfrm>
         </p:spPr>
         <p:txBody>
           <a:bodyPr/>
           <a:lstStyle>
             <a:lvl1pPr>
-              <a:defRPr sz="3200"/>
+              <a:defRPr sz="5069"/>
             </a:lvl1pPr>
             <a:lvl2pPr>
-              <a:defRPr sz="2667"/>
+              <a:defRPr sz="4223"/>
             </a:lvl2pPr>
             <a:lvl3pPr>
-              <a:defRPr sz="2400"/>
+              <a:defRPr sz="3802"/>
             </a:lvl3pPr>
             <a:lvl4pPr>
-              <a:defRPr sz="2133"/>
+              <a:defRPr sz="3379"/>
             </a:lvl4pPr>
             <a:lvl5pPr>
-              <a:defRPr sz="2133"/>
+              <a:defRPr sz="3379"/>
             </a:lvl5pPr>
             <a:lvl6pPr>
-              <a:defRPr sz="2133"/>
+              <a:defRPr sz="3379"/>
             </a:lvl6pPr>
             <a:lvl7pPr>
-              <a:defRPr sz="2133"/>
+              <a:defRPr sz="3379"/>
             </a:lvl7pPr>
             <a:lvl8pPr>
-              <a:defRPr sz="2133"/>
+              <a:defRPr sz="3379"/>
             </a:lvl8pPr>
             <a:lvl9pPr>
-              <a:defRPr sz="2133"/>
+              <a:defRPr sz="3379"/>
             </a:lvl9pPr>
           </a:lstStyle>
           <a:p>
@@ -1780,7 +1780,7 @@
           <a:p>
             <a:fld id="{EA292604-F11B-4C4D-9FD7-9191CB216B3A}" type="datetimeFigureOut">
               <a:rPr lang="nl-NL" smtClean="0"/>
-              <a:t>6-9-2021</a:t>
+              <a:t>14-9-2021</a:t>
             </a:fld>
             <a:endParaRPr lang="nl-NL"/>
           </a:p>
@@ -1898,7 +1898,7 @@
           <a:p>
             <a:fld id="{EA292604-F11B-4C4D-9FD7-9191CB216B3A}" type="datetimeFigureOut">
               <a:rPr lang="nl-NL" smtClean="0"/>
-              <a:t>6-9-2021</a:t>
+              <a:t>14-9-2021</a:t>
             </a:fld>
             <a:endParaRPr lang="nl-NL"/>
           </a:p>
@@ -1993,7 +1993,7 @@
           <a:p>
             <a:fld id="{EA292604-F11B-4C4D-9FD7-9191CB216B3A}" type="datetimeFigureOut">
               <a:rPr lang="nl-NL" smtClean="0"/>
-              <a:t>6-9-2021</a:t>
+              <a:t>14-9-2021</a:t>
             </a:fld>
             <a:endParaRPr lang="nl-NL"/>
           </a:p>
@@ -2083,15 +2083,15 @@
         </p:nvSpPr>
         <p:spPr>
           <a:xfrm>
-            <a:off x="342900" y="364067"/>
-            <a:ext cx="2256235" cy="1549400"/>
+            <a:off x="432042" y="344036"/>
+            <a:ext cx="2842752" cy="1464128"/>
           </a:xfrm>
         </p:spPr>
         <p:txBody>
           <a:bodyPr anchor="b"/>
           <a:lstStyle>
             <a:lvl1pPr algn="l">
-              <a:defRPr sz="2667" b="1"/>
+              <a:defRPr sz="4223" b="1"/>
             </a:lvl1pPr>
           </a:lstStyle>
           <a:p>
@@ -2115,39 +2115,39 @@
         </p:nvSpPr>
         <p:spPr>
           <a:xfrm>
-            <a:off x="2681287" y="364067"/>
-            <a:ext cx="3833813" cy="7804151"/>
+            <a:off x="3378301" y="344032"/>
+            <a:ext cx="4830427" cy="7374653"/>
           </a:xfrm>
         </p:spPr>
         <p:txBody>
           <a:bodyPr/>
           <a:lstStyle>
             <a:lvl1pPr>
-              <a:defRPr sz="4267"/>
+              <a:defRPr sz="6759"/>
             </a:lvl1pPr>
             <a:lvl2pPr>
-              <a:defRPr sz="3733"/>
+              <a:defRPr sz="5913"/>
             </a:lvl2pPr>
             <a:lvl3pPr>
-              <a:defRPr sz="3200"/>
+              <a:defRPr sz="5069"/>
             </a:lvl3pPr>
             <a:lvl4pPr>
-              <a:defRPr sz="2667"/>
+              <a:defRPr sz="4223"/>
             </a:lvl4pPr>
             <a:lvl5pPr>
-              <a:defRPr sz="2667"/>
+              <a:defRPr sz="4223"/>
             </a:lvl5pPr>
             <a:lvl6pPr>
-              <a:defRPr sz="2667"/>
+              <a:defRPr sz="4223"/>
             </a:lvl6pPr>
             <a:lvl7pPr>
-              <a:defRPr sz="2667"/>
+              <a:defRPr sz="4223"/>
             </a:lvl7pPr>
             <a:lvl8pPr>
-              <a:defRPr sz="2667"/>
+              <a:defRPr sz="4223"/>
             </a:lvl8pPr>
             <a:lvl9pPr>
-              <a:defRPr sz="2667"/>
+              <a:defRPr sz="4223"/>
             </a:lvl9pPr>
           </a:lstStyle>
           <a:p>
@@ -2200,8 +2200,8 @@
         </p:nvSpPr>
         <p:spPr>
           <a:xfrm>
-            <a:off x="342900" y="1913467"/>
-            <a:ext cx="2256235" cy="6254751"/>
+            <a:off x="432042" y="1808160"/>
+            <a:ext cx="2842752" cy="5910523"/>
           </a:xfrm>
         </p:spPr>
         <p:txBody>
@@ -2209,39 +2209,39 @@
           <a:lstStyle>
             <a:lvl1pPr marL="0" indent="0">
               <a:buNone/>
-              <a:defRPr sz="1867"/>
+              <a:defRPr sz="2957"/>
             </a:lvl1pPr>
-            <a:lvl2pPr marL="609585" indent="0">
-              <a:buNone/>
-              <a:defRPr sz="1600"/>
+            <a:lvl2pPr marL="965242" indent="0">
+              <a:buNone/>
+              <a:defRPr sz="2534"/>
             </a:lvl2pPr>
-            <a:lvl3pPr marL="1219170" indent="0">
-              <a:buNone/>
-              <a:defRPr sz="1333"/>
+            <a:lvl3pPr marL="1930491" indent="0">
+              <a:buNone/>
+              <a:defRPr sz="2113"/>
             </a:lvl3pPr>
-            <a:lvl4pPr marL="1828754" indent="0">
-              <a:buNone/>
-              <a:defRPr sz="1200"/>
+            <a:lvl4pPr marL="2895733" indent="0">
+              <a:buNone/>
+              <a:defRPr sz="1900"/>
             </a:lvl4pPr>
-            <a:lvl5pPr marL="2438339" indent="0">
-              <a:buNone/>
-              <a:defRPr sz="1200"/>
+            <a:lvl5pPr marL="3860975" indent="0">
+              <a:buNone/>
+              <a:defRPr sz="1900"/>
             </a:lvl5pPr>
-            <a:lvl6pPr marL="3047924" indent="0">
-              <a:buNone/>
-              <a:defRPr sz="1200"/>
+            <a:lvl6pPr marL="4826217" indent="0">
+              <a:buNone/>
+              <a:defRPr sz="1900"/>
             </a:lvl6pPr>
-            <a:lvl7pPr marL="3657509" indent="0">
-              <a:buNone/>
-              <a:defRPr sz="1200"/>
+            <a:lvl7pPr marL="5791466" indent="0">
+              <a:buNone/>
+              <a:defRPr sz="1900"/>
             </a:lvl7pPr>
-            <a:lvl8pPr marL="4267093" indent="0">
-              <a:buNone/>
-              <a:defRPr sz="1200"/>
+            <a:lvl8pPr marL="6756708" indent="0">
+              <a:buNone/>
+              <a:defRPr sz="1900"/>
             </a:lvl8pPr>
-            <a:lvl9pPr marL="4876678" indent="0">
-              <a:buNone/>
-              <a:defRPr sz="1200"/>
+            <a:lvl9pPr marL="7721950" indent="0">
+              <a:buNone/>
+              <a:defRPr sz="1900"/>
             </a:lvl9pPr>
           </a:lstStyle>
           <a:p>
@@ -2270,7 +2270,7 @@
           <a:p>
             <a:fld id="{EA292604-F11B-4C4D-9FD7-9191CB216B3A}" type="datetimeFigureOut">
               <a:rPr lang="nl-NL" smtClean="0"/>
-              <a:t>6-9-2021</a:t>
+              <a:t>14-9-2021</a:t>
             </a:fld>
             <a:endParaRPr lang="nl-NL"/>
           </a:p>
@@ -2360,15 +2360,15 @@
         </p:nvSpPr>
         <p:spPr>
           <a:xfrm>
-            <a:off x="1344216" y="6400800"/>
-            <a:ext cx="4114800" cy="755651"/>
+            <a:off x="1693650" y="6048533"/>
+            <a:ext cx="5184458" cy="714065"/>
           </a:xfrm>
         </p:spPr>
         <p:txBody>
           <a:bodyPr anchor="b"/>
           <a:lstStyle>
             <a:lvl1pPr algn="l">
-              <a:defRPr sz="2667" b="1"/>
+              <a:defRPr sz="4223" b="1"/>
             </a:lvl1pPr>
           </a:lstStyle>
           <a:p>
@@ -2392,8 +2392,8 @@
         </p:nvSpPr>
         <p:spPr>
           <a:xfrm>
-            <a:off x="1344216" y="817033"/>
-            <a:ext cx="4114800" cy="5486400"/>
+            <a:off x="1693650" y="772073"/>
+            <a:ext cx="5184458" cy="5184458"/>
           </a:xfrm>
         </p:spPr>
         <p:txBody>
@@ -2401,39 +2401,39 @@
           <a:lstStyle>
             <a:lvl1pPr marL="0" indent="0">
               <a:buNone/>
-              <a:defRPr sz="4267"/>
+              <a:defRPr sz="6759"/>
             </a:lvl1pPr>
-            <a:lvl2pPr marL="609585" indent="0">
-              <a:buNone/>
-              <a:defRPr sz="3733"/>
+            <a:lvl2pPr marL="965242" indent="0">
+              <a:buNone/>
+              <a:defRPr sz="5913"/>
             </a:lvl2pPr>
-            <a:lvl3pPr marL="1219170" indent="0">
-              <a:buNone/>
-              <a:defRPr sz="3200"/>
+            <a:lvl3pPr marL="1930491" indent="0">
+              <a:buNone/>
+              <a:defRPr sz="5069"/>
             </a:lvl3pPr>
-            <a:lvl4pPr marL="1828754" indent="0">
-              <a:buNone/>
-              <a:defRPr sz="2667"/>
+            <a:lvl4pPr marL="2895733" indent="0">
+              <a:buNone/>
+              <a:defRPr sz="4223"/>
             </a:lvl4pPr>
-            <a:lvl5pPr marL="2438339" indent="0">
-              <a:buNone/>
-              <a:defRPr sz="2667"/>
+            <a:lvl5pPr marL="3860975" indent="0">
+              <a:buNone/>
+              <a:defRPr sz="4223"/>
             </a:lvl5pPr>
-            <a:lvl6pPr marL="3047924" indent="0">
-              <a:buNone/>
-              <a:defRPr sz="2667"/>
+            <a:lvl6pPr marL="4826217" indent="0">
+              <a:buNone/>
+              <a:defRPr sz="4223"/>
             </a:lvl6pPr>
-            <a:lvl7pPr marL="3657509" indent="0">
-              <a:buNone/>
-              <a:defRPr sz="2667"/>
+            <a:lvl7pPr marL="5791466" indent="0">
+              <a:buNone/>
+              <a:defRPr sz="4223"/>
             </a:lvl7pPr>
-            <a:lvl8pPr marL="4267093" indent="0">
-              <a:buNone/>
-              <a:defRPr sz="2667"/>
+            <a:lvl8pPr marL="6756708" indent="0">
+              <a:buNone/>
+              <a:defRPr sz="4223"/>
             </a:lvl8pPr>
-            <a:lvl9pPr marL="4876678" indent="0">
-              <a:buNone/>
-              <a:defRPr sz="2667"/>
+            <a:lvl9pPr marL="7721950" indent="0">
+              <a:buNone/>
+              <a:defRPr sz="4223"/>
             </a:lvl9pPr>
           </a:lstStyle>
           <a:p>
@@ -2453,8 +2453,8 @@
         </p:nvSpPr>
         <p:spPr>
           <a:xfrm>
-            <a:off x="1344216" y="7156451"/>
-            <a:ext cx="4114800" cy="1073149"/>
+            <a:off x="1693650" y="6762600"/>
+            <a:ext cx="5184458" cy="1014088"/>
           </a:xfrm>
         </p:spPr>
         <p:txBody>
@@ -2462,39 +2462,39 @@
           <a:lstStyle>
             <a:lvl1pPr marL="0" indent="0">
               <a:buNone/>
-              <a:defRPr sz="1867"/>
+              <a:defRPr sz="2957"/>
             </a:lvl1pPr>
-            <a:lvl2pPr marL="609585" indent="0">
-              <a:buNone/>
-              <a:defRPr sz="1600"/>
+            <a:lvl2pPr marL="965242" indent="0">
+              <a:buNone/>
+              <a:defRPr sz="2534"/>
             </a:lvl2pPr>
-            <a:lvl3pPr marL="1219170" indent="0">
-              <a:buNone/>
-              <a:defRPr sz="1333"/>
+            <a:lvl3pPr marL="1930491" indent="0">
+              <a:buNone/>
+              <a:defRPr sz="2113"/>
             </a:lvl3pPr>
-            <a:lvl4pPr marL="1828754" indent="0">
-              <a:buNone/>
-              <a:defRPr sz="1200"/>
+            <a:lvl4pPr marL="2895733" indent="0">
+              <a:buNone/>
+              <a:defRPr sz="1900"/>
             </a:lvl4pPr>
-            <a:lvl5pPr marL="2438339" indent="0">
-              <a:buNone/>
-              <a:defRPr sz="1200"/>
+            <a:lvl5pPr marL="3860975" indent="0">
+              <a:buNone/>
+              <a:defRPr sz="1900"/>
             </a:lvl5pPr>
-            <a:lvl6pPr marL="3047924" indent="0">
-              <a:buNone/>
-              <a:defRPr sz="1200"/>
+            <a:lvl6pPr marL="4826217" indent="0">
+              <a:buNone/>
+              <a:defRPr sz="1900"/>
             </a:lvl6pPr>
-            <a:lvl7pPr marL="3657509" indent="0">
-              <a:buNone/>
-              <a:defRPr sz="1200"/>
+            <a:lvl7pPr marL="5791466" indent="0">
+              <a:buNone/>
+              <a:defRPr sz="1900"/>
             </a:lvl7pPr>
-            <a:lvl8pPr marL="4267093" indent="0">
-              <a:buNone/>
-              <a:defRPr sz="1200"/>
+            <a:lvl8pPr marL="6756708" indent="0">
+              <a:buNone/>
+              <a:defRPr sz="1900"/>
             </a:lvl8pPr>
-            <a:lvl9pPr marL="4876678" indent="0">
-              <a:buNone/>
-              <a:defRPr sz="1200"/>
+            <a:lvl9pPr marL="7721950" indent="0">
+              <a:buNone/>
+              <a:defRPr sz="1900"/>
             </a:lvl9pPr>
           </a:lstStyle>
           <a:p>
@@ -2523,7 +2523,7 @@
           <a:p>
             <a:fld id="{EA292604-F11B-4C4D-9FD7-9191CB216B3A}" type="datetimeFigureOut">
               <a:rPr lang="nl-NL" smtClean="0"/>
-              <a:t>6-9-2021</a:t>
+              <a:t>14-9-2021</a:t>
             </a:fld>
             <a:endParaRPr lang="nl-NL"/>
           </a:p>
@@ -2618,8 +2618,8 @@
         </p:nvSpPr>
         <p:spPr>
           <a:xfrm>
-            <a:off x="342900" y="366184"/>
-            <a:ext cx="6172200" cy="1524000"/>
+            <a:off x="432042" y="346033"/>
+            <a:ext cx="7776686" cy="1440127"/>
           </a:xfrm>
           <a:prstGeom prst="rect">
             <a:avLst/>
@@ -2651,8 +2651,8 @@
         </p:nvSpPr>
         <p:spPr>
           <a:xfrm>
-            <a:off x="342900" y="2133601"/>
-            <a:ext cx="6172200" cy="6034617"/>
+            <a:off x="432042" y="2016181"/>
+            <a:ext cx="7776686" cy="5702503"/>
           </a:xfrm>
           <a:prstGeom prst="rect">
             <a:avLst/>
@@ -2713,8 +2713,8 @@
         </p:nvSpPr>
         <p:spPr>
           <a:xfrm>
-            <a:off x="342900" y="8475134"/>
-            <a:ext cx="1600200" cy="486833"/>
+            <a:off x="432037" y="8008713"/>
+            <a:ext cx="2016179" cy="460042"/>
           </a:xfrm>
           <a:prstGeom prst="rect">
             <a:avLst/>
@@ -2724,7 +2724,7 @@
           <a:bodyPr vert="horz" lIns="91440" tIns="45720" rIns="91440" bIns="45720" rtlCol="0" anchor="ctr"/>
           <a:lstStyle>
             <a:lvl1pPr algn="l">
-              <a:defRPr sz="1600">
+              <a:defRPr sz="2534">
                 <a:solidFill>
                   <a:schemeClr val="tx1">
                     <a:tint val="75000"/>
@@ -2736,7 +2736,7 @@
           <a:p>
             <a:fld id="{EA292604-F11B-4C4D-9FD7-9191CB216B3A}" type="datetimeFigureOut">
               <a:rPr lang="nl-NL" smtClean="0"/>
-              <a:t>6-9-2021</a:t>
+              <a:t>14-9-2021</a:t>
             </a:fld>
             <a:endParaRPr lang="nl-NL"/>
           </a:p>
@@ -2754,8 +2754,8 @@
         </p:nvSpPr>
         <p:spPr>
           <a:xfrm>
-            <a:off x="2343150" y="8475134"/>
-            <a:ext cx="2171700" cy="486833"/>
+            <a:off x="2952263" y="8008713"/>
+            <a:ext cx="2736242" cy="460042"/>
           </a:xfrm>
           <a:prstGeom prst="rect">
             <a:avLst/>
@@ -2765,7 +2765,7 @@
           <a:bodyPr vert="horz" lIns="91440" tIns="45720" rIns="91440" bIns="45720" rtlCol="0" anchor="ctr"/>
           <a:lstStyle>
             <a:lvl1pPr algn="ctr">
-              <a:defRPr sz="1600">
+              <a:defRPr sz="2534">
                 <a:solidFill>
                   <a:schemeClr val="tx1">
                     <a:tint val="75000"/>
@@ -2791,8 +2791,8 @@
         </p:nvSpPr>
         <p:spPr>
           <a:xfrm>
-            <a:off x="4914900" y="8475134"/>
-            <a:ext cx="1600200" cy="486833"/>
+            <a:off x="6192547" y="8008713"/>
+            <a:ext cx="2016179" cy="460042"/>
           </a:xfrm>
           <a:prstGeom prst="rect">
             <a:avLst/>
@@ -2802,7 +2802,7 @@
           <a:bodyPr vert="horz" lIns="91440" tIns="45720" rIns="91440" bIns="45720" rtlCol="0" anchor="ctr"/>
           <a:lstStyle>
             <a:lvl1pPr algn="r">
-              <a:defRPr sz="1600">
+              <a:defRPr sz="2534">
                 <a:solidFill>
                   <a:schemeClr val="tx1">
                     <a:tint val="75000"/>
@@ -2843,12 +2843,12 @@
   </p:sldLayoutIdLst>
   <p:txStyles>
     <p:titleStyle>
-      <a:lvl1pPr algn="ctr" defTabSz="1219170" rtl="0" eaLnBrk="1" latinLnBrk="0" hangingPunct="1">
+      <a:lvl1pPr algn="ctr" defTabSz="1930491" rtl="0" eaLnBrk="1" latinLnBrk="0" hangingPunct="1">
         <a:spcBef>
           <a:spcPct val="0"/>
         </a:spcBef>
         <a:buNone/>
-        <a:defRPr sz="5867" kern="1200">
+        <a:defRPr sz="9293" kern="1200">
           <a:solidFill>
             <a:schemeClr val="tx1"/>
           </a:solidFill>
@@ -2859,13 +2859,13 @@
       </a:lvl1pPr>
     </p:titleStyle>
     <p:bodyStyle>
-      <a:lvl1pPr marL="457189" indent="-457189" algn="l" defTabSz="1219170" rtl="0" eaLnBrk="1" latinLnBrk="0" hangingPunct="1">
+      <a:lvl1pPr marL="723935" indent="-723935" algn="l" defTabSz="1930491" rtl="0" eaLnBrk="1" latinLnBrk="0" hangingPunct="1">
         <a:spcBef>
           <a:spcPct val="20000"/>
         </a:spcBef>
         <a:buFont typeface="Arial" panose="020B0604020202020204" pitchFamily="34" charset="0"/>
         <a:buChar char="•"/>
-        <a:defRPr sz="4267" kern="1200">
+        <a:defRPr sz="6759" kern="1200">
           <a:solidFill>
             <a:schemeClr val="tx1"/>
           </a:solidFill>
@@ -2874,13 +2874,13 @@
           <a:cs typeface="+mn-cs"/>
         </a:defRPr>
       </a:lvl1pPr>
-      <a:lvl2pPr marL="990575" indent="-380990" algn="l" defTabSz="1219170" rtl="0" eaLnBrk="1" latinLnBrk="0" hangingPunct="1">
+      <a:lvl2pPr marL="1568521" indent="-603277" algn="l" defTabSz="1930491" rtl="0" eaLnBrk="1" latinLnBrk="0" hangingPunct="1">
         <a:spcBef>
           <a:spcPct val="20000"/>
         </a:spcBef>
         <a:buFont typeface="Arial" panose="020B0604020202020204" pitchFamily="34" charset="0"/>
         <a:buChar char="–"/>
-        <a:defRPr sz="3733" kern="1200">
+        <a:defRPr sz="5913" kern="1200">
           <a:solidFill>
             <a:schemeClr val="tx1"/>
           </a:solidFill>
@@ -2889,13 +2889,13 @@
           <a:cs typeface="+mn-cs"/>
         </a:defRPr>
       </a:lvl2pPr>
-      <a:lvl3pPr marL="1523962" indent="-304792" algn="l" defTabSz="1219170" rtl="0" eaLnBrk="1" latinLnBrk="0" hangingPunct="1">
+      <a:lvl3pPr marL="2413112" indent="-482621" algn="l" defTabSz="1930491" rtl="0" eaLnBrk="1" latinLnBrk="0" hangingPunct="1">
         <a:spcBef>
           <a:spcPct val="20000"/>
         </a:spcBef>
         <a:buFont typeface="Arial" panose="020B0604020202020204" pitchFamily="34" charset="0"/>
         <a:buChar char="•"/>
-        <a:defRPr sz="3200" kern="1200">
+        <a:defRPr sz="5069" kern="1200">
           <a:solidFill>
             <a:schemeClr val="tx1"/>
           </a:solidFill>
@@ -2904,13 +2904,13 @@
           <a:cs typeface="+mn-cs"/>
         </a:defRPr>
       </a:lvl3pPr>
-      <a:lvl4pPr marL="2133547" indent="-304792" algn="l" defTabSz="1219170" rtl="0" eaLnBrk="1" latinLnBrk="0" hangingPunct="1">
+      <a:lvl4pPr marL="3378354" indent="-482621" algn="l" defTabSz="1930491" rtl="0" eaLnBrk="1" latinLnBrk="0" hangingPunct="1">
         <a:spcBef>
           <a:spcPct val="20000"/>
         </a:spcBef>
         <a:buFont typeface="Arial" panose="020B0604020202020204" pitchFamily="34" charset="0"/>
         <a:buChar char="–"/>
-        <a:defRPr sz="2667" kern="1200">
+        <a:defRPr sz="4223" kern="1200">
           <a:solidFill>
             <a:schemeClr val="tx1"/>
           </a:solidFill>
@@ -2919,13 +2919,13 @@
           <a:cs typeface="+mn-cs"/>
         </a:defRPr>
       </a:lvl4pPr>
-      <a:lvl5pPr marL="2743131" indent="-304792" algn="l" defTabSz="1219170" rtl="0" eaLnBrk="1" latinLnBrk="0" hangingPunct="1">
+      <a:lvl5pPr marL="4343596" indent="-482621" algn="l" defTabSz="1930491" rtl="0" eaLnBrk="1" latinLnBrk="0" hangingPunct="1">
         <a:spcBef>
           <a:spcPct val="20000"/>
         </a:spcBef>
         <a:buFont typeface="Arial" panose="020B0604020202020204" pitchFamily="34" charset="0"/>
         <a:buChar char="»"/>
-        <a:defRPr sz="2667" kern="1200">
+        <a:defRPr sz="4223" kern="1200">
           <a:solidFill>
             <a:schemeClr val="tx1"/>
           </a:solidFill>
@@ -2934,13 +2934,13 @@
           <a:cs typeface="+mn-cs"/>
         </a:defRPr>
       </a:lvl5pPr>
-      <a:lvl6pPr marL="3352716" indent="-304792" algn="l" defTabSz="1219170" rtl="0" eaLnBrk="1" latinLnBrk="0" hangingPunct="1">
+      <a:lvl6pPr marL="5308838" indent="-482621" algn="l" defTabSz="1930491" rtl="0" eaLnBrk="1" latinLnBrk="0" hangingPunct="1">
         <a:spcBef>
           <a:spcPct val="20000"/>
         </a:spcBef>
         <a:buFont typeface="Arial" panose="020B0604020202020204" pitchFamily="34" charset="0"/>
         <a:buChar char="•"/>
-        <a:defRPr sz="2667" kern="1200">
+        <a:defRPr sz="4223" kern="1200">
           <a:solidFill>
             <a:schemeClr val="tx1"/>
           </a:solidFill>
@@ -2949,13 +2949,13 @@
           <a:cs typeface="+mn-cs"/>
         </a:defRPr>
       </a:lvl6pPr>
-      <a:lvl7pPr marL="3962301" indent="-304792" algn="l" defTabSz="1219170" rtl="0" eaLnBrk="1" latinLnBrk="0" hangingPunct="1">
+      <a:lvl7pPr marL="6274087" indent="-482621" algn="l" defTabSz="1930491" rtl="0" eaLnBrk="1" latinLnBrk="0" hangingPunct="1">
         <a:spcBef>
           <a:spcPct val="20000"/>
         </a:spcBef>
         <a:buFont typeface="Arial" panose="020B0604020202020204" pitchFamily="34" charset="0"/>
         <a:buChar char="•"/>
-        <a:defRPr sz="2667" kern="1200">
+        <a:defRPr sz="4223" kern="1200">
           <a:solidFill>
             <a:schemeClr val="tx1"/>
           </a:solidFill>
@@ -2964,13 +2964,13 @@
           <a:cs typeface="+mn-cs"/>
         </a:defRPr>
       </a:lvl7pPr>
-      <a:lvl8pPr marL="4571886" indent="-304792" algn="l" defTabSz="1219170" rtl="0" eaLnBrk="1" latinLnBrk="0" hangingPunct="1">
+      <a:lvl8pPr marL="7239329" indent="-482621" algn="l" defTabSz="1930491" rtl="0" eaLnBrk="1" latinLnBrk="0" hangingPunct="1">
         <a:spcBef>
           <a:spcPct val="20000"/>
         </a:spcBef>
         <a:buFont typeface="Arial" panose="020B0604020202020204" pitchFamily="34" charset="0"/>
         <a:buChar char="•"/>
-        <a:defRPr sz="2667" kern="1200">
+        <a:defRPr sz="4223" kern="1200">
           <a:solidFill>
             <a:schemeClr val="tx1"/>
           </a:solidFill>
@@ -2979,13 +2979,13 @@
           <a:cs typeface="+mn-cs"/>
         </a:defRPr>
       </a:lvl8pPr>
-      <a:lvl9pPr marL="5181470" indent="-304792" algn="l" defTabSz="1219170" rtl="0" eaLnBrk="1" latinLnBrk="0" hangingPunct="1">
+      <a:lvl9pPr marL="8204571" indent="-482621" algn="l" defTabSz="1930491" rtl="0" eaLnBrk="1" latinLnBrk="0" hangingPunct="1">
         <a:spcBef>
           <a:spcPct val="20000"/>
         </a:spcBef>
         <a:buFont typeface="Arial" panose="020B0604020202020204" pitchFamily="34" charset="0"/>
         <a:buChar char="•"/>
-        <a:defRPr sz="2667" kern="1200">
+        <a:defRPr sz="4223" kern="1200">
           <a:solidFill>
             <a:schemeClr val="tx1"/>
           </a:solidFill>
@@ -2999,8 +2999,8 @@
       <a:defPPr>
         <a:defRPr lang="nl-NL"/>
       </a:defPPr>
-      <a:lvl1pPr marL="0" algn="l" defTabSz="1219170" rtl="0" eaLnBrk="1" latinLnBrk="0" hangingPunct="1">
-        <a:defRPr sz="2400" kern="1200">
+      <a:lvl1pPr marL="0" algn="l" defTabSz="1930491" rtl="0" eaLnBrk="1" latinLnBrk="0" hangingPunct="1">
+        <a:defRPr sz="3802" kern="1200">
           <a:solidFill>
             <a:schemeClr val="tx1"/>
           </a:solidFill>
@@ -3009,8 +3009,8 @@
           <a:cs typeface="+mn-cs"/>
         </a:defRPr>
       </a:lvl1pPr>
-      <a:lvl2pPr marL="609585" algn="l" defTabSz="1219170" rtl="0" eaLnBrk="1" latinLnBrk="0" hangingPunct="1">
-        <a:defRPr sz="2400" kern="1200">
+      <a:lvl2pPr marL="965242" algn="l" defTabSz="1930491" rtl="0" eaLnBrk="1" latinLnBrk="0" hangingPunct="1">
+        <a:defRPr sz="3802" kern="1200">
           <a:solidFill>
             <a:schemeClr val="tx1"/>
           </a:solidFill>
@@ -3019,8 +3019,8 @@
           <a:cs typeface="+mn-cs"/>
         </a:defRPr>
       </a:lvl2pPr>
-      <a:lvl3pPr marL="1219170" algn="l" defTabSz="1219170" rtl="0" eaLnBrk="1" latinLnBrk="0" hangingPunct="1">
-        <a:defRPr sz="2400" kern="1200">
+      <a:lvl3pPr marL="1930491" algn="l" defTabSz="1930491" rtl="0" eaLnBrk="1" latinLnBrk="0" hangingPunct="1">
+        <a:defRPr sz="3802" kern="1200">
           <a:solidFill>
             <a:schemeClr val="tx1"/>
           </a:solidFill>
@@ -3029,8 +3029,8 @@
           <a:cs typeface="+mn-cs"/>
         </a:defRPr>
       </a:lvl3pPr>
-      <a:lvl4pPr marL="1828754" algn="l" defTabSz="1219170" rtl="0" eaLnBrk="1" latinLnBrk="0" hangingPunct="1">
-        <a:defRPr sz="2400" kern="1200">
+      <a:lvl4pPr marL="2895733" algn="l" defTabSz="1930491" rtl="0" eaLnBrk="1" latinLnBrk="0" hangingPunct="1">
+        <a:defRPr sz="3802" kern="1200">
           <a:solidFill>
             <a:schemeClr val="tx1"/>
           </a:solidFill>
@@ -3039,8 +3039,8 @@
           <a:cs typeface="+mn-cs"/>
         </a:defRPr>
       </a:lvl4pPr>
-      <a:lvl5pPr marL="2438339" algn="l" defTabSz="1219170" rtl="0" eaLnBrk="1" latinLnBrk="0" hangingPunct="1">
-        <a:defRPr sz="2400" kern="1200">
+      <a:lvl5pPr marL="3860975" algn="l" defTabSz="1930491" rtl="0" eaLnBrk="1" latinLnBrk="0" hangingPunct="1">
+        <a:defRPr sz="3802" kern="1200">
           <a:solidFill>
             <a:schemeClr val="tx1"/>
           </a:solidFill>
@@ -3049,8 +3049,8 @@
           <a:cs typeface="+mn-cs"/>
         </a:defRPr>
       </a:lvl5pPr>
-      <a:lvl6pPr marL="3047924" algn="l" defTabSz="1219170" rtl="0" eaLnBrk="1" latinLnBrk="0" hangingPunct="1">
-        <a:defRPr sz="2400" kern="1200">
+      <a:lvl6pPr marL="4826217" algn="l" defTabSz="1930491" rtl="0" eaLnBrk="1" latinLnBrk="0" hangingPunct="1">
+        <a:defRPr sz="3802" kern="1200">
           <a:solidFill>
             <a:schemeClr val="tx1"/>
           </a:solidFill>
@@ -3059,8 +3059,8 @@
           <a:cs typeface="+mn-cs"/>
         </a:defRPr>
       </a:lvl6pPr>
-      <a:lvl7pPr marL="3657509" algn="l" defTabSz="1219170" rtl="0" eaLnBrk="1" latinLnBrk="0" hangingPunct="1">
-        <a:defRPr sz="2400" kern="1200">
+      <a:lvl7pPr marL="5791466" algn="l" defTabSz="1930491" rtl="0" eaLnBrk="1" latinLnBrk="0" hangingPunct="1">
+        <a:defRPr sz="3802" kern="1200">
           <a:solidFill>
             <a:schemeClr val="tx1"/>
           </a:solidFill>
@@ -3069,8 +3069,8 @@
           <a:cs typeface="+mn-cs"/>
         </a:defRPr>
       </a:lvl7pPr>
-      <a:lvl8pPr marL="4267093" algn="l" defTabSz="1219170" rtl="0" eaLnBrk="1" latinLnBrk="0" hangingPunct="1">
-        <a:defRPr sz="2400" kern="1200">
+      <a:lvl8pPr marL="6756708" algn="l" defTabSz="1930491" rtl="0" eaLnBrk="1" latinLnBrk="0" hangingPunct="1">
+        <a:defRPr sz="3802" kern="1200">
           <a:solidFill>
             <a:schemeClr val="tx1"/>
           </a:solidFill>
@@ -3079,8 +3079,8 @@
           <a:cs typeface="+mn-cs"/>
         </a:defRPr>
       </a:lvl8pPr>
-      <a:lvl9pPr marL="4876678" algn="l" defTabSz="1219170" rtl="0" eaLnBrk="1" latinLnBrk="0" hangingPunct="1">
-        <a:defRPr sz="2400" kern="1200">
+      <a:lvl9pPr marL="7721950" algn="l" defTabSz="1930491" rtl="0" eaLnBrk="1" latinLnBrk="0" hangingPunct="1">
+        <a:defRPr sz="3802" kern="1200">
           <a:solidFill>
             <a:schemeClr val="tx1"/>
           </a:solidFill>
@@ -3113,419 +3113,535 @@
       </p:grpSpPr>
       <p:grpSp>
         <p:nvGrpSpPr>
-          <p:cNvPr id="22" name="Group 21"/>
+          <p:cNvPr id="12" name="Group 11">
+            <a:extLst>
+              <a:ext uri="{FF2B5EF4-FFF2-40B4-BE49-F238E27FC236}">
+                <a16:creationId xmlns:a16="http://schemas.microsoft.com/office/drawing/2014/main" id="{7A4AEB2A-DBE6-4E36-B64C-503A2B77C6BD}"/>
+              </a:ext>
+            </a:extLst>
+          </p:cNvPr>
           <p:cNvGrpSpPr/>
           <p:nvPr/>
         </p:nvGrpSpPr>
         <p:grpSpPr>
           <a:xfrm>
-            <a:off x="-98970" y="1721840"/>
-            <a:ext cx="7109370" cy="6117273"/>
-            <a:chOff x="-98970" y="1721840"/>
-            <a:chExt cx="7109370" cy="6117273"/>
+            <a:off x="2268974" y="70931"/>
+            <a:ext cx="4102814" cy="4173002"/>
+            <a:chOff x="2048557" y="70931"/>
+            <a:chExt cx="4102814" cy="4173002"/>
           </a:xfrm>
         </p:grpSpPr>
+        <p:sp>
+          <p:nvSpPr>
+            <p:cNvPr id="90" name="TextBox 89"/>
+            <p:cNvSpPr txBox="1"/>
+            <p:nvPr/>
+          </p:nvSpPr>
+          <p:spPr>
+            <a:xfrm>
+              <a:off x="2048557" y="70931"/>
+              <a:ext cx="4102814" cy="860620"/>
+            </a:xfrm>
+            <a:prstGeom prst="rect">
+              <a:avLst/>
+            </a:prstGeom>
+            <a:noFill/>
+          </p:spPr>
+          <p:txBody>
+            <a:bodyPr wrap="square" rtlCol="0">
+              <a:spAutoFit/>
+            </a:bodyPr>
+            <a:lstStyle/>
+            <a:p>
+              <a:pPr algn="ctr"/>
+              <a:r>
+                <a:rPr lang="en-US" sz="1664" b="1" dirty="0">
+                  <a:latin typeface="Arial" panose="020B0604020202020204" pitchFamily="34" charset="0"/>
+                  <a:cs typeface="Arial" panose="020B0604020202020204" pitchFamily="34" charset="0"/>
+                </a:rPr>
+                <a:t>Q1</a:t>
+              </a:r>
+              <a:r>
+                <a:rPr lang="en-US" sz="1664" dirty="0">
+                  <a:latin typeface="Arial" panose="020B0604020202020204" pitchFamily="34" charset="0"/>
+                  <a:cs typeface="Arial" panose="020B0604020202020204" pitchFamily="34" charset="0"/>
+                </a:rPr>
+                <a:t>: Does developing oxygen and temperature affect changes in body size traits?</a:t>
+              </a:r>
+            </a:p>
+          </p:txBody>
+        </p:sp>
         <p:grpSp>
           <p:nvGrpSpPr>
-            <p:cNvPr id="19" name="Group 18"/>
+            <p:cNvPr id="6" name="Group 5">
+              <a:extLst>
+                <a:ext uri="{FF2B5EF4-FFF2-40B4-BE49-F238E27FC236}">
+                  <a16:creationId xmlns:a16="http://schemas.microsoft.com/office/drawing/2014/main" id="{ED0970AB-1036-4A32-A578-F95CCD7FF9AC}"/>
+                </a:ext>
+              </a:extLst>
+            </p:cNvPr>
             <p:cNvGrpSpPr/>
             <p:nvPr/>
           </p:nvGrpSpPr>
           <p:grpSpPr>
             <a:xfrm>
-              <a:off x="-98970" y="1721840"/>
-              <a:ext cx="7109370" cy="6117273"/>
-              <a:chOff x="-98970" y="1721840"/>
-              <a:chExt cx="7109370" cy="6117273"/>
+              <a:off x="2360475" y="703275"/>
+              <a:ext cx="3478979" cy="3540658"/>
+              <a:chOff x="4459411" y="2322418"/>
+              <a:chExt cx="2196867" cy="2235819"/>
             </a:xfrm>
           </p:grpSpPr>
           <p:grpSp>
             <p:nvGrpSpPr>
-              <p:cNvPr id="17" name="Group 16"/>
+              <p:cNvPr id="91" name="Group 90"/>
               <p:cNvGrpSpPr/>
               <p:nvPr/>
             </p:nvGrpSpPr>
             <p:grpSpPr>
               <a:xfrm>
-                <a:off x="-98970" y="1721840"/>
-                <a:ext cx="7109370" cy="6117273"/>
-                <a:chOff x="-98970" y="1721840"/>
-                <a:chExt cx="7109370" cy="6117273"/>
+                <a:off x="4459411" y="2322418"/>
+                <a:ext cx="2196867" cy="2235819"/>
+                <a:chOff x="3705863" y="2360066"/>
+                <a:chExt cx="2196867" cy="2235819"/>
               </a:xfrm>
             </p:grpSpPr>
             <p:sp>
               <p:nvSpPr>
-                <p:cNvPr id="49" name="TextBox 48"/>
-                <p:cNvSpPr txBox="1"/>
+                <p:cNvPr id="92" name="Rectangle 91"/>
+                <p:cNvSpPr/>
                 <p:nvPr/>
               </p:nvSpPr>
               <p:spPr>
                 <a:xfrm>
-                  <a:off x="1266947" y="5135635"/>
-                  <a:ext cx="4324106" cy="430887"/>
+                  <a:off x="4029441" y="4090189"/>
+                  <a:ext cx="1868243" cy="281305"/>
                 </a:xfrm>
                 <a:prstGeom prst="rect">
                   <a:avLst/>
                 </a:prstGeom>
-                <a:noFill/>
+                <a:gradFill flip="none" rotWithShape="1">
+                  <a:gsLst>
+                    <a:gs pos="69000">
+                      <a:srgbClr val="00B050"/>
+                    </a:gs>
+                    <a:gs pos="15000">
+                      <a:srgbClr val="FFC000"/>
+                    </a:gs>
+                  </a:gsLst>
+                  <a:lin ang="0" scaled="1"/>
+                  <a:tileRect/>
+                </a:gradFill>
+                <a:ln>
+                  <a:noFill/>
+                </a:ln>
               </p:spPr>
+              <p:style>
+                <a:lnRef idx="2">
+                  <a:schemeClr val="accent1">
+                    <a:shade val="50000"/>
+                  </a:schemeClr>
+                </a:lnRef>
+                <a:fillRef idx="1">
+                  <a:schemeClr val="accent1"/>
+                </a:fillRef>
+                <a:effectRef idx="0">
+                  <a:schemeClr val="accent1"/>
+                </a:effectRef>
+                <a:fontRef idx="minor">
+                  <a:schemeClr val="lt1"/>
+                </a:fontRef>
+              </p:style>
               <p:txBody>
-                <a:bodyPr wrap="square" rtlCol="0">
-                  <a:spAutoFit/>
-                </a:bodyPr>
+                <a:bodyPr rtlCol="0" anchor="ctr"/>
                 <a:lstStyle/>
                 <a:p>
                   <a:pPr algn="ctr"/>
-                  <a:r>
-                    <a:rPr lang="en-US" sz="1050" b="1" dirty="0" smtClean="0">
-                      <a:latin typeface="Arial" panose="020B0604020202020204" pitchFamily="34" charset="0"/>
-                      <a:cs typeface="Arial" panose="020B0604020202020204" pitchFamily="34" charset="0"/>
-                    </a:rPr>
-                    <a:t>Q4</a:t>
-                  </a:r>
-                  <a:r>
-                    <a:rPr lang="en-US" sz="1050" dirty="0" smtClean="0">
-                      <a:latin typeface="Arial" panose="020B0604020202020204" pitchFamily="34" charset="0"/>
-                      <a:cs typeface="Arial" panose="020B0604020202020204" pitchFamily="34" charset="0"/>
-                    </a:rPr>
-                    <a:t>: </a:t>
-                  </a:r>
-                  <a:r>
-                    <a:rPr lang="en-US" sz="1050" dirty="0">
-                      <a:latin typeface="Arial" panose="020B0604020202020204" pitchFamily="34" charset="0"/>
-                      <a:cs typeface="Arial" panose="020B0604020202020204" pitchFamily="34" charset="0"/>
-                    </a:rPr>
-                    <a:t>Does cell size affect temperature-and-oxygen </a:t>
-                  </a:r>
-                  <a:r>
-                    <a:rPr lang="en-US" sz="1050" dirty="0" smtClean="0">
-                      <a:latin typeface="Arial" panose="020B0604020202020204" pitchFamily="34" charset="0"/>
-                      <a:cs typeface="Arial" panose="020B0604020202020204" pitchFamily="34" charset="0"/>
-                    </a:rPr>
-                    <a:t>dependence </a:t>
-                  </a:r>
-                  <a:r>
-                    <a:rPr lang="en-US" sz="1050" dirty="0">
-                      <a:latin typeface="Arial" panose="020B0604020202020204" pitchFamily="34" charset="0"/>
-                      <a:cs typeface="Arial" panose="020B0604020202020204" pitchFamily="34" charset="0"/>
-                    </a:rPr>
-                    <a:t>of body </a:t>
-                  </a:r>
-                  <a:r>
-                    <a:rPr lang="en-US" sz="1050" dirty="0" smtClean="0">
-                      <a:latin typeface="Arial" panose="020B0604020202020204" pitchFamily="34" charset="0"/>
-                      <a:cs typeface="Arial" panose="020B0604020202020204" pitchFamily="34" charset="0"/>
-                    </a:rPr>
-                    <a:t>size changes?</a:t>
-                  </a:r>
-                  <a:endParaRPr lang="en-US" sz="1050" dirty="0">
-                    <a:latin typeface="Arial" panose="020B0604020202020204" pitchFamily="34" charset="0"/>
-                    <a:cs typeface="Arial" panose="020B0604020202020204" pitchFamily="34" charset="0"/>
-                  </a:endParaRPr>
-                </a:p>
-              </p:txBody>
-            </p:sp>
-            <p:sp>
-              <p:nvSpPr>
-                <p:cNvPr id="40" name="TextBox 39"/>
-                <p:cNvSpPr txBox="1"/>
-                <p:nvPr/>
-              </p:nvSpPr>
-              <p:spPr>
-                <a:xfrm>
-                  <a:off x="2133600" y="1729393"/>
-                  <a:ext cx="2590800" cy="430887"/>
-                </a:xfrm>
-                <a:prstGeom prst="rect">
-                  <a:avLst/>
-                </a:prstGeom>
-                <a:noFill/>
-              </p:spPr>
-              <p:txBody>
-                <a:bodyPr wrap="square" rtlCol="0">
-                  <a:spAutoFit/>
-                </a:bodyPr>
-                <a:lstStyle/>
-                <a:p>
-                  <a:pPr algn="ctr"/>
-                  <a:r>
-                    <a:rPr lang="en-US" sz="1050" b="1" dirty="0">
-                      <a:latin typeface="Arial" panose="020B0604020202020204" pitchFamily="34" charset="0"/>
-                      <a:cs typeface="Arial" panose="020B0604020202020204" pitchFamily="34" charset="0"/>
-                    </a:rPr>
-                    <a:t>Q2</a:t>
-                  </a:r>
-                  <a:r>
-                    <a:rPr lang="en-US" sz="1050" dirty="0">
-                      <a:latin typeface="Arial" panose="020B0604020202020204" pitchFamily="34" charset="0"/>
-                      <a:cs typeface="Arial" panose="020B0604020202020204" pitchFamily="34" charset="0"/>
-                    </a:rPr>
-                    <a:t>: Does </a:t>
-                  </a:r>
-                  <a:r>
-                    <a:rPr lang="en-US" sz="1050" dirty="0" smtClean="0">
-                      <a:latin typeface="Arial" panose="020B0604020202020204" pitchFamily="34" charset="0"/>
-                      <a:cs typeface="Arial" panose="020B0604020202020204" pitchFamily="34" charset="0"/>
-                    </a:rPr>
-                    <a:t>developing </a:t>
-                  </a:r>
-                  <a:r>
-                    <a:rPr lang="en-US" sz="1050" dirty="0">
-                      <a:latin typeface="Arial" panose="020B0604020202020204" pitchFamily="34" charset="0"/>
-                      <a:cs typeface="Arial" panose="020B0604020202020204" pitchFamily="34" charset="0"/>
-                    </a:rPr>
-                    <a:t>oxygen affect body size-related traits?</a:t>
-                  </a:r>
+                  <a:endParaRPr lang="en-US" sz="3802"/>
                 </a:p>
               </p:txBody>
             </p:sp>
             <p:grpSp>
               <p:nvGrpSpPr>
-                <p:cNvPr id="4" name="Group 3"/>
+                <p:cNvPr id="93" name="Group 92"/>
                 <p:cNvGrpSpPr/>
                 <p:nvPr/>
               </p:nvGrpSpPr>
               <p:grpSpPr>
                 <a:xfrm>
-                  <a:off x="2244004" y="2329971"/>
-                  <a:ext cx="2213899" cy="2269876"/>
-                  <a:chOff x="3688822" y="2360066"/>
-                  <a:chExt cx="2213899" cy="2269876"/>
+                  <a:off x="3705863" y="2360066"/>
+                  <a:ext cx="2196867" cy="2235819"/>
+                  <a:chOff x="6147401" y="3055250"/>
+                  <a:chExt cx="1647649" cy="1676864"/>
                 </a:xfrm>
               </p:grpSpPr>
               <p:sp>
                 <p:nvSpPr>
-                  <p:cNvPr id="84" name="Rectangle 83"/>
-                  <p:cNvSpPr/>
+                  <p:cNvPr id="94" name="TextBox 93"/>
+                  <p:cNvSpPr txBox="1"/>
                   <p:nvPr/>
                 </p:nvSpPr>
                 <p:spPr>
                   <a:xfrm>
-                    <a:off x="4029441" y="4090189"/>
-                    <a:ext cx="1868243" cy="281305"/>
+                    <a:off x="6802166" y="4549909"/>
+                    <a:ext cx="611029" cy="182205"/>
                   </a:xfrm>
                   <a:prstGeom prst="rect">
                     <a:avLst/>
                   </a:prstGeom>
-                  <a:gradFill flip="none" rotWithShape="1">
-                    <a:gsLst>
-                      <a:gs pos="69000">
-                        <a:srgbClr val="00B050"/>
-                      </a:gs>
-                      <a:gs pos="15000">
-                        <a:srgbClr val="FFC000"/>
-                      </a:gs>
-                    </a:gsLst>
-                    <a:lin ang="0" scaled="1"/>
-                    <a:tileRect/>
-                  </a:gradFill>
-                  <a:ln>
-                    <a:noFill/>
-                  </a:ln>
+                  <a:noFill/>
                 </p:spPr>
-                <p:style>
-                  <a:lnRef idx="2">
-                    <a:schemeClr val="accent1">
-                      <a:shade val="50000"/>
-                    </a:schemeClr>
-                  </a:lnRef>
-                  <a:fillRef idx="1">
-                    <a:schemeClr val="accent1"/>
-                  </a:fillRef>
-                  <a:effectRef idx="0">
-                    <a:schemeClr val="accent1"/>
-                  </a:effectRef>
-                  <a:fontRef idx="minor">
-                    <a:schemeClr val="lt1"/>
-                  </a:fontRef>
-                </p:style>
                 <p:txBody>
-                  <a:bodyPr rtlCol="0" anchor="ctr"/>
+                  <a:bodyPr wrap="square" rtlCol="0">
+                    <a:spAutoFit/>
+                  </a:bodyPr>
                   <a:lstStyle/>
                   <a:p>
-                    <a:pPr algn="ctr"/>
-                    <a:endParaRPr lang="en-US" sz="2400"/>
+                    <a:r>
+                      <a:rPr lang="en-US" sz="1900" b="1" dirty="0">
+                        <a:latin typeface="Arial" panose="020B0604020202020204" pitchFamily="34" charset="0"/>
+                        <a:cs typeface="Arial" panose="020B0604020202020204" pitchFamily="34" charset="0"/>
+                      </a:rPr>
+                      <a:t>Oxygen</a:t>
+                    </a:r>
                   </a:p>
                 </p:txBody>
               </p:sp>
               <p:grpSp>
                 <p:nvGrpSpPr>
-                  <p:cNvPr id="54" name="Group 53"/>
+                  <p:cNvPr id="95" name="Group 94"/>
                   <p:cNvGrpSpPr/>
                   <p:nvPr/>
                 </p:nvGrpSpPr>
                 <p:grpSpPr>
                   <a:xfrm>
-                    <a:off x="3688822" y="2360066"/>
-                    <a:ext cx="2213899" cy="2269876"/>
-                    <a:chOff x="6134626" y="3055250"/>
-                    <a:chExt cx="1660424" cy="1702407"/>
+                    <a:off x="6396960" y="3055250"/>
+                    <a:ext cx="1398090" cy="1316051"/>
+                    <a:chOff x="678001" y="1687400"/>
+                    <a:chExt cx="2653537" cy="2220706"/>
+                  </a:xfrm>
+                </p:grpSpPr>
+                <p:cxnSp>
+                  <p:nvCxnSpPr>
+                    <p:cNvPr id="98" name="Straight Connector 97"/>
+                    <p:cNvCxnSpPr/>
+                    <p:nvPr/>
+                  </p:nvCxnSpPr>
+                  <p:spPr>
+                    <a:xfrm>
+                      <a:off x="678001" y="1687400"/>
+                      <a:ext cx="11295" cy="2220706"/>
+                    </a:xfrm>
+                    <a:prstGeom prst="line">
+                      <a:avLst/>
+                    </a:prstGeom>
+                    <a:ln w="38100">
+                      <a:headEnd type="arrow" w="med" len="med"/>
+                      <a:tailEnd type="none" w="med" len="med"/>
+                    </a:ln>
+                  </p:spPr>
+                  <p:style>
+                    <a:lnRef idx="1">
+                      <a:schemeClr val="dk1"/>
+                    </a:lnRef>
+                    <a:fillRef idx="0">
+                      <a:schemeClr val="dk1"/>
+                    </a:fillRef>
+                    <a:effectRef idx="0">
+                      <a:schemeClr val="dk1"/>
+                    </a:effectRef>
+                    <a:fontRef idx="minor">
+                      <a:schemeClr val="tx1"/>
+                    </a:fontRef>
+                  </p:style>
+                </p:cxnSp>
+                <p:cxnSp>
+                  <p:nvCxnSpPr>
+                    <p:cNvPr id="99" name="Straight Connector 98"/>
+                    <p:cNvCxnSpPr/>
+                    <p:nvPr/>
+                  </p:nvCxnSpPr>
+                  <p:spPr>
+                    <a:xfrm flipH="1">
+                      <a:off x="682300" y="3884312"/>
+                      <a:ext cx="2649238" cy="227"/>
+                    </a:xfrm>
+                    <a:prstGeom prst="line">
+                      <a:avLst/>
+                    </a:prstGeom>
+                    <a:ln w="38100">
+                      <a:headEnd type="arrow" w="med" len="med"/>
+                      <a:tailEnd type="none" w="med" len="med"/>
+                    </a:ln>
+                  </p:spPr>
+                  <p:style>
+                    <a:lnRef idx="1">
+                      <a:schemeClr val="dk1"/>
+                    </a:lnRef>
+                    <a:fillRef idx="0">
+                      <a:schemeClr val="dk1"/>
+                    </a:fillRef>
+                    <a:effectRef idx="0">
+                      <a:schemeClr val="dk1"/>
+                    </a:effectRef>
+                    <a:fontRef idx="minor">
+                      <a:schemeClr val="tx1"/>
+                    </a:fontRef>
+                  </p:style>
+                </p:cxnSp>
+                <p:cxnSp>
+                  <p:nvCxnSpPr>
+                    <p:cNvPr id="100" name="Straight Connector 99">
+                      <a:extLst>
+                        <a:ext uri="{FF2B5EF4-FFF2-40B4-BE49-F238E27FC236}">
+                          <a16:creationId xmlns:a16="http://schemas.microsoft.com/office/drawing/2014/main" id="{AE0E5F09-77E1-4805-B59F-673C9B61E487}"/>
+                        </a:ext>
+                      </a:extLst>
+                    </p:cNvPr>
+                    <p:cNvCxnSpPr>
+                      <a:cxnSpLocks/>
+                    </p:cNvCxnSpPr>
+                    <p:nvPr/>
+                  </p:nvCxnSpPr>
+                  <p:spPr>
+                    <a:xfrm flipV="1">
+                      <a:off x="1050147" y="2292769"/>
+                      <a:ext cx="1950147" cy="698632"/>
+                    </a:xfrm>
+                    <a:prstGeom prst="line">
+                      <a:avLst/>
+                    </a:prstGeom>
+                    <a:ln w="38100" cap="rnd">
+                      <a:solidFill>
+                        <a:srgbClr val="FF0000"/>
+                      </a:solidFill>
+                    </a:ln>
+                  </p:spPr>
+                  <p:style>
+                    <a:lnRef idx="1">
+                      <a:schemeClr val="dk1"/>
+                    </a:lnRef>
+                    <a:fillRef idx="0">
+                      <a:schemeClr val="dk1"/>
+                    </a:fillRef>
+                    <a:effectRef idx="0">
+                      <a:schemeClr val="dk1"/>
+                    </a:effectRef>
+                    <a:fontRef idx="minor">
+                      <a:schemeClr val="tx1"/>
+                    </a:fontRef>
+                  </p:style>
+                </p:cxnSp>
+              </p:grpSp>
+              <p:sp>
+                <p:nvSpPr>
+                  <p:cNvPr id="96" name="TextBox 95"/>
+                  <p:cNvSpPr txBox="1"/>
+                  <p:nvPr/>
+                </p:nvSpPr>
+                <p:spPr>
+                  <a:xfrm rot="16200000">
+                    <a:off x="5706237" y="3628285"/>
+                    <a:ext cx="1064531" cy="182204"/>
+                  </a:xfrm>
+                  <a:prstGeom prst="rect">
+                    <a:avLst/>
+                  </a:prstGeom>
+                  <a:noFill/>
+                </p:spPr>
+                <p:txBody>
+                  <a:bodyPr wrap="none" rtlCol="0">
+                    <a:spAutoFit/>
+                  </a:bodyPr>
+                  <a:lstStyle/>
+                  <a:p>
+                    <a:r>
+                      <a:rPr lang="en-US" sz="1900" b="1" dirty="0">
+                        <a:latin typeface="Arial" panose="020B0604020202020204" pitchFamily="34" charset="0"/>
+                        <a:cs typeface="Arial" panose="020B0604020202020204" pitchFamily="34" charset="0"/>
+                      </a:rPr>
+                      <a:t>Body size change</a:t>
+                    </a:r>
+                  </a:p>
+                </p:txBody>
+              </p:sp>
+            </p:grpSp>
+          </p:grpSp>
+          <p:cxnSp>
+            <p:nvCxnSpPr>
+              <p:cNvPr id="101" name="Straight Connector 100">
+                <a:extLst>
+                  <a:ext uri="{FF2B5EF4-FFF2-40B4-BE49-F238E27FC236}">
+                    <a16:creationId xmlns:a16="http://schemas.microsoft.com/office/drawing/2014/main" id="{AE0E5F09-77E1-4805-B59F-673C9B61E487}"/>
+                  </a:ext>
+                </a:extLst>
+              </p:cNvPr>
+              <p:cNvCxnSpPr>
+                <a:cxnSpLocks/>
+              </p:cNvCxnSpPr>
+              <p:nvPr/>
+            </p:nvCxnSpPr>
+            <p:spPr>
+              <a:xfrm flipV="1">
+                <a:off x="5053584" y="2691092"/>
+                <a:ext cx="1369986" cy="204508"/>
+              </a:xfrm>
+              <a:prstGeom prst="line">
+                <a:avLst/>
+              </a:prstGeom>
+              <a:ln w="38100" cap="rnd">
+                <a:solidFill>
+                  <a:srgbClr val="0000FF"/>
+                </a:solidFill>
+              </a:ln>
+            </p:spPr>
+            <p:style>
+              <a:lnRef idx="1">
+                <a:schemeClr val="dk1"/>
+              </a:lnRef>
+              <a:fillRef idx="0">
+                <a:schemeClr val="dk1"/>
+              </a:fillRef>
+              <a:effectRef idx="0">
+                <a:schemeClr val="dk1"/>
+              </a:effectRef>
+              <a:fontRef idx="minor">
+                <a:schemeClr val="tx1"/>
+              </a:fontRef>
+            </p:style>
+          </p:cxnSp>
+        </p:grpSp>
+      </p:grpSp>
+      <p:grpSp>
+        <p:nvGrpSpPr>
+          <p:cNvPr id="11" name="Group 10">
+            <a:extLst>
+              <a:ext uri="{FF2B5EF4-FFF2-40B4-BE49-F238E27FC236}">
+                <a16:creationId xmlns:a16="http://schemas.microsoft.com/office/drawing/2014/main" id="{E1F5EB07-0560-4605-B0E1-F34219DCEF84}"/>
+              </a:ext>
+            </a:extLst>
+          </p:cNvPr>
+          <p:cNvGrpSpPr/>
+          <p:nvPr/>
+        </p:nvGrpSpPr>
+        <p:grpSpPr>
+          <a:xfrm>
+            <a:off x="522129" y="4360820"/>
+            <a:ext cx="7596504" cy="4227317"/>
+            <a:chOff x="1045887" y="2747760"/>
+            <a:chExt cx="4796955" cy="2669418"/>
+          </a:xfrm>
+        </p:grpSpPr>
+        <p:sp>
+          <p:nvSpPr>
+            <p:cNvPr id="102" name="TextBox 101"/>
+            <p:cNvSpPr txBox="1"/>
+            <p:nvPr/>
+          </p:nvSpPr>
+          <p:spPr>
+            <a:xfrm rot="16200000">
+              <a:off x="3051067" y="4235108"/>
+              <a:ext cx="1522621" cy="242939"/>
+            </a:xfrm>
+            <a:prstGeom prst="rect">
+              <a:avLst/>
+            </a:prstGeom>
+            <a:noFill/>
+          </p:spPr>
+          <p:txBody>
+            <a:bodyPr wrap="none" rtlCol="0">
+              <a:spAutoFit/>
+            </a:bodyPr>
+            <a:lstStyle/>
+            <a:p>
+              <a:pPr algn="ctr"/>
+              <a:r>
+                <a:rPr lang="en-US" sz="1900" b="1" dirty="0">
+                  <a:latin typeface="Arial" panose="020B0604020202020204" pitchFamily="34" charset="0"/>
+                  <a:cs typeface="Arial" panose="020B0604020202020204" pitchFamily="34" charset="0"/>
+                </a:rPr>
+                <a:t>Body mass change</a:t>
+              </a:r>
+            </a:p>
+          </p:txBody>
+        </p:sp>
+        <p:grpSp>
+          <p:nvGrpSpPr>
+            <p:cNvPr id="10" name="Group 9">
+              <a:extLst>
+                <a:ext uri="{FF2B5EF4-FFF2-40B4-BE49-F238E27FC236}">
+                  <a16:creationId xmlns:a16="http://schemas.microsoft.com/office/drawing/2014/main" id="{F4EEBD85-3FA4-4AB3-9C17-06F6D70A677F}"/>
+                </a:ext>
+              </a:extLst>
+            </p:cNvPr>
+            <p:cNvGrpSpPr/>
+            <p:nvPr/>
+          </p:nvGrpSpPr>
+          <p:grpSpPr>
+            <a:xfrm>
+              <a:off x="1045887" y="2747760"/>
+              <a:ext cx="4796955" cy="2669418"/>
+              <a:chOff x="1045887" y="2747760"/>
+              <a:chExt cx="4796955" cy="2669418"/>
+            </a:xfrm>
+          </p:grpSpPr>
+          <p:grpSp>
+            <p:nvGrpSpPr>
+              <p:cNvPr id="8" name="Group 7">
+                <a:extLst>
+                  <a:ext uri="{FF2B5EF4-FFF2-40B4-BE49-F238E27FC236}">
+                    <a16:creationId xmlns:a16="http://schemas.microsoft.com/office/drawing/2014/main" id="{F74BB610-DDEE-4DB7-96FE-B5BC59069A50}"/>
+                  </a:ext>
+                </a:extLst>
+              </p:cNvPr>
+              <p:cNvGrpSpPr/>
+              <p:nvPr/>
+            </p:nvGrpSpPr>
+            <p:grpSpPr>
+              <a:xfrm>
+                <a:off x="1045887" y="2747760"/>
+                <a:ext cx="4796955" cy="2669418"/>
+                <a:chOff x="1045887" y="2747760"/>
+                <a:chExt cx="4796955" cy="2669418"/>
+              </a:xfrm>
+            </p:grpSpPr>
+            <p:grpSp>
+              <p:nvGrpSpPr>
+                <p:cNvPr id="2" name="Group 1"/>
+                <p:cNvGrpSpPr/>
+                <p:nvPr/>
+              </p:nvGrpSpPr>
+              <p:grpSpPr>
+                <a:xfrm>
+                  <a:off x="1045887" y="3250924"/>
+                  <a:ext cx="4796955" cy="2166254"/>
+                  <a:chOff x="1057410" y="5638799"/>
+                  <a:chExt cx="4796955" cy="2166254"/>
+                </a:xfrm>
+              </p:grpSpPr>
+              <p:grpSp>
+                <p:nvGrpSpPr>
+                  <p:cNvPr id="35" name="Group 34"/>
+                  <p:cNvGrpSpPr/>
+                  <p:nvPr/>
+                </p:nvGrpSpPr>
+                <p:grpSpPr>
+                  <a:xfrm>
+                    <a:off x="4010484" y="5781713"/>
+                    <a:ext cx="1843881" cy="2023340"/>
+                    <a:chOff x="6376837" y="2156981"/>
+                    <a:chExt cx="1382911" cy="1517505"/>
                   </a:xfrm>
                 </p:grpSpPr>
                 <p:sp>
                   <p:nvSpPr>
-                    <p:cNvPr id="55" name="TextBox 54"/>
+                    <p:cNvPr id="36" name="TextBox 35"/>
                     <p:cNvSpPr txBox="1"/>
                     <p:nvPr/>
                   </p:nvSpPr>
                   <p:spPr>
                     <a:xfrm>
-                      <a:off x="6802165" y="4549908"/>
-                      <a:ext cx="611030" cy="207749"/>
-                    </a:xfrm>
-                    <a:prstGeom prst="rect">
-                      <a:avLst/>
-                    </a:prstGeom>
-                    <a:noFill/>
-                  </p:spPr>
-                  <p:txBody>
-                    <a:bodyPr wrap="square" rtlCol="0">
-                      <a:spAutoFit/>
-                    </a:bodyPr>
-                    <a:lstStyle/>
-                    <a:p>
-                      <a:r>
-                        <a:rPr lang="en-US" sz="1200" b="1" dirty="0">
-                          <a:latin typeface="Arial" panose="020B0604020202020204" pitchFamily="34" charset="0"/>
-                          <a:cs typeface="Arial" panose="020B0604020202020204" pitchFamily="34" charset="0"/>
-                        </a:rPr>
-                        <a:t>Oxygen</a:t>
-                      </a:r>
-                    </a:p>
-                  </p:txBody>
-                </p:sp>
-                <p:grpSp>
-                  <p:nvGrpSpPr>
-                    <p:cNvPr id="57" name="Group 56"/>
-                    <p:cNvGrpSpPr/>
-                    <p:nvPr/>
-                  </p:nvGrpSpPr>
-                  <p:grpSpPr>
-                    <a:xfrm>
-                      <a:off x="6396961" y="3055250"/>
-                      <a:ext cx="1398089" cy="1316051"/>
-                      <a:chOff x="678001" y="1687400"/>
-                      <a:chExt cx="2653537" cy="2220706"/>
-                    </a:xfrm>
-                  </p:grpSpPr>
-                  <p:cxnSp>
-                    <p:nvCxnSpPr>
-                      <p:cNvPr id="59" name="Straight Connector 58"/>
-                      <p:cNvCxnSpPr/>
-                      <p:nvPr/>
-                    </p:nvCxnSpPr>
-                    <p:spPr>
-                      <a:xfrm>
-                        <a:off x="678001" y="1687400"/>
-                        <a:ext cx="11295" cy="2220706"/>
-                      </a:xfrm>
-                      <a:prstGeom prst="line">
-                        <a:avLst/>
-                      </a:prstGeom>
-                      <a:ln w="38100">
-                        <a:headEnd type="arrow" w="med" len="med"/>
-                        <a:tailEnd type="none" w="med" len="med"/>
-                      </a:ln>
-                    </p:spPr>
-                    <p:style>
-                      <a:lnRef idx="1">
-                        <a:schemeClr val="dk1"/>
-                      </a:lnRef>
-                      <a:fillRef idx="0">
-                        <a:schemeClr val="dk1"/>
-                      </a:fillRef>
-                      <a:effectRef idx="0">
-                        <a:schemeClr val="dk1"/>
-                      </a:effectRef>
-                      <a:fontRef idx="minor">
-                        <a:schemeClr val="tx1"/>
-                      </a:fontRef>
-                    </p:style>
-                  </p:cxnSp>
-                  <p:cxnSp>
-                    <p:nvCxnSpPr>
-                      <p:cNvPr id="60" name="Straight Connector 59"/>
-                      <p:cNvCxnSpPr/>
-                      <p:nvPr/>
-                    </p:nvCxnSpPr>
-                    <p:spPr>
-                      <a:xfrm flipH="1">
-                        <a:off x="682300" y="3884312"/>
-                        <a:ext cx="2649238" cy="227"/>
-                      </a:xfrm>
-                      <a:prstGeom prst="line">
-                        <a:avLst/>
-                      </a:prstGeom>
-                      <a:ln w="38100">
-                        <a:headEnd type="arrow" w="med" len="med"/>
-                        <a:tailEnd type="none" w="med" len="med"/>
-                      </a:ln>
-                    </p:spPr>
-                    <p:style>
-                      <a:lnRef idx="1">
-                        <a:schemeClr val="dk1"/>
-                      </a:lnRef>
-                      <a:fillRef idx="0">
-                        <a:schemeClr val="dk1"/>
-                      </a:fillRef>
-                      <a:effectRef idx="0">
-                        <a:schemeClr val="dk1"/>
-                      </a:effectRef>
-                      <a:fontRef idx="minor">
-                        <a:schemeClr val="tx1"/>
-                      </a:fontRef>
-                    </p:style>
-                  </p:cxnSp>
-                  <p:cxnSp>
-                    <p:nvCxnSpPr>
-                      <p:cNvPr id="63" name="Straight Connector 62">
-                        <a:extLst>
-                          <a:ext uri="{FF2B5EF4-FFF2-40B4-BE49-F238E27FC236}">
-                            <a16:creationId xmlns:a16="http://schemas.microsoft.com/office/drawing/2014/main" id="{AE0E5F09-77E1-4805-B59F-673C9B61E487}"/>
-                          </a:ext>
-                        </a:extLst>
-                      </p:cNvPr>
-                      <p:cNvCxnSpPr>
-                        <a:cxnSpLocks/>
-                      </p:cNvCxnSpPr>
-                      <p:nvPr/>
-                    </p:nvCxnSpPr>
-                    <p:spPr>
-                      <a:xfrm flipV="1">
-                        <a:off x="1022326" y="2589000"/>
-                        <a:ext cx="1944682" cy="607348"/>
-                      </a:xfrm>
-                      <a:prstGeom prst="line">
-                        <a:avLst/>
-                      </a:prstGeom>
-                      <a:ln w="38100" cap="rnd"/>
-                    </p:spPr>
-                    <p:style>
-                      <a:lnRef idx="1">
-                        <a:schemeClr val="dk1"/>
-                      </a:lnRef>
-                      <a:fillRef idx="0">
-                        <a:schemeClr val="dk1"/>
-                      </a:fillRef>
-                      <a:effectRef idx="0">
-                        <a:schemeClr val="dk1"/>
-                      </a:effectRef>
-                      <a:fontRef idx="minor">
-                        <a:schemeClr val="tx1"/>
-                      </a:fontRef>
-                    </p:style>
-                  </p:cxnSp>
-                </p:grpSp>
-                <p:sp>
-                  <p:nvSpPr>
-                    <p:cNvPr id="58" name="TextBox 57"/>
-                    <p:cNvSpPr txBox="1"/>
-                    <p:nvPr/>
-                  </p:nvSpPr>
-                  <p:spPr>
-                    <a:xfrm rot="16200000">
-                      <a:off x="5743052" y="3615514"/>
-                      <a:ext cx="990897" cy="207749"/>
+                      <a:off x="6765158" y="3492282"/>
+                      <a:ext cx="549802" cy="182204"/>
                     </a:xfrm>
                     <a:prstGeom prst="rect">
                       <a:avLst/>
@@ -3539,418 +3655,7 @@
                     <a:lstStyle/>
                     <a:p>
                       <a:r>
-                        <a:rPr lang="en-US" sz="1200" b="1" dirty="0">
-                          <a:latin typeface="Arial" panose="020B0604020202020204" pitchFamily="34" charset="0"/>
-                          <a:cs typeface="Arial" panose="020B0604020202020204" pitchFamily="34" charset="0"/>
-                        </a:rPr>
-                        <a:t>Body </a:t>
-                      </a:r>
-                      <a:r>
-                        <a:rPr lang="en-US" sz="1200" b="1" dirty="0" smtClean="0">
-                          <a:latin typeface="Arial" panose="020B0604020202020204" pitchFamily="34" charset="0"/>
-                          <a:cs typeface="Arial" panose="020B0604020202020204" pitchFamily="34" charset="0"/>
-                        </a:rPr>
-                        <a:t>size traits</a:t>
-                      </a:r>
-                      <a:endParaRPr lang="en-US" sz="1200" b="1" dirty="0">
-                        <a:latin typeface="Arial" panose="020B0604020202020204" pitchFamily="34" charset="0"/>
-                        <a:cs typeface="Arial" panose="020B0604020202020204" pitchFamily="34" charset="0"/>
-                      </a:endParaRPr>
-                    </a:p>
-                  </p:txBody>
-                </p:sp>
-              </p:grpSp>
-            </p:grpSp>
-            <p:sp>
-              <p:nvSpPr>
-                <p:cNvPr id="9" name="TextBox 8"/>
-                <p:cNvSpPr txBox="1"/>
-                <p:nvPr/>
-              </p:nvSpPr>
-              <p:spPr>
-                <a:xfrm>
-                  <a:off x="-98970" y="1729393"/>
-                  <a:ext cx="2537370" cy="430887"/>
-                </a:xfrm>
-                <a:prstGeom prst="rect">
-                  <a:avLst/>
-                </a:prstGeom>
-                <a:noFill/>
-              </p:spPr>
-              <p:txBody>
-                <a:bodyPr wrap="square" rtlCol="0">
-                  <a:spAutoFit/>
-                </a:bodyPr>
-                <a:lstStyle/>
-                <a:p>
-                  <a:pPr algn="ctr"/>
-                  <a:r>
-                    <a:rPr lang="en-US" sz="1050" b="1" dirty="0">
-                      <a:latin typeface="Arial" panose="020B0604020202020204" pitchFamily="34" charset="0"/>
-                      <a:cs typeface="Arial" panose="020B0604020202020204" pitchFamily="34" charset="0"/>
-                    </a:rPr>
-                    <a:t>Q1</a:t>
-                  </a:r>
-                  <a:r>
-                    <a:rPr lang="en-US" sz="1050" dirty="0">
-                      <a:latin typeface="Arial" panose="020B0604020202020204" pitchFamily="34" charset="0"/>
-                      <a:cs typeface="Arial" panose="020B0604020202020204" pitchFamily="34" charset="0"/>
-                    </a:rPr>
-                    <a:t>: Does </a:t>
-                  </a:r>
-                  <a:r>
-                    <a:rPr lang="en-US" sz="1050" dirty="0" smtClean="0">
-                      <a:latin typeface="Arial" panose="020B0604020202020204" pitchFamily="34" charset="0"/>
-                      <a:cs typeface="Arial" panose="020B0604020202020204" pitchFamily="34" charset="0"/>
-                    </a:rPr>
-                    <a:t>developing </a:t>
-                  </a:r>
-                  <a:r>
-                    <a:rPr lang="en-US" sz="1050" dirty="0">
-                      <a:latin typeface="Arial" panose="020B0604020202020204" pitchFamily="34" charset="0"/>
-                      <a:cs typeface="Arial" panose="020B0604020202020204" pitchFamily="34" charset="0"/>
-                    </a:rPr>
-                    <a:t>temperature affect body size-related traits?</a:t>
-                  </a:r>
-                </a:p>
-              </p:txBody>
-            </p:sp>
-            <p:grpSp>
-              <p:nvGrpSpPr>
-                <p:cNvPr id="3" name="Group 2"/>
-                <p:cNvGrpSpPr/>
-                <p:nvPr/>
-              </p:nvGrpSpPr>
-              <p:grpSpPr>
-                <a:xfrm>
-                  <a:off x="3351" y="2322418"/>
-                  <a:ext cx="2202756" cy="2277429"/>
-                  <a:chOff x="615492" y="2341266"/>
-                  <a:chExt cx="2202756" cy="2277429"/>
-                </a:xfrm>
-              </p:grpSpPr>
-              <p:sp>
-                <p:nvSpPr>
-                  <p:cNvPr id="78" name="Rectangle 77"/>
-                  <p:cNvSpPr/>
-                  <p:nvPr/>
-                </p:nvSpPr>
-                <p:spPr>
-                  <a:xfrm>
-                    <a:off x="950005" y="4076471"/>
-                    <a:ext cx="1868243" cy="281305"/>
-                  </a:xfrm>
-                  <a:prstGeom prst="rect">
-                    <a:avLst/>
-                  </a:prstGeom>
-                  <a:gradFill flip="none" rotWithShape="1">
-                    <a:gsLst>
-                      <a:gs pos="85000">
-                        <a:srgbClr val="FF0000"/>
-                      </a:gs>
-                      <a:gs pos="28000">
-                        <a:srgbClr val="0000FF"/>
-                      </a:gs>
-                    </a:gsLst>
-                    <a:lin ang="0" scaled="1"/>
-                    <a:tileRect/>
-                  </a:gradFill>
-                  <a:ln>
-                    <a:noFill/>
-                  </a:ln>
-                </p:spPr>
-                <p:style>
-                  <a:lnRef idx="2">
-                    <a:schemeClr val="accent1">
-                      <a:shade val="50000"/>
-                    </a:schemeClr>
-                  </a:lnRef>
-                  <a:fillRef idx="1">
-                    <a:schemeClr val="accent1"/>
-                  </a:fillRef>
-                  <a:effectRef idx="0">
-                    <a:schemeClr val="accent1"/>
-                  </a:effectRef>
-                  <a:fontRef idx="minor">
-                    <a:schemeClr val="lt1"/>
-                  </a:fontRef>
-                </p:style>
-                <p:txBody>
-                  <a:bodyPr rtlCol="0" anchor="ctr"/>
-                  <a:lstStyle/>
-                  <a:p>
-                    <a:pPr algn="ctr"/>
-                    <a:endParaRPr lang="en-US" sz="2400"/>
-                  </a:p>
-                </p:txBody>
-              </p:sp>
-              <p:grpSp>
-                <p:nvGrpSpPr>
-                  <p:cNvPr id="64" name="Group 63"/>
-                  <p:cNvGrpSpPr/>
-                  <p:nvPr/>
-                </p:nvGrpSpPr>
-                <p:grpSpPr>
-                  <a:xfrm>
-                    <a:off x="615492" y="2341266"/>
-                    <a:ext cx="2202753" cy="2277429"/>
-                    <a:chOff x="6134623" y="3050421"/>
-                    <a:chExt cx="1652065" cy="1708072"/>
-                  </a:xfrm>
-                </p:grpSpPr>
-                <p:sp>
-                  <p:nvSpPr>
-                    <p:cNvPr id="65" name="TextBox 64"/>
-                    <p:cNvSpPr txBox="1"/>
-                    <p:nvPr/>
-                  </p:nvSpPr>
-                  <p:spPr>
-                    <a:xfrm>
-                      <a:off x="6571265" y="4550744"/>
-                      <a:ext cx="827245" cy="207749"/>
-                    </a:xfrm>
-                    <a:prstGeom prst="rect">
-                      <a:avLst/>
-                    </a:prstGeom>
-                    <a:noFill/>
-                  </p:spPr>
-                  <p:txBody>
-                    <a:bodyPr wrap="none" rtlCol="0">
-                      <a:spAutoFit/>
-                    </a:bodyPr>
-                    <a:lstStyle/>
-                    <a:p>
-                      <a:pPr algn="ctr"/>
-                      <a:r>
-                        <a:rPr lang="en-US" sz="1200" b="1" dirty="0">
-                          <a:latin typeface="Arial" panose="020B0604020202020204" pitchFamily="34" charset="0"/>
-                          <a:cs typeface="Arial" panose="020B0604020202020204" pitchFamily="34" charset="0"/>
-                        </a:rPr>
-                        <a:t>Temperature</a:t>
-                      </a:r>
-                    </a:p>
-                  </p:txBody>
-                </p:sp>
-                <p:grpSp>
-                  <p:nvGrpSpPr>
-                    <p:cNvPr id="66" name="Group 65"/>
-                    <p:cNvGrpSpPr/>
-                    <p:nvPr/>
-                  </p:nvGrpSpPr>
-                  <p:grpSpPr>
-                    <a:xfrm>
-                      <a:off x="6393361" y="3050421"/>
-                      <a:ext cx="1393327" cy="1316051"/>
-                      <a:chOff x="671170" y="1679251"/>
-                      <a:chExt cx="2644499" cy="2220706"/>
-                    </a:xfrm>
-                  </p:grpSpPr>
-                  <p:cxnSp>
-                    <p:nvCxnSpPr>
-                      <p:cNvPr id="69" name="Straight Connector 68"/>
-                      <p:cNvCxnSpPr/>
-                      <p:nvPr/>
-                    </p:nvCxnSpPr>
-                    <p:spPr>
-                      <a:xfrm>
-                        <a:off x="671170" y="1679251"/>
-                        <a:ext cx="11295" cy="2220706"/>
-                      </a:xfrm>
-                      <a:prstGeom prst="line">
-                        <a:avLst/>
-                      </a:prstGeom>
-                      <a:ln w="38100">
-                        <a:headEnd type="arrow" w="med" len="med"/>
-                        <a:tailEnd type="none" w="med" len="med"/>
-                      </a:ln>
-                    </p:spPr>
-                    <p:style>
-                      <a:lnRef idx="1">
-                        <a:schemeClr val="dk1"/>
-                      </a:lnRef>
-                      <a:fillRef idx="0">
-                        <a:schemeClr val="dk1"/>
-                      </a:fillRef>
-                      <a:effectRef idx="0">
-                        <a:schemeClr val="dk1"/>
-                      </a:effectRef>
-                      <a:fontRef idx="minor">
-                        <a:schemeClr val="tx1"/>
-                      </a:fontRef>
-                    </p:style>
-                  </p:cxnSp>
-                  <p:cxnSp>
-                    <p:nvCxnSpPr>
-                      <p:cNvPr id="70" name="Straight Connector 69"/>
-                      <p:cNvCxnSpPr/>
-                      <p:nvPr/>
-                    </p:nvCxnSpPr>
-                    <p:spPr>
-                      <a:xfrm flipH="1">
-                        <a:off x="690939" y="3875242"/>
-                        <a:ext cx="2624730" cy="0"/>
-                      </a:xfrm>
-                      <a:prstGeom prst="line">
-                        <a:avLst/>
-                      </a:prstGeom>
-                      <a:ln w="38100">
-                        <a:headEnd type="arrow" w="med" len="med"/>
-                        <a:tailEnd type="none" w="med" len="med"/>
-                      </a:ln>
-                    </p:spPr>
-                    <p:style>
-                      <a:lnRef idx="1">
-                        <a:schemeClr val="dk1"/>
-                      </a:lnRef>
-                      <a:fillRef idx="0">
-                        <a:schemeClr val="dk1"/>
-                      </a:fillRef>
-                      <a:effectRef idx="0">
-                        <a:schemeClr val="dk1"/>
-                      </a:effectRef>
-                      <a:fontRef idx="minor">
-                        <a:schemeClr val="tx1"/>
-                      </a:fontRef>
-                    </p:style>
-                  </p:cxnSp>
-                  <p:cxnSp>
-                    <p:nvCxnSpPr>
-                      <p:cNvPr id="72" name="Straight Connector 71">
-                        <a:extLst>
-                          <a:ext uri="{FF2B5EF4-FFF2-40B4-BE49-F238E27FC236}">
-                            <a16:creationId xmlns:a16="http://schemas.microsoft.com/office/drawing/2014/main" id="{AE0E5F09-77E1-4805-B59F-673C9B61E487}"/>
-                          </a:ext>
-                        </a:extLst>
-                      </p:cNvPr>
-                      <p:cNvCxnSpPr>
-                        <a:cxnSpLocks/>
-                      </p:cNvCxnSpPr>
-                      <p:nvPr/>
-                    </p:nvCxnSpPr>
-                    <p:spPr>
-                      <a:xfrm>
-                        <a:off x="1112522" y="2260340"/>
-                        <a:ext cx="1812782" cy="1076992"/>
-                      </a:xfrm>
-                      <a:prstGeom prst="line">
-                        <a:avLst/>
-                      </a:prstGeom>
-                      <a:ln w="38100" cap="rnd"/>
-                    </p:spPr>
-                    <p:style>
-                      <a:lnRef idx="1">
-                        <a:schemeClr val="dk1"/>
-                      </a:lnRef>
-                      <a:fillRef idx="0">
-                        <a:schemeClr val="dk1"/>
-                      </a:fillRef>
-                      <a:effectRef idx="0">
-                        <a:schemeClr val="dk1"/>
-                      </a:effectRef>
-                      <a:fontRef idx="minor">
-                        <a:schemeClr val="tx1"/>
-                      </a:fontRef>
-                    </p:style>
-                  </p:cxnSp>
-                </p:grpSp>
-                <p:sp>
-                  <p:nvSpPr>
-                    <p:cNvPr id="68" name="TextBox 67"/>
-                    <p:cNvSpPr txBox="1"/>
-                    <p:nvPr/>
-                  </p:nvSpPr>
-                  <p:spPr>
-                    <a:xfrm rot="16200000">
-                      <a:off x="5743049" y="3615515"/>
-                      <a:ext cx="990897" cy="207749"/>
-                    </a:xfrm>
-                    <a:prstGeom prst="rect">
-                      <a:avLst/>
-                    </a:prstGeom>
-                    <a:noFill/>
-                  </p:spPr>
-                  <p:txBody>
-                    <a:bodyPr wrap="none" rtlCol="0">
-                      <a:spAutoFit/>
-                    </a:bodyPr>
-                    <a:lstStyle/>
-                    <a:p>
-                      <a:pPr algn="ctr"/>
-                      <a:r>
-                        <a:rPr lang="en-US" sz="1200" b="1" dirty="0">
-                          <a:latin typeface="Arial" panose="020B0604020202020204" pitchFamily="34" charset="0"/>
-                          <a:cs typeface="Arial" panose="020B0604020202020204" pitchFamily="34" charset="0"/>
-                        </a:rPr>
-                        <a:t>Body </a:t>
-                      </a:r>
-                      <a:r>
-                        <a:rPr lang="en-US" sz="1200" b="1" dirty="0" smtClean="0">
-                          <a:latin typeface="Arial" panose="020B0604020202020204" pitchFamily="34" charset="0"/>
-                          <a:cs typeface="Arial" panose="020B0604020202020204" pitchFamily="34" charset="0"/>
-                        </a:rPr>
-                        <a:t>size traits</a:t>
-                      </a:r>
-                      <a:endParaRPr lang="en-US" sz="1200" b="1" dirty="0">
-                        <a:latin typeface="Arial" panose="020B0604020202020204" pitchFamily="34" charset="0"/>
-                        <a:cs typeface="Arial" panose="020B0604020202020204" pitchFamily="34" charset="0"/>
-                      </a:endParaRPr>
-                    </a:p>
-                  </p:txBody>
-                </p:sp>
-              </p:grpSp>
-            </p:grpSp>
-            <p:grpSp>
-              <p:nvGrpSpPr>
-                <p:cNvPr id="2" name="Group 1"/>
-                <p:cNvGrpSpPr/>
-                <p:nvPr/>
-              </p:nvGrpSpPr>
-              <p:grpSpPr>
-                <a:xfrm>
-                  <a:off x="1040380" y="5638800"/>
-                  <a:ext cx="4813985" cy="2200313"/>
-                  <a:chOff x="1040380" y="5638800"/>
-                  <a:chExt cx="4813985" cy="2200313"/>
-                </a:xfrm>
-              </p:grpSpPr>
-              <p:grpSp>
-                <p:nvGrpSpPr>
-                  <p:cNvPr id="35" name="Group 34"/>
-                  <p:cNvGrpSpPr/>
-                  <p:nvPr/>
-                </p:nvGrpSpPr>
-                <p:grpSpPr>
-                  <a:xfrm>
-                    <a:off x="4010484" y="5781713"/>
-                    <a:ext cx="1843881" cy="2057400"/>
-                    <a:chOff x="6376837" y="2156981"/>
-                    <a:chExt cx="1382911" cy="1543050"/>
-                  </a:xfrm>
-                </p:grpSpPr>
-                <p:sp>
-                  <p:nvSpPr>
-                    <p:cNvPr id="36" name="TextBox 35"/>
-                    <p:cNvSpPr txBox="1"/>
-                    <p:nvPr/>
-                  </p:nvSpPr>
-                  <p:spPr>
-                    <a:xfrm>
-                      <a:off x="6765159" y="3492282"/>
-                      <a:ext cx="600164" cy="207749"/>
-                    </a:xfrm>
-                    <a:prstGeom prst="rect">
-                      <a:avLst/>
-                    </a:prstGeom>
-                    <a:noFill/>
-                  </p:spPr>
-                  <p:txBody>
-                    <a:bodyPr wrap="none" rtlCol="0">
-                      <a:spAutoFit/>
-                    </a:bodyPr>
-                    <a:lstStyle/>
-                    <a:p>
-                      <a:r>
-                        <a:rPr lang="en-US" sz="1200" b="1" dirty="0">
+                        <a:rPr lang="en-US" sz="1900" b="1" dirty="0">
                           <a:latin typeface="Arial" panose="020B0604020202020204" pitchFamily="34" charset="0"/>
                           <a:cs typeface="Arial" panose="020B0604020202020204" pitchFamily="34" charset="0"/>
                         </a:rPr>
@@ -4036,10 +3741,10 @@
                 </p:nvGrpSpPr>
                 <p:grpSpPr>
                   <a:xfrm>
-                    <a:off x="1040380" y="5781713"/>
-                    <a:ext cx="2163130" cy="2057400"/>
-                    <a:chOff x="6137401" y="2156981"/>
-                    <a:chExt cx="1622347" cy="1543050"/>
+                    <a:off x="1057410" y="5781712"/>
+                    <a:ext cx="2146101" cy="2023339"/>
+                    <a:chOff x="6150173" y="2156981"/>
+                    <a:chExt cx="1609575" cy="1517505"/>
                   </a:xfrm>
                 </p:grpSpPr>
                 <p:sp>
@@ -4050,8 +3755,8 @@
                   </p:nvSpPr>
                   <p:spPr>
                     <a:xfrm>
-                      <a:off x="6673898" y="3492282"/>
-                      <a:ext cx="600164" cy="207749"/>
+                      <a:off x="6673897" y="3492282"/>
+                      <a:ext cx="549801" cy="182204"/>
                     </a:xfrm>
                     <a:prstGeom prst="rect">
                       <a:avLst/>
@@ -4065,7 +3770,7 @@
                     <a:lstStyle/>
                     <a:p>
                       <a:r>
-                        <a:rPr lang="en-US" sz="1200" b="1" dirty="0">
+                        <a:rPr lang="en-US" sz="1900" b="1" dirty="0">
                           <a:latin typeface="Arial" panose="020B0604020202020204" pitchFamily="34" charset="0"/>
                           <a:cs typeface="Arial" panose="020B0604020202020204" pitchFamily="34" charset="0"/>
                         </a:rPr>
@@ -4150,8 +3855,8 @@
                   </p:nvSpPr>
                   <p:spPr>
                     <a:xfrm rot="16200000">
-                      <a:off x="5684512" y="2775160"/>
-                      <a:ext cx="1113527" cy="207749"/>
+                      <a:off x="5670292" y="2787932"/>
+                      <a:ext cx="1141966" cy="182204"/>
                     </a:xfrm>
                     <a:prstGeom prst="rect">
                       <a:avLst/>
@@ -4166,23 +3871,12 @@
                     <a:p>
                       <a:pPr algn="ctr"/>
                       <a:r>
-                        <a:rPr lang="en-US" sz="1200" b="1" dirty="0">
+                        <a:rPr lang="en-US" sz="1900" b="1" dirty="0">
                           <a:latin typeface="Arial" panose="020B0604020202020204" pitchFamily="34" charset="0"/>
                           <a:cs typeface="Arial" panose="020B0604020202020204" pitchFamily="34" charset="0"/>
                         </a:rPr>
-                        <a:t>Body </a:t>
+                        <a:t>Body mass change</a:t>
                       </a:r>
-                      <a:r>
-                        <a:rPr lang="en-US" sz="1200" b="1" dirty="0" smtClean="0">
-                          <a:latin typeface="Arial" panose="020B0604020202020204" pitchFamily="34" charset="0"/>
-                          <a:cs typeface="Arial" panose="020B0604020202020204" pitchFamily="34" charset="0"/>
-                        </a:rPr>
-                        <a:t>size change</a:t>
-                      </a:r>
-                      <a:endParaRPr lang="en-US" sz="1200" b="1" dirty="0">
-                        <a:latin typeface="Arial" panose="020B0604020202020204" pitchFamily="34" charset="0"/>
-                        <a:cs typeface="Arial" panose="020B0604020202020204" pitchFamily="34" charset="0"/>
-                      </a:endParaRPr>
                     </a:p>
                   </p:txBody>
                 </p:sp>
@@ -4238,8 +3932,8 @@
                 </p:nvSpPr>
                 <p:spPr>
                   <a:xfrm>
-                    <a:off x="4185971" y="5638800"/>
-                    <a:ext cx="1389233" cy="276999"/>
+                    <a:off x="4185973" y="5638799"/>
+                    <a:ext cx="1389233" cy="242939"/>
                   </a:xfrm>
                   <a:prstGeom prst="rect">
                     <a:avLst/>
@@ -4253,7 +3947,7 @@
                   <a:lstStyle/>
                   <a:p>
                     <a:r>
-                      <a:rPr lang="en-US" sz="1200" b="1" dirty="0">
+                      <a:rPr lang="en-US" sz="1900" b="1" dirty="0">
                         <a:solidFill>
                           <a:srgbClr val="FF0000"/>
                         </a:solidFill>
@@ -4273,8 +3967,8 @@
                 </p:nvSpPr>
                 <p:spPr>
                   <a:xfrm>
-                    <a:off x="1599320" y="5638800"/>
-                    <a:ext cx="1362171" cy="276999"/>
+                    <a:off x="1599321" y="5638799"/>
+                    <a:ext cx="1362170" cy="242939"/>
                   </a:xfrm>
                   <a:prstGeom prst="rect">
                     <a:avLst/>
@@ -4288,7 +3982,7 @@
                   <a:lstStyle/>
                   <a:p>
                     <a:r>
-                      <a:rPr lang="en-US" sz="1200" b="1" dirty="0">
+                      <a:rPr lang="en-US" sz="1900" b="1" dirty="0">
                         <a:solidFill>
                           <a:srgbClr val="0000FF"/>
                         </a:solidFill>
@@ -4301,571 +3995,198 @@
                 </p:txBody>
               </p:sp>
             </p:grpSp>
-            <p:sp>
-              <p:nvSpPr>
-                <p:cNvPr id="90" name="TextBox 89"/>
-                <p:cNvSpPr txBox="1"/>
-                <p:nvPr/>
-              </p:nvSpPr>
-              <p:spPr>
-                <a:xfrm>
-                  <a:off x="4419600" y="1721840"/>
-                  <a:ext cx="2590800" cy="577081"/>
-                </a:xfrm>
-                <a:prstGeom prst="rect">
-                  <a:avLst/>
-                </a:prstGeom>
-                <a:noFill/>
-              </p:spPr>
-              <p:txBody>
-                <a:bodyPr wrap="square" rtlCol="0">
-                  <a:spAutoFit/>
-                </a:bodyPr>
-                <a:lstStyle/>
-                <a:p>
-                  <a:pPr algn="ctr"/>
-                  <a:r>
-                    <a:rPr lang="en-US" sz="1050" b="1" dirty="0" smtClean="0">
-                      <a:latin typeface="Arial" panose="020B0604020202020204" pitchFamily="34" charset="0"/>
-                      <a:cs typeface="Arial" panose="020B0604020202020204" pitchFamily="34" charset="0"/>
-                    </a:rPr>
-                    <a:t>Q3</a:t>
-                  </a:r>
-                  <a:r>
-                    <a:rPr lang="en-US" sz="1050" dirty="0" smtClean="0">
-                      <a:latin typeface="Arial" panose="020B0604020202020204" pitchFamily="34" charset="0"/>
-                      <a:cs typeface="Arial" panose="020B0604020202020204" pitchFamily="34" charset="0"/>
-                    </a:rPr>
-                    <a:t>: </a:t>
-                  </a:r>
-                  <a:r>
-                    <a:rPr lang="en-US" sz="1050" dirty="0">
-                      <a:latin typeface="Arial" panose="020B0604020202020204" pitchFamily="34" charset="0"/>
-                      <a:cs typeface="Arial" panose="020B0604020202020204" pitchFamily="34" charset="0"/>
-                    </a:rPr>
-                    <a:t>Does </a:t>
-                  </a:r>
-                  <a:r>
-                    <a:rPr lang="en-US" sz="1050" dirty="0" smtClean="0">
-                      <a:latin typeface="Arial" panose="020B0604020202020204" pitchFamily="34" charset="0"/>
-                      <a:cs typeface="Arial" panose="020B0604020202020204" pitchFamily="34" charset="0"/>
-                    </a:rPr>
-                    <a:t>developing oxygen and temperature affect </a:t>
-                  </a:r>
-                  <a:r>
-                    <a:rPr lang="en-US" sz="1050" dirty="0">
-                      <a:latin typeface="Arial" panose="020B0604020202020204" pitchFamily="34" charset="0"/>
-                      <a:cs typeface="Arial" panose="020B0604020202020204" pitchFamily="34" charset="0"/>
-                    </a:rPr>
-                    <a:t>body size-related traits?</a:t>
-                  </a:r>
-                </a:p>
-              </p:txBody>
-            </p:sp>
             <p:grpSp>
               <p:nvGrpSpPr>
-                <p:cNvPr id="91" name="Group 90"/>
+                <p:cNvPr id="7" name="Group 6">
+                  <a:extLst>
+                    <a:ext uri="{FF2B5EF4-FFF2-40B4-BE49-F238E27FC236}">
+                      <a16:creationId xmlns:a16="http://schemas.microsoft.com/office/drawing/2014/main" id="{40D0D389-0048-4A36-850A-82A1645C16FF}"/>
+                    </a:ext>
+                  </a:extLst>
+                </p:cNvPr>
                 <p:cNvGrpSpPr/>
                 <p:nvPr/>
               </p:nvGrpSpPr>
               <p:grpSpPr>
                 <a:xfrm>
-                  <a:off x="4495801" y="2322418"/>
-                  <a:ext cx="2213899" cy="2269876"/>
-                  <a:chOff x="3688823" y="2360066"/>
-                  <a:chExt cx="2213899" cy="2269876"/>
+                  <a:off x="1255424" y="2747760"/>
+                  <a:ext cx="4324106" cy="1761871"/>
+                  <a:chOff x="1255424" y="2747760"/>
+                  <a:chExt cx="4324106" cy="1761871"/>
                 </a:xfrm>
               </p:grpSpPr>
               <p:sp>
                 <p:nvSpPr>
-                  <p:cNvPr id="92" name="Rectangle 91"/>
-                  <p:cNvSpPr/>
+                  <p:cNvPr id="49" name="TextBox 48"/>
+                  <p:cNvSpPr txBox="1"/>
                   <p:nvPr/>
                 </p:nvSpPr>
                 <p:spPr>
                   <a:xfrm>
-                    <a:off x="4029441" y="4090189"/>
-                    <a:ext cx="1868243" cy="281305"/>
+                    <a:off x="1255424" y="2747760"/>
+                    <a:ext cx="4324106" cy="381738"/>
                   </a:xfrm>
                   <a:prstGeom prst="rect">
                     <a:avLst/>
                   </a:prstGeom>
-                  <a:gradFill flip="none" rotWithShape="1">
-                    <a:gsLst>
-                      <a:gs pos="69000">
-                        <a:srgbClr val="00B050"/>
-                      </a:gs>
-                      <a:gs pos="15000">
-                        <a:srgbClr val="FFC000"/>
-                      </a:gs>
-                    </a:gsLst>
-                    <a:lin ang="0" scaled="1"/>
-                    <a:tileRect/>
-                  </a:gradFill>
-                  <a:ln>
-                    <a:noFill/>
+                  <a:noFill/>
+                </p:spPr>
+                <p:txBody>
+                  <a:bodyPr wrap="square" rtlCol="0">
+                    <a:spAutoFit/>
+                  </a:bodyPr>
+                  <a:lstStyle/>
+                  <a:p>
+                    <a:pPr algn="ctr"/>
+                    <a:r>
+                      <a:rPr lang="en-US" sz="1664" b="1" dirty="0">
+                        <a:latin typeface="Arial" panose="020B0604020202020204" pitchFamily="34" charset="0"/>
+                        <a:cs typeface="Arial" panose="020B0604020202020204" pitchFamily="34" charset="0"/>
+                      </a:rPr>
+                      <a:t>Q2</a:t>
+                    </a:r>
+                    <a:r>
+                      <a:rPr lang="en-US" sz="1664" dirty="0">
+                        <a:latin typeface="Arial" panose="020B0604020202020204" pitchFamily="34" charset="0"/>
+                        <a:cs typeface="Arial" panose="020B0604020202020204" pitchFamily="34" charset="0"/>
+                      </a:rPr>
+                      <a:t>: Does cell size affect temperature-and-oxygen dependence of changes in body mass?</a:t>
+                    </a:r>
+                  </a:p>
+                </p:txBody>
+              </p:sp>
+              <p:cxnSp>
+                <p:nvCxnSpPr>
+                  <p:cNvPr id="71" name="Straight Connector 70">
+                    <a:extLst>
+                      <a:ext uri="{FF2B5EF4-FFF2-40B4-BE49-F238E27FC236}">
+                        <a16:creationId xmlns:a16="http://schemas.microsoft.com/office/drawing/2014/main" id="{AE0E5F09-77E1-4805-B59F-673C9B61E487}"/>
+                      </a:ext>
+                    </a:extLst>
+                  </p:cNvPr>
+                  <p:cNvCxnSpPr>
+                    <a:cxnSpLocks/>
+                  </p:cNvCxnSpPr>
+                  <p:nvPr/>
+                </p:nvCxnSpPr>
+                <p:spPr>
+                  <a:xfrm flipV="1">
+                    <a:off x="1657260" y="3650952"/>
+                    <a:ext cx="1164215" cy="858679"/>
+                  </a:xfrm>
+                  <a:prstGeom prst="line">
+                    <a:avLst/>
+                  </a:prstGeom>
+                  <a:ln w="38100" cap="rnd">
+                    <a:solidFill>
+                      <a:srgbClr val="FFC000"/>
+                    </a:solidFill>
                   </a:ln>
                 </p:spPr>
                 <p:style>
-                  <a:lnRef idx="2">
-                    <a:schemeClr val="accent1">
-                      <a:shade val="50000"/>
-                    </a:schemeClr>
+                  <a:lnRef idx="1">
+                    <a:schemeClr val="dk1"/>
                   </a:lnRef>
-                  <a:fillRef idx="1">
-                    <a:schemeClr val="accent1"/>
+                  <a:fillRef idx="0">
+                    <a:schemeClr val="dk1"/>
                   </a:fillRef>
                   <a:effectRef idx="0">
-                    <a:schemeClr val="accent1"/>
+                    <a:schemeClr val="dk1"/>
                   </a:effectRef>
                   <a:fontRef idx="minor">
-                    <a:schemeClr val="lt1"/>
+                    <a:schemeClr val="tx1"/>
                   </a:fontRef>
                 </p:style>
-                <p:txBody>
-                  <a:bodyPr rtlCol="0" anchor="ctr"/>
-                  <a:lstStyle/>
-                  <a:p>
-                    <a:pPr algn="ctr"/>
-                    <a:endParaRPr lang="en-US" sz="2400"/>
-                  </a:p>
-                </p:txBody>
-              </p:sp>
-              <p:grpSp>
-                <p:nvGrpSpPr>
-                  <p:cNvPr id="93" name="Group 92"/>
-                  <p:cNvGrpSpPr/>
-                  <p:nvPr/>
-                </p:nvGrpSpPr>
-                <p:grpSpPr>
-                  <a:xfrm>
-                    <a:off x="3688823" y="2360066"/>
-                    <a:ext cx="2213899" cy="2269876"/>
-                    <a:chOff x="6134626" y="3055250"/>
-                    <a:chExt cx="1660424" cy="1702407"/>
-                  </a:xfrm>
-                </p:grpSpPr>
-                <p:sp>
-                  <p:nvSpPr>
-                    <p:cNvPr id="94" name="TextBox 93"/>
-                    <p:cNvSpPr txBox="1"/>
-                    <p:nvPr/>
-                  </p:nvSpPr>
-                  <p:spPr>
-                    <a:xfrm>
-                      <a:off x="6802165" y="4549908"/>
-                      <a:ext cx="611030" cy="207749"/>
-                    </a:xfrm>
-                    <a:prstGeom prst="rect">
-                      <a:avLst/>
-                    </a:prstGeom>
-                    <a:noFill/>
-                  </p:spPr>
-                  <p:txBody>
-                    <a:bodyPr wrap="square" rtlCol="0">
-                      <a:spAutoFit/>
-                    </a:bodyPr>
-                    <a:lstStyle/>
-                    <a:p>
-                      <a:r>
-                        <a:rPr lang="en-US" sz="1200" b="1" dirty="0">
-                          <a:latin typeface="Arial" panose="020B0604020202020204" pitchFamily="34" charset="0"/>
-                          <a:cs typeface="Arial" panose="020B0604020202020204" pitchFamily="34" charset="0"/>
-                        </a:rPr>
-                        <a:t>Oxygen</a:t>
-                      </a:r>
-                    </a:p>
-                  </p:txBody>
-                </p:sp>
-                <p:grpSp>
-                  <p:nvGrpSpPr>
-                    <p:cNvPr id="95" name="Group 94"/>
-                    <p:cNvGrpSpPr/>
-                    <p:nvPr/>
-                  </p:nvGrpSpPr>
-                  <p:grpSpPr>
-                    <a:xfrm>
-                      <a:off x="6396960" y="3055250"/>
-                      <a:ext cx="1398090" cy="1316051"/>
-                      <a:chOff x="678001" y="1687400"/>
-                      <a:chExt cx="2653537" cy="2220706"/>
-                    </a:xfrm>
-                  </p:grpSpPr>
-                  <p:cxnSp>
-                    <p:nvCxnSpPr>
-                      <p:cNvPr id="98" name="Straight Connector 97"/>
-                      <p:cNvCxnSpPr/>
-                      <p:nvPr/>
-                    </p:nvCxnSpPr>
-                    <p:spPr>
-                      <a:xfrm>
-                        <a:off x="678001" y="1687400"/>
-                        <a:ext cx="11295" cy="2220706"/>
-                      </a:xfrm>
-                      <a:prstGeom prst="line">
-                        <a:avLst/>
-                      </a:prstGeom>
-                      <a:ln w="38100">
-                        <a:headEnd type="arrow" w="med" len="med"/>
-                        <a:tailEnd type="none" w="med" len="med"/>
-                      </a:ln>
-                    </p:spPr>
-                    <p:style>
-                      <a:lnRef idx="1">
-                        <a:schemeClr val="dk1"/>
-                      </a:lnRef>
-                      <a:fillRef idx="0">
-                        <a:schemeClr val="dk1"/>
-                      </a:fillRef>
-                      <a:effectRef idx="0">
-                        <a:schemeClr val="dk1"/>
-                      </a:effectRef>
-                      <a:fontRef idx="minor">
-                        <a:schemeClr val="tx1"/>
-                      </a:fontRef>
-                    </p:style>
-                  </p:cxnSp>
-                  <p:cxnSp>
-                    <p:nvCxnSpPr>
-                      <p:cNvPr id="99" name="Straight Connector 98"/>
-                      <p:cNvCxnSpPr/>
-                      <p:nvPr/>
-                    </p:nvCxnSpPr>
-                    <p:spPr>
-                      <a:xfrm flipH="1">
-                        <a:off x="682300" y="3884312"/>
-                        <a:ext cx="2649238" cy="227"/>
-                      </a:xfrm>
-                      <a:prstGeom prst="line">
-                        <a:avLst/>
-                      </a:prstGeom>
-                      <a:ln w="38100">
-                        <a:headEnd type="arrow" w="med" len="med"/>
-                        <a:tailEnd type="none" w="med" len="med"/>
-                      </a:ln>
-                    </p:spPr>
-                    <p:style>
-                      <a:lnRef idx="1">
-                        <a:schemeClr val="dk1"/>
-                      </a:lnRef>
-                      <a:fillRef idx="0">
-                        <a:schemeClr val="dk1"/>
-                      </a:fillRef>
-                      <a:effectRef idx="0">
-                        <a:schemeClr val="dk1"/>
-                      </a:effectRef>
-                      <a:fontRef idx="minor">
-                        <a:schemeClr val="tx1"/>
-                      </a:fontRef>
-                    </p:style>
-                  </p:cxnSp>
-                  <p:cxnSp>
-                    <p:nvCxnSpPr>
-                      <p:cNvPr id="100" name="Straight Connector 99">
-                        <a:extLst>
-                          <a:ext uri="{FF2B5EF4-FFF2-40B4-BE49-F238E27FC236}">
-                            <a16:creationId xmlns:a16="http://schemas.microsoft.com/office/drawing/2014/main" id="{AE0E5F09-77E1-4805-B59F-673C9B61E487}"/>
-                          </a:ext>
-                        </a:extLst>
-                      </p:cNvPr>
-                      <p:cNvCxnSpPr>
-                        <a:cxnSpLocks/>
-                      </p:cNvCxnSpPr>
-                      <p:nvPr/>
-                    </p:nvCxnSpPr>
-                    <p:spPr>
-                      <a:xfrm flipV="1">
-                        <a:off x="1050147" y="2292769"/>
-                        <a:ext cx="1950147" cy="698632"/>
-                      </a:xfrm>
-                      <a:prstGeom prst="line">
-                        <a:avLst/>
-                      </a:prstGeom>
-                      <a:ln w="38100" cap="rnd">
-                        <a:solidFill>
-                          <a:srgbClr val="FF0000"/>
-                        </a:solidFill>
-                      </a:ln>
-                    </p:spPr>
-                    <p:style>
-                      <a:lnRef idx="1">
-                        <a:schemeClr val="dk1"/>
-                      </a:lnRef>
-                      <a:fillRef idx="0">
-                        <a:schemeClr val="dk1"/>
-                      </a:fillRef>
-                      <a:effectRef idx="0">
-                        <a:schemeClr val="dk1"/>
-                      </a:effectRef>
-                      <a:fontRef idx="minor">
-                        <a:schemeClr val="tx1"/>
-                      </a:fontRef>
-                    </p:style>
-                  </p:cxnSp>
-                </p:grpSp>
-                <p:sp>
-                  <p:nvSpPr>
-                    <p:cNvPr id="96" name="TextBox 95"/>
-                    <p:cNvSpPr txBox="1"/>
-                    <p:nvPr/>
-                  </p:nvSpPr>
-                  <p:spPr>
-                    <a:xfrm rot="16200000">
-                      <a:off x="5743052" y="3615514"/>
-                      <a:ext cx="990897" cy="207749"/>
-                    </a:xfrm>
-                    <a:prstGeom prst="rect">
-                      <a:avLst/>
-                    </a:prstGeom>
-                    <a:noFill/>
-                  </p:spPr>
-                  <p:txBody>
-                    <a:bodyPr wrap="none" rtlCol="0">
-                      <a:spAutoFit/>
-                    </a:bodyPr>
-                    <a:lstStyle/>
-                    <a:p>
-                      <a:r>
-                        <a:rPr lang="en-US" sz="1200" b="1" dirty="0">
-                          <a:latin typeface="Arial" panose="020B0604020202020204" pitchFamily="34" charset="0"/>
-                          <a:cs typeface="Arial" panose="020B0604020202020204" pitchFamily="34" charset="0"/>
-                        </a:rPr>
-                        <a:t>Body </a:t>
-                      </a:r>
-                      <a:r>
-                        <a:rPr lang="en-US" sz="1200" b="1" dirty="0" smtClean="0">
-                          <a:latin typeface="Arial" panose="020B0604020202020204" pitchFamily="34" charset="0"/>
-                          <a:cs typeface="Arial" panose="020B0604020202020204" pitchFamily="34" charset="0"/>
-                        </a:rPr>
-                        <a:t>size traits</a:t>
-                      </a:r>
-                      <a:endParaRPr lang="en-US" sz="1200" b="1" dirty="0">
-                        <a:latin typeface="Arial" panose="020B0604020202020204" pitchFamily="34" charset="0"/>
-                        <a:cs typeface="Arial" panose="020B0604020202020204" pitchFamily="34" charset="0"/>
-                      </a:endParaRPr>
-                    </a:p>
-                  </p:txBody>
-                </p:sp>
-              </p:grpSp>
+              </p:cxnSp>
             </p:grpSp>
-            <p:cxnSp>
-              <p:nvCxnSpPr>
-                <p:cNvPr id="101" name="Straight Connector 100">
-                  <a:extLst>
-                    <a:ext uri="{FF2B5EF4-FFF2-40B4-BE49-F238E27FC236}">
-                      <a16:creationId xmlns:a16="http://schemas.microsoft.com/office/drawing/2014/main" id="{AE0E5F09-77E1-4805-B59F-673C9B61E487}"/>
-                    </a:ext>
-                  </a:extLst>
-                </p:cNvPr>
-                <p:cNvCxnSpPr>
-                  <a:cxnSpLocks/>
-                </p:cNvCxnSpPr>
-                <p:nvPr/>
-              </p:nvCxnSpPr>
-              <p:spPr>
-                <a:xfrm flipV="1">
-                  <a:off x="5107014" y="2691092"/>
-                  <a:ext cx="1369986" cy="204508"/>
-                </a:xfrm>
-                <a:prstGeom prst="line">
-                  <a:avLst/>
-                </a:prstGeom>
-                <a:ln w="38100" cap="rnd">
-                  <a:solidFill>
-                    <a:srgbClr val="0000FF"/>
-                  </a:solidFill>
-                </a:ln>
-              </p:spPr>
-              <p:style>
-                <a:lnRef idx="1">
-                  <a:schemeClr val="dk1"/>
-                </a:lnRef>
-                <a:fillRef idx="0">
-                  <a:schemeClr val="dk1"/>
-                </a:fillRef>
-                <a:effectRef idx="0">
-                  <a:schemeClr val="dk1"/>
-                </a:effectRef>
-                <a:fontRef idx="minor">
-                  <a:schemeClr val="tx1"/>
-                </a:fontRef>
-              </p:style>
-            </p:cxnSp>
           </p:grpSp>
-          <p:sp>
-            <p:nvSpPr>
-              <p:cNvPr id="102" name="TextBox 101"/>
-              <p:cNvSpPr txBox="1"/>
+          <p:cxnSp>
+            <p:nvCxnSpPr>
+              <p:cNvPr id="73" name="Straight Connector 72">
+                <a:extLst>
+                  <a:ext uri="{FF2B5EF4-FFF2-40B4-BE49-F238E27FC236}">
+                    <a16:creationId xmlns:a16="http://schemas.microsoft.com/office/drawing/2014/main" id="{AE0E5F09-77E1-4805-B59F-673C9B61E487}"/>
+                  </a:ext>
+                </a:extLst>
+              </p:cNvPr>
+              <p:cNvCxnSpPr>
+                <a:cxnSpLocks/>
+              </p:cNvCxnSpPr>
               <p:nvPr/>
-            </p:nvSpPr>
+            </p:nvCxnSpPr>
             <p:spPr>
-              <a:xfrm rot="16200000">
-                <a:off x="3081549" y="6605952"/>
-                <a:ext cx="1484703" cy="276999"/>
+              <a:xfrm flipV="1">
+                <a:off x="4255677" y="3916246"/>
+                <a:ext cx="1164215" cy="858679"/>
               </a:xfrm>
-              <a:prstGeom prst="rect">
+              <a:prstGeom prst="line">
                 <a:avLst/>
               </a:prstGeom>
-              <a:noFill/>
+              <a:ln w="38100" cap="rnd">
+                <a:solidFill>
+                  <a:srgbClr val="00B050"/>
+                </a:solidFill>
+              </a:ln>
             </p:spPr>
-            <p:txBody>
-              <a:bodyPr wrap="none" rtlCol="0">
-                <a:spAutoFit/>
-              </a:bodyPr>
-              <a:lstStyle/>
-              <a:p>
-                <a:pPr algn="ctr"/>
-                <a:r>
-                  <a:rPr lang="en-US" sz="1200" b="1" dirty="0">
-                    <a:latin typeface="Arial" panose="020B0604020202020204" pitchFamily="34" charset="0"/>
-                    <a:cs typeface="Arial" panose="020B0604020202020204" pitchFamily="34" charset="0"/>
-                  </a:rPr>
-                  <a:t>Body </a:t>
-                </a:r>
-                <a:r>
-                  <a:rPr lang="en-US" sz="1200" b="1" dirty="0" smtClean="0">
-                    <a:latin typeface="Arial" panose="020B0604020202020204" pitchFamily="34" charset="0"/>
-                    <a:cs typeface="Arial" panose="020B0604020202020204" pitchFamily="34" charset="0"/>
-                  </a:rPr>
-                  <a:t>size change</a:t>
-                </a:r>
-                <a:endParaRPr lang="en-US" sz="1200" b="1" dirty="0">
-                  <a:latin typeface="Arial" panose="020B0604020202020204" pitchFamily="34" charset="0"/>
-                  <a:cs typeface="Arial" panose="020B0604020202020204" pitchFamily="34" charset="0"/>
-                </a:endParaRPr>
-              </a:p>
-            </p:txBody>
-          </p:sp>
+            <p:style>
+              <a:lnRef idx="1">
+                <a:schemeClr val="dk1"/>
+              </a:lnRef>
+              <a:fillRef idx="0">
+                <a:schemeClr val="dk1"/>
+              </a:fillRef>
+              <a:effectRef idx="0">
+                <a:schemeClr val="dk1"/>
+              </a:effectRef>
+              <a:fontRef idx="minor">
+                <a:schemeClr val="tx1"/>
+              </a:fontRef>
+            </p:style>
+          </p:cxnSp>
+          <p:cxnSp>
+            <p:nvCxnSpPr>
+              <p:cNvPr id="74" name="Straight Connector 73">
+                <a:extLst>
+                  <a:ext uri="{FF2B5EF4-FFF2-40B4-BE49-F238E27FC236}">
+                    <a16:creationId xmlns:a16="http://schemas.microsoft.com/office/drawing/2014/main" id="{AE0E5F09-77E1-4805-B59F-673C9B61E487}"/>
+                  </a:ext>
+                </a:extLst>
+              </p:cNvPr>
+              <p:cNvCxnSpPr>
+                <a:cxnSpLocks/>
+              </p:cNvCxnSpPr>
+              <p:nvPr/>
+            </p:nvCxnSpPr>
+            <p:spPr>
+              <a:xfrm flipV="1">
+                <a:off x="4255677" y="4114420"/>
+                <a:ext cx="1163932" cy="431905"/>
+              </a:xfrm>
+              <a:prstGeom prst="line">
+                <a:avLst/>
+              </a:prstGeom>
+              <a:ln w="38100" cap="rnd">
+                <a:solidFill>
+                  <a:srgbClr val="FFC000"/>
+                </a:solidFill>
+              </a:ln>
+            </p:spPr>
+            <p:style>
+              <a:lnRef idx="1">
+                <a:schemeClr val="dk1"/>
+              </a:lnRef>
+              <a:fillRef idx="0">
+                <a:schemeClr val="dk1"/>
+              </a:fillRef>
+              <a:effectRef idx="0">
+                <a:schemeClr val="dk1"/>
+              </a:effectRef>
+              <a:fontRef idx="minor">
+                <a:schemeClr val="tx1"/>
+              </a:fontRef>
+            </p:style>
+          </p:cxnSp>
         </p:grpSp>
-        <p:cxnSp>
-          <p:nvCxnSpPr>
-            <p:cNvPr id="71" name="Straight Connector 70">
-              <a:extLst>
-                <a:ext uri="{FF2B5EF4-FFF2-40B4-BE49-F238E27FC236}">
-                  <a16:creationId xmlns:a16="http://schemas.microsoft.com/office/drawing/2014/main" id="{AE0E5F09-77E1-4805-B59F-673C9B61E487}"/>
-                </a:ext>
-              </a:extLst>
-            </p:cNvPr>
-            <p:cNvCxnSpPr>
-              <a:cxnSpLocks/>
-            </p:cNvCxnSpPr>
-            <p:nvPr/>
-          </p:nvCxnSpPr>
-          <p:spPr>
-            <a:xfrm flipV="1">
-              <a:off x="1668783" y="6038827"/>
-              <a:ext cx="1164215" cy="858679"/>
-            </a:xfrm>
-            <a:prstGeom prst="line">
-              <a:avLst/>
-            </a:prstGeom>
-            <a:ln w="38100" cap="rnd">
-              <a:solidFill>
-                <a:srgbClr val="FFC000"/>
-              </a:solidFill>
-            </a:ln>
-          </p:spPr>
-          <p:style>
-            <a:lnRef idx="1">
-              <a:schemeClr val="dk1"/>
-            </a:lnRef>
-            <a:fillRef idx="0">
-              <a:schemeClr val="dk1"/>
-            </a:fillRef>
-            <a:effectRef idx="0">
-              <a:schemeClr val="dk1"/>
-            </a:effectRef>
-            <a:fontRef idx="minor">
-              <a:schemeClr val="tx1"/>
-            </a:fontRef>
-          </p:style>
-        </p:cxnSp>
-        <p:cxnSp>
-          <p:nvCxnSpPr>
-            <p:cNvPr id="73" name="Straight Connector 72">
-              <a:extLst>
-                <a:ext uri="{FF2B5EF4-FFF2-40B4-BE49-F238E27FC236}">
-                  <a16:creationId xmlns:a16="http://schemas.microsoft.com/office/drawing/2014/main" id="{AE0E5F09-77E1-4805-B59F-673C9B61E487}"/>
-                </a:ext>
-              </a:extLst>
-            </p:cNvPr>
-            <p:cNvCxnSpPr>
-              <a:cxnSpLocks/>
-            </p:cNvCxnSpPr>
-            <p:nvPr/>
-          </p:nvCxnSpPr>
-          <p:spPr>
-            <a:xfrm flipV="1">
-              <a:off x="4267200" y="6304121"/>
-              <a:ext cx="1164215" cy="858679"/>
-            </a:xfrm>
-            <a:prstGeom prst="line">
-              <a:avLst/>
-            </a:prstGeom>
-            <a:ln w="38100" cap="rnd">
-              <a:solidFill>
-                <a:srgbClr val="00B050"/>
-              </a:solidFill>
-            </a:ln>
-          </p:spPr>
-          <p:style>
-            <a:lnRef idx="1">
-              <a:schemeClr val="dk1"/>
-            </a:lnRef>
-            <a:fillRef idx="0">
-              <a:schemeClr val="dk1"/>
-            </a:fillRef>
-            <a:effectRef idx="0">
-              <a:schemeClr val="dk1"/>
-            </a:effectRef>
-            <a:fontRef idx="minor">
-              <a:schemeClr val="tx1"/>
-            </a:fontRef>
-          </p:style>
-        </p:cxnSp>
-        <p:cxnSp>
-          <p:nvCxnSpPr>
-            <p:cNvPr id="74" name="Straight Connector 73">
-              <a:extLst>
-                <a:ext uri="{FF2B5EF4-FFF2-40B4-BE49-F238E27FC236}">
-                  <a16:creationId xmlns:a16="http://schemas.microsoft.com/office/drawing/2014/main" id="{AE0E5F09-77E1-4805-B59F-673C9B61E487}"/>
-                </a:ext>
-              </a:extLst>
-            </p:cNvPr>
-            <p:cNvCxnSpPr>
-              <a:cxnSpLocks/>
-            </p:cNvCxnSpPr>
-            <p:nvPr/>
-          </p:nvCxnSpPr>
-          <p:spPr>
-            <a:xfrm flipV="1">
-              <a:off x="4267200" y="6502295"/>
-              <a:ext cx="1163932" cy="431905"/>
-            </a:xfrm>
-            <a:prstGeom prst="line">
-              <a:avLst/>
-            </a:prstGeom>
-            <a:ln w="38100" cap="rnd">
-              <a:solidFill>
-                <a:srgbClr val="FFC000"/>
-              </a:solidFill>
-            </a:ln>
-          </p:spPr>
-          <p:style>
-            <a:lnRef idx="1">
-              <a:schemeClr val="dk1"/>
-            </a:lnRef>
-            <a:fillRef idx="0">
-              <a:schemeClr val="dk1"/>
-            </a:fillRef>
-            <a:effectRef idx="0">
-              <a:schemeClr val="dk1"/>
-            </a:effectRef>
-            <a:fontRef idx="minor">
-              <a:schemeClr val="tx1"/>
-            </a:fontRef>
-          </p:style>
-        </p:cxnSp>
       </p:grpSp>
     </p:spTree>
     <p:extLst>
@@ -4877,13 +4198,6 @@
   <p:clrMapOvr>
     <a:masterClrMapping/>
   </p:clrMapOvr>
-  <p:timing>
-    <p:tnLst>
-      <p:par>
-        <p:cTn id="1" dur="indefinite" restart="never" nodeType="tmRoot"/>
-      </p:par>
-    </p:tnLst>
-  </p:timing>
 </p:sld>
 </file>
 

--- a/Outputs/Figure 1 Predictions.pptx
+++ b/Outputs/Figure 1 Predictions.pptx
@@ -304,7 +304,7 @@
           <a:p>
             <a:fld id="{EA292604-F11B-4C4D-9FD7-9191CB216B3A}" type="datetimeFigureOut">
               <a:rPr lang="nl-NL" smtClean="0"/>
-              <a:t>14-9-2021</a:t>
+              <a:t>4-10-2021</a:t>
             </a:fld>
             <a:endParaRPr lang="nl-NL"/>
           </a:p>
@@ -474,7 +474,7 @@
           <a:p>
             <a:fld id="{EA292604-F11B-4C4D-9FD7-9191CB216B3A}" type="datetimeFigureOut">
               <a:rPr lang="nl-NL" smtClean="0"/>
-              <a:t>14-9-2021</a:t>
+              <a:t>4-10-2021</a:t>
             </a:fld>
             <a:endParaRPr lang="nl-NL"/>
           </a:p>
@@ -654,7 +654,7 @@
           <a:p>
             <a:fld id="{EA292604-F11B-4C4D-9FD7-9191CB216B3A}" type="datetimeFigureOut">
               <a:rPr lang="nl-NL" smtClean="0"/>
-              <a:t>14-9-2021</a:t>
+              <a:t>4-10-2021</a:t>
             </a:fld>
             <a:endParaRPr lang="nl-NL"/>
           </a:p>
@@ -824,7 +824,7 @@
           <a:p>
             <a:fld id="{EA292604-F11B-4C4D-9FD7-9191CB216B3A}" type="datetimeFigureOut">
               <a:rPr lang="nl-NL" smtClean="0"/>
-              <a:t>14-9-2021</a:t>
+              <a:t>4-10-2021</a:t>
             </a:fld>
             <a:endParaRPr lang="nl-NL"/>
           </a:p>
@@ -1070,7 +1070,7 @@
           <a:p>
             <a:fld id="{EA292604-F11B-4C4D-9FD7-9191CB216B3A}" type="datetimeFigureOut">
               <a:rPr lang="nl-NL" smtClean="0"/>
-              <a:t>14-9-2021</a:t>
+              <a:t>4-10-2021</a:t>
             </a:fld>
             <a:endParaRPr lang="nl-NL"/>
           </a:p>
@@ -1358,7 +1358,7 @@
           <a:p>
             <a:fld id="{EA292604-F11B-4C4D-9FD7-9191CB216B3A}" type="datetimeFigureOut">
               <a:rPr lang="nl-NL" smtClean="0"/>
-              <a:t>14-9-2021</a:t>
+              <a:t>4-10-2021</a:t>
             </a:fld>
             <a:endParaRPr lang="nl-NL"/>
           </a:p>
@@ -1780,7 +1780,7 @@
           <a:p>
             <a:fld id="{EA292604-F11B-4C4D-9FD7-9191CB216B3A}" type="datetimeFigureOut">
               <a:rPr lang="nl-NL" smtClean="0"/>
-              <a:t>14-9-2021</a:t>
+              <a:t>4-10-2021</a:t>
             </a:fld>
             <a:endParaRPr lang="nl-NL"/>
           </a:p>
@@ -1898,7 +1898,7 @@
           <a:p>
             <a:fld id="{EA292604-F11B-4C4D-9FD7-9191CB216B3A}" type="datetimeFigureOut">
               <a:rPr lang="nl-NL" smtClean="0"/>
-              <a:t>14-9-2021</a:t>
+              <a:t>4-10-2021</a:t>
             </a:fld>
             <a:endParaRPr lang="nl-NL"/>
           </a:p>
@@ -1993,7 +1993,7 @@
           <a:p>
             <a:fld id="{EA292604-F11B-4C4D-9FD7-9191CB216B3A}" type="datetimeFigureOut">
               <a:rPr lang="nl-NL" smtClean="0"/>
-              <a:t>14-9-2021</a:t>
+              <a:t>4-10-2021</a:t>
             </a:fld>
             <a:endParaRPr lang="nl-NL"/>
           </a:p>
@@ -2270,7 +2270,7 @@
           <a:p>
             <a:fld id="{EA292604-F11B-4C4D-9FD7-9191CB216B3A}" type="datetimeFigureOut">
               <a:rPr lang="nl-NL" smtClean="0"/>
-              <a:t>14-9-2021</a:t>
+              <a:t>4-10-2021</a:t>
             </a:fld>
             <a:endParaRPr lang="nl-NL"/>
           </a:p>
@@ -2523,7 +2523,7 @@
           <a:p>
             <a:fld id="{EA292604-F11B-4C4D-9FD7-9191CB216B3A}" type="datetimeFigureOut">
               <a:rPr lang="nl-NL" smtClean="0"/>
-              <a:t>14-9-2021</a:t>
+              <a:t>4-10-2021</a:t>
             </a:fld>
             <a:endParaRPr lang="nl-NL"/>
           </a:p>
@@ -2736,7 +2736,7 @@
           <a:p>
             <a:fld id="{EA292604-F11B-4C4D-9FD7-9191CB216B3A}" type="datetimeFigureOut">
               <a:rPr lang="nl-NL" smtClean="0"/>
-              <a:t>14-9-2021</a:t>
+              <a:t>4-10-2021</a:t>
             </a:fld>
             <a:endParaRPr lang="nl-NL"/>
           </a:p>
@@ -3113,10 +3113,10 @@
       </p:grpSpPr>
       <p:grpSp>
         <p:nvGrpSpPr>
-          <p:cNvPr id="12" name="Group 11">
+          <p:cNvPr id="23" name="Group 22">
             <a:extLst>
               <a:ext uri="{FF2B5EF4-FFF2-40B4-BE49-F238E27FC236}">
-                <a16:creationId xmlns:a16="http://schemas.microsoft.com/office/drawing/2014/main" id="{7A4AEB2A-DBE6-4E36-B64C-503A2B77C6BD}"/>
+                <a16:creationId xmlns:a16="http://schemas.microsoft.com/office/drawing/2014/main" id="{A4CF51C5-CCEC-4913-8AF8-7BA6C46230F6}"/>
               </a:ext>
             </a:extLst>
           </p:cNvPr>
@@ -3125,58 +3125,18 @@
         </p:nvGrpSpPr>
         <p:grpSpPr>
           <a:xfrm>
-            <a:off x="2268974" y="70931"/>
-            <a:ext cx="4102814" cy="4173002"/>
-            <a:chOff x="2048557" y="70931"/>
-            <a:chExt cx="4102814" cy="4173002"/>
+            <a:off x="545217" y="70931"/>
+            <a:ext cx="7573418" cy="8444336"/>
+            <a:chOff x="545217" y="70931"/>
+            <a:chExt cx="7573418" cy="8444336"/>
           </a:xfrm>
         </p:grpSpPr>
-        <p:sp>
-          <p:nvSpPr>
-            <p:cNvPr id="90" name="TextBox 89"/>
-            <p:cNvSpPr txBox="1"/>
-            <p:nvPr/>
-          </p:nvSpPr>
-          <p:spPr>
-            <a:xfrm>
-              <a:off x="2048557" y="70931"/>
-              <a:ext cx="4102814" cy="860620"/>
-            </a:xfrm>
-            <a:prstGeom prst="rect">
-              <a:avLst/>
-            </a:prstGeom>
-            <a:noFill/>
-          </p:spPr>
-          <p:txBody>
-            <a:bodyPr wrap="square" rtlCol="0">
-              <a:spAutoFit/>
-            </a:bodyPr>
-            <a:lstStyle/>
-            <a:p>
-              <a:pPr algn="ctr"/>
-              <a:r>
-                <a:rPr lang="en-US" sz="1664" b="1" dirty="0">
-                  <a:latin typeface="Arial" panose="020B0604020202020204" pitchFamily="34" charset="0"/>
-                  <a:cs typeface="Arial" panose="020B0604020202020204" pitchFamily="34" charset="0"/>
-                </a:rPr>
-                <a:t>Q1</a:t>
-              </a:r>
-              <a:r>
-                <a:rPr lang="en-US" sz="1664" dirty="0">
-                  <a:latin typeface="Arial" panose="020B0604020202020204" pitchFamily="34" charset="0"/>
-                  <a:cs typeface="Arial" panose="020B0604020202020204" pitchFamily="34" charset="0"/>
-                </a:rPr>
-                <a:t>: Does developing oxygen and temperature affect changes in body size traits?</a:t>
-              </a:r>
-            </a:p>
-          </p:txBody>
-        </p:sp>
         <p:grpSp>
           <p:nvGrpSpPr>
-            <p:cNvPr id="6" name="Group 5">
+            <p:cNvPr id="12" name="Group 11">
               <a:extLst>
                 <a:ext uri="{FF2B5EF4-FFF2-40B4-BE49-F238E27FC236}">
-                  <a16:creationId xmlns:a16="http://schemas.microsoft.com/office/drawing/2014/main" id="{ED0970AB-1036-4A32-A578-F95CCD7FF9AC}"/>
+                  <a16:creationId xmlns:a16="http://schemas.microsoft.com/office/drawing/2014/main" id="{7A4AEB2A-DBE6-4E36-B64C-503A2B77C6BD}"/>
                 </a:ext>
               </a:extLst>
             </p:cNvPr>
@@ -3185,411 +3145,58 @@
           </p:nvGrpSpPr>
           <p:grpSpPr>
             <a:xfrm>
-              <a:off x="2360475" y="703275"/>
-              <a:ext cx="3478979" cy="3540658"/>
-              <a:chOff x="4459411" y="2322418"/>
-              <a:chExt cx="2196867" cy="2235819"/>
+              <a:off x="2268974" y="70931"/>
+              <a:ext cx="4102814" cy="4126829"/>
+              <a:chOff x="2048557" y="70931"/>
+              <a:chExt cx="4102814" cy="4126829"/>
             </a:xfrm>
           </p:grpSpPr>
+          <p:sp>
+            <p:nvSpPr>
+              <p:cNvPr id="90" name="TextBox 89"/>
+              <p:cNvSpPr txBox="1"/>
+              <p:nvPr/>
+            </p:nvSpPr>
+            <p:spPr>
+              <a:xfrm>
+                <a:off x="2048557" y="70931"/>
+                <a:ext cx="4102814" cy="860620"/>
+              </a:xfrm>
+              <a:prstGeom prst="rect">
+                <a:avLst/>
+              </a:prstGeom>
+              <a:noFill/>
+            </p:spPr>
+            <p:txBody>
+              <a:bodyPr wrap="square" rtlCol="0">
+                <a:spAutoFit/>
+              </a:bodyPr>
+              <a:lstStyle/>
+              <a:p>
+                <a:pPr algn="ctr"/>
+                <a:r>
+                  <a:rPr lang="en-US" sz="1664" b="1" dirty="0">
+                    <a:latin typeface="Arial" panose="020B0604020202020204" pitchFamily="34" charset="0"/>
+                    <a:cs typeface="Arial" panose="020B0604020202020204" pitchFamily="34" charset="0"/>
+                  </a:rPr>
+                  <a:t>Q1</a:t>
+                </a:r>
+                <a:r>
+                  <a:rPr lang="en-US" sz="1664" dirty="0">
+                    <a:latin typeface="Arial" panose="020B0604020202020204" pitchFamily="34" charset="0"/>
+                    <a:cs typeface="Arial" panose="020B0604020202020204" pitchFamily="34" charset="0"/>
+                  </a:rPr>
+                  <a:t>: Does developing oxygen and temperature affect changes in body size traits?</a:t>
+                </a:r>
+              </a:p>
+            </p:txBody>
+          </p:sp>
           <p:grpSp>
             <p:nvGrpSpPr>
-              <p:cNvPr id="91" name="Group 90"/>
-              <p:cNvGrpSpPr/>
-              <p:nvPr/>
-            </p:nvGrpSpPr>
-            <p:grpSpPr>
-              <a:xfrm>
-                <a:off x="4459411" y="2322418"/>
-                <a:ext cx="2196867" cy="2235819"/>
-                <a:chOff x="3705863" y="2360066"/>
-                <a:chExt cx="2196867" cy="2235819"/>
-              </a:xfrm>
-            </p:grpSpPr>
-            <p:sp>
-              <p:nvSpPr>
-                <p:cNvPr id="92" name="Rectangle 91"/>
-                <p:cNvSpPr/>
-                <p:nvPr/>
-              </p:nvSpPr>
-              <p:spPr>
-                <a:xfrm>
-                  <a:off x="4029441" y="4090189"/>
-                  <a:ext cx="1868243" cy="281305"/>
-                </a:xfrm>
-                <a:prstGeom prst="rect">
-                  <a:avLst/>
-                </a:prstGeom>
-                <a:gradFill flip="none" rotWithShape="1">
-                  <a:gsLst>
-                    <a:gs pos="69000">
-                      <a:srgbClr val="00B050"/>
-                    </a:gs>
-                    <a:gs pos="15000">
-                      <a:srgbClr val="FFC000"/>
-                    </a:gs>
-                  </a:gsLst>
-                  <a:lin ang="0" scaled="1"/>
-                  <a:tileRect/>
-                </a:gradFill>
-                <a:ln>
-                  <a:noFill/>
-                </a:ln>
-              </p:spPr>
-              <p:style>
-                <a:lnRef idx="2">
-                  <a:schemeClr val="accent1">
-                    <a:shade val="50000"/>
-                  </a:schemeClr>
-                </a:lnRef>
-                <a:fillRef idx="1">
-                  <a:schemeClr val="accent1"/>
-                </a:fillRef>
-                <a:effectRef idx="0">
-                  <a:schemeClr val="accent1"/>
-                </a:effectRef>
-                <a:fontRef idx="minor">
-                  <a:schemeClr val="lt1"/>
-                </a:fontRef>
-              </p:style>
-              <p:txBody>
-                <a:bodyPr rtlCol="0" anchor="ctr"/>
-                <a:lstStyle/>
-                <a:p>
-                  <a:pPr algn="ctr"/>
-                  <a:endParaRPr lang="en-US" sz="3802"/>
-                </a:p>
-              </p:txBody>
-            </p:sp>
-            <p:grpSp>
-              <p:nvGrpSpPr>
-                <p:cNvPr id="93" name="Group 92"/>
-                <p:cNvGrpSpPr/>
-                <p:nvPr/>
-              </p:nvGrpSpPr>
-              <p:grpSpPr>
-                <a:xfrm>
-                  <a:off x="3705863" y="2360066"/>
-                  <a:ext cx="2196867" cy="2235819"/>
-                  <a:chOff x="6147401" y="3055250"/>
-                  <a:chExt cx="1647649" cy="1676864"/>
-                </a:xfrm>
-              </p:grpSpPr>
-              <p:sp>
-                <p:nvSpPr>
-                  <p:cNvPr id="94" name="TextBox 93"/>
-                  <p:cNvSpPr txBox="1"/>
-                  <p:nvPr/>
-                </p:nvSpPr>
-                <p:spPr>
-                  <a:xfrm>
-                    <a:off x="6802166" y="4549909"/>
-                    <a:ext cx="611029" cy="182205"/>
-                  </a:xfrm>
-                  <a:prstGeom prst="rect">
-                    <a:avLst/>
-                  </a:prstGeom>
-                  <a:noFill/>
-                </p:spPr>
-                <p:txBody>
-                  <a:bodyPr wrap="square" rtlCol="0">
-                    <a:spAutoFit/>
-                  </a:bodyPr>
-                  <a:lstStyle/>
-                  <a:p>
-                    <a:r>
-                      <a:rPr lang="en-US" sz="1900" b="1" dirty="0">
-                        <a:latin typeface="Arial" panose="020B0604020202020204" pitchFamily="34" charset="0"/>
-                        <a:cs typeface="Arial" panose="020B0604020202020204" pitchFamily="34" charset="0"/>
-                      </a:rPr>
-                      <a:t>Oxygen</a:t>
-                    </a:r>
-                  </a:p>
-                </p:txBody>
-              </p:sp>
-              <p:grpSp>
-                <p:nvGrpSpPr>
-                  <p:cNvPr id="95" name="Group 94"/>
-                  <p:cNvGrpSpPr/>
-                  <p:nvPr/>
-                </p:nvGrpSpPr>
-                <p:grpSpPr>
-                  <a:xfrm>
-                    <a:off x="6396960" y="3055250"/>
-                    <a:ext cx="1398090" cy="1316051"/>
-                    <a:chOff x="678001" y="1687400"/>
-                    <a:chExt cx="2653537" cy="2220706"/>
-                  </a:xfrm>
-                </p:grpSpPr>
-                <p:cxnSp>
-                  <p:nvCxnSpPr>
-                    <p:cNvPr id="98" name="Straight Connector 97"/>
-                    <p:cNvCxnSpPr/>
-                    <p:nvPr/>
-                  </p:nvCxnSpPr>
-                  <p:spPr>
-                    <a:xfrm>
-                      <a:off x="678001" y="1687400"/>
-                      <a:ext cx="11295" cy="2220706"/>
-                    </a:xfrm>
-                    <a:prstGeom prst="line">
-                      <a:avLst/>
-                    </a:prstGeom>
-                    <a:ln w="38100">
-                      <a:headEnd type="arrow" w="med" len="med"/>
-                      <a:tailEnd type="none" w="med" len="med"/>
-                    </a:ln>
-                  </p:spPr>
-                  <p:style>
-                    <a:lnRef idx="1">
-                      <a:schemeClr val="dk1"/>
-                    </a:lnRef>
-                    <a:fillRef idx="0">
-                      <a:schemeClr val="dk1"/>
-                    </a:fillRef>
-                    <a:effectRef idx="0">
-                      <a:schemeClr val="dk1"/>
-                    </a:effectRef>
-                    <a:fontRef idx="minor">
-                      <a:schemeClr val="tx1"/>
-                    </a:fontRef>
-                  </p:style>
-                </p:cxnSp>
-                <p:cxnSp>
-                  <p:nvCxnSpPr>
-                    <p:cNvPr id="99" name="Straight Connector 98"/>
-                    <p:cNvCxnSpPr/>
-                    <p:nvPr/>
-                  </p:nvCxnSpPr>
-                  <p:spPr>
-                    <a:xfrm flipH="1">
-                      <a:off x="682300" y="3884312"/>
-                      <a:ext cx="2649238" cy="227"/>
-                    </a:xfrm>
-                    <a:prstGeom prst="line">
-                      <a:avLst/>
-                    </a:prstGeom>
-                    <a:ln w="38100">
-                      <a:headEnd type="arrow" w="med" len="med"/>
-                      <a:tailEnd type="none" w="med" len="med"/>
-                    </a:ln>
-                  </p:spPr>
-                  <p:style>
-                    <a:lnRef idx="1">
-                      <a:schemeClr val="dk1"/>
-                    </a:lnRef>
-                    <a:fillRef idx="0">
-                      <a:schemeClr val="dk1"/>
-                    </a:fillRef>
-                    <a:effectRef idx="0">
-                      <a:schemeClr val="dk1"/>
-                    </a:effectRef>
-                    <a:fontRef idx="minor">
-                      <a:schemeClr val="tx1"/>
-                    </a:fontRef>
-                  </p:style>
-                </p:cxnSp>
-                <p:cxnSp>
-                  <p:nvCxnSpPr>
-                    <p:cNvPr id="100" name="Straight Connector 99">
-                      <a:extLst>
-                        <a:ext uri="{FF2B5EF4-FFF2-40B4-BE49-F238E27FC236}">
-                          <a16:creationId xmlns:a16="http://schemas.microsoft.com/office/drawing/2014/main" id="{AE0E5F09-77E1-4805-B59F-673C9B61E487}"/>
-                        </a:ext>
-                      </a:extLst>
-                    </p:cNvPr>
-                    <p:cNvCxnSpPr>
-                      <a:cxnSpLocks/>
-                    </p:cNvCxnSpPr>
-                    <p:nvPr/>
-                  </p:nvCxnSpPr>
-                  <p:spPr>
-                    <a:xfrm flipV="1">
-                      <a:off x="1050147" y="2292769"/>
-                      <a:ext cx="1950147" cy="698632"/>
-                    </a:xfrm>
-                    <a:prstGeom prst="line">
-                      <a:avLst/>
-                    </a:prstGeom>
-                    <a:ln w="38100" cap="rnd">
-                      <a:solidFill>
-                        <a:srgbClr val="FF0000"/>
-                      </a:solidFill>
-                    </a:ln>
-                  </p:spPr>
-                  <p:style>
-                    <a:lnRef idx="1">
-                      <a:schemeClr val="dk1"/>
-                    </a:lnRef>
-                    <a:fillRef idx="0">
-                      <a:schemeClr val="dk1"/>
-                    </a:fillRef>
-                    <a:effectRef idx="0">
-                      <a:schemeClr val="dk1"/>
-                    </a:effectRef>
-                    <a:fontRef idx="minor">
-                      <a:schemeClr val="tx1"/>
-                    </a:fontRef>
-                  </p:style>
-                </p:cxnSp>
-              </p:grpSp>
-              <p:sp>
-                <p:nvSpPr>
-                  <p:cNvPr id="96" name="TextBox 95"/>
-                  <p:cNvSpPr txBox="1"/>
-                  <p:nvPr/>
-                </p:nvSpPr>
-                <p:spPr>
-                  <a:xfrm rot="16200000">
-                    <a:off x="5706237" y="3628285"/>
-                    <a:ext cx="1064531" cy="182204"/>
-                  </a:xfrm>
-                  <a:prstGeom prst="rect">
-                    <a:avLst/>
-                  </a:prstGeom>
-                  <a:noFill/>
-                </p:spPr>
-                <p:txBody>
-                  <a:bodyPr wrap="none" rtlCol="0">
-                    <a:spAutoFit/>
-                  </a:bodyPr>
-                  <a:lstStyle/>
-                  <a:p>
-                    <a:r>
-                      <a:rPr lang="en-US" sz="1900" b="1" dirty="0">
-                        <a:latin typeface="Arial" panose="020B0604020202020204" pitchFamily="34" charset="0"/>
-                        <a:cs typeface="Arial" panose="020B0604020202020204" pitchFamily="34" charset="0"/>
-                      </a:rPr>
-                      <a:t>Body size change</a:t>
-                    </a:r>
-                  </a:p>
-                </p:txBody>
-              </p:sp>
-            </p:grpSp>
-          </p:grpSp>
-          <p:cxnSp>
-            <p:nvCxnSpPr>
-              <p:cNvPr id="101" name="Straight Connector 100">
+              <p:cNvPr id="6" name="Group 5">
                 <a:extLst>
                   <a:ext uri="{FF2B5EF4-FFF2-40B4-BE49-F238E27FC236}">
-                    <a16:creationId xmlns:a16="http://schemas.microsoft.com/office/drawing/2014/main" id="{AE0E5F09-77E1-4805-B59F-673C9B61E487}"/>
-                  </a:ext>
-                </a:extLst>
-              </p:cNvPr>
-              <p:cNvCxnSpPr>
-                <a:cxnSpLocks/>
-              </p:cNvCxnSpPr>
-              <p:nvPr/>
-            </p:nvCxnSpPr>
-            <p:spPr>
-              <a:xfrm flipV="1">
-                <a:off x="5053584" y="2691092"/>
-                <a:ext cx="1369986" cy="204508"/>
-              </a:xfrm>
-              <a:prstGeom prst="line">
-                <a:avLst/>
-              </a:prstGeom>
-              <a:ln w="38100" cap="rnd">
-                <a:solidFill>
-                  <a:srgbClr val="0000FF"/>
-                </a:solidFill>
-              </a:ln>
-            </p:spPr>
-            <p:style>
-              <a:lnRef idx="1">
-                <a:schemeClr val="dk1"/>
-              </a:lnRef>
-              <a:fillRef idx="0">
-                <a:schemeClr val="dk1"/>
-              </a:fillRef>
-              <a:effectRef idx="0">
-                <a:schemeClr val="dk1"/>
-              </a:effectRef>
-              <a:fontRef idx="minor">
-                <a:schemeClr val="tx1"/>
-              </a:fontRef>
-            </p:style>
-          </p:cxnSp>
-        </p:grpSp>
-      </p:grpSp>
-      <p:grpSp>
-        <p:nvGrpSpPr>
-          <p:cNvPr id="11" name="Group 10">
-            <a:extLst>
-              <a:ext uri="{FF2B5EF4-FFF2-40B4-BE49-F238E27FC236}">
-                <a16:creationId xmlns:a16="http://schemas.microsoft.com/office/drawing/2014/main" id="{E1F5EB07-0560-4605-B0E1-F34219DCEF84}"/>
-              </a:ext>
-            </a:extLst>
-          </p:cNvPr>
-          <p:cNvGrpSpPr/>
-          <p:nvPr/>
-        </p:nvGrpSpPr>
-        <p:grpSpPr>
-          <a:xfrm>
-            <a:off x="522129" y="4360820"/>
-            <a:ext cx="7596504" cy="4227317"/>
-            <a:chOff x="1045887" y="2747760"/>
-            <a:chExt cx="4796955" cy="2669418"/>
-          </a:xfrm>
-        </p:grpSpPr>
-        <p:sp>
-          <p:nvSpPr>
-            <p:cNvPr id="102" name="TextBox 101"/>
-            <p:cNvSpPr txBox="1"/>
-            <p:nvPr/>
-          </p:nvSpPr>
-          <p:spPr>
-            <a:xfrm rot="16200000">
-              <a:off x="3051067" y="4235108"/>
-              <a:ext cx="1522621" cy="242939"/>
-            </a:xfrm>
-            <a:prstGeom prst="rect">
-              <a:avLst/>
-            </a:prstGeom>
-            <a:noFill/>
-          </p:spPr>
-          <p:txBody>
-            <a:bodyPr wrap="none" rtlCol="0">
-              <a:spAutoFit/>
-            </a:bodyPr>
-            <a:lstStyle/>
-            <a:p>
-              <a:pPr algn="ctr"/>
-              <a:r>
-                <a:rPr lang="en-US" sz="1900" b="1" dirty="0">
-                  <a:latin typeface="Arial" panose="020B0604020202020204" pitchFamily="34" charset="0"/>
-                  <a:cs typeface="Arial" panose="020B0604020202020204" pitchFamily="34" charset="0"/>
-                </a:rPr>
-                <a:t>Body mass change</a:t>
-              </a:r>
-            </a:p>
-          </p:txBody>
-        </p:sp>
-        <p:grpSp>
-          <p:nvGrpSpPr>
-            <p:cNvPr id="10" name="Group 9">
-              <a:extLst>
-                <a:ext uri="{FF2B5EF4-FFF2-40B4-BE49-F238E27FC236}">
-                  <a16:creationId xmlns:a16="http://schemas.microsoft.com/office/drawing/2014/main" id="{F4EEBD85-3FA4-4AB3-9C17-06F6D70A677F}"/>
-                </a:ext>
-              </a:extLst>
-            </p:cNvPr>
-            <p:cNvGrpSpPr/>
-            <p:nvPr/>
-          </p:nvGrpSpPr>
-          <p:grpSpPr>
-            <a:xfrm>
-              <a:off x="1045887" y="2747760"/>
-              <a:ext cx="4796955" cy="2669418"/>
-              <a:chOff x="1045887" y="2747760"/>
-              <a:chExt cx="4796955" cy="2669418"/>
-            </a:xfrm>
-          </p:grpSpPr>
-          <p:grpSp>
-            <p:nvGrpSpPr>
-              <p:cNvPr id="8" name="Group 7">
-                <a:extLst>
-                  <a:ext uri="{FF2B5EF4-FFF2-40B4-BE49-F238E27FC236}">
-                    <a16:creationId xmlns:a16="http://schemas.microsoft.com/office/drawing/2014/main" id="{F74BB610-DDEE-4DB7-96FE-B5BC59069A50}"/>
+                    <a16:creationId xmlns:a16="http://schemas.microsoft.com/office/drawing/2014/main" id="{ED0970AB-1036-4A32-A578-F95CCD7FF9AC}"/>
                   </a:ext>
                 </a:extLst>
               </p:cNvPr>
@@ -3598,50 +3205,263 @@
             </p:nvGrpSpPr>
             <p:grpSpPr>
               <a:xfrm>
-                <a:off x="1045887" y="2747760"/>
-                <a:ext cx="4796955" cy="2669418"/>
-                <a:chOff x="1045887" y="2747760"/>
-                <a:chExt cx="4796955" cy="2669418"/>
+                <a:off x="2494532" y="703271"/>
+                <a:ext cx="3344917" cy="3494489"/>
+                <a:chOff x="4544062" y="2322415"/>
+                <a:chExt cx="2112210" cy="2206664"/>
               </a:xfrm>
             </p:grpSpPr>
             <p:grpSp>
               <p:nvGrpSpPr>
-                <p:cNvPr id="2" name="Group 1"/>
+                <p:cNvPr id="91" name="Group 90"/>
                 <p:cNvGrpSpPr/>
                 <p:nvPr/>
               </p:nvGrpSpPr>
               <p:grpSpPr>
                 <a:xfrm>
-                  <a:off x="1045887" y="3250924"/>
-                  <a:ext cx="4796955" cy="2166254"/>
-                  <a:chOff x="1057410" y="5638799"/>
-                  <a:chExt cx="4796955" cy="2166254"/>
+                  <a:off x="4544062" y="2322415"/>
+                  <a:ext cx="2112210" cy="2206664"/>
+                  <a:chOff x="3790514" y="2360063"/>
+                  <a:chExt cx="2112210" cy="2206664"/>
                 </a:xfrm>
               </p:grpSpPr>
+              <p:sp>
+                <p:nvSpPr>
+                  <p:cNvPr id="92" name="Rectangle 91"/>
+                  <p:cNvSpPr/>
+                  <p:nvPr/>
+                </p:nvSpPr>
+                <p:spPr>
+                  <a:xfrm>
+                    <a:off x="4029441" y="4090189"/>
+                    <a:ext cx="1868243" cy="281305"/>
+                  </a:xfrm>
+                  <a:prstGeom prst="rect">
+                    <a:avLst/>
+                  </a:prstGeom>
+                  <a:gradFill flip="none" rotWithShape="1">
+                    <a:gsLst>
+                      <a:gs pos="69000">
+                        <a:srgbClr val="00B050"/>
+                      </a:gs>
+                      <a:gs pos="15000">
+                        <a:srgbClr val="FFC000"/>
+                      </a:gs>
+                    </a:gsLst>
+                    <a:lin ang="0" scaled="1"/>
+                    <a:tileRect/>
+                  </a:gradFill>
+                  <a:ln>
+                    <a:noFill/>
+                  </a:ln>
+                </p:spPr>
+                <p:style>
+                  <a:lnRef idx="2">
+                    <a:schemeClr val="accent1">
+                      <a:shade val="50000"/>
+                    </a:schemeClr>
+                  </a:lnRef>
+                  <a:fillRef idx="1">
+                    <a:schemeClr val="accent1"/>
+                  </a:fillRef>
+                  <a:effectRef idx="0">
+                    <a:schemeClr val="accent1"/>
+                  </a:effectRef>
+                  <a:fontRef idx="minor">
+                    <a:schemeClr val="lt1"/>
+                  </a:fontRef>
+                </p:style>
+                <p:txBody>
+                  <a:bodyPr rtlCol="0" anchor="ctr"/>
+                  <a:lstStyle/>
+                  <a:p>
+                    <a:pPr algn="ctr"/>
+                    <a:endParaRPr lang="en-US" sz="3802"/>
+                  </a:p>
+                </p:txBody>
+              </p:sp>
               <p:grpSp>
                 <p:nvGrpSpPr>
-                  <p:cNvPr id="35" name="Group 34"/>
+                  <p:cNvPr id="93" name="Group 92"/>
                   <p:cNvGrpSpPr/>
                   <p:nvPr/>
                 </p:nvGrpSpPr>
                 <p:grpSpPr>
                   <a:xfrm>
-                    <a:off x="4010484" y="5781713"/>
-                    <a:ext cx="1843881" cy="2023340"/>
-                    <a:chOff x="6376837" y="2156981"/>
-                    <a:chExt cx="1382911" cy="1517505"/>
+                    <a:off x="3790514" y="2360063"/>
+                    <a:ext cx="2112210" cy="2206664"/>
+                    <a:chOff x="6210893" y="3055250"/>
+                    <a:chExt cx="1584157" cy="1654999"/>
                   </a:xfrm>
                 </p:grpSpPr>
                 <p:sp>
                   <p:nvSpPr>
-                    <p:cNvPr id="36" name="TextBox 35"/>
+                    <p:cNvPr id="94" name="TextBox 93"/>
                     <p:cNvSpPr txBox="1"/>
                     <p:nvPr/>
                   </p:nvSpPr>
                   <p:spPr>
                     <a:xfrm>
-                      <a:off x="6765158" y="3492282"/>
-                      <a:ext cx="549802" cy="182204"/>
+                      <a:off x="6802166" y="4549909"/>
+                      <a:ext cx="611029" cy="160340"/>
+                    </a:xfrm>
+                    <a:prstGeom prst="rect">
+                      <a:avLst/>
+                    </a:prstGeom>
+                    <a:noFill/>
+                  </p:spPr>
+                  <p:txBody>
+                    <a:bodyPr wrap="square" rtlCol="0">
+                      <a:spAutoFit/>
+                    </a:bodyPr>
+                    <a:lstStyle/>
+                    <a:p>
+                      <a:r>
+                        <a:rPr lang="en-US" sz="1600" b="1" dirty="0">
+                          <a:latin typeface="Arial" panose="020B0604020202020204" pitchFamily="34" charset="0"/>
+                          <a:cs typeface="Arial" panose="020B0604020202020204" pitchFamily="34" charset="0"/>
+                        </a:rPr>
+                        <a:t>Oxygen</a:t>
+                      </a:r>
+                    </a:p>
+                  </p:txBody>
+                </p:sp>
+                <p:grpSp>
+                  <p:nvGrpSpPr>
+                    <p:cNvPr id="95" name="Group 94"/>
+                    <p:cNvGrpSpPr/>
+                    <p:nvPr/>
+                  </p:nvGrpSpPr>
+                  <p:grpSpPr>
+                    <a:xfrm>
+                      <a:off x="6396960" y="3055250"/>
+                      <a:ext cx="1398090" cy="1316051"/>
+                      <a:chOff x="678001" y="1687400"/>
+                      <a:chExt cx="2653537" cy="2220706"/>
+                    </a:xfrm>
+                  </p:grpSpPr>
+                  <p:cxnSp>
+                    <p:nvCxnSpPr>
+                      <p:cNvPr id="98" name="Straight Connector 97"/>
+                      <p:cNvCxnSpPr/>
+                      <p:nvPr/>
+                    </p:nvCxnSpPr>
+                    <p:spPr>
+                      <a:xfrm>
+                        <a:off x="678001" y="1687400"/>
+                        <a:ext cx="11295" cy="2220706"/>
+                      </a:xfrm>
+                      <a:prstGeom prst="line">
+                        <a:avLst/>
+                      </a:prstGeom>
+                      <a:ln w="38100">
+                        <a:headEnd type="arrow" w="med" len="med"/>
+                        <a:tailEnd type="none" w="med" len="med"/>
+                      </a:ln>
+                    </p:spPr>
+                    <p:style>
+                      <a:lnRef idx="1">
+                        <a:schemeClr val="dk1"/>
+                      </a:lnRef>
+                      <a:fillRef idx="0">
+                        <a:schemeClr val="dk1"/>
+                      </a:fillRef>
+                      <a:effectRef idx="0">
+                        <a:schemeClr val="dk1"/>
+                      </a:effectRef>
+                      <a:fontRef idx="minor">
+                        <a:schemeClr val="tx1"/>
+                      </a:fontRef>
+                    </p:style>
+                  </p:cxnSp>
+                  <p:cxnSp>
+                    <p:nvCxnSpPr>
+                      <p:cNvPr id="99" name="Straight Connector 98"/>
+                      <p:cNvCxnSpPr/>
+                      <p:nvPr/>
+                    </p:nvCxnSpPr>
+                    <p:spPr>
+                      <a:xfrm flipH="1">
+                        <a:off x="682300" y="3884312"/>
+                        <a:ext cx="2649238" cy="227"/>
+                      </a:xfrm>
+                      <a:prstGeom prst="line">
+                        <a:avLst/>
+                      </a:prstGeom>
+                      <a:ln w="38100">
+                        <a:headEnd type="arrow" w="med" len="med"/>
+                        <a:tailEnd type="none" w="med" len="med"/>
+                      </a:ln>
+                    </p:spPr>
+                    <p:style>
+                      <a:lnRef idx="1">
+                        <a:schemeClr val="dk1"/>
+                      </a:lnRef>
+                      <a:fillRef idx="0">
+                        <a:schemeClr val="dk1"/>
+                      </a:fillRef>
+                      <a:effectRef idx="0">
+                        <a:schemeClr val="dk1"/>
+                      </a:effectRef>
+                      <a:fontRef idx="minor">
+                        <a:schemeClr val="tx1"/>
+                      </a:fontRef>
+                    </p:style>
+                  </p:cxnSp>
+                  <p:cxnSp>
+                    <p:nvCxnSpPr>
+                      <p:cNvPr id="100" name="Straight Connector 99">
+                        <a:extLst>
+                          <a:ext uri="{FF2B5EF4-FFF2-40B4-BE49-F238E27FC236}">
+                            <a16:creationId xmlns:a16="http://schemas.microsoft.com/office/drawing/2014/main" id="{AE0E5F09-77E1-4805-B59F-673C9B61E487}"/>
+                          </a:ext>
+                        </a:extLst>
+                      </p:cNvPr>
+                      <p:cNvCxnSpPr>
+                        <a:cxnSpLocks/>
+                      </p:cNvCxnSpPr>
+                      <p:nvPr/>
+                    </p:nvCxnSpPr>
+                    <p:spPr>
+                      <a:xfrm flipV="1">
+                        <a:off x="1050147" y="2292769"/>
+                        <a:ext cx="1950147" cy="698632"/>
+                      </a:xfrm>
+                      <a:prstGeom prst="line">
+                        <a:avLst/>
+                      </a:prstGeom>
+                      <a:ln w="38100" cap="rnd">
+                        <a:solidFill>
+                          <a:srgbClr val="FF0000"/>
+                        </a:solidFill>
+                      </a:ln>
+                    </p:spPr>
+                    <p:style>
+                      <a:lnRef idx="1">
+                        <a:schemeClr val="dk1"/>
+                      </a:lnRef>
+                      <a:fillRef idx="0">
+                        <a:schemeClr val="dk1"/>
+                      </a:fillRef>
+                      <a:effectRef idx="0">
+                        <a:schemeClr val="dk1"/>
+                      </a:effectRef>
+                      <a:fontRef idx="minor">
+                        <a:schemeClr val="tx1"/>
+                      </a:fontRef>
+                    </p:style>
+                  </p:cxnSp>
+                </p:grpSp>
+                <p:sp>
+                  <p:nvSpPr>
+                    <p:cNvPr id="96" name="TextBox 95"/>
+                    <p:cNvSpPr txBox="1"/>
+                    <p:nvPr/>
+                  </p:nvSpPr>
+                  <p:spPr>
+                    <a:xfrm rot="16200000">
+                      <a:off x="5887859" y="3669562"/>
+                      <a:ext cx="806408" cy="160340"/>
                     </a:xfrm>
                     <a:prstGeom prst="rect">
                       <a:avLst/>
@@ -3655,352 +3475,140 @@
                     <a:lstStyle/>
                     <a:p>
                       <a:r>
-                        <a:rPr lang="en-US" sz="1900" b="1" dirty="0">
+                        <a:rPr lang="en-US" sz="1600" b="1" dirty="0">
                           <a:latin typeface="Arial" panose="020B0604020202020204" pitchFamily="34" charset="0"/>
                           <a:cs typeface="Arial" panose="020B0604020202020204" pitchFamily="34" charset="0"/>
                         </a:rPr>
-                        <a:t>Cell size</a:t>
+                        <a:t>Body size traits</a:t>
                       </a:r>
                     </a:p>
                   </p:txBody>
                 </p:sp>
-                <p:cxnSp>
-                  <p:nvCxnSpPr>
-                    <p:cNvPr id="37" name="Straight Connector 36"/>
-                    <p:cNvCxnSpPr/>
-                    <p:nvPr/>
-                  </p:nvCxnSpPr>
-                  <p:spPr>
-                    <a:xfrm>
-                      <a:off x="6385263" y="2156981"/>
-                      <a:ext cx="5951" cy="1316051"/>
-                    </a:xfrm>
-                    <a:prstGeom prst="line">
-                      <a:avLst/>
-                    </a:prstGeom>
-                    <a:ln w="38100">
-                      <a:headEnd type="arrow" w="med" len="med"/>
-                      <a:tailEnd type="none" w="med" len="med"/>
-                    </a:ln>
-                  </p:spPr>
-                  <p:style>
-                    <a:lnRef idx="1">
-                      <a:schemeClr val="dk1"/>
-                    </a:lnRef>
-                    <a:fillRef idx="0">
-                      <a:schemeClr val="dk1"/>
-                    </a:fillRef>
-                    <a:effectRef idx="0">
-                      <a:schemeClr val="dk1"/>
-                    </a:effectRef>
-                    <a:fontRef idx="minor">
-                      <a:schemeClr val="tx1"/>
-                    </a:fontRef>
-                  </p:style>
-                </p:cxnSp>
-                <p:cxnSp>
-                  <p:nvCxnSpPr>
-                    <p:cNvPr id="38" name="Straight Connector 37"/>
-                    <p:cNvCxnSpPr/>
-                    <p:nvPr/>
-                  </p:nvCxnSpPr>
-                  <p:spPr>
-                    <a:xfrm flipH="1">
-                      <a:off x="6376837" y="3468523"/>
-                      <a:ext cx="1382911" cy="0"/>
-                    </a:xfrm>
-                    <a:prstGeom prst="line">
-                      <a:avLst/>
-                    </a:prstGeom>
-                    <a:ln w="38100">
-                      <a:headEnd type="arrow" w="med" len="med"/>
-                      <a:tailEnd type="none" w="med" len="med"/>
-                    </a:ln>
-                  </p:spPr>
-                  <p:style>
-                    <a:lnRef idx="1">
-                      <a:schemeClr val="dk1"/>
-                    </a:lnRef>
-                    <a:fillRef idx="0">
-                      <a:schemeClr val="dk1"/>
-                    </a:fillRef>
-                    <a:effectRef idx="0">
-                      <a:schemeClr val="dk1"/>
-                    </a:effectRef>
-                    <a:fontRef idx="minor">
-                      <a:schemeClr val="tx1"/>
-                    </a:fontRef>
-                  </p:style>
-                </p:cxnSp>
               </p:grpSp>
-              <p:grpSp>
-                <p:nvGrpSpPr>
-                  <p:cNvPr id="45" name="Group 44"/>
-                  <p:cNvGrpSpPr/>
-                  <p:nvPr/>
-                </p:nvGrpSpPr>
-                <p:grpSpPr>
-                  <a:xfrm>
-                    <a:off x="1057410" y="5781712"/>
-                    <a:ext cx="2146101" cy="2023339"/>
-                    <a:chOff x="6150173" y="2156981"/>
-                    <a:chExt cx="1609575" cy="1517505"/>
-                  </a:xfrm>
-                </p:grpSpPr>
-                <p:sp>
-                  <p:nvSpPr>
-                    <p:cNvPr id="48" name="TextBox 47"/>
-                    <p:cNvSpPr txBox="1"/>
-                    <p:nvPr/>
-                  </p:nvSpPr>
-                  <p:spPr>
-                    <a:xfrm>
-                      <a:off x="6673897" y="3492282"/>
-                      <a:ext cx="549801" cy="182204"/>
-                    </a:xfrm>
-                    <a:prstGeom prst="rect">
-                      <a:avLst/>
-                    </a:prstGeom>
-                    <a:noFill/>
-                  </p:spPr>
-                  <p:txBody>
-                    <a:bodyPr wrap="none" rtlCol="0">
-                      <a:spAutoFit/>
-                    </a:bodyPr>
-                    <a:lstStyle/>
-                    <a:p>
-                      <a:r>
-                        <a:rPr lang="en-US" sz="1900" b="1" dirty="0">
-                          <a:latin typeface="Arial" panose="020B0604020202020204" pitchFamily="34" charset="0"/>
-                          <a:cs typeface="Arial" panose="020B0604020202020204" pitchFamily="34" charset="0"/>
-                        </a:rPr>
-                        <a:t>Cell size</a:t>
-                      </a:r>
-                    </a:p>
-                  </p:txBody>
-                </p:sp>
-                <p:cxnSp>
-                  <p:nvCxnSpPr>
-                    <p:cNvPr id="50" name="Straight Connector 49"/>
-                    <p:cNvCxnSpPr/>
-                    <p:nvPr/>
-                  </p:nvCxnSpPr>
-                  <p:spPr>
-                    <a:xfrm>
-                      <a:off x="6385263" y="2156981"/>
-                      <a:ext cx="5951" cy="1316051"/>
-                    </a:xfrm>
-                    <a:prstGeom prst="line">
-                      <a:avLst/>
-                    </a:prstGeom>
-                    <a:ln w="38100">
-                      <a:headEnd type="arrow" w="med" len="med"/>
-                      <a:tailEnd type="none" w="med" len="med"/>
-                    </a:ln>
-                  </p:spPr>
-                  <p:style>
-                    <a:lnRef idx="1">
-                      <a:schemeClr val="dk1"/>
-                    </a:lnRef>
-                    <a:fillRef idx="0">
-                      <a:schemeClr val="dk1"/>
-                    </a:fillRef>
-                    <a:effectRef idx="0">
-                      <a:schemeClr val="dk1"/>
-                    </a:effectRef>
-                    <a:fontRef idx="minor">
-                      <a:schemeClr val="tx1"/>
-                    </a:fontRef>
-                  </p:style>
-                </p:cxnSp>
-                <p:cxnSp>
-                  <p:nvCxnSpPr>
-                    <p:cNvPr id="51" name="Straight Connector 50"/>
-                    <p:cNvCxnSpPr/>
-                    <p:nvPr/>
-                  </p:nvCxnSpPr>
-                  <p:spPr>
-                    <a:xfrm flipH="1">
-                      <a:off x="6376837" y="3468523"/>
-                      <a:ext cx="1382911" cy="0"/>
-                    </a:xfrm>
-                    <a:prstGeom prst="line">
-                      <a:avLst/>
-                    </a:prstGeom>
-                    <a:ln w="38100">
-                      <a:headEnd type="arrow" w="med" len="med"/>
-                      <a:tailEnd type="none" w="med" len="med"/>
-                    </a:ln>
-                  </p:spPr>
-                  <p:style>
-                    <a:lnRef idx="1">
-                      <a:schemeClr val="dk1"/>
-                    </a:lnRef>
-                    <a:fillRef idx="0">
-                      <a:schemeClr val="dk1"/>
-                    </a:fillRef>
-                    <a:effectRef idx="0">
-                      <a:schemeClr val="dk1"/>
-                    </a:effectRef>
-                    <a:fontRef idx="minor">
-                      <a:schemeClr val="tx1"/>
-                    </a:fontRef>
-                  </p:style>
-                </p:cxnSp>
-                <p:sp>
-                  <p:nvSpPr>
-                    <p:cNvPr id="52" name="TextBox 51"/>
-                    <p:cNvSpPr txBox="1"/>
-                    <p:nvPr/>
-                  </p:nvSpPr>
-                  <p:spPr>
-                    <a:xfrm rot="16200000">
-                      <a:off x="5670292" y="2787932"/>
-                      <a:ext cx="1141966" cy="182204"/>
-                    </a:xfrm>
-                    <a:prstGeom prst="rect">
-                      <a:avLst/>
-                    </a:prstGeom>
-                    <a:noFill/>
-                  </p:spPr>
-                  <p:txBody>
-                    <a:bodyPr wrap="none" rtlCol="0">
-                      <a:spAutoFit/>
-                    </a:bodyPr>
-                    <a:lstStyle/>
-                    <a:p>
-                      <a:pPr algn="ctr"/>
-                      <a:r>
-                        <a:rPr lang="en-US" sz="1900" b="1" dirty="0">
-                          <a:latin typeface="Arial" panose="020B0604020202020204" pitchFamily="34" charset="0"/>
-                          <a:cs typeface="Arial" panose="020B0604020202020204" pitchFamily="34" charset="0"/>
-                        </a:rPr>
-                        <a:t>Body mass change</a:t>
-                      </a:r>
-                    </a:p>
-                  </p:txBody>
-                </p:sp>
-                <p:cxnSp>
-                  <p:nvCxnSpPr>
-                    <p:cNvPr id="61" name="Straight Connector 60">
-                      <a:extLst>
-                        <a:ext uri="{FF2B5EF4-FFF2-40B4-BE49-F238E27FC236}">
-                          <a16:creationId xmlns:a16="http://schemas.microsoft.com/office/drawing/2014/main" id="{AE0E5F09-77E1-4805-B59F-673C9B61E487}"/>
-                        </a:ext>
-                      </a:extLst>
-                    </p:cNvPr>
-                    <p:cNvCxnSpPr>
-                      <a:cxnSpLocks/>
-                    </p:cNvCxnSpPr>
-                    <p:nvPr/>
-                  </p:nvCxnSpPr>
-                  <p:spPr>
-                    <a:xfrm flipV="1">
-                      <a:off x="6590324" y="2292667"/>
-                      <a:ext cx="873161" cy="644009"/>
-                    </a:xfrm>
-                    <a:prstGeom prst="line">
-                      <a:avLst/>
-                    </a:prstGeom>
-                    <a:ln w="38100" cap="rnd">
-                      <a:solidFill>
-                        <a:srgbClr val="00B050"/>
-                      </a:solidFill>
-                    </a:ln>
-                  </p:spPr>
-                  <p:style>
-                    <a:lnRef idx="1">
-                      <a:schemeClr val="dk1"/>
-                    </a:lnRef>
-                    <a:fillRef idx="0">
-                      <a:schemeClr val="dk1"/>
-                    </a:fillRef>
-                    <a:effectRef idx="0">
-                      <a:schemeClr val="dk1"/>
-                    </a:effectRef>
-                    <a:fontRef idx="minor">
-                      <a:schemeClr val="tx1"/>
-                    </a:fontRef>
-                  </p:style>
-                </p:cxnSp>
-              </p:grpSp>
-              <p:sp>
-                <p:nvSpPr>
-                  <p:cNvPr id="5" name="TextBox 4"/>
-                  <p:cNvSpPr txBox="1"/>
-                  <p:nvPr/>
-                </p:nvSpPr>
-                <p:spPr>
-                  <a:xfrm>
-                    <a:off x="4185973" y="5638799"/>
-                    <a:ext cx="1389233" cy="242939"/>
-                  </a:xfrm>
-                  <a:prstGeom prst="rect">
-                    <a:avLst/>
-                  </a:prstGeom>
-                  <a:noFill/>
-                </p:spPr>
-                <p:txBody>
-                  <a:bodyPr wrap="square" rtlCol="0">
-                    <a:spAutoFit/>
-                  </a:bodyPr>
-                  <a:lstStyle/>
-                  <a:p>
-                    <a:r>
-                      <a:rPr lang="en-US" sz="1900" b="1" dirty="0">
-                        <a:solidFill>
-                          <a:srgbClr val="FF0000"/>
-                        </a:solidFill>
-                        <a:latin typeface="Arial" panose="020B0604020202020204" pitchFamily="34" charset="0"/>
-                        <a:cs typeface="Arial" panose="020B0604020202020204" pitchFamily="34" charset="0"/>
-                      </a:rPr>
-                      <a:t>warm-developed</a:t>
-                    </a:r>
-                  </a:p>
-                </p:txBody>
-              </p:sp>
-              <p:sp>
-                <p:nvSpPr>
-                  <p:cNvPr id="67" name="TextBox 66"/>
-                  <p:cNvSpPr txBox="1"/>
-                  <p:nvPr/>
-                </p:nvSpPr>
-                <p:spPr>
-                  <a:xfrm>
-                    <a:off x="1599321" y="5638799"/>
-                    <a:ext cx="1362170" cy="242939"/>
-                  </a:xfrm>
-                  <a:prstGeom prst="rect">
-                    <a:avLst/>
-                  </a:prstGeom>
-                  <a:noFill/>
-                </p:spPr>
-                <p:txBody>
-                  <a:bodyPr wrap="square" rtlCol="0">
-                    <a:spAutoFit/>
-                  </a:bodyPr>
-                  <a:lstStyle/>
-                  <a:p>
-                    <a:r>
-                      <a:rPr lang="en-US" sz="1900" b="1" dirty="0">
-                        <a:solidFill>
-                          <a:srgbClr val="0000FF"/>
-                        </a:solidFill>
-                        <a:latin typeface="Arial" panose="020B0604020202020204" pitchFamily="34" charset="0"/>
-                        <a:cs typeface="Arial" panose="020B0604020202020204" pitchFamily="34" charset="0"/>
-                      </a:rPr>
-                      <a:t>cold-developed</a:t>
-                    </a:r>
-                  </a:p>
-                </p:txBody>
-              </p:sp>
             </p:grpSp>
+            <p:cxnSp>
+              <p:nvCxnSpPr>
+                <p:cNvPr id="101" name="Straight Connector 100">
+                  <a:extLst>
+                    <a:ext uri="{FF2B5EF4-FFF2-40B4-BE49-F238E27FC236}">
+                      <a16:creationId xmlns:a16="http://schemas.microsoft.com/office/drawing/2014/main" id="{AE0E5F09-77E1-4805-B59F-673C9B61E487}"/>
+                    </a:ext>
+                  </a:extLst>
+                </p:cNvPr>
+                <p:cNvCxnSpPr>
+                  <a:cxnSpLocks/>
+                </p:cNvCxnSpPr>
+                <p:nvPr/>
+              </p:nvCxnSpPr>
+              <p:spPr>
+                <a:xfrm flipV="1">
+                  <a:off x="5053584" y="2691092"/>
+                  <a:ext cx="1369986" cy="204508"/>
+                </a:xfrm>
+                <a:prstGeom prst="line">
+                  <a:avLst/>
+                </a:prstGeom>
+                <a:ln w="38100" cap="rnd">
+                  <a:solidFill>
+                    <a:srgbClr val="0000FF"/>
+                  </a:solidFill>
+                </a:ln>
+              </p:spPr>
+              <p:style>
+                <a:lnRef idx="1">
+                  <a:schemeClr val="dk1"/>
+                </a:lnRef>
+                <a:fillRef idx="0">
+                  <a:schemeClr val="dk1"/>
+                </a:fillRef>
+                <a:effectRef idx="0">
+                  <a:schemeClr val="dk1"/>
+                </a:effectRef>
+                <a:fontRef idx="minor">
+                  <a:schemeClr val="tx1"/>
+                </a:fontRef>
+              </p:style>
+            </p:cxnSp>
+          </p:grpSp>
+        </p:grpSp>
+        <p:grpSp>
+          <p:nvGrpSpPr>
+            <p:cNvPr id="11" name="Group 10">
+              <a:extLst>
+                <a:ext uri="{FF2B5EF4-FFF2-40B4-BE49-F238E27FC236}">
+                  <a16:creationId xmlns:a16="http://schemas.microsoft.com/office/drawing/2014/main" id="{E1F5EB07-0560-4605-B0E1-F34219DCEF84}"/>
+                </a:ext>
+              </a:extLst>
+            </p:cNvPr>
+            <p:cNvGrpSpPr/>
+            <p:nvPr/>
+          </p:nvGrpSpPr>
+          <p:grpSpPr>
+            <a:xfrm>
+              <a:off x="545217" y="4360820"/>
+              <a:ext cx="7573418" cy="4154447"/>
+              <a:chOff x="1060465" y="2747760"/>
+              <a:chExt cx="4782376" cy="2623403"/>
+            </a:xfrm>
+          </p:grpSpPr>
+          <p:sp>
+            <p:nvSpPr>
+              <p:cNvPr id="102" name="TextBox 101"/>
+              <p:cNvSpPr txBox="1"/>
+              <p:nvPr/>
+            </p:nvSpPr>
+            <p:spPr>
+              <a:xfrm rot="16200000">
+                <a:off x="2987295" y="4249683"/>
+                <a:ext cx="1650164" cy="213786"/>
+              </a:xfrm>
+              <a:prstGeom prst="rect">
+                <a:avLst/>
+              </a:prstGeom>
+              <a:noFill/>
+            </p:spPr>
+            <p:txBody>
+              <a:bodyPr wrap="none" rtlCol="0">
+                <a:spAutoFit/>
+              </a:bodyPr>
+              <a:lstStyle/>
+              <a:p>
+                <a:r>
+                  <a:rPr lang="en-US" sz="1600" b="1" dirty="0">
+                    <a:latin typeface="Arial" panose="020B0604020202020204" pitchFamily="34" charset="0"/>
+                    <a:cs typeface="Arial" panose="020B0604020202020204" pitchFamily="34" charset="0"/>
+                  </a:rPr>
+                  <a:t>Standardized fresh mass</a:t>
+                </a:r>
+              </a:p>
+            </p:txBody>
+          </p:sp>
+          <p:grpSp>
+            <p:nvGrpSpPr>
+              <p:cNvPr id="10" name="Group 9">
+                <a:extLst>
+                  <a:ext uri="{FF2B5EF4-FFF2-40B4-BE49-F238E27FC236}">
+                    <a16:creationId xmlns:a16="http://schemas.microsoft.com/office/drawing/2014/main" id="{F4EEBD85-3FA4-4AB3-9C17-06F6D70A677F}"/>
+                  </a:ext>
+                </a:extLst>
+              </p:cNvPr>
+              <p:cNvGrpSpPr/>
+              <p:nvPr/>
+            </p:nvGrpSpPr>
+            <p:grpSpPr>
+              <a:xfrm>
+                <a:off x="1060465" y="2747760"/>
+                <a:ext cx="4782376" cy="2623403"/>
+                <a:chOff x="1060465" y="2747760"/>
+                <a:chExt cx="4782376" cy="2623403"/>
+              </a:xfrm>
+            </p:grpSpPr>
             <p:grpSp>
               <p:nvGrpSpPr>
-                <p:cNvPr id="7" name="Group 6">
+                <p:cNvPr id="8" name="Group 7">
                   <a:extLst>
                     <a:ext uri="{FF2B5EF4-FFF2-40B4-BE49-F238E27FC236}">
-                      <a16:creationId xmlns:a16="http://schemas.microsoft.com/office/drawing/2014/main" id="{40D0D389-0048-4A36-850A-82A1645C16FF}"/>
+                      <a16:creationId xmlns:a16="http://schemas.microsoft.com/office/drawing/2014/main" id="{F74BB610-DDEE-4DB7-96FE-B5BC59069A50}"/>
                     </a:ext>
                   </a:extLst>
                 </p:cNvPr>
@@ -4009,12 +3617,365 @@
               </p:nvGrpSpPr>
               <p:grpSpPr>
                 <a:xfrm>
-                  <a:off x="1255424" y="2747760"/>
-                  <a:ext cx="4324106" cy="1761871"/>
-                  <a:chOff x="1255424" y="2747760"/>
-                  <a:chExt cx="4324106" cy="1761871"/>
+                  <a:off x="1060465" y="2747760"/>
+                  <a:ext cx="4782376" cy="2623403"/>
+                  <a:chOff x="1060465" y="2747760"/>
+                  <a:chExt cx="4782376" cy="2623403"/>
                 </a:xfrm>
               </p:grpSpPr>
+              <p:grpSp>
+                <p:nvGrpSpPr>
+                  <p:cNvPr id="2" name="Group 1"/>
+                  <p:cNvGrpSpPr/>
+                  <p:nvPr/>
+                </p:nvGrpSpPr>
+                <p:grpSpPr>
+                  <a:xfrm>
+                    <a:off x="1060465" y="3393835"/>
+                    <a:ext cx="4782376" cy="1977328"/>
+                    <a:chOff x="1071988" y="5781710"/>
+                    <a:chExt cx="4782376" cy="1977328"/>
+                  </a:xfrm>
+                </p:grpSpPr>
+                <p:grpSp>
+                  <p:nvGrpSpPr>
+                    <p:cNvPr id="35" name="Group 34"/>
+                    <p:cNvGrpSpPr/>
+                    <p:nvPr/>
+                  </p:nvGrpSpPr>
+                  <p:grpSpPr>
+                    <a:xfrm>
+                      <a:off x="4010483" y="5781714"/>
+                      <a:ext cx="1843881" cy="1977324"/>
+                      <a:chOff x="6376837" y="2156981"/>
+                      <a:chExt cx="1382911" cy="1482992"/>
+                    </a:xfrm>
+                  </p:grpSpPr>
+                  <p:sp>
+                    <p:nvSpPr>
+                      <p:cNvPr id="36" name="TextBox 35"/>
+                      <p:cNvSpPr txBox="1"/>
+                      <p:nvPr/>
+                    </p:nvSpPr>
+                    <p:spPr>
+                      <a:xfrm>
+                        <a:off x="6480450" y="3479633"/>
+                        <a:ext cx="1097933" cy="160340"/>
+                      </a:xfrm>
+                      <a:prstGeom prst="rect">
+                        <a:avLst/>
+                      </a:prstGeom>
+                      <a:noFill/>
+                    </p:spPr>
+                    <p:txBody>
+                      <a:bodyPr wrap="none" rtlCol="0">
+                        <a:spAutoFit/>
+                      </a:bodyPr>
+                      <a:lstStyle/>
+                      <a:p>
+                        <a:r>
+                          <a:rPr lang="en-US" sz="1600" b="1" dirty="0">
+                            <a:latin typeface="Arial" panose="020B0604020202020204" pitchFamily="34" charset="0"/>
+                            <a:cs typeface="Arial" panose="020B0604020202020204" pitchFamily="34" charset="0"/>
+                          </a:rPr>
+                          <a:t>Standardized cell size</a:t>
+                        </a:r>
+                      </a:p>
+                    </p:txBody>
+                  </p:sp>
+                  <p:cxnSp>
+                    <p:nvCxnSpPr>
+                      <p:cNvPr id="37" name="Straight Connector 36"/>
+                      <p:cNvCxnSpPr/>
+                      <p:nvPr/>
+                    </p:nvCxnSpPr>
+                    <p:spPr>
+                      <a:xfrm>
+                        <a:off x="6385263" y="2156981"/>
+                        <a:ext cx="5951" cy="1316051"/>
+                      </a:xfrm>
+                      <a:prstGeom prst="line">
+                        <a:avLst/>
+                      </a:prstGeom>
+                      <a:ln w="38100">
+                        <a:headEnd type="arrow" w="med" len="med"/>
+                        <a:tailEnd type="none" w="med" len="med"/>
+                      </a:ln>
+                    </p:spPr>
+                    <p:style>
+                      <a:lnRef idx="1">
+                        <a:schemeClr val="dk1"/>
+                      </a:lnRef>
+                      <a:fillRef idx="0">
+                        <a:schemeClr val="dk1"/>
+                      </a:fillRef>
+                      <a:effectRef idx="0">
+                        <a:schemeClr val="dk1"/>
+                      </a:effectRef>
+                      <a:fontRef idx="minor">
+                        <a:schemeClr val="tx1"/>
+                      </a:fontRef>
+                    </p:style>
+                  </p:cxnSp>
+                  <p:cxnSp>
+                    <p:nvCxnSpPr>
+                      <p:cNvPr id="38" name="Straight Connector 37"/>
+                      <p:cNvCxnSpPr/>
+                      <p:nvPr/>
+                    </p:nvCxnSpPr>
+                    <p:spPr>
+                      <a:xfrm flipH="1">
+                        <a:off x="6376837" y="3468523"/>
+                        <a:ext cx="1382911" cy="0"/>
+                      </a:xfrm>
+                      <a:prstGeom prst="line">
+                        <a:avLst/>
+                      </a:prstGeom>
+                      <a:ln w="38100">
+                        <a:headEnd type="arrow" w="med" len="med"/>
+                        <a:tailEnd type="none" w="med" len="med"/>
+                      </a:ln>
+                    </p:spPr>
+                    <p:style>
+                      <a:lnRef idx="1">
+                        <a:schemeClr val="dk1"/>
+                      </a:lnRef>
+                      <a:fillRef idx="0">
+                        <a:schemeClr val="dk1"/>
+                      </a:fillRef>
+                      <a:effectRef idx="0">
+                        <a:schemeClr val="dk1"/>
+                      </a:effectRef>
+                      <a:fontRef idx="minor">
+                        <a:schemeClr val="tx1"/>
+                      </a:fontRef>
+                    </p:style>
+                  </p:cxnSp>
+                </p:grpSp>
+                <p:grpSp>
+                  <p:nvGrpSpPr>
+                    <p:cNvPr id="45" name="Group 44"/>
+                    <p:cNvGrpSpPr/>
+                    <p:nvPr/>
+                  </p:nvGrpSpPr>
+                  <p:grpSpPr>
+                    <a:xfrm>
+                      <a:off x="1071988" y="5781710"/>
+                      <a:ext cx="2131525" cy="1977328"/>
+                      <a:chOff x="6161105" y="2156981"/>
+                      <a:chExt cx="1598643" cy="1482998"/>
+                    </a:xfrm>
+                  </p:grpSpPr>
+                  <p:sp>
+                    <p:nvSpPr>
+                      <p:cNvPr id="48" name="TextBox 47"/>
+                      <p:cNvSpPr txBox="1"/>
+                      <p:nvPr/>
+                    </p:nvSpPr>
+                    <p:spPr>
+                      <a:xfrm>
+                        <a:off x="6481271" y="3479639"/>
+                        <a:ext cx="1097932" cy="160340"/>
+                      </a:xfrm>
+                      <a:prstGeom prst="rect">
+                        <a:avLst/>
+                      </a:prstGeom>
+                      <a:noFill/>
+                    </p:spPr>
+                    <p:txBody>
+                      <a:bodyPr wrap="none" rtlCol="0">
+                        <a:spAutoFit/>
+                      </a:bodyPr>
+                      <a:lstStyle/>
+                      <a:p>
+                        <a:r>
+                          <a:rPr lang="en-US" sz="1600" b="1" dirty="0">
+                            <a:latin typeface="Arial" panose="020B0604020202020204" pitchFamily="34" charset="0"/>
+                            <a:cs typeface="Arial" panose="020B0604020202020204" pitchFamily="34" charset="0"/>
+                          </a:rPr>
+                          <a:t>Standardized cell size</a:t>
+                        </a:r>
+                      </a:p>
+                    </p:txBody>
+                  </p:sp>
+                  <p:cxnSp>
+                    <p:nvCxnSpPr>
+                      <p:cNvPr id="50" name="Straight Connector 49"/>
+                      <p:cNvCxnSpPr/>
+                      <p:nvPr/>
+                    </p:nvCxnSpPr>
+                    <p:spPr>
+                      <a:xfrm>
+                        <a:off x="6385263" y="2156981"/>
+                        <a:ext cx="5951" cy="1316051"/>
+                      </a:xfrm>
+                      <a:prstGeom prst="line">
+                        <a:avLst/>
+                      </a:prstGeom>
+                      <a:ln w="38100">
+                        <a:headEnd type="arrow" w="med" len="med"/>
+                        <a:tailEnd type="none" w="med" len="med"/>
+                      </a:ln>
+                    </p:spPr>
+                    <p:style>
+                      <a:lnRef idx="1">
+                        <a:schemeClr val="dk1"/>
+                      </a:lnRef>
+                      <a:fillRef idx="0">
+                        <a:schemeClr val="dk1"/>
+                      </a:fillRef>
+                      <a:effectRef idx="0">
+                        <a:schemeClr val="dk1"/>
+                      </a:effectRef>
+                      <a:fontRef idx="minor">
+                        <a:schemeClr val="tx1"/>
+                      </a:fontRef>
+                    </p:style>
+                  </p:cxnSp>
+                  <p:cxnSp>
+                    <p:nvCxnSpPr>
+                      <p:cNvPr id="51" name="Straight Connector 50"/>
+                      <p:cNvCxnSpPr/>
+                      <p:nvPr/>
+                    </p:nvCxnSpPr>
+                    <p:spPr>
+                      <a:xfrm flipH="1">
+                        <a:off x="6376837" y="3468523"/>
+                        <a:ext cx="1382911" cy="0"/>
+                      </a:xfrm>
+                      <a:prstGeom prst="line">
+                        <a:avLst/>
+                      </a:prstGeom>
+                      <a:ln w="38100">
+                        <a:headEnd type="arrow" w="med" len="med"/>
+                        <a:tailEnd type="none" w="med" len="med"/>
+                      </a:ln>
+                    </p:spPr>
+                    <p:style>
+                      <a:lnRef idx="1">
+                        <a:schemeClr val="dk1"/>
+                      </a:lnRef>
+                      <a:fillRef idx="0">
+                        <a:schemeClr val="dk1"/>
+                      </a:fillRef>
+                      <a:effectRef idx="0">
+                        <a:schemeClr val="dk1"/>
+                      </a:effectRef>
+                      <a:fontRef idx="minor">
+                        <a:schemeClr val="tx1"/>
+                      </a:fontRef>
+                    </p:style>
+                  </p:cxnSp>
+                  <p:sp>
+                    <p:nvSpPr>
+                      <p:cNvPr id="52" name="TextBox 51"/>
+                      <p:cNvSpPr txBox="1"/>
+                      <p:nvPr/>
+                    </p:nvSpPr>
+                    <p:spPr>
+                      <a:xfrm rot="16200000">
+                        <a:off x="5622463" y="2798864"/>
+                        <a:ext cx="1237624" cy="160340"/>
+                      </a:xfrm>
+                      <a:prstGeom prst="rect">
+                        <a:avLst/>
+                      </a:prstGeom>
+                      <a:noFill/>
+                    </p:spPr>
+                    <p:txBody>
+                      <a:bodyPr wrap="none" rtlCol="0">
+                        <a:spAutoFit/>
+                      </a:bodyPr>
+                      <a:lstStyle/>
+                      <a:p>
+                        <a:r>
+                          <a:rPr lang="en-US" sz="1600" b="1" dirty="0">
+                            <a:latin typeface="Arial" panose="020B0604020202020204" pitchFamily="34" charset="0"/>
+                            <a:cs typeface="Arial" panose="020B0604020202020204" pitchFamily="34" charset="0"/>
+                          </a:rPr>
+                          <a:t>Standardized fresh mass</a:t>
+                        </a:r>
+                      </a:p>
+                    </p:txBody>
+                  </p:sp>
+                </p:grpSp>
+                <p:sp>
+                  <p:nvSpPr>
+                    <p:cNvPr id="5" name="TextBox 4"/>
+                    <p:cNvSpPr txBox="1"/>
+                    <p:nvPr/>
+                  </p:nvSpPr>
+                  <p:spPr>
+                    <a:xfrm>
+                      <a:off x="4190237" y="5858671"/>
+                      <a:ext cx="1380703" cy="213786"/>
+                    </a:xfrm>
+                    <a:prstGeom prst="rect">
+                      <a:avLst/>
+                    </a:prstGeom>
+                    <a:noFill/>
+                  </p:spPr>
+                  <p:txBody>
+                    <a:bodyPr wrap="square" rtlCol="0">
+                      <a:spAutoFit/>
+                    </a:bodyPr>
+                    <a:lstStyle/>
+                    <a:p>
+                      <a:r>
+                        <a:rPr lang="en-US" sz="1600" b="1" dirty="0">
+                          <a:solidFill>
+                            <a:srgbClr val="00B050"/>
+                          </a:solidFill>
+                          <a:latin typeface="Arial" panose="020B0604020202020204" pitchFamily="34" charset="0"/>
+                          <a:cs typeface="Arial" panose="020B0604020202020204" pitchFamily="34" charset="0"/>
+                        </a:rPr>
+                        <a:t>normoxic-developed</a:t>
+                      </a:r>
+                    </a:p>
+                  </p:txBody>
+                </p:sp>
+                <p:sp>
+                  <p:nvSpPr>
+                    <p:cNvPr id="40" name="TextBox 39">
+                      <a:extLst>
+                        <a:ext uri="{FF2B5EF4-FFF2-40B4-BE49-F238E27FC236}">
+                          <a16:creationId xmlns:a16="http://schemas.microsoft.com/office/drawing/2014/main" id="{FA8E85C3-44D2-4797-84C6-A15BF483D2A5}"/>
+                        </a:ext>
+                      </a:extLst>
+                    </p:cNvPr>
+                    <p:cNvSpPr txBox="1"/>
+                    <p:nvPr/>
+                  </p:nvSpPr>
+                  <p:spPr>
+                    <a:xfrm>
+                      <a:off x="1543628" y="5858671"/>
+                      <a:ext cx="1306754" cy="213786"/>
+                    </a:xfrm>
+                    <a:prstGeom prst="rect">
+                      <a:avLst/>
+                    </a:prstGeom>
+                    <a:noFill/>
+                  </p:spPr>
+                  <p:txBody>
+                    <a:bodyPr wrap="square" rtlCol="0">
+                      <a:spAutoFit/>
+                    </a:bodyPr>
+                    <a:lstStyle/>
+                    <a:p>
+                      <a:r>
+                        <a:rPr lang="en-US" sz="1600" b="1" dirty="0">
+                          <a:solidFill>
+                            <a:srgbClr val="FFC000"/>
+                          </a:solidFill>
+                          <a:latin typeface="Arial" panose="020B0604020202020204" pitchFamily="34" charset="0"/>
+                          <a:cs typeface="Arial" panose="020B0604020202020204" pitchFamily="34" charset="0"/>
+                        </a:rPr>
+                        <a:t>hypoxic-developed</a:t>
+                      </a:r>
+                    </a:p>
+                  </p:txBody>
+                </p:sp>
+              </p:grpSp>
               <p:sp>
                 <p:nvSpPr>
                   <p:cNvPr id="49" name="TextBox 48"/>
@@ -4055,137 +4016,180 @@
                   </a:p>
                 </p:txBody>
               </p:sp>
-              <p:cxnSp>
-                <p:nvCxnSpPr>
-                  <p:cNvPr id="71" name="Straight Connector 70">
-                    <a:extLst>
-                      <a:ext uri="{FF2B5EF4-FFF2-40B4-BE49-F238E27FC236}">
-                        <a16:creationId xmlns:a16="http://schemas.microsoft.com/office/drawing/2014/main" id="{AE0E5F09-77E1-4805-B59F-673C9B61E487}"/>
-                      </a:ext>
-                    </a:extLst>
-                  </p:cNvPr>
-                  <p:cNvCxnSpPr>
-                    <a:cxnSpLocks/>
-                  </p:cNvCxnSpPr>
-                  <p:nvPr/>
-                </p:nvCxnSpPr>
-                <p:spPr>
-                  <a:xfrm flipV="1">
-                    <a:off x="1657260" y="3650952"/>
-                    <a:ext cx="1164215" cy="858679"/>
-                  </a:xfrm>
-                  <a:prstGeom prst="line">
-                    <a:avLst/>
-                  </a:prstGeom>
-                  <a:ln w="38100" cap="rnd">
-                    <a:solidFill>
-                      <a:srgbClr val="FFC000"/>
-                    </a:solidFill>
-                  </a:ln>
-                </p:spPr>
-                <p:style>
-                  <a:lnRef idx="1">
-                    <a:schemeClr val="dk1"/>
-                  </a:lnRef>
-                  <a:fillRef idx="0">
-                    <a:schemeClr val="dk1"/>
-                  </a:fillRef>
-                  <a:effectRef idx="0">
-                    <a:schemeClr val="dk1"/>
-                  </a:effectRef>
-                  <a:fontRef idx="minor">
-                    <a:schemeClr val="tx1"/>
-                  </a:fontRef>
-                </p:style>
-              </p:cxnSp>
             </p:grpSp>
+            <p:cxnSp>
+              <p:nvCxnSpPr>
+                <p:cNvPr id="73" name="Straight Connector 72">
+                  <a:extLst>
+                    <a:ext uri="{FF2B5EF4-FFF2-40B4-BE49-F238E27FC236}">
+                      <a16:creationId xmlns:a16="http://schemas.microsoft.com/office/drawing/2014/main" id="{AE0E5F09-77E1-4805-B59F-673C9B61E487}"/>
+                    </a:ext>
+                  </a:extLst>
+                </p:cNvPr>
+                <p:cNvCxnSpPr>
+                  <a:cxnSpLocks/>
+                </p:cNvCxnSpPr>
+                <p:nvPr/>
+              </p:nvCxnSpPr>
+              <p:spPr>
+                <a:xfrm flipV="1">
+                  <a:off x="4348519" y="3916248"/>
+                  <a:ext cx="1071372" cy="490103"/>
+                </a:xfrm>
+                <a:prstGeom prst="line">
+                  <a:avLst/>
+                </a:prstGeom>
+                <a:ln w="38100" cap="rnd">
+                  <a:solidFill>
+                    <a:srgbClr val="FF0000"/>
+                  </a:solidFill>
+                </a:ln>
+              </p:spPr>
+              <p:style>
+                <a:lnRef idx="1">
+                  <a:schemeClr val="dk1"/>
+                </a:lnRef>
+                <a:fillRef idx="0">
+                  <a:schemeClr val="dk1"/>
+                </a:fillRef>
+                <a:effectRef idx="0">
+                  <a:schemeClr val="dk1"/>
+                </a:effectRef>
+                <a:fontRef idx="minor">
+                  <a:schemeClr val="tx1"/>
+                </a:fontRef>
+              </p:style>
+            </p:cxnSp>
+            <p:cxnSp>
+              <p:nvCxnSpPr>
+                <p:cNvPr id="42" name="Straight Connector 41">
+                  <a:extLst>
+                    <a:ext uri="{FF2B5EF4-FFF2-40B4-BE49-F238E27FC236}">
+                      <a16:creationId xmlns:a16="http://schemas.microsoft.com/office/drawing/2014/main" id="{87FE54DB-6756-4ADF-9A58-1C4B96BD89BE}"/>
+                    </a:ext>
+                  </a:extLst>
+                </p:cNvPr>
+                <p:cNvCxnSpPr>
+                  <a:cxnSpLocks/>
+                </p:cNvCxnSpPr>
+                <p:nvPr/>
+              </p:nvCxnSpPr>
+              <p:spPr>
+                <a:xfrm flipV="1">
+                  <a:off x="1664936" y="4220840"/>
+                  <a:ext cx="1130146" cy="144057"/>
+                </a:xfrm>
+                <a:prstGeom prst="line">
+                  <a:avLst/>
+                </a:prstGeom>
+                <a:ln w="38100" cap="rnd">
+                  <a:solidFill>
+                    <a:srgbClr val="0000FF"/>
+                  </a:solidFill>
+                </a:ln>
+              </p:spPr>
+              <p:style>
+                <a:lnRef idx="1">
+                  <a:schemeClr val="dk1"/>
+                </a:lnRef>
+                <a:fillRef idx="0">
+                  <a:schemeClr val="dk1"/>
+                </a:fillRef>
+                <a:effectRef idx="0">
+                  <a:schemeClr val="dk1"/>
+                </a:effectRef>
+                <a:fontRef idx="minor">
+                  <a:schemeClr val="tx1"/>
+                </a:fontRef>
+              </p:style>
+            </p:cxnSp>
+            <p:cxnSp>
+              <p:nvCxnSpPr>
+                <p:cNvPr id="53" name="Straight Connector 52">
+                  <a:extLst>
+                    <a:ext uri="{FF2B5EF4-FFF2-40B4-BE49-F238E27FC236}">
+                      <a16:creationId xmlns:a16="http://schemas.microsoft.com/office/drawing/2014/main" id="{CB746C2A-D453-4FB9-872E-88D23B3E8E46}"/>
+                    </a:ext>
+                  </a:extLst>
+                </p:cNvPr>
+                <p:cNvCxnSpPr>
+                  <a:cxnSpLocks/>
+                </p:cNvCxnSpPr>
+                <p:nvPr/>
+              </p:nvCxnSpPr>
+              <p:spPr>
+                <a:xfrm flipV="1">
+                  <a:off x="4348519" y="4114420"/>
+                  <a:ext cx="1130146" cy="144057"/>
+                </a:xfrm>
+                <a:prstGeom prst="line">
+                  <a:avLst/>
+                </a:prstGeom>
+                <a:ln w="38100" cap="rnd">
+                  <a:solidFill>
+                    <a:srgbClr val="0000FF"/>
+                  </a:solidFill>
+                </a:ln>
+              </p:spPr>
+              <p:style>
+                <a:lnRef idx="1">
+                  <a:schemeClr val="dk1"/>
+                </a:lnRef>
+                <a:fillRef idx="0">
+                  <a:schemeClr val="dk1"/>
+                </a:fillRef>
+                <a:effectRef idx="0">
+                  <a:schemeClr val="dk1"/>
+                </a:effectRef>
+                <a:fontRef idx="minor">
+                  <a:schemeClr val="tx1"/>
+                </a:fontRef>
+              </p:style>
+            </p:cxnSp>
+            <p:cxnSp>
+              <p:nvCxnSpPr>
+                <p:cNvPr id="55" name="Straight Connector 54">
+                  <a:extLst>
+                    <a:ext uri="{FF2B5EF4-FFF2-40B4-BE49-F238E27FC236}">
+                      <a16:creationId xmlns:a16="http://schemas.microsoft.com/office/drawing/2014/main" id="{782FCBD7-F680-42D5-9610-C8ABE8250D7E}"/>
+                    </a:ext>
+                  </a:extLst>
+                </p:cNvPr>
+                <p:cNvCxnSpPr>
+                  <a:cxnSpLocks/>
+                </p:cNvCxnSpPr>
+                <p:nvPr/>
+              </p:nvCxnSpPr>
+              <p:spPr>
+                <a:xfrm flipV="1">
+                  <a:off x="1697667" y="3890976"/>
+                  <a:ext cx="1052060" cy="659729"/>
+                </a:xfrm>
+                <a:prstGeom prst="line">
+                  <a:avLst/>
+                </a:prstGeom>
+                <a:ln w="38100" cap="rnd">
+                  <a:solidFill>
+                    <a:srgbClr val="FF0000"/>
+                  </a:solidFill>
+                </a:ln>
+              </p:spPr>
+              <p:style>
+                <a:lnRef idx="1">
+                  <a:schemeClr val="dk1"/>
+                </a:lnRef>
+                <a:fillRef idx="0">
+                  <a:schemeClr val="dk1"/>
+                </a:fillRef>
+                <a:effectRef idx="0">
+                  <a:schemeClr val="dk1"/>
+                </a:effectRef>
+                <a:fontRef idx="minor">
+                  <a:schemeClr val="tx1"/>
+                </a:fontRef>
+              </p:style>
+            </p:cxnSp>
           </p:grpSp>
-          <p:cxnSp>
-            <p:nvCxnSpPr>
-              <p:cNvPr id="73" name="Straight Connector 72">
-                <a:extLst>
-                  <a:ext uri="{FF2B5EF4-FFF2-40B4-BE49-F238E27FC236}">
-                    <a16:creationId xmlns:a16="http://schemas.microsoft.com/office/drawing/2014/main" id="{AE0E5F09-77E1-4805-B59F-673C9B61E487}"/>
-                  </a:ext>
-                </a:extLst>
-              </p:cNvPr>
-              <p:cNvCxnSpPr>
-                <a:cxnSpLocks/>
-              </p:cNvCxnSpPr>
-              <p:nvPr/>
-            </p:nvCxnSpPr>
-            <p:spPr>
-              <a:xfrm flipV="1">
-                <a:off x="4255677" y="3916246"/>
-                <a:ext cx="1164215" cy="858679"/>
-              </a:xfrm>
-              <a:prstGeom prst="line">
-                <a:avLst/>
-              </a:prstGeom>
-              <a:ln w="38100" cap="rnd">
-                <a:solidFill>
-                  <a:srgbClr val="00B050"/>
-                </a:solidFill>
-              </a:ln>
-            </p:spPr>
-            <p:style>
-              <a:lnRef idx="1">
-                <a:schemeClr val="dk1"/>
-              </a:lnRef>
-              <a:fillRef idx="0">
-                <a:schemeClr val="dk1"/>
-              </a:fillRef>
-              <a:effectRef idx="0">
-                <a:schemeClr val="dk1"/>
-              </a:effectRef>
-              <a:fontRef idx="minor">
-                <a:schemeClr val="tx1"/>
-              </a:fontRef>
-            </p:style>
-          </p:cxnSp>
-          <p:cxnSp>
-            <p:nvCxnSpPr>
-              <p:cNvPr id="74" name="Straight Connector 73">
-                <a:extLst>
-                  <a:ext uri="{FF2B5EF4-FFF2-40B4-BE49-F238E27FC236}">
-                    <a16:creationId xmlns:a16="http://schemas.microsoft.com/office/drawing/2014/main" id="{AE0E5F09-77E1-4805-B59F-673C9B61E487}"/>
-                  </a:ext>
-                </a:extLst>
-              </p:cNvPr>
-              <p:cNvCxnSpPr>
-                <a:cxnSpLocks/>
-              </p:cNvCxnSpPr>
-              <p:nvPr/>
-            </p:nvCxnSpPr>
-            <p:spPr>
-              <a:xfrm flipV="1">
-                <a:off x="4255677" y="4114420"/>
-                <a:ext cx="1163932" cy="431905"/>
-              </a:xfrm>
-              <a:prstGeom prst="line">
-                <a:avLst/>
-              </a:prstGeom>
-              <a:ln w="38100" cap="rnd">
-                <a:solidFill>
-                  <a:srgbClr val="FFC000"/>
-                </a:solidFill>
-              </a:ln>
-            </p:spPr>
-            <p:style>
-              <a:lnRef idx="1">
-                <a:schemeClr val="dk1"/>
-              </a:lnRef>
-              <a:fillRef idx="0">
-                <a:schemeClr val="dk1"/>
-              </a:fillRef>
-              <a:effectRef idx="0">
-                <a:schemeClr val="dk1"/>
-              </a:effectRef>
-              <a:fontRef idx="minor">
-                <a:schemeClr val="tx1"/>
-              </a:fontRef>
-            </p:style>
-          </p:cxnSp>
         </p:grpSp>
       </p:grpSp>
     </p:spTree>

--- a/Outputs/Figure 1 Predictions.pptx
+++ b/Outputs/Figure 1 Predictions.pptx
@@ -304,7 +304,7 @@
           <a:p>
             <a:fld id="{EA292604-F11B-4C4D-9FD7-9191CB216B3A}" type="datetimeFigureOut">
               <a:rPr lang="nl-NL" smtClean="0"/>
-              <a:t>4-10-2021</a:t>
+              <a:t>14-12-2021</a:t>
             </a:fld>
             <a:endParaRPr lang="nl-NL"/>
           </a:p>
@@ -474,7 +474,7 @@
           <a:p>
             <a:fld id="{EA292604-F11B-4C4D-9FD7-9191CB216B3A}" type="datetimeFigureOut">
               <a:rPr lang="nl-NL" smtClean="0"/>
-              <a:t>4-10-2021</a:t>
+              <a:t>14-12-2021</a:t>
             </a:fld>
             <a:endParaRPr lang="nl-NL"/>
           </a:p>
@@ -654,7 +654,7 @@
           <a:p>
             <a:fld id="{EA292604-F11B-4C4D-9FD7-9191CB216B3A}" type="datetimeFigureOut">
               <a:rPr lang="nl-NL" smtClean="0"/>
-              <a:t>4-10-2021</a:t>
+              <a:t>14-12-2021</a:t>
             </a:fld>
             <a:endParaRPr lang="nl-NL"/>
           </a:p>
@@ -824,7 +824,7 @@
           <a:p>
             <a:fld id="{EA292604-F11B-4C4D-9FD7-9191CB216B3A}" type="datetimeFigureOut">
               <a:rPr lang="nl-NL" smtClean="0"/>
-              <a:t>4-10-2021</a:t>
+              <a:t>14-12-2021</a:t>
             </a:fld>
             <a:endParaRPr lang="nl-NL"/>
           </a:p>
@@ -1070,7 +1070,7 @@
           <a:p>
             <a:fld id="{EA292604-F11B-4C4D-9FD7-9191CB216B3A}" type="datetimeFigureOut">
               <a:rPr lang="nl-NL" smtClean="0"/>
-              <a:t>4-10-2021</a:t>
+              <a:t>14-12-2021</a:t>
             </a:fld>
             <a:endParaRPr lang="nl-NL"/>
           </a:p>
@@ -1358,7 +1358,7 @@
           <a:p>
             <a:fld id="{EA292604-F11B-4C4D-9FD7-9191CB216B3A}" type="datetimeFigureOut">
               <a:rPr lang="nl-NL" smtClean="0"/>
-              <a:t>4-10-2021</a:t>
+              <a:t>14-12-2021</a:t>
             </a:fld>
             <a:endParaRPr lang="nl-NL"/>
           </a:p>
@@ -1780,7 +1780,7 @@
           <a:p>
             <a:fld id="{EA292604-F11B-4C4D-9FD7-9191CB216B3A}" type="datetimeFigureOut">
               <a:rPr lang="nl-NL" smtClean="0"/>
-              <a:t>4-10-2021</a:t>
+              <a:t>14-12-2021</a:t>
             </a:fld>
             <a:endParaRPr lang="nl-NL"/>
           </a:p>
@@ -1898,7 +1898,7 @@
           <a:p>
             <a:fld id="{EA292604-F11B-4C4D-9FD7-9191CB216B3A}" type="datetimeFigureOut">
               <a:rPr lang="nl-NL" smtClean="0"/>
-              <a:t>4-10-2021</a:t>
+              <a:t>14-12-2021</a:t>
             </a:fld>
             <a:endParaRPr lang="nl-NL"/>
           </a:p>
@@ -1993,7 +1993,7 @@
           <a:p>
             <a:fld id="{EA292604-F11B-4C4D-9FD7-9191CB216B3A}" type="datetimeFigureOut">
               <a:rPr lang="nl-NL" smtClean="0"/>
-              <a:t>4-10-2021</a:t>
+              <a:t>14-12-2021</a:t>
             </a:fld>
             <a:endParaRPr lang="nl-NL"/>
           </a:p>
@@ -2270,7 +2270,7 @@
           <a:p>
             <a:fld id="{EA292604-F11B-4C4D-9FD7-9191CB216B3A}" type="datetimeFigureOut">
               <a:rPr lang="nl-NL" smtClean="0"/>
-              <a:t>4-10-2021</a:t>
+              <a:t>14-12-2021</a:t>
             </a:fld>
             <a:endParaRPr lang="nl-NL"/>
           </a:p>
@@ -2523,7 +2523,7 @@
           <a:p>
             <a:fld id="{EA292604-F11B-4C4D-9FD7-9191CB216B3A}" type="datetimeFigureOut">
               <a:rPr lang="nl-NL" smtClean="0"/>
-              <a:t>4-10-2021</a:t>
+              <a:t>14-12-2021</a:t>
             </a:fld>
             <a:endParaRPr lang="nl-NL"/>
           </a:p>
@@ -2736,7 +2736,7 @@
           <a:p>
             <a:fld id="{EA292604-F11B-4C4D-9FD7-9191CB216B3A}" type="datetimeFigureOut">
               <a:rPr lang="nl-NL" smtClean="0"/>
-              <a:t>4-10-2021</a:t>
+              <a:t>14-12-2021</a:t>
             </a:fld>
             <a:endParaRPr lang="nl-NL"/>
           </a:p>
@@ -3113,10 +3113,10 @@
       </p:grpSpPr>
       <p:grpSp>
         <p:nvGrpSpPr>
-          <p:cNvPr id="23" name="Group 22">
+          <p:cNvPr id="19" name="Group 18">
             <a:extLst>
               <a:ext uri="{FF2B5EF4-FFF2-40B4-BE49-F238E27FC236}">
-                <a16:creationId xmlns:a16="http://schemas.microsoft.com/office/drawing/2014/main" id="{A4CF51C5-CCEC-4913-8AF8-7BA6C46230F6}"/>
+                <a16:creationId xmlns:a16="http://schemas.microsoft.com/office/drawing/2014/main" id="{CBB05CFF-6142-4543-B59E-9D2C53A99EEE}"/>
               </a:ext>
             </a:extLst>
           </p:cNvPr>
@@ -3125,10 +3125,10 @@
         </p:nvGrpSpPr>
         <p:grpSpPr>
           <a:xfrm>
-            <a:off x="545217" y="70931"/>
-            <a:ext cx="7573418" cy="8444336"/>
-            <a:chOff x="545217" y="70931"/>
-            <a:chExt cx="7573418" cy="8444336"/>
+            <a:off x="533669" y="98213"/>
+            <a:ext cx="7601204" cy="8444336"/>
+            <a:chOff x="533669" y="98213"/>
+            <a:chExt cx="7601204" cy="8444336"/>
           </a:xfrm>
         </p:grpSpPr>
         <p:grpSp>
@@ -3145,7 +3145,7 @@
           </p:nvGrpSpPr>
           <p:grpSpPr>
             <a:xfrm>
-              <a:off x="2268974" y="70931"/>
+              <a:off x="2110581" y="98213"/>
               <a:ext cx="4102814" cy="4126829"/>
               <a:chOff x="2048557" y="70931"/>
               <a:chExt cx="4102814" cy="4126829"/>
@@ -3205,10 +3205,10 @@
             </p:nvGrpSpPr>
             <p:grpSpPr>
               <a:xfrm>
-                <a:off x="2494532" y="703271"/>
-                <a:ext cx="3344917" cy="3494489"/>
-                <a:chOff x="4544062" y="2322415"/>
-                <a:chExt cx="2112210" cy="2206664"/>
+                <a:off x="2494539" y="703271"/>
+                <a:ext cx="3344915" cy="3494489"/>
+                <a:chOff x="4544067" y="2322415"/>
+                <a:chExt cx="2112209" cy="2206664"/>
               </a:xfrm>
             </p:grpSpPr>
             <p:grpSp>
@@ -3219,10 +3219,10 @@
               </p:nvGrpSpPr>
               <p:grpSpPr>
                 <a:xfrm>
-                  <a:off x="4544062" y="2322415"/>
-                  <a:ext cx="2112210" cy="2206664"/>
-                  <a:chOff x="3790514" y="2360063"/>
-                  <a:chExt cx="2112210" cy="2206664"/>
+                  <a:off x="4544067" y="2322415"/>
+                  <a:ext cx="2112209" cy="2206664"/>
+                  <a:chOff x="3790519" y="2360063"/>
+                  <a:chExt cx="2112209" cy="2206664"/>
                 </a:xfrm>
               </p:grpSpPr>
               <p:sp>
@@ -3288,10 +3288,10 @@
                 </p:nvGrpSpPr>
                 <p:grpSpPr>
                   <a:xfrm>
-                    <a:off x="3790514" y="2360063"/>
-                    <a:ext cx="2112210" cy="2206664"/>
-                    <a:chOff x="6210893" y="3055250"/>
-                    <a:chExt cx="1584157" cy="1654999"/>
+                    <a:off x="3790519" y="2360063"/>
+                    <a:ext cx="2112209" cy="2206664"/>
+                    <a:chOff x="6210895" y="3055250"/>
+                    <a:chExt cx="1584156" cy="1654999"/>
                   </a:xfrm>
                 </p:grpSpPr>
                 <p:sp>
@@ -3334,22 +3334,24 @@
                   </p:nvGrpSpPr>
                   <p:grpSpPr>
                     <a:xfrm>
-                      <a:off x="6396960" y="3055250"/>
-                      <a:ext cx="1398090" cy="1316051"/>
-                      <a:chOff x="678001" y="1687400"/>
-                      <a:chExt cx="2653537" cy="2220706"/>
+                      <a:off x="6390086" y="3055250"/>
+                      <a:ext cx="1404965" cy="1307026"/>
+                      <a:chOff x="664955" y="1687400"/>
+                      <a:chExt cx="2666584" cy="2205476"/>
                     </a:xfrm>
                   </p:grpSpPr>
                   <p:cxnSp>
                     <p:nvCxnSpPr>
                       <p:cNvPr id="98" name="Straight Connector 97"/>
-                      <p:cNvCxnSpPr/>
+                      <p:cNvCxnSpPr>
+                        <a:cxnSpLocks/>
+                      </p:cNvCxnSpPr>
                       <p:nvPr/>
                     </p:nvCxnSpPr>
                     <p:spPr>
                       <a:xfrm>
                         <a:off x="678001" y="1687400"/>
-                        <a:ext cx="11295" cy="2220706"/>
+                        <a:ext cx="4300" cy="2198984"/>
                       </a:xfrm>
                       <a:prstGeom prst="line">
                         <a:avLst/>
@@ -3377,13 +3379,15 @@
                   <p:cxnSp>
                     <p:nvCxnSpPr>
                       <p:cNvPr id="99" name="Straight Connector 98"/>
-                      <p:cNvCxnSpPr/>
+                      <p:cNvCxnSpPr>
+                        <a:cxnSpLocks/>
+                      </p:cNvCxnSpPr>
                       <p:nvPr/>
                     </p:nvCxnSpPr>
                     <p:spPr>
                       <a:xfrm flipH="1">
-                        <a:off x="682300" y="3884312"/>
-                        <a:ext cx="2649238" cy="227"/>
+                        <a:off x="664955" y="3884312"/>
+                        <a:ext cx="2666584" cy="8564"/>
                       </a:xfrm>
                       <a:prstGeom prst="line">
                         <a:avLst/>
@@ -3460,8 +3464,8 @@
                   </p:nvSpPr>
                   <p:spPr>
                     <a:xfrm rot="16200000">
-                      <a:off x="5887859" y="3669562"/>
-                      <a:ext cx="806408" cy="160340"/>
+                      <a:off x="5701481" y="3669562"/>
+                      <a:ext cx="1179168" cy="160340"/>
                     </a:xfrm>
                     <a:prstGeom prst="rect">
                       <a:avLst/>
@@ -3479,7 +3483,7 @@
                           <a:latin typeface="Arial" panose="020B0604020202020204" pitchFamily="34" charset="0"/>
                           <a:cs typeface="Arial" panose="020B0604020202020204" pitchFamily="34" charset="0"/>
                         </a:rPr>
-                        <a:t>Body size traits</a:t>
+                        <a:t>Standardised size traits</a:t>
                       </a:r>
                     </a:p>
                   </p:txBody>
@@ -3545,10 +3549,10 @@
           </p:nvGrpSpPr>
           <p:grpSpPr>
             <a:xfrm>
-              <a:off x="545217" y="4360820"/>
-              <a:ext cx="7573418" cy="4154447"/>
-              <a:chOff x="1060465" y="2747760"/>
-              <a:chExt cx="4782376" cy="2623403"/>
+              <a:off x="533669" y="4388102"/>
+              <a:ext cx="7201694" cy="4154447"/>
+              <a:chOff x="1060462" y="2747760"/>
+              <a:chExt cx="4547643" cy="2623403"/>
             </a:xfrm>
           </p:grpSpPr>
           <p:sp>
@@ -3559,8 +3563,8 @@
             </p:nvSpPr>
             <p:spPr>
               <a:xfrm rot="16200000">
-                <a:off x="2987295" y="4249683"/>
-                <a:ext cx="1650164" cy="213786"/>
+                <a:off x="2983752" y="4148497"/>
+                <a:ext cx="1657249" cy="213786"/>
               </a:xfrm>
               <a:prstGeom prst="rect">
                 <a:avLst/>
@@ -3574,11 +3578,18 @@
               <a:lstStyle/>
               <a:p>
                 <a:r>
+                  <a:rPr lang="en-GB" sz="1600" b="1" dirty="0">
+                    <a:latin typeface="Arial" panose="020B0604020202020204" pitchFamily="34" charset="0"/>
+                    <a:cs typeface="Arial" panose="020B0604020202020204" pitchFamily="34" charset="0"/>
+                  </a:rPr>
+                  <a:t>Standardised</a:t>
+                </a:r>
+                <a:r>
                   <a:rPr lang="en-US" sz="1600" b="1" dirty="0">
                     <a:latin typeface="Arial" panose="020B0604020202020204" pitchFamily="34" charset="0"/>
                     <a:cs typeface="Arial" panose="020B0604020202020204" pitchFamily="34" charset="0"/>
                   </a:rPr>
-                  <a:t>Standardized fresh mass</a:t>
+                  <a:t> fresh mass</a:t>
                 </a:r>
               </a:p>
             </p:txBody>
@@ -3597,10 +3608,10 @@
             </p:nvGrpSpPr>
             <p:grpSpPr>
               <a:xfrm>
-                <a:off x="1060465" y="2747760"/>
-                <a:ext cx="4782376" cy="2623403"/>
-                <a:chOff x="1060465" y="2747760"/>
-                <a:chExt cx="4782376" cy="2623403"/>
+                <a:off x="1060462" y="2747760"/>
+                <a:ext cx="4547643" cy="2623403"/>
+                <a:chOff x="1060462" y="2747760"/>
+                <a:chExt cx="4547643" cy="2623403"/>
               </a:xfrm>
             </p:grpSpPr>
             <p:grpSp>
@@ -3617,10 +3628,10 @@
               </p:nvGrpSpPr>
               <p:grpSpPr>
                 <a:xfrm>
-                  <a:off x="1060465" y="2747760"/>
-                  <a:ext cx="4782376" cy="2623403"/>
-                  <a:chOff x="1060465" y="2747760"/>
-                  <a:chExt cx="4782376" cy="2623403"/>
+                  <a:off x="1060462" y="2747760"/>
+                  <a:ext cx="4547643" cy="2623403"/>
+                  <a:chOff x="1060462" y="2747760"/>
+                  <a:chExt cx="4547643" cy="2623403"/>
                 </a:xfrm>
               </p:grpSpPr>
               <p:grpSp>
@@ -3631,36 +3642,68 @@
                 </p:nvGrpSpPr>
                 <p:grpSpPr>
                   <a:xfrm>
-                    <a:off x="1060465" y="3393835"/>
-                    <a:ext cx="4782376" cy="1977328"/>
-                    <a:chOff x="1071988" y="5781710"/>
-                    <a:chExt cx="4782376" cy="1977328"/>
+                    <a:off x="1060462" y="3426764"/>
+                    <a:ext cx="4547643" cy="1944399"/>
+                    <a:chOff x="1071985" y="5814639"/>
+                    <a:chExt cx="4547643" cy="1944399"/>
                   </a:xfrm>
                 </p:grpSpPr>
+                <p:sp>
+                  <p:nvSpPr>
+                    <p:cNvPr id="36" name="TextBox 35"/>
+                    <p:cNvSpPr txBox="1"/>
+                    <p:nvPr/>
+                  </p:nvSpPr>
+                  <p:spPr>
+                    <a:xfrm>
+                      <a:off x="4148632" y="7545251"/>
+                      <a:ext cx="1470996" cy="213786"/>
+                    </a:xfrm>
+                    <a:prstGeom prst="rect">
+                      <a:avLst/>
+                    </a:prstGeom>
+                    <a:noFill/>
+                  </p:spPr>
+                  <p:txBody>
+                    <a:bodyPr wrap="none" rtlCol="0">
+                      <a:spAutoFit/>
+                    </a:bodyPr>
+                    <a:lstStyle/>
+                    <a:p>
+                      <a:r>
+                        <a:rPr lang="en-US" sz="1600" b="1" dirty="0">
+                          <a:latin typeface="Arial" panose="020B0604020202020204" pitchFamily="34" charset="0"/>
+                          <a:cs typeface="Arial" panose="020B0604020202020204" pitchFamily="34" charset="0"/>
+                        </a:rPr>
+                        <a:t>Standardised cell size</a:t>
+                      </a:r>
+                    </a:p>
+                  </p:txBody>
+                </p:sp>
                 <p:grpSp>
                   <p:nvGrpSpPr>
-                    <p:cNvPr id="35" name="Group 34"/>
+                    <p:cNvPr id="45" name="Group 44"/>
                     <p:cNvGrpSpPr/>
                     <p:nvPr/>
                   </p:nvGrpSpPr>
                   <p:grpSpPr>
                     <a:xfrm>
-                      <a:off x="4010483" y="5781714"/>
-                      <a:ext cx="1843881" cy="1977324"/>
-                      <a:chOff x="6376837" y="2156981"/>
-                      <a:chExt cx="1382911" cy="1482992"/>
+                      <a:off x="1071985" y="5814639"/>
+                      <a:ext cx="1897884" cy="1944399"/>
+                      <a:chOff x="6161105" y="2181678"/>
+                      <a:chExt cx="1423413" cy="1458301"/>
                     </a:xfrm>
                   </p:grpSpPr>
                   <p:sp>
                     <p:nvSpPr>
-                      <p:cNvPr id="36" name="TextBox 35"/>
+                      <p:cNvPr id="48" name="TextBox 47"/>
                       <p:cNvSpPr txBox="1"/>
                       <p:nvPr/>
                     </p:nvSpPr>
                     <p:spPr>
                       <a:xfrm>
-                        <a:off x="6480450" y="3479633"/>
-                        <a:ext cx="1097933" cy="160340"/>
+                        <a:off x="6481271" y="3479639"/>
+                        <a:ext cx="1103247" cy="160340"/>
                       </a:xfrm>
                       <a:prstGeom prst="rect">
                         <a:avLst/>
@@ -3678,104 +3721,21 @@
                             <a:latin typeface="Arial" panose="020B0604020202020204" pitchFamily="34" charset="0"/>
                             <a:cs typeface="Arial" panose="020B0604020202020204" pitchFamily="34" charset="0"/>
                           </a:rPr>
-                          <a:t>Standardized cell size</a:t>
+                          <a:t>Standardised cell size</a:t>
                         </a:r>
                       </a:p>
                     </p:txBody>
                   </p:sp>
-                  <p:cxnSp>
-                    <p:nvCxnSpPr>
-                      <p:cNvPr id="37" name="Straight Connector 36"/>
-                      <p:cNvCxnSpPr/>
-                      <p:nvPr/>
-                    </p:nvCxnSpPr>
-                    <p:spPr>
-                      <a:xfrm>
-                        <a:off x="6385263" y="2156981"/>
-                        <a:ext cx="5951" cy="1316051"/>
-                      </a:xfrm>
-                      <a:prstGeom prst="line">
-                        <a:avLst/>
-                      </a:prstGeom>
-                      <a:ln w="38100">
-                        <a:headEnd type="arrow" w="med" len="med"/>
-                        <a:tailEnd type="none" w="med" len="med"/>
-                      </a:ln>
-                    </p:spPr>
-                    <p:style>
-                      <a:lnRef idx="1">
-                        <a:schemeClr val="dk1"/>
-                      </a:lnRef>
-                      <a:fillRef idx="0">
-                        <a:schemeClr val="dk1"/>
-                      </a:fillRef>
-                      <a:effectRef idx="0">
-                        <a:schemeClr val="dk1"/>
-                      </a:effectRef>
-                      <a:fontRef idx="minor">
-                        <a:schemeClr val="tx1"/>
-                      </a:fontRef>
-                    </p:style>
-                  </p:cxnSp>
-                  <p:cxnSp>
-                    <p:nvCxnSpPr>
-                      <p:cNvPr id="38" name="Straight Connector 37"/>
-                      <p:cNvCxnSpPr/>
-                      <p:nvPr/>
-                    </p:nvCxnSpPr>
-                    <p:spPr>
-                      <a:xfrm flipH="1">
-                        <a:off x="6376837" y="3468523"/>
-                        <a:ext cx="1382911" cy="0"/>
-                      </a:xfrm>
-                      <a:prstGeom prst="line">
-                        <a:avLst/>
-                      </a:prstGeom>
-                      <a:ln w="38100">
-                        <a:headEnd type="arrow" w="med" len="med"/>
-                        <a:tailEnd type="none" w="med" len="med"/>
-                      </a:ln>
-                    </p:spPr>
-                    <p:style>
-                      <a:lnRef idx="1">
-                        <a:schemeClr val="dk1"/>
-                      </a:lnRef>
-                      <a:fillRef idx="0">
-                        <a:schemeClr val="dk1"/>
-                      </a:fillRef>
-                      <a:effectRef idx="0">
-                        <a:schemeClr val="dk1"/>
-                      </a:effectRef>
-                      <a:fontRef idx="minor">
-                        <a:schemeClr val="tx1"/>
-                      </a:fontRef>
-                    </p:style>
-                  </p:cxnSp>
-                </p:grpSp>
-                <p:grpSp>
-                  <p:nvGrpSpPr>
-                    <p:cNvPr id="45" name="Group 44"/>
-                    <p:cNvGrpSpPr/>
-                    <p:nvPr/>
-                  </p:nvGrpSpPr>
-                  <p:grpSpPr>
-                    <a:xfrm>
-                      <a:off x="1071988" y="5781710"/>
-                      <a:ext cx="2131525" cy="1977328"/>
-                      <a:chOff x="6161105" y="2156981"/>
-                      <a:chExt cx="1598643" cy="1482998"/>
-                    </a:xfrm>
-                  </p:grpSpPr>
                   <p:sp>
                     <p:nvSpPr>
-                      <p:cNvPr id="48" name="TextBox 47"/>
+                      <p:cNvPr id="52" name="TextBox 51"/>
                       <p:cNvSpPr txBox="1"/>
                       <p:nvPr/>
                     </p:nvSpPr>
                     <p:spPr>
-                      <a:xfrm>
-                        <a:off x="6481271" y="3479639"/>
-                        <a:ext cx="1097932" cy="160340"/>
+                      <a:xfrm rot="16200000">
+                        <a:off x="5619805" y="2722978"/>
+                        <a:ext cx="1242939" cy="160340"/>
                       </a:xfrm>
                       <a:prstGeom prst="rect">
                         <a:avLst/>
@@ -3793,107 +3753,7 @@
                             <a:latin typeface="Arial" panose="020B0604020202020204" pitchFamily="34" charset="0"/>
                             <a:cs typeface="Arial" panose="020B0604020202020204" pitchFamily="34" charset="0"/>
                           </a:rPr>
-                          <a:t>Standardized cell size</a:t>
-                        </a:r>
-                      </a:p>
-                    </p:txBody>
-                  </p:sp>
-                  <p:cxnSp>
-                    <p:nvCxnSpPr>
-                      <p:cNvPr id="50" name="Straight Connector 49"/>
-                      <p:cNvCxnSpPr/>
-                      <p:nvPr/>
-                    </p:nvCxnSpPr>
-                    <p:spPr>
-                      <a:xfrm>
-                        <a:off x="6385263" y="2156981"/>
-                        <a:ext cx="5951" cy="1316051"/>
-                      </a:xfrm>
-                      <a:prstGeom prst="line">
-                        <a:avLst/>
-                      </a:prstGeom>
-                      <a:ln w="38100">
-                        <a:headEnd type="arrow" w="med" len="med"/>
-                        <a:tailEnd type="none" w="med" len="med"/>
-                      </a:ln>
-                    </p:spPr>
-                    <p:style>
-                      <a:lnRef idx="1">
-                        <a:schemeClr val="dk1"/>
-                      </a:lnRef>
-                      <a:fillRef idx="0">
-                        <a:schemeClr val="dk1"/>
-                      </a:fillRef>
-                      <a:effectRef idx="0">
-                        <a:schemeClr val="dk1"/>
-                      </a:effectRef>
-                      <a:fontRef idx="minor">
-                        <a:schemeClr val="tx1"/>
-                      </a:fontRef>
-                    </p:style>
-                  </p:cxnSp>
-                  <p:cxnSp>
-                    <p:nvCxnSpPr>
-                      <p:cNvPr id="51" name="Straight Connector 50"/>
-                      <p:cNvCxnSpPr/>
-                      <p:nvPr/>
-                    </p:nvCxnSpPr>
-                    <p:spPr>
-                      <a:xfrm flipH="1">
-                        <a:off x="6376837" y="3468523"/>
-                        <a:ext cx="1382911" cy="0"/>
-                      </a:xfrm>
-                      <a:prstGeom prst="line">
-                        <a:avLst/>
-                      </a:prstGeom>
-                      <a:ln w="38100">
-                        <a:headEnd type="arrow" w="med" len="med"/>
-                        <a:tailEnd type="none" w="med" len="med"/>
-                      </a:ln>
-                    </p:spPr>
-                    <p:style>
-                      <a:lnRef idx="1">
-                        <a:schemeClr val="dk1"/>
-                      </a:lnRef>
-                      <a:fillRef idx="0">
-                        <a:schemeClr val="dk1"/>
-                      </a:fillRef>
-                      <a:effectRef idx="0">
-                        <a:schemeClr val="dk1"/>
-                      </a:effectRef>
-                      <a:fontRef idx="minor">
-                        <a:schemeClr val="tx1"/>
-                      </a:fontRef>
-                    </p:style>
-                  </p:cxnSp>
-                  <p:sp>
-                    <p:nvSpPr>
-                      <p:cNvPr id="52" name="TextBox 51"/>
-                      <p:cNvSpPr txBox="1"/>
-                      <p:nvPr/>
-                    </p:nvSpPr>
-                    <p:spPr>
-                      <a:xfrm rot="16200000">
-                        <a:off x="5622463" y="2798864"/>
-                        <a:ext cx="1237624" cy="160340"/>
-                      </a:xfrm>
-                      <a:prstGeom prst="rect">
-                        <a:avLst/>
-                      </a:prstGeom>
-                      <a:noFill/>
-                    </p:spPr>
-                    <p:txBody>
-                      <a:bodyPr wrap="none" rtlCol="0">
-                        <a:spAutoFit/>
-                      </a:bodyPr>
-                      <a:lstStyle/>
-                      <a:p>
-                        <a:r>
-                          <a:rPr lang="en-US" sz="1600" b="1" dirty="0">
-                            <a:latin typeface="Arial" panose="020B0604020202020204" pitchFamily="34" charset="0"/>
-                            <a:cs typeface="Arial" panose="020B0604020202020204" pitchFamily="34" charset="0"/>
-                          </a:rPr>
-                          <a:t>Standardized fresh mass</a:t>
+                          <a:t>Standardised fresh mass</a:t>
                         </a:r>
                       </a:p>
                     </p:txBody>
@@ -4076,7 +3936,7 @@
               </p:nvCxnSpPr>
               <p:spPr>
                 <a:xfrm flipV="1">
-                  <a:off x="1664936" y="4220840"/>
+                  <a:off x="1664936" y="4299848"/>
                   <a:ext cx="1130146" cy="144057"/>
                 </a:xfrm>
                 <a:prstGeom prst="line">
@@ -4162,7 +4022,7 @@
               </p:nvCxnSpPr>
               <p:spPr>
                 <a:xfrm flipV="1">
-                  <a:off x="1697667" y="3890976"/>
+                  <a:off x="1697667" y="3969984"/>
                   <a:ext cx="1052060" cy="659729"/>
                 </a:xfrm>
                 <a:prstGeom prst="line">
@@ -4191,6 +4051,174 @@
             </p:cxnSp>
           </p:grpSp>
         </p:grpSp>
+        <p:cxnSp>
+          <p:nvCxnSpPr>
+            <p:cNvPr id="47" name="Straight Connector 46">
+              <a:extLst>
+                <a:ext uri="{FF2B5EF4-FFF2-40B4-BE49-F238E27FC236}">
+                  <a16:creationId xmlns:a16="http://schemas.microsoft.com/office/drawing/2014/main" id="{23EF0587-756B-4853-8327-C28250A9425D}"/>
+                </a:ext>
+              </a:extLst>
+            </p:cNvPr>
+            <p:cNvCxnSpPr>
+              <a:cxnSpLocks/>
+            </p:cNvCxnSpPr>
+            <p:nvPr/>
+          </p:nvCxnSpPr>
+          <p:spPr>
+            <a:xfrm>
+              <a:off x="5182830" y="5375624"/>
+              <a:ext cx="4784" cy="2751629"/>
+            </a:xfrm>
+            <a:prstGeom prst="line">
+              <a:avLst/>
+            </a:prstGeom>
+            <a:ln w="38100">
+              <a:headEnd type="arrow" w="med" len="med"/>
+              <a:tailEnd type="none" w="med" len="med"/>
+            </a:ln>
+          </p:spPr>
+          <p:style>
+            <a:lnRef idx="1">
+              <a:schemeClr val="dk1"/>
+            </a:lnRef>
+            <a:fillRef idx="0">
+              <a:schemeClr val="dk1"/>
+            </a:fillRef>
+            <a:effectRef idx="0">
+              <a:schemeClr val="dk1"/>
+            </a:effectRef>
+            <a:fontRef idx="minor">
+              <a:schemeClr val="tx1"/>
+            </a:fontRef>
+          </p:style>
+        </p:cxnSp>
+        <p:cxnSp>
+          <p:nvCxnSpPr>
+            <p:cNvPr id="54" name="Straight Connector 53">
+              <a:extLst>
+                <a:ext uri="{FF2B5EF4-FFF2-40B4-BE49-F238E27FC236}">
+                  <a16:creationId xmlns:a16="http://schemas.microsoft.com/office/drawing/2014/main" id="{1CDFE9A2-735D-4E04-8E97-2AB8110801CA}"/>
+                </a:ext>
+              </a:extLst>
+            </p:cNvPr>
+            <p:cNvCxnSpPr>
+              <a:cxnSpLocks/>
+            </p:cNvCxnSpPr>
+            <p:nvPr/>
+          </p:nvCxnSpPr>
+          <p:spPr>
+            <a:xfrm flipH="1">
+              <a:off x="5168316" y="8124661"/>
+              <a:ext cx="2966557" cy="10716"/>
+            </a:xfrm>
+            <a:prstGeom prst="line">
+              <a:avLst/>
+            </a:prstGeom>
+            <a:ln w="38100">
+              <a:headEnd type="arrow" w="med" len="med"/>
+              <a:tailEnd type="none" w="med" len="med"/>
+            </a:ln>
+          </p:spPr>
+          <p:style>
+            <a:lnRef idx="1">
+              <a:schemeClr val="dk1"/>
+            </a:lnRef>
+            <a:fillRef idx="0">
+              <a:schemeClr val="dk1"/>
+            </a:fillRef>
+            <a:effectRef idx="0">
+              <a:schemeClr val="dk1"/>
+            </a:effectRef>
+            <a:fontRef idx="minor">
+              <a:schemeClr val="tx1"/>
+            </a:fontRef>
+          </p:style>
+        </p:cxnSp>
+        <p:cxnSp>
+          <p:nvCxnSpPr>
+            <p:cNvPr id="56" name="Straight Connector 55">
+              <a:extLst>
+                <a:ext uri="{FF2B5EF4-FFF2-40B4-BE49-F238E27FC236}">
+                  <a16:creationId xmlns:a16="http://schemas.microsoft.com/office/drawing/2014/main" id="{8A321526-0705-47FA-8D75-B85A0ECCBF30}"/>
+                </a:ext>
+              </a:extLst>
+            </p:cNvPr>
+            <p:cNvCxnSpPr>
+              <a:cxnSpLocks/>
+            </p:cNvCxnSpPr>
+            <p:nvPr/>
+          </p:nvCxnSpPr>
+          <p:spPr>
+            <a:xfrm>
+              <a:off x="1005801" y="5375624"/>
+              <a:ext cx="4784" cy="2751629"/>
+            </a:xfrm>
+            <a:prstGeom prst="line">
+              <a:avLst/>
+            </a:prstGeom>
+            <a:ln w="38100">
+              <a:headEnd type="arrow" w="med" len="med"/>
+              <a:tailEnd type="none" w="med" len="med"/>
+            </a:ln>
+          </p:spPr>
+          <p:style>
+            <a:lnRef idx="1">
+              <a:schemeClr val="dk1"/>
+            </a:lnRef>
+            <a:fillRef idx="0">
+              <a:schemeClr val="dk1"/>
+            </a:fillRef>
+            <a:effectRef idx="0">
+              <a:schemeClr val="dk1"/>
+            </a:effectRef>
+            <a:fontRef idx="minor">
+              <a:schemeClr val="tx1"/>
+            </a:fontRef>
+          </p:style>
+        </p:cxnSp>
+        <p:cxnSp>
+          <p:nvCxnSpPr>
+            <p:cNvPr id="57" name="Straight Connector 56">
+              <a:extLst>
+                <a:ext uri="{FF2B5EF4-FFF2-40B4-BE49-F238E27FC236}">
+                  <a16:creationId xmlns:a16="http://schemas.microsoft.com/office/drawing/2014/main" id="{595836C9-7A3D-4275-8C1E-E121EE6B6E3D}"/>
+                </a:ext>
+              </a:extLst>
+            </p:cNvPr>
+            <p:cNvCxnSpPr>
+              <a:cxnSpLocks/>
+            </p:cNvCxnSpPr>
+            <p:nvPr/>
+          </p:nvCxnSpPr>
+          <p:spPr>
+            <a:xfrm flipH="1">
+              <a:off x="991287" y="8124661"/>
+              <a:ext cx="2966557" cy="10716"/>
+            </a:xfrm>
+            <a:prstGeom prst="line">
+              <a:avLst/>
+            </a:prstGeom>
+            <a:ln w="38100">
+              <a:headEnd type="arrow" w="med" len="med"/>
+              <a:tailEnd type="none" w="med" len="med"/>
+            </a:ln>
+          </p:spPr>
+          <p:style>
+            <a:lnRef idx="1">
+              <a:schemeClr val="dk1"/>
+            </a:lnRef>
+            <a:fillRef idx="0">
+              <a:schemeClr val="dk1"/>
+            </a:fillRef>
+            <a:effectRef idx="0">
+              <a:schemeClr val="dk1"/>
+            </a:effectRef>
+            <a:fontRef idx="minor">
+              <a:schemeClr val="tx1"/>
+            </a:fontRef>
+          </p:style>
+        </p:cxnSp>
       </p:grpSp>
     </p:spTree>
     <p:extLst>
